--- a/ta5/Avance 03 IA.pptx
+++ b/ta5/Avance 03 IA.pptx
@@ -7,13 +7,15 @@
   <p:sldIdLst>
     <p:sldId id="256" r:id="rId2"/>
     <p:sldId id="257" r:id="rId3"/>
-    <p:sldId id="259" r:id="rId4"/>
-    <p:sldId id="258" r:id="rId5"/>
+    <p:sldId id="258" r:id="rId4"/>
+    <p:sldId id="259" r:id="rId5"/>
     <p:sldId id="260" r:id="rId6"/>
     <p:sldId id="261" r:id="rId7"/>
-    <p:sldId id="263" r:id="rId8"/>
-    <p:sldId id="264" r:id="rId9"/>
-    <p:sldId id="262" r:id="rId10"/>
+    <p:sldId id="262" r:id="rId8"/>
+    <p:sldId id="263" r:id="rId9"/>
+    <p:sldId id="264" r:id="rId10"/>
+    <p:sldId id="265" r:id="rId11"/>
+    <p:sldId id="266" r:id="rId12"/>
   </p:sldIdLst>
   <p:sldSz cx="12192000" cy="6858000"/>
   <p:notesSz cx="6858000" cy="9144000"/>
@@ -112,457 +114,1068 @@
       </a:defRPr>
     </a:lvl9pPr>
   </p:defaultTextStyle>
-  <p:extLst>
-    <p:ext uri="{EFAFB233-063F-42B5-8137-9DF3F51BA10A}">
-      <p15:sldGuideLst xmlns:p15="http://schemas.microsoft.com/office/powerpoint/2012/main"/>
-    </p:ext>
-  </p:extLst>
 </p:presentation>
-</file>
-
-<file path=ppt/revisionInfo.xml><?xml version="1.0" encoding="utf-8"?>
-<p1510:revInfo xmlns:a="http://schemas.openxmlformats.org/drawingml/2006/main" xmlns:r="http://schemas.openxmlformats.org/officeDocument/2006/relationships" xmlns:p1510="http://schemas.microsoft.com/office/powerpoint/2015/10/main">
-  <p1510:revLst>
-    <p1510:client id="{87AB9A15-D466-4682-9E8C-0F55FFE1CD03}" v="131" dt="2024-08-26T15:43:56.700"/>
-  </p1510:revLst>
-</p1510:revInfo>
 </file>
 
 <file path=ppt/changesInfos/changesInfo1.xml><?xml version="1.0" encoding="utf-8"?>
 <pc:chgInfo xmlns:a="http://schemas.openxmlformats.org/drawingml/2006/main" xmlns:r="http://schemas.openxmlformats.org/officeDocument/2006/relationships" xmlns:ac="http://schemas.microsoft.com/office/drawing/2013/main/command" xmlns:pc="http://schemas.microsoft.com/office/powerpoint/2013/main/command">
   <pc:docChgLst>
-    <pc:chgData name="HERNANDEZ ORTIZ JOSE ALFREDO" userId="6190f617-08f2-4ebb-a74d-41f293cab510" providerId="ADAL" clId="{87AB9A15-D466-4682-9E8C-0F55FFE1CD03}"/>
-    <pc:docChg chg="undo custSel addSld delSld modSld">
-      <pc:chgData name="HERNANDEZ ORTIZ JOSE ALFREDO" userId="6190f617-08f2-4ebb-a74d-41f293cab510" providerId="ADAL" clId="{87AB9A15-D466-4682-9E8C-0F55FFE1CD03}" dt="2024-08-26T15:47:12.130" v="1916" actId="1440"/>
+    <pc:chgData name="HERNANDEZ ORTIZ JOSE ALFREDO" userId="6190f617-08f2-4ebb-a74d-41f293cab510" providerId="ADAL" clId="{28DA792A-7D39-47BE-B06B-F613DE89D9DA}"/>
+    <pc:docChg chg="undo custSel modSld">
+      <pc:chgData name="HERNANDEZ ORTIZ JOSE ALFREDO" userId="6190f617-08f2-4ebb-a74d-41f293cab510" providerId="ADAL" clId="{28DA792A-7D39-47BE-B06B-F613DE89D9DA}" dt="2024-08-30T16:22:50.215" v="25" actId="26606"/>
       <pc:docMkLst>
         <pc:docMk/>
       </pc:docMkLst>
-      <pc:sldChg chg="modSp new mod">
-        <pc:chgData name="HERNANDEZ ORTIZ JOSE ALFREDO" userId="6190f617-08f2-4ebb-a74d-41f293cab510" providerId="ADAL" clId="{87AB9A15-D466-4682-9E8C-0F55FFE1CD03}" dt="2024-08-26T03:11:10.224" v="45" actId="207"/>
+      <pc:sldChg chg="addSp delSp modSp mod setBg addAnim delAnim">
+        <pc:chgData name="HERNANDEZ ORTIZ JOSE ALFREDO" userId="6190f617-08f2-4ebb-a74d-41f293cab510" providerId="ADAL" clId="{28DA792A-7D39-47BE-B06B-F613DE89D9DA}" dt="2024-08-30T16:21:25.543" v="10" actId="26606"/>
         <pc:sldMkLst>
           <pc:docMk/>
-          <pc:sldMk cId="2100550507" sldId="256"/>
+          <pc:sldMk cId="2671778472" sldId="256"/>
         </pc:sldMkLst>
         <pc:spChg chg="mod">
-          <ac:chgData name="HERNANDEZ ORTIZ JOSE ALFREDO" userId="6190f617-08f2-4ebb-a74d-41f293cab510" providerId="ADAL" clId="{87AB9A15-D466-4682-9E8C-0F55FFE1CD03}" dt="2024-08-26T03:08:58.090" v="37" actId="3064"/>
-          <ac:spMkLst>
-            <pc:docMk/>
-            <pc:sldMk cId="2100550507" sldId="256"/>
-            <ac:spMk id="2" creationId="{CCA63CBE-2D97-1FDB-2A08-9F3CA04FC059}"/>
+          <ac:chgData name="HERNANDEZ ORTIZ JOSE ALFREDO" userId="6190f617-08f2-4ebb-a74d-41f293cab510" providerId="ADAL" clId="{28DA792A-7D39-47BE-B06B-F613DE89D9DA}" dt="2024-08-30T16:21:25.543" v="10" actId="26606"/>
+          <ac:spMkLst>
+            <pc:docMk/>
+            <pc:sldMk cId="2671778472" sldId="256"/>
+            <ac:spMk id="2" creationId="{F38A24AF-C6A0-CFE0-D1C7-5EB81E8F9662}"/>
           </ac:spMkLst>
         </pc:spChg>
         <pc:spChg chg="mod">
-          <ac:chgData name="HERNANDEZ ORTIZ JOSE ALFREDO" userId="6190f617-08f2-4ebb-a74d-41f293cab510" providerId="ADAL" clId="{87AB9A15-D466-4682-9E8C-0F55FFE1CD03}" dt="2024-08-26T03:11:10.224" v="45" actId="207"/>
-          <ac:spMkLst>
-            <pc:docMk/>
-            <pc:sldMk cId="2100550507" sldId="256"/>
-            <ac:spMk id="3" creationId="{CCF63D78-4DFC-F847-C791-DD7CEDDC0070}"/>
-          </ac:spMkLst>
-        </pc:spChg>
+          <ac:chgData name="HERNANDEZ ORTIZ JOSE ALFREDO" userId="6190f617-08f2-4ebb-a74d-41f293cab510" providerId="ADAL" clId="{28DA792A-7D39-47BE-B06B-F613DE89D9DA}" dt="2024-08-30T16:21:25.543" v="10" actId="26606"/>
+          <ac:spMkLst>
+            <pc:docMk/>
+            <pc:sldMk cId="2671778472" sldId="256"/>
+            <ac:spMk id="3" creationId="{8254165D-F69C-3C8F-88C8-636545C7AB7E}"/>
+          </ac:spMkLst>
+        </pc:spChg>
+        <pc:spChg chg="add del">
+          <ac:chgData name="HERNANDEZ ORTIZ JOSE ALFREDO" userId="6190f617-08f2-4ebb-a74d-41f293cab510" providerId="ADAL" clId="{28DA792A-7D39-47BE-B06B-F613DE89D9DA}" dt="2024-08-30T16:20:42.887" v="1" actId="26606"/>
+          <ac:spMkLst>
+            <pc:docMk/>
+            <pc:sldMk cId="2671778472" sldId="256"/>
+            <ac:spMk id="8" creationId="{5E7AA7E8-8006-4E1F-A566-FCF37EE6F35D}"/>
+          </ac:spMkLst>
+        </pc:spChg>
+        <pc:spChg chg="add del">
+          <ac:chgData name="HERNANDEZ ORTIZ JOSE ALFREDO" userId="6190f617-08f2-4ebb-a74d-41f293cab510" providerId="ADAL" clId="{28DA792A-7D39-47BE-B06B-F613DE89D9DA}" dt="2024-08-30T16:21:25.543" v="10" actId="26606"/>
+          <ac:spMkLst>
+            <pc:docMk/>
+            <pc:sldMk cId="2671778472" sldId="256"/>
+            <ac:spMk id="12" creationId="{9C682A1A-5B2D-4111-BBD6-620165633E5B}"/>
+          </ac:spMkLst>
+        </pc:spChg>
+        <pc:spChg chg="add del">
+          <ac:chgData name="HERNANDEZ ORTIZ JOSE ALFREDO" userId="6190f617-08f2-4ebb-a74d-41f293cab510" providerId="ADAL" clId="{28DA792A-7D39-47BE-B06B-F613DE89D9DA}" dt="2024-08-30T16:20:50.965" v="3" actId="26606"/>
+          <ac:spMkLst>
+            <pc:docMk/>
+            <pc:sldMk cId="2671778472" sldId="256"/>
+            <ac:spMk id="13" creationId="{489B7BFD-8F45-4093-AD9C-91B15B0503D9}"/>
+          </ac:spMkLst>
+        </pc:spChg>
+        <pc:spChg chg="add del">
+          <ac:chgData name="HERNANDEZ ORTIZ JOSE ALFREDO" userId="6190f617-08f2-4ebb-a74d-41f293cab510" providerId="ADAL" clId="{28DA792A-7D39-47BE-B06B-F613DE89D9DA}" dt="2024-08-30T16:20:50.965" v="3" actId="26606"/>
+          <ac:spMkLst>
+            <pc:docMk/>
+            <pc:sldMk cId="2671778472" sldId="256"/>
+            <ac:spMk id="14" creationId="{498F8FF6-43B4-494A-AF8F-123A4983EDF7}"/>
+          </ac:spMkLst>
+        </pc:spChg>
+        <pc:spChg chg="add del">
+          <ac:chgData name="HERNANDEZ ORTIZ JOSE ALFREDO" userId="6190f617-08f2-4ebb-a74d-41f293cab510" providerId="ADAL" clId="{28DA792A-7D39-47BE-B06B-F613DE89D9DA}" dt="2024-08-30T16:20:50.965" v="3" actId="26606"/>
+          <ac:spMkLst>
+            <pc:docMk/>
+            <pc:sldMk cId="2671778472" sldId="256"/>
+            <ac:spMk id="16" creationId="{2B06059C-C357-4011-82B9-9C0106301384}"/>
+          </ac:spMkLst>
+        </pc:spChg>
+        <pc:spChg chg="add del">
+          <ac:chgData name="HERNANDEZ ORTIZ JOSE ALFREDO" userId="6190f617-08f2-4ebb-a74d-41f293cab510" providerId="ADAL" clId="{28DA792A-7D39-47BE-B06B-F613DE89D9DA}" dt="2024-08-30T16:20:50.965" v="3" actId="26606"/>
+          <ac:spMkLst>
+            <pc:docMk/>
+            <pc:sldMk cId="2671778472" sldId="256"/>
+            <ac:spMk id="18" creationId="{5AFEC601-A132-47EE-B0C2-B38ACD9FCE6F}"/>
+          </ac:spMkLst>
+        </pc:spChg>
+        <pc:spChg chg="add del">
+          <ac:chgData name="HERNANDEZ ORTIZ JOSE ALFREDO" userId="6190f617-08f2-4ebb-a74d-41f293cab510" providerId="ADAL" clId="{28DA792A-7D39-47BE-B06B-F613DE89D9DA}" dt="2024-08-30T16:20:50.965" v="3" actId="26606"/>
+          <ac:spMkLst>
+            <pc:docMk/>
+            <pc:sldMk cId="2671778472" sldId="256"/>
+            <ac:spMk id="20" creationId="{279CAF82-0ECF-42BE-8F37-F71941E5D410}"/>
+          </ac:spMkLst>
+        </pc:spChg>
+        <pc:spChg chg="add del">
+          <ac:chgData name="HERNANDEZ ORTIZ JOSE ALFREDO" userId="6190f617-08f2-4ebb-a74d-41f293cab510" providerId="ADAL" clId="{28DA792A-7D39-47BE-B06B-F613DE89D9DA}" dt="2024-08-30T16:20:50.965" v="3" actId="26606"/>
+          <ac:spMkLst>
+            <pc:docMk/>
+            <pc:sldMk cId="2671778472" sldId="256"/>
+            <ac:spMk id="22" creationId="{218E095B-4870-4AD5-9C41-C16D59523501}"/>
+          </ac:spMkLst>
+        </pc:spChg>
+        <pc:spChg chg="add del">
+          <ac:chgData name="HERNANDEZ ORTIZ JOSE ALFREDO" userId="6190f617-08f2-4ebb-a74d-41f293cab510" providerId="ADAL" clId="{28DA792A-7D39-47BE-B06B-F613DE89D9DA}" dt="2024-08-30T16:20:50.965" v="3" actId="26606"/>
+          <ac:spMkLst>
+            <pc:docMk/>
+            <pc:sldMk cId="2671778472" sldId="256"/>
+            <ac:spMk id="31" creationId="{033BC44A-0661-43B4-9C14-FD5963C226AE}"/>
+          </ac:spMkLst>
+        </pc:spChg>
+        <pc:spChg chg="add del">
+          <ac:chgData name="HERNANDEZ ORTIZ JOSE ALFREDO" userId="6190f617-08f2-4ebb-a74d-41f293cab510" providerId="ADAL" clId="{28DA792A-7D39-47BE-B06B-F613DE89D9DA}" dt="2024-08-30T16:20:50.965" v="3" actId="26606"/>
+          <ac:spMkLst>
+            <pc:docMk/>
+            <pc:sldMk cId="2671778472" sldId="256"/>
+            <ac:spMk id="33" creationId="{BE8CB2F0-2F5A-4EBD-B214-E0309C31F578}"/>
+          </ac:spMkLst>
+        </pc:spChg>
+        <pc:spChg chg="add del">
+          <ac:chgData name="HERNANDEZ ORTIZ JOSE ALFREDO" userId="6190f617-08f2-4ebb-a74d-41f293cab510" providerId="ADAL" clId="{28DA792A-7D39-47BE-B06B-F613DE89D9DA}" dt="2024-08-30T16:20:50.965" v="3" actId="26606"/>
+          <ac:spMkLst>
+            <pc:docMk/>
+            <pc:sldMk cId="2671778472" sldId="256"/>
+            <ac:spMk id="35" creationId="{FFD3887D-244B-4EC4-9208-E304984C5D0F}"/>
+          </ac:spMkLst>
+        </pc:spChg>
+        <pc:spChg chg="add del">
+          <ac:chgData name="HERNANDEZ ORTIZ JOSE ALFREDO" userId="6190f617-08f2-4ebb-a74d-41f293cab510" providerId="ADAL" clId="{28DA792A-7D39-47BE-B06B-F613DE89D9DA}" dt="2024-08-30T16:20:50.965" v="3" actId="26606"/>
+          <ac:spMkLst>
+            <pc:docMk/>
+            <pc:sldMk cId="2671778472" sldId="256"/>
+            <ac:spMk id="37" creationId="{97224C31-855E-4593-8A58-5B2B0CC4F537}"/>
+          </ac:spMkLst>
+        </pc:spChg>
+        <pc:spChg chg="add del">
+          <ac:chgData name="HERNANDEZ ORTIZ JOSE ALFREDO" userId="6190f617-08f2-4ebb-a74d-41f293cab510" providerId="ADAL" clId="{28DA792A-7D39-47BE-B06B-F613DE89D9DA}" dt="2024-08-30T16:20:59.205" v="5" actId="26606"/>
+          <ac:spMkLst>
+            <pc:docMk/>
+            <pc:sldMk cId="2671778472" sldId="256"/>
+            <ac:spMk id="39" creationId="{C7D023E4-8DE1-436E-9847-ED6A4B4B04FD}"/>
+          </ac:spMkLst>
+        </pc:spChg>
+        <pc:spChg chg="add del">
+          <ac:chgData name="HERNANDEZ ORTIZ JOSE ALFREDO" userId="6190f617-08f2-4ebb-a74d-41f293cab510" providerId="ADAL" clId="{28DA792A-7D39-47BE-B06B-F613DE89D9DA}" dt="2024-08-30T16:20:59.205" v="5" actId="26606"/>
+          <ac:spMkLst>
+            <pc:docMk/>
+            <pc:sldMk cId="2671778472" sldId="256"/>
+            <ac:spMk id="40" creationId="{63C1F321-BB96-4700-B3CE-1A6156067F44}"/>
+          </ac:spMkLst>
+        </pc:spChg>
+        <pc:spChg chg="add del">
+          <ac:chgData name="HERNANDEZ ORTIZ JOSE ALFREDO" userId="6190f617-08f2-4ebb-a74d-41f293cab510" providerId="ADAL" clId="{28DA792A-7D39-47BE-B06B-F613DE89D9DA}" dt="2024-08-30T16:21:25.543" v="10" actId="26606"/>
+          <ac:spMkLst>
+            <pc:docMk/>
+            <pc:sldMk cId="2671778472" sldId="256"/>
+            <ac:spMk id="49" creationId="{4E1BEB12-92AF-4445-98AD-4C7756E7C93B}"/>
+          </ac:spMkLst>
+        </pc:spChg>
+        <pc:spChg chg="add del">
+          <ac:chgData name="HERNANDEZ ORTIZ JOSE ALFREDO" userId="6190f617-08f2-4ebb-a74d-41f293cab510" providerId="ADAL" clId="{28DA792A-7D39-47BE-B06B-F613DE89D9DA}" dt="2024-08-30T16:21:25.543" v="10" actId="26606"/>
+          <ac:spMkLst>
+            <pc:docMk/>
+            <pc:sldMk cId="2671778472" sldId="256"/>
+            <ac:spMk id="50" creationId="{D0522C2C-7B5C-48A7-A969-03941E5D2E76}"/>
+          </ac:spMkLst>
+        </pc:spChg>
+        <pc:spChg chg="add del">
+          <ac:chgData name="HERNANDEZ ORTIZ JOSE ALFREDO" userId="6190f617-08f2-4ebb-a74d-41f293cab510" providerId="ADAL" clId="{28DA792A-7D39-47BE-B06B-F613DE89D9DA}" dt="2024-08-30T16:21:25.543" v="10" actId="26606"/>
+          <ac:spMkLst>
+            <pc:docMk/>
+            <pc:sldMk cId="2671778472" sldId="256"/>
+            <ac:spMk id="51" creationId="{D6EE29F2-D77F-4BD0-A20B-334D316A1C9D}"/>
+          </ac:spMkLst>
+        </pc:spChg>
+        <pc:spChg chg="add del">
+          <ac:chgData name="HERNANDEZ ORTIZ JOSE ALFREDO" userId="6190f617-08f2-4ebb-a74d-41f293cab510" providerId="ADAL" clId="{28DA792A-7D39-47BE-B06B-F613DE89D9DA}" dt="2024-08-30T16:21:25.543" v="10" actId="26606"/>
+          <ac:spMkLst>
+            <pc:docMk/>
+            <pc:sldMk cId="2671778472" sldId="256"/>
+            <ac:spMk id="52" creationId="{22D09ED2-868F-42C6-866E-F92E0CEF314F}"/>
+          </ac:spMkLst>
+        </pc:spChg>
+        <pc:spChg chg="add del">
+          <ac:chgData name="HERNANDEZ ORTIZ JOSE ALFREDO" userId="6190f617-08f2-4ebb-a74d-41f293cab510" providerId="ADAL" clId="{28DA792A-7D39-47BE-B06B-F613DE89D9DA}" dt="2024-08-30T16:21:25.543" v="9" actId="26606"/>
+          <ac:spMkLst>
+            <pc:docMk/>
+            <pc:sldMk cId="2671778472" sldId="256"/>
+            <ac:spMk id="57" creationId="{1A3C89F8-0D2F-47FF-B903-151248265F47}"/>
+          </ac:spMkLst>
+        </pc:spChg>
+        <pc:spChg chg="add del">
+          <ac:chgData name="HERNANDEZ ORTIZ JOSE ALFREDO" userId="6190f617-08f2-4ebb-a74d-41f293cab510" providerId="ADAL" clId="{28DA792A-7D39-47BE-B06B-F613DE89D9DA}" dt="2024-08-30T16:21:25.543" v="9" actId="26606"/>
+          <ac:spMkLst>
+            <pc:docMk/>
+            <pc:sldMk cId="2671778472" sldId="256"/>
+            <ac:spMk id="59" creationId="{C5CB530E-515E-412C-9DF1-5F8FFBD6F383}"/>
+          </ac:spMkLst>
+        </pc:spChg>
+        <pc:spChg chg="add del">
+          <ac:chgData name="HERNANDEZ ORTIZ JOSE ALFREDO" userId="6190f617-08f2-4ebb-a74d-41f293cab510" providerId="ADAL" clId="{28DA792A-7D39-47BE-B06B-F613DE89D9DA}" dt="2024-08-30T16:21:25.543" v="9" actId="26606"/>
+          <ac:spMkLst>
+            <pc:docMk/>
+            <pc:sldMk cId="2671778472" sldId="256"/>
+            <ac:spMk id="61" creationId="{712D4376-A578-4FF1-94FC-245E7A6A489F}"/>
+          </ac:spMkLst>
+        </pc:spChg>
+        <pc:spChg chg="add del">
+          <ac:chgData name="HERNANDEZ ORTIZ JOSE ALFREDO" userId="6190f617-08f2-4ebb-a74d-41f293cab510" providerId="ADAL" clId="{28DA792A-7D39-47BE-B06B-F613DE89D9DA}" dt="2024-08-30T16:21:25.543" v="9" actId="26606"/>
+          <ac:spMkLst>
+            <pc:docMk/>
+            <pc:sldMk cId="2671778472" sldId="256"/>
+            <ac:spMk id="63" creationId="{AEA7509D-F04F-40CB-A0B3-EEF16499CC9F}"/>
+          </ac:spMkLst>
+        </pc:spChg>
+        <pc:spChg chg="add del">
+          <ac:chgData name="HERNANDEZ ORTIZ JOSE ALFREDO" userId="6190f617-08f2-4ebb-a74d-41f293cab510" providerId="ADAL" clId="{28DA792A-7D39-47BE-B06B-F613DE89D9DA}" dt="2024-08-30T16:21:25.543" v="9" actId="26606"/>
+          <ac:spMkLst>
+            <pc:docMk/>
+            <pc:sldMk cId="2671778472" sldId="256"/>
+            <ac:spMk id="67" creationId="{508BEF50-7B1E-49A4-BC19-5F4F1D755E64}"/>
+          </ac:spMkLst>
+        </pc:spChg>
+        <pc:spChg chg="add del">
+          <ac:chgData name="HERNANDEZ ORTIZ JOSE ALFREDO" userId="6190f617-08f2-4ebb-a74d-41f293cab510" providerId="ADAL" clId="{28DA792A-7D39-47BE-B06B-F613DE89D9DA}" dt="2024-08-30T16:21:25.543" v="9" actId="26606"/>
+          <ac:spMkLst>
+            <pc:docMk/>
+            <pc:sldMk cId="2671778472" sldId="256"/>
+            <ac:spMk id="69" creationId="{3FBAD350-5664-4811-A208-657FB882D350}"/>
+          </ac:spMkLst>
+        </pc:spChg>
+        <pc:spChg chg="add del">
+          <ac:chgData name="HERNANDEZ ORTIZ JOSE ALFREDO" userId="6190f617-08f2-4ebb-a74d-41f293cab510" providerId="ADAL" clId="{28DA792A-7D39-47BE-B06B-F613DE89D9DA}" dt="2024-08-30T16:21:25.543" v="9" actId="26606"/>
+          <ac:spMkLst>
+            <pc:docMk/>
+            <pc:sldMk cId="2671778472" sldId="256"/>
+            <ac:spMk id="71" creationId="{C39ADB8F-D187-49D7-BDCF-C1B6DC727068}"/>
+          </ac:spMkLst>
+        </pc:spChg>
+        <pc:spChg chg="add">
+          <ac:chgData name="HERNANDEZ ORTIZ JOSE ALFREDO" userId="6190f617-08f2-4ebb-a74d-41f293cab510" providerId="ADAL" clId="{28DA792A-7D39-47BE-B06B-F613DE89D9DA}" dt="2024-08-30T16:21:25.543" v="10" actId="26606"/>
+          <ac:spMkLst>
+            <pc:docMk/>
+            <pc:sldMk cId="2671778472" sldId="256"/>
+            <ac:spMk id="73" creationId="{8C790BE2-4E4F-4AAF-81A2-4A6F4885EBE6}"/>
+          </ac:spMkLst>
+        </pc:spChg>
+        <pc:spChg chg="add">
+          <ac:chgData name="HERNANDEZ ORTIZ JOSE ALFREDO" userId="6190f617-08f2-4ebb-a74d-41f293cab510" providerId="ADAL" clId="{28DA792A-7D39-47BE-B06B-F613DE89D9DA}" dt="2024-08-30T16:21:25.543" v="10" actId="26606"/>
+          <ac:spMkLst>
+            <pc:docMk/>
+            <pc:sldMk cId="2671778472" sldId="256"/>
+            <ac:spMk id="74" creationId="{D28B54C3-B57B-472A-B96E-1FCB67093DC2}"/>
+          </ac:spMkLst>
+        </pc:spChg>
+        <pc:spChg chg="add">
+          <ac:chgData name="HERNANDEZ ORTIZ JOSE ALFREDO" userId="6190f617-08f2-4ebb-a74d-41f293cab510" providerId="ADAL" clId="{28DA792A-7D39-47BE-B06B-F613DE89D9DA}" dt="2024-08-30T16:21:25.543" v="10" actId="26606"/>
+          <ac:spMkLst>
+            <pc:docMk/>
+            <pc:sldMk cId="2671778472" sldId="256"/>
+            <ac:spMk id="75" creationId="{7DB3C429-F8DA-49B9-AF84-21996FCF78B5}"/>
+          </ac:spMkLst>
+        </pc:spChg>
+        <pc:spChg chg="add">
+          <ac:chgData name="HERNANDEZ ORTIZ JOSE ALFREDO" userId="6190f617-08f2-4ebb-a74d-41f293cab510" providerId="ADAL" clId="{28DA792A-7D39-47BE-B06B-F613DE89D9DA}" dt="2024-08-30T16:21:25.543" v="10" actId="26606"/>
+          <ac:spMkLst>
+            <pc:docMk/>
+            <pc:sldMk cId="2671778472" sldId="256"/>
+            <ac:spMk id="76" creationId="{E12088DD-B1AD-40E0-8B86-1D87A2CCD9BE}"/>
+          </ac:spMkLst>
+        </pc:spChg>
+        <pc:spChg chg="add">
+          <ac:chgData name="HERNANDEZ ORTIZ JOSE ALFREDO" userId="6190f617-08f2-4ebb-a74d-41f293cab510" providerId="ADAL" clId="{28DA792A-7D39-47BE-B06B-F613DE89D9DA}" dt="2024-08-30T16:21:25.543" v="10" actId="26606"/>
+          <ac:spMkLst>
+            <pc:docMk/>
+            <pc:sldMk cId="2671778472" sldId="256"/>
+            <ac:spMk id="77" creationId="{C4C9F2B0-1044-46EB-8AEB-C3BFFDE6C2CC}"/>
+          </ac:spMkLst>
+        </pc:spChg>
+        <pc:spChg chg="add">
+          <ac:chgData name="HERNANDEZ ORTIZ JOSE ALFREDO" userId="6190f617-08f2-4ebb-a74d-41f293cab510" providerId="ADAL" clId="{28DA792A-7D39-47BE-B06B-F613DE89D9DA}" dt="2024-08-30T16:21:25.543" v="10" actId="26606"/>
+          <ac:spMkLst>
+            <pc:docMk/>
+            <pc:sldMk cId="2671778472" sldId="256"/>
+            <ac:spMk id="78" creationId="{0C395952-4E26-45A2-8756-2ADFD6E53C6E}"/>
+          </ac:spMkLst>
+        </pc:spChg>
+        <pc:spChg chg="add">
+          <ac:chgData name="HERNANDEZ ORTIZ JOSE ALFREDO" userId="6190f617-08f2-4ebb-a74d-41f293cab510" providerId="ADAL" clId="{28DA792A-7D39-47BE-B06B-F613DE89D9DA}" dt="2024-08-30T16:21:25.543" v="10" actId="26606"/>
+          <ac:spMkLst>
+            <pc:docMk/>
+            <pc:sldMk cId="2671778472" sldId="256"/>
+            <ac:spMk id="79" creationId="{4734BADF-9461-4621-B112-2D7BABEA7DD0}"/>
+          </ac:spMkLst>
+        </pc:spChg>
+        <pc:grpChg chg="add del">
+          <ac:chgData name="HERNANDEZ ORTIZ JOSE ALFREDO" userId="6190f617-08f2-4ebb-a74d-41f293cab510" providerId="ADAL" clId="{28DA792A-7D39-47BE-B06B-F613DE89D9DA}" dt="2024-08-30T16:20:50.965" v="3" actId="26606"/>
+          <ac:grpSpMkLst>
+            <pc:docMk/>
+            <pc:sldMk cId="2671778472" sldId="256"/>
+            <ac:grpSpMk id="15" creationId="{042BC7E5-76DB-4826-8C07-4A49B6353F76}"/>
+          </ac:grpSpMkLst>
+        </pc:grpChg>
+        <pc:grpChg chg="add del">
+          <ac:chgData name="HERNANDEZ ORTIZ JOSE ALFREDO" userId="6190f617-08f2-4ebb-a74d-41f293cab510" providerId="ADAL" clId="{28DA792A-7D39-47BE-B06B-F613DE89D9DA}" dt="2024-08-30T16:20:50.965" v="3" actId="26606"/>
+          <ac:grpSpMkLst>
+            <pc:docMk/>
+            <pc:sldMk cId="2671778472" sldId="256"/>
+            <ac:grpSpMk id="24" creationId="{FB9739EB-7F66-433D-841F-AB3CD18700B7}"/>
+          </ac:grpSpMkLst>
+        </pc:grpChg>
+        <pc:grpChg chg="add del">
+          <ac:chgData name="HERNANDEZ ORTIZ JOSE ALFREDO" userId="6190f617-08f2-4ebb-a74d-41f293cab510" providerId="ADAL" clId="{28DA792A-7D39-47BE-B06B-F613DE89D9DA}" dt="2024-08-30T16:20:59.205" v="5" actId="26606"/>
+          <ac:grpSpMkLst>
+            <pc:docMk/>
+            <pc:sldMk cId="2671778472" sldId="256"/>
+            <ac:grpSpMk id="41" creationId="{3FA1AD64-F15F-417D-956C-B2C211FC905E}"/>
+          </ac:grpSpMkLst>
+        </pc:grpChg>
+        <pc:grpChg chg="add del">
+          <ac:chgData name="HERNANDEZ ORTIZ JOSE ALFREDO" userId="6190f617-08f2-4ebb-a74d-41f293cab510" providerId="ADAL" clId="{28DA792A-7D39-47BE-B06B-F613DE89D9DA}" dt="2024-08-30T16:20:59.205" v="5" actId="26606"/>
+          <ac:grpSpMkLst>
+            <pc:docMk/>
+            <pc:sldMk cId="2671778472" sldId="256"/>
+            <ac:grpSpMk id="44" creationId="{43F5E015-E085-4624-B431-B42414448684}"/>
+          </ac:grpSpMkLst>
+        </pc:grpChg>
+        <pc:cxnChg chg="add del">
+          <ac:chgData name="HERNANDEZ ORTIZ JOSE ALFREDO" userId="6190f617-08f2-4ebb-a74d-41f293cab510" providerId="ADAL" clId="{28DA792A-7D39-47BE-B06B-F613DE89D9DA}" dt="2024-08-30T16:20:42.887" v="1" actId="26606"/>
+          <ac:cxnSpMkLst>
+            <pc:docMk/>
+            <pc:sldMk cId="2671778472" sldId="256"/>
+            <ac:cxnSpMk id="10" creationId="{56020367-4FD5-4596-8E10-C5F095CD8DBF}"/>
+          </ac:cxnSpMkLst>
+        </pc:cxnChg>
+        <pc:cxnChg chg="add del">
+          <ac:chgData name="HERNANDEZ ORTIZ JOSE ALFREDO" userId="6190f617-08f2-4ebb-a74d-41f293cab510" providerId="ADAL" clId="{28DA792A-7D39-47BE-B06B-F613DE89D9DA}" dt="2024-08-30T16:21:25.543" v="9" actId="26606"/>
+          <ac:cxnSpMkLst>
+            <pc:docMk/>
+            <pc:sldMk cId="2671778472" sldId="256"/>
+            <ac:cxnSpMk id="65" creationId="{56020367-4FD5-4596-8E10-C5F095CD8DBF}"/>
+          </ac:cxnSpMkLst>
+        </pc:cxnChg>
       </pc:sldChg>
-      <pc:sldChg chg="modSp new mod">
-        <pc:chgData name="HERNANDEZ ORTIZ JOSE ALFREDO" userId="6190f617-08f2-4ebb-a74d-41f293cab510" providerId="ADAL" clId="{87AB9A15-D466-4682-9E8C-0F55FFE1CD03}" dt="2024-08-26T15:13:49.858" v="1548"/>
+      <pc:sldChg chg="addSp delSp modSp mod setBg">
+        <pc:chgData name="HERNANDEZ ORTIZ JOSE ALFREDO" userId="6190f617-08f2-4ebb-a74d-41f293cab510" providerId="ADAL" clId="{28DA792A-7D39-47BE-B06B-F613DE89D9DA}" dt="2024-08-30T16:22:11.213" v="17" actId="26606"/>
         <pc:sldMkLst>
           <pc:docMk/>
-          <pc:sldMk cId="1637829713" sldId="257"/>
+          <pc:sldMk cId="3814339352" sldId="257"/>
         </pc:sldMkLst>
         <pc:spChg chg="mod">
-          <ac:chgData name="HERNANDEZ ORTIZ JOSE ALFREDO" userId="6190f617-08f2-4ebb-a74d-41f293cab510" providerId="ADAL" clId="{87AB9A15-D466-4682-9E8C-0F55FFE1CD03}" dt="2024-08-26T03:28:09.646" v="827" actId="113"/>
-          <ac:spMkLst>
-            <pc:docMk/>
-            <pc:sldMk cId="1637829713" sldId="257"/>
-            <ac:spMk id="2" creationId="{DA3C4488-84AB-5145-00E6-083641B43D63}"/>
+          <ac:chgData name="HERNANDEZ ORTIZ JOSE ALFREDO" userId="6190f617-08f2-4ebb-a74d-41f293cab510" providerId="ADAL" clId="{28DA792A-7D39-47BE-B06B-F613DE89D9DA}" dt="2024-08-30T16:22:11.213" v="17" actId="26606"/>
+          <ac:spMkLst>
+            <pc:docMk/>
+            <pc:sldMk cId="3814339352" sldId="257"/>
+            <ac:spMk id="2" creationId="{DA02615E-08B2-ABEB-5133-31E3454C467D}"/>
           </ac:spMkLst>
         </pc:spChg>
         <pc:spChg chg="mod">
-          <ac:chgData name="HERNANDEZ ORTIZ JOSE ALFREDO" userId="6190f617-08f2-4ebb-a74d-41f293cab510" providerId="ADAL" clId="{87AB9A15-D466-4682-9E8C-0F55FFE1CD03}" dt="2024-08-26T15:13:49.858" v="1548"/>
-          <ac:spMkLst>
-            <pc:docMk/>
-            <pc:sldMk cId="1637829713" sldId="257"/>
-            <ac:spMk id="3" creationId="{359FEE81-20FC-9B9E-C721-671AD172AF26}"/>
+          <ac:chgData name="HERNANDEZ ORTIZ JOSE ALFREDO" userId="6190f617-08f2-4ebb-a74d-41f293cab510" providerId="ADAL" clId="{28DA792A-7D39-47BE-B06B-F613DE89D9DA}" dt="2024-08-30T16:22:11.213" v="17" actId="26606"/>
+          <ac:spMkLst>
+            <pc:docMk/>
+            <pc:sldMk cId="3814339352" sldId="257"/>
+            <ac:spMk id="3" creationId="{1B98CF61-74DC-A894-3034-738143093286}"/>
+          </ac:spMkLst>
+        </pc:spChg>
+        <pc:spChg chg="add del">
+          <ac:chgData name="HERNANDEZ ORTIZ JOSE ALFREDO" userId="6190f617-08f2-4ebb-a74d-41f293cab510" providerId="ADAL" clId="{28DA792A-7D39-47BE-B06B-F613DE89D9DA}" dt="2024-08-30T16:22:11.213" v="17" actId="26606"/>
+          <ac:spMkLst>
+            <pc:docMk/>
+            <pc:sldMk cId="3814339352" sldId="257"/>
+            <ac:spMk id="8" creationId="{70DFC902-7D23-471A-B557-B6B6917D7A0D}"/>
+          </ac:spMkLst>
+        </pc:spChg>
+        <pc:spChg chg="add del">
+          <ac:chgData name="HERNANDEZ ORTIZ JOSE ALFREDO" userId="6190f617-08f2-4ebb-a74d-41f293cab510" providerId="ADAL" clId="{28DA792A-7D39-47BE-B06B-F613DE89D9DA}" dt="2024-08-30T16:22:11.213" v="17" actId="26606"/>
+          <ac:spMkLst>
+            <pc:docMk/>
+            <pc:sldMk cId="3814339352" sldId="257"/>
+            <ac:spMk id="10" creationId="{A55D5633-D557-4DCA-982C-FF36EB7A1C00}"/>
+          </ac:spMkLst>
+        </pc:spChg>
+        <pc:spChg chg="add del">
+          <ac:chgData name="HERNANDEZ ORTIZ JOSE ALFREDO" userId="6190f617-08f2-4ebb-a74d-41f293cab510" providerId="ADAL" clId="{28DA792A-7D39-47BE-B06B-F613DE89D9DA}" dt="2024-08-30T16:22:11.213" v="17" actId="26606"/>
+          <ac:spMkLst>
+            <pc:docMk/>
+            <pc:sldMk cId="3814339352" sldId="257"/>
+            <ac:spMk id="12" creationId="{450D3AD2-FA80-415F-A9CE-54D884561CD7}"/>
+          </ac:spMkLst>
+        </pc:spChg>
+        <pc:spChg chg="add">
+          <ac:chgData name="HERNANDEZ ORTIZ JOSE ALFREDO" userId="6190f617-08f2-4ebb-a74d-41f293cab510" providerId="ADAL" clId="{28DA792A-7D39-47BE-B06B-F613DE89D9DA}" dt="2024-08-30T16:22:11.213" v="17" actId="26606"/>
+          <ac:spMkLst>
+            <pc:docMk/>
+            <pc:sldMk cId="3814339352" sldId="257"/>
+            <ac:spMk id="17" creationId="{1B15ED52-F352-441B-82BF-E0EA34836D08}"/>
+          </ac:spMkLst>
+        </pc:spChg>
+        <pc:spChg chg="add">
+          <ac:chgData name="HERNANDEZ ORTIZ JOSE ALFREDO" userId="6190f617-08f2-4ebb-a74d-41f293cab510" providerId="ADAL" clId="{28DA792A-7D39-47BE-B06B-F613DE89D9DA}" dt="2024-08-30T16:22:11.213" v="17" actId="26606"/>
+          <ac:spMkLst>
+            <pc:docMk/>
+            <pc:sldMk cId="3814339352" sldId="257"/>
+            <ac:spMk id="19" creationId="{3B2E3793-BFE6-45A2-9B7B-E18844431C99}"/>
+          </ac:spMkLst>
+        </pc:spChg>
+        <pc:spChg chg="add">
+          <ac:chgData name="HERNANDEZ ORTIZ JOSE ALFREDO" userId="6190f617-08f2-4ebb-a74d-41f293cab510" providerId="ADAL" clId="{28DA792A-7D39-47BE-B06B-F613DE89D9DA}" dt="2024-08-30T16:22:11.213" v="17" actId="26606"/>
+          <ac:spMkLst>
+            <pc:docMk/>
+            <pc:sldMk cId="3814339352" sldId="257"/>
+            <ac:spMk id="21" creationId="{BC4C4868-CB8F-4AF9-9CDB-8108F2C19B67}"/>
+          </ac:spMkLst>
+        </pc:spChg>
+        <pc:spChg chg="add">
+          <ac:chgData name="HERNANDEZ ORTIZ JOSE ALFREDO" userId="6190f617-08f2-4ebb-a74d-41f293cab510" providerId="ADAL" clId="{28DA792A-7D39-47BE-B06B-F613DE89D9DA}" dt="2024-08-30T16:22:11.213" v="17" actId="26606"/>
+          <ac:spMkLst>
+            <pc:docMk/>
+            <pc:sldMk cId="3814339352" sldId="257"/>
+            <ac:spMk id="23" creationId="{375E0459-6403-40CD-989D-56A4407CA12E}"/>
+          </ac:spMkLst>
+        </pc:spChg>
+        <pc:spChg chg="add">
+          <ac:chgData name="HERNANDEZ ORTIZ JOSE ALFREDO" userId="6190f617-08f2-4ebb-a74d-41f293cab510" providerId="ADAL" clId="{28DA792A-7D39-47BE-B06B-F613DE89D9DA}" dt="2024-08-30T16:22:11.213" v="17" actId="26606"/>
+          <ac:spMkLst>
+            <pc:docMk/>
+            <pc:sldMk cId="3814339352" sldId="257"/>
+            <ac:spMk id="25" creationId="{53E5B1A8-3AC9-4BD1-9BBC-78CA94F2D1BA}"/>
           </ac:spMkLst>
         </pc:spChg>
       </pc:sldChg>
-      <pc:sldChg chg="addSp modSp new mod setBg">
-        <pc:chgData name="HERNANDEZ ORTIZ JOSE ALFREDO" userId="6190f617-08f2-4ebb-a74d-41f293cab510" providerId="ADAL" clId="{87AB9A15-D466-4682-9E8C-0F55FFE1CD03}" dt="2024-08-26T03:49:42.279" v="1538" actId="207"/>
+      <pc:sldChg chg="addSp modSp mod setBg">
+        <pc:chgData name="HERNANDEZ ORTIZ JOSE ALFREDO" userId="6190f617-08f2-4ebb-a74d-41f293cab510" providerId="ADAL" clId="{28DA792A-7D39-47BE-B06B-F613DE89D9DA}" dt="2024-08-30T16:21:52.649" v="12" actId="26606"/>
         <pc:sldMkLst>
           <pc:docMk/>
-          <pc:sldMk cId="4262116279" sldId="258"/>
+          <pc:sldMk cId="3597631249" sldId="258"/>
         </pc:sldMkLst>
         <pc:spChg chg="mod">
-          <ac:chgData name="HERNANDEZ ORTIZ JOSE ALFREDO" userId="6190f617-08f2-4ebb-a74d-41f293cab510" providerId="ADAL" clId="{87AB9A15-D466-4682-9E8C-0F55FFE1CD03}" dt="2024-08-26T03:49:42.279" v="1538" actId="207"/>
-          <ac:spMkLst>
-            <pc:docMk/>
-            <pc:sldMk cId="4262116279" sldId="258"/>
-            <ac:spMk id="2" creationId="{007CB46B-0102-753A-9B2A-B3FAE57EC93F}"/>
-          </ac:spMkLst>
-        </pc:spChg>
-        <pc:spChg chg="mod ord">
-          <ac:chgData name="HERNANDEZ ORTIZ JOSE ALFREDO" userId="6190f617-08f2-4ebb-a74d-41f293cab510" providerId="ADAL" clId="{87AB9A15-D466-4682-9E8C-0F55FFE1CD03}" dt="2024-08-26T03:49:28.580" v="1536" actId="403"/>
-          <ac:spMkLst>
-            <pc:docMk/>
-            <pc:sldMk cId="4262116279" sldId="258"/>
-            <ac:spMk id="3" creationId="{7FDBD0FD-AE3B-1AF6-31CC-E85119E221E8}"/>
+          <ac:chgData name="HERNANDEZ ORTIZ JOSE ALFREDO" userId="6190f617-08f2-4ebb-a74d-41f293cab510" providerId="ADAL" clId="{28DA792A-7D39-47BE-B06B-F613DE89D9DA}" dt="2024-08-30T16:21:52.649" v="12" actId="26606"/>
+          <ac:spMkLst>
+            <pc:docMk/>
+            <pc:sldMk cId="3597631249" sldId="258"/>
+            <ac:spMk id="2" creationId="{6737593B-8D39-31AF-485E-23BE8144E29E}"/>
+          </ac:spMkLst>
+        </pc:spChg>
+        <pc:spChg chg="mod">
+          <ac:chgData name="HERNANDEZ ORTIZ JOSE ALFREDO" userId="6190f617-08f2-4ebb-a74d-41f293cab510" providerId="ADAL" clId="{28DA792A-7D39-47BE-B06B-F613DE89D9DA}" dt="2024-08-30T16:21:52.649" v="12" actId="26606"/>
+          <ac:spMkLst>
+            <pc:docMk/>
+            <pc:sldMk cId="3597631249" sldId="258"/>
+            <ac:spMk id="3" creationId="{36FC1464-FA83-0BCD-A8CA-CC0E8E54F4FF}"/>
           </ac:spMkLst>
         </pc:spChg>
         <pc:spChg chg="add">
-          <ac:chgData name="HERNANDEZ ORTIZ JOSE ALFREDO" userId="6190f617-08f2-4ebb-a74d-41f293cab510" providerId="ADAL" clId="{87AB9A15-D466-4682-9E8C-0F55FFE1CD03}" dt="2024-08-26T03:48:39.067" v="1431"/>
-          <ac:spMkLst>
-            <pc:docMk/>
-            <pc:sldMk cId="4262116279" sldId="258"/>
-            <ac:spMk id="4" creationId="{323CEFD5-6131-8297-E4DC-AEF6510E45FD}"/>
-          </ac:spMkLst>
-        </pc:spChg>
-        <pc:grpChg chg="add">
-          <ac:chgData name="HERNANDEZ ORTIZ JOSE ALFREDO" userId="6190f617-08f2-4ebb-a74d-41f293cab510" providerId="ADAL" clId="{87AB9A15-D466-4682-9E8C-0F55FFE1CD03}" dt="2024-08-26T03:49:11.517" v="1528" actId="26606"/>
-          <ac:grpSpMkLst>
-            <pc:docMk/>
-            <pc:sldMk cId="4262116279" sldId="258"/>
-            <ac:grpSpMk id="3081" creationId="{5EFBDE31-BB3E-6CFC-23CD-B5976DA38438}"/>
-          </ac:grpSpMkLst>
-        </pc:grpChg>
-        <pc:picChg chg="add mod">
-          <ac:chgData name="HERNANDEZ ORTIZ JOSE ALFREDO" userId="6190f617-08f2-4ebb-a74d-41f293cab510" providerId="ADAL" clId="{87AB9A15-D466-4682-9E8C-0F55FFE1CD03}" dt="2024-08-26T03:49:11.517" v="1528" actId="26606"/>
-          <ac:picMkLst>
-            <pc:docMk/>
-            <pc:sldMk cId="4262116279" sldId="258"/>
-            <ac:picMk id="3076" creationId="{55AFB10B-082E-F02E-054C-16A81A49714E}"/>
-          </ac:picMkLst>
-        </pc:picChg>
+          <ac:chgData name="HERNANDEZ ORTIZ JOSE ALFREDO" userId="6190f617-08f2-4ebb-a74d-41f293cab510" providerId="ADAL" clId="{28DA792A-7D39-47BE-B06B-F613DE89D9DA}" dt="2024-08-30T16:21:52.649" v="12" actId="26606"/>
+          <ac:spMkLst>
+            <pc:docMk/>
+            <pc:sldMk cId="3597631249" sldId="258"/>
+            <ac:spMk id="8" creationId="{1B15ED52-F352-441B-82BF-E0EA34836D08}"/>
+          </ac:spMkLst>
+        </pc:spChg>
+        <pc:spChg chg="add">
+          <ac:chgData name="HERNANDEZ ORTIZ JOSE ALFREDO" userId="6190f617-08f2-4ebb-a74d-41f293cab510" providerId="ADAL" clId="{28DA792A-7D39-47BE-B06B-F613DE89D9DA}" dt="2024-08-30T16:21:52.649" v="12" actId="26606"/>
+          <ac:spMkLst>
+            <pc:docMk/>
+            <pc:sldMk cId="3597631249" sldId="258"/>
+            <ac:spMk id="10" creationId="{3B2E3793-BFE6-45A2-9B7B-E18844431C99}"/>
+          </ac:spMkLst>
+        </pc:spChg>
+        <pc:spChg chg="add">
+          <ac:chgData name="HERNANDEZ ORTIZ JOSE ALFREDO" userId="6190f617-08f2-4ebb-a74d-41f293cab510" providerId="ADAL" clId="{28DA792A-7D39-47BE-B06B-F613DE89D9DA}" dt="2024-08-30T16:21:52.649" v="12" actId="26606"/>
+          <ac:spMkLst>
+            <pc:docMk/>
+            <pc:sldMk cId="3597631249" sldId="258"/>
+            <ac:spMk id="12" creationId="{BC4C4868-CB8F-4AF9-9CDB-8108F2C19B67}"/>
+          </ac:spMkLst>
+        </pc:spChg>
+        <pc:spChg chg="add">
+          <ac:chgData name="HERNANDEZ ORTIZ JOSE ALFREDO" userId="6190f617-08f2-4ebb-a74d-41f293cab510" providerId="ADAL" clId="{28DA792A-7D39-47BE-B06B-F613DE89D9DA}" dt="2024-08-30T16:21:52.649" v="12" actId="26606"/>
+          <ac:spMkLst>
+            <pc:docMk/>
+            <pc:sldMk cId="3597631249" sldId="258"/>
+            <ac:spMk id="14" creationId="{375E0459-6403-40CD-989D-56A4407CA12E}"/>
+          </ac:spMkLst>
+        </pc:spChg>
+        <pc:spChg chg="add">
+          <ac:chgData name="HERNANDEZ ORTIZ JOSE ALFREDO" userId="6190f617-08f2-4ebb-a74d-41f293cab510" providerId="ADAL" clId="{28DA792A-7D39-47BE-B06B-F613DE89D9DA}" dt="2024-08-30T16:21:52.649" v="12" actId="26606"/>
+          <ac:spMkLst>
+            <pc:docMk/>
+            <pc:sldMk cId="3597631249" sldId="258"/>
+            <ac:spMk id="16" creationId="{53E5B1A8-3AC9-4BD1-9BBC-78CA94F2D1BA}"/>
+          </ac:spMkLst>
+        </pc:spChg>
       </pc:sldChg>
-      <pc:sldChg chg="addSp delSp modSp new mod setBg">
-        <pc:chgData name="HERNANDEZ ORTIZ JOSE ALFREDO" userId="6190f617-08f2-4ebb-a74d-41f293cab510" providerId="ADAL" clId="{87AB9A15-D466-4682-9E8C-0F55FFE1CD03}" dt="2024-08-26T15:14:18.686" v="1550" actId="20577"/>
+      <pc:sldChg chg="addSp delSp modSp mod setBg">
+        <pc:chgData name="HERNANDEZ ORTIZ JOSE ALFREDO" userId="6190f617-08f2-4ebb-a74d-41f293cab510" providerId="ADAL" clId="{28DA792A-7D39-47BE-B06B-F613DE89D9DA}" dt="2024-08-30T16:22:17.900" v="18" actId="26606"/>
         <pc:sldMkLst>
           <pc:docMk/>
-          <pc:sldMk cId="3489505843" sldId="259"/>
+          <pc:sldMk cId="3030895166" sldId="259"/>
         </pc:sldMkLst>
         <pc:spChg chg="mod">
-          <ac:chgData name="HERNANDEZ ORTIZ JOSE ALFREDO" userId="6190f617-08f2-4ebb-a74d-41f293cab510" providerId="ADAL" clId="{87AB9A15-D466-4682-9E8C-0F55FFE1CD03}" dt="2024-08-26T03:27:39.406" v="820" actId="207"/>
-          <ac:spMkLst>
-            <pc:docMk/>
-            <pc:sldMk cId="3489505843" sldId="259"/>
-            <ac:spMk id="2" creationId="{34725990-60F7-2B66-FD68-AF04B65D3D31}"/>
+          <ac:chgData name="HERNANDEZ ORTIZ JOSE ALFREDO" userId="6190f617-08f2-4ebb-a74d-41f293cab510" providerId="ADAL" clId="{28DA792A-7D39-47BE-B06B-F613DE89D9DA}" dt="2024-08-30T16:22:17.900" v="18" actId="26606"/>
+          <ac:spMkLst>
+            <pc:docMk/>
+            <pc:sldMk cId="3030895166" sldId="259"/>
+            <ac:spMk id="2" creationId="{38FA2624-C1CB-9C0B-CEAD-5D059FF6413B}"/>
           </ac:spMkLst>
         </pc:spChg>
         <pc:spChg chg="mod">
-          <ac:chgData name="HERNANDEZ ORTIZ JOSE ALFREDO" userId="6190f617-08f2-4ebb-a74d-41f293cab510" providerId="ADAL" clId="{87AB9A15-D466-4682-9E8C-0F55FFE1CD03}" dt="2024-08-26T15:14:18.686" v="1550" actId="20577"/>
-          <ac:spMkLst>
-            <pc:docMk/>
-            <pc:sldMk cId="3489505843" sldId="259"/>
-            <ac:spMk id="3" creationId="{FDAB4848-4ADF-DC20-0481-9FD7BEB22796}"/>
+          <ac:chgData name="HERNANDEZ ORTIZ JOSE ALFREDO" userId="6190f617-08f2-4ebb-a74d-41f293cab510" providerId="ADAL" clId="{28DA792A-7D39-47BE-B06B-F613DE89D9DA}" dt="2024-08-30T16:22:17.900" v="18" actId="26606"/>
+          <ac:spMkLst>
+            <pc:docMk/>
+            <pc:sldMk cId="3030895166" sldId="259"/>
+            <ac:spMk id="3" creationId="{3CD1696C-68F3-10C7-5C37-AA16B92D9F06}"/>
           </ac:spMkLst>
         </pc:spChg>
         <pc:spChg chg="add del">
-          <ac:chgData name="HERNANDEZ ORTIZ JOSE ALFREDO" userId="6190f617-08f2-4ebb-a74d-41f293cab510" providerId="ADAL" clId="{87AB9A15-D466-4682-9E8C-0F55FFE1CD03}" dt="2024-08-26T03:21:10.618" v="574" actId="26606"/>
-          <ac:spMkLst>
-            <pc:docMk/>
-            <pc:sldMk cId="3489505843" sldId="259"/>
-            <ac:spMk id="1031" creationId="{C0763A76-9F1C-4FC5-82B7-DD475DA461B2}"/>
+          <ac:chgData name="HERNANDEZ ORTIZ JOSE ALFREDO" userId="6190f617-08f2-4ebb-a74d-41f293cab510" providerId="ADAL" clId="{28DA792A-7D39-47BE-B06B-F613DE89D9DA}" dt="2024-08-30T16:22:17.900" v="18" actId="26606"/>
+          <ac:spMkLst>
+            <pc:docMk/>
+            <pc:sldMk cId="3030895166" sldId="259"/>
+            <ac:spMk id="8" creationId="{70DFC902-7D23-471A-B557-B6B6917D7A0D}"/>
           </ac:spMkLst>
         </pc:spChg>
         <pc:spChg chg="add del">
-          <ac:chgData name="HERNANDEZ ORTIZ JOSE ALFREDO" userId="6190f617-08f2-4ebb-a74d-41f293cab510" providerId="ADAL" clId="{87AB9A15-D466-4682-9E8C-0F55FFE1CD03}" dt="2024-08-26T03:21:10.618" v="574" actId="26606"/>
-          <ac:spMkLst>
-            <pc:docMk/>
-            <pc:sldMk cId="3489505843" sldId="259"/>
-            <ac:spMk id="1033" creationId="{E81BF4F6-F2CF-4984-9D14-D6966D92F99F}"/>
+          <ac:chgData name="HERNANDEZ ORTIZ JOSE ALFREDO" userId="6190f617-08f2-4ebb-a74d-41f293cab510" providerId="ADAL" clId="{28DA792A-7D39-47BE-B06B-F613DE89D9DA}" dt="2024-08-30T16:22:17.900" v="18" actId="26606"/>
+          <ac:spMkLst>
+            <pc:docMk/>
+            <pc:sldMk cId="3030895166" sldId="259"/>
+            <ac:spMk id="10" creationId="{A55D5633-D557-4DCA-982C-FF36EB7A1C00}"/>
           </ac:spMkLst>
         </pc:spChg>
         <pc:spChg chg="add del">
-          <ac:chgData name="HERNANDEZ ORTIZ JOSE ALFREDO" userId="6190f617-08f2-4ebb-a74d-41f293cab510" providerId="ADAL" clId="{87AB9A15-D466-4682-9E8C-0F55FFE1CD03}" dt="2024-08-26T03:21:15.071" v="576" actId="26606"/>
-          <ac:spMkLst>
-            <pc:docMk/>
-            <pc:sldMk cId="3489505843" sldId="259"/>
-            <ac:spMk id="1035" creationId="{45D37F4E-DDB4-456B-97E0-9937730A039F}"/>
-          </ac:spMkLst>
-        </pc:spChg>
-        <pc:spChg chg="add del">
-          <ac:chgData name="HERNANDEZ ORTIZ JOSE ALFREDO" userId="6190f617-08f2-4ebb-a74d-41f293cab510" providerId="ADAL" clId="{87AB9A15-D466-4682-9E8C-0F55FFE1CD03}" dt="2024-08-26T03:21:15.071" v="576" actId="26606"/>
-          <ac:spMkLst>
-            <pc:docMk/>
-            <pc:sldMk cId="3489505843" sldId="259"/>
-            <ac:spMk id="1036" creationId="{B2DD41CD-8F47-4F56-AD12-4E2FF7696987}"/>
-          </ac:spMkLst>
-        </pc:spChg>
-        <pc:spChg chg="add del">
-          <ac:chgData name="HERNANDEZ ORTIZ JOSE ALFREDO" userId="6190f617-08f2-4ebb-a74d-41f293cab510" providerId="ADAL" clId="{87AB9A15-D466-4682-9E8C-0F55FFE1CD03}" dt="2024-08-26T03:21:17.976" v="578" actId="26606"/>
-          <ac:spMkLst>
-            <pc:docMk/>
-            <pc:sldMk cId="3489505843" sldId="259"/>
-            <ac:spMk id="1038" creationId="{4F7EBAE4-9945-4473-9E34-B2C66EA0F03D}"/>
-          </ac:spMkLst>
-        </pc:spChg>
-        <pc:spChg chg="add del">
-          <ac:chgData name="HERNANDEZ ORTIZ JOSE ALFREDO" userId="6190f617-08f2-4ebb-a74d-41f293cab510" providerId="ADAL" clId="{87AB9A15-D466-4682-9E8C-0F55FFE1CD03}" dt="2024-08-26T03:21:17.976" v="578" actId="26606"/>
-          <ac:spMkLst>
-            <pc:docMk/>
-            <pc:sldMk cId="3489505843" sldId="259"/>
-            <ac:spMk id="1039" creationId="{70BEB1E7-2F88-40BC-B73D-42E5B6F80BFC}"/>
-          </ac:spMkLst>
-        </pc:spChg>
-        <pc:spChg chg="add del">
-          <ac:chgData name="HERNANDEZ ORTIZ JOSE ALFREDO" userId="6190f617-08f2-4ebb-a74d-41f293cab510" providerId="ADAL" clId="{87AB9A15-D466-4682-9E8C-0F55FFE1CD03}" dt="2024-08-26T03:21:17.976" v="578" actId="26606"/>
-          <ac:spMkLst>
-            <pc:docMk/>
-            <pc:sldMk cId="3489505843" sldId="259"/>
-            <ac:spMk id="1040" creationId="{A7B99495-F43F-4D80-A44F-2CB4764EB90B}"/>
-          </ac:spMkLst>
-        </pc:spChg>
-        <pc:spChg chg="add del">
-          <ac:chgData name="HERNANDEZ ORTIZ JOSE ALFREDO" userId="6190f617-08f2-4ebb-a74d-41f293cab510" providerId="ADAL" clId="{87AB9A15-D466-4682-9E8C-0F55FFE1CD03}" dt="2024-08-26T03:21:46.681" v="591" actId="26606"/>
-          <ac:spMkLst>
-            <pc:docMk/>
-            <pc:sldMk cId="3489505843" sldId="259"/>
-            <ac:spMk id="1042" creationId="{04812C46-200A-4DEB-A05E-3ED6C68C2387}"/>
-          </ac:spMkLst>
-        </pc:spChg>
-        <pc:spChg chg="add del">
-          <ac:chgData name="HERNANDEZ ORTIZ JOSE ALFREDO" userId="6190f617-08f2-4ebb-a74d-41f293cab510" providerId="ADAL" clId="{87AB9A15-D466-4682-9E8C-0F55FFE1CD03}" dt="2024-08-26T03:21:46.681" v="591" actId="26606"/>
-          <ac:spMkLst>
-            <pc:docMk/>
-            <pc:sldMk cId="3489505843" sldId="259"/>
-            <ac:spMk id="1043" creationId="{D1EA859B-E555-4109-94F3-6700E046E008}"/>
+          <ac:chgData name="HERNANDEZ ORTIZ JOSE ALFREDO" userId="6190f617-08f2-4ebb-a74d-41f293cab510" providerId="ADAL" clId="{28DA792A-7D39-47BE-B06B-F613DE89D9DA}" dt="2024-08-30T16:22:17.900" v="18" actId="26606"/>
+          <ac:spMkLst>
+            <pc:docMk/>
+            <pc:sldMk cId="3030895166" sldId="259"/>
+            <ac:spMk id="12" creationId="{450D3AD2-FA80-415F-A9CE-54D884561CD7}"/>
           </ac:spMkLst>
         </pc:spChg>
         <pc:spChg chg="add">
-          <ac:chgData name="HERNANDEZ ORTIZ JOSE ALFREDO" userId="6190f617-08f2-4ebb-a74d-41f293cab510" providerId="ADAL" clId="{87AB9A15-D466-4682-9E8C-0F55FFE1CD03}" dt="2024-08-26T03:25:10.530" v="781" actId="26606"/>
-          <ac:spMkLst>
-            <pc:docMk/>
-            <pc:sldMk cId="3489505843" sldId="259"/>
-            <ac:spMk id="1057" creationId="{12609869-9E80-471B-A487-A53288E0E791}"/>
+          <ac:chgData name="HERNANDEZ ORTIZ JOSE ALFREDO" userId="6190f617-08f2-4ebb-a74d-41f293cab510" providerId="ADAL" clId="{28DA792A-7D39-47BE-B06B-F613DE89D9DA}" dt="2024-08-30T16:22:17.900" v="18" actId="26606"/>
+          <ac:spMkLst>
+            <pc:docMk/>
+            <pc:sldMk cId="3030895166" sldId="259"/>
+            <ac:spMk id="17" creationId="{1B15ED52-F352-441B-82BF-E0EA34836D08}"/>
           </ac:spMkLst>
         </pc:spChg>
         <pc:spChg chg="add">
-          <ac:chgData name="HERNANDEZ ORTIZ JOSE ALFREDO" userId="6190f617-08f2-4ebb-a74d-41f293cab510" providerId="ADAL" clId="{87AB9A15-D466-4682-9E8C-0F55FFE1CD03}" dt="2024-08-26T03:25:10.530" v="781" actId="26606"/>
-          <ac:spMkLst>
-            <pc:docMk/>
-            <pc:sldMk cId="3489505843" sldId="259"/>
-            <ac:spMk id="1059" creationId="{7004738A-9D34-43E8-97D2-CA0EED4F8BE0}"/>
+          <ac:chgData name="HERNANDEZ ORTIZ JOSE ALFREDO" userId="6190f617-08f2-4ebb-a74d-41f293cab510" providerId="ADAL" clId="{28DA792A-7D39-47BE-B06B-F613DE89D9DA}" dt="2024-08-30T16:22:17.900" v="18" actId="26606"/>
+          <ac:spMkLst>
+            <pc:docMk/>
+            <pc:sldMk cId="3030895166" sldId="259"/>
+            <ac:spMk id="19" creationId="{3B2E3793-BFE6-45A2-9B7B-E18844431C99}"/>
           </ac:spMkLst>
         </pc:spChg>
         <pc:spChg chg="add">
-          <ac:chgData name="HERNANDEZ ORTIZ JOSE ALFREDO" userId="6190f617-08f2-4ebb-a74d-41f293cab510" providerId="ADAL" clId="{87AB9A15-D466-4682-9E8C-0F55FFE1CD03}" dt="2024-08-26T03:25:10.530" v="781" actId="26606"/>
-          <ac:spMkLst>
-            <pc:docMk/>
-            <pc:sldMk cId="3489505843" sldId="259"/>
-            <ac:spMk id="1061" creationId="{B8B8D07F-F13E-443E-BA68-2D26672D76B9}"/>
+          <ac:chgData name="HERNANDEZ ORTIZ JOSE ALFREDO" userId="6190f617-08f2-4ebb-a74d-41f293cab510" providerId="ADAL" clId="{28DA792A-7D39-47BE-B06B-F613DE89D9DA}" dt="2024-08-30T16:22:17.900" v="18" actId="26606"/>
+          <ac:spMkLst>
+            <pc:docMk/>
+            <pc:sldMk cId="3030895166" sldId="259"/>
+            <ac:spMk id="21" creationId="{BC4C4868-CB8F-4AF9-9CDB-8108F2C19B67}"/>
           </ac:spMkLst>
         </pc:spChg>
         <pc:spChg chg="add">
-          <ac:chgData name="HERNANDEZ ORTIZ JOSE ALFREDO" userId="6190f617-08f2-4ebb-a74d-41f293cab510" providerId="ADAL" clId="{87AB9A15-D466-4682-9E8C-0F55FFE1CD03}" dt="2024-08-26T03:25:10.530" v="781" actId="26606"/>
-          <ac:spMkLst>
-            <pc:docMk/>
-            <pc:sldMk cId="3489505843" sldId="259"/>
-            <ac:spMk id="1063" creationId="{2813A4FA-24A5-41ED-A534-3807D1B2F344}"/>
+          <ac:chgData name="HERNANDEZ ORTIZ JOSE ALFREDO" userId="6190f617-08f2-4ebb-a74d-41f293cab510" providerId="ADAL" clId="{28DA792A-7D39-47BE-B06B-F613DE89D9DA}" dt="2024-08-30T16:22:17.900" v="18" actId="26606"/>
+          <ac:spMkLst>
+            <pc:docMk/>
+            <pc:sldMk cId="3030895166" sldId="259"/>
+            <ac:spMk id="23" creationId="{375E0459-6403-40CD-989D-56A4407CA12E}"/>
           </ac:spMkLst>
         </pc:spChg>
         <pc:spChg chg="add">
-          <ac:chgData name="HERNANDEZ ORTIZ JOSE ALFREDO" userId="6190f617-08f2-4ebb-a74d-41f293cab510" providerId="ADAL" clId="{87AB9A15-D466-4682-9E8C-0F55FFE1CD03}" dt="2024-08-26T03:25:10.530" v="781" actId="26606"/>
-          <ac:spMkLst>
-            <pc:docMk/>
-            <pc:sldMk cId="3489505843" sldId="259"/>
-            <ac:spMk id="1065" creationId="{C3944F27-CA70-4E84-A51A-E6BF89558979}"/>
-          </ac:spMkLst>
-        </pc:spChg>
-        <pc:grpChg chg="add del">
-          <ac:chgData name="HERNANDEZ ORTIZ JOSE ALFREDO" userId="6190f617-08f2-4ebb-a74d-41f293cab510" providerId="ADAL" clId="{87AB9A15-D466-4682-9E8C-0F55FFE1CD03}" dt="2024-08-26T03:25:10.530" v="781" actId="26606"/>
-          <ac:grpSpMkLst>
-            <pc:docMk/>
-            <pc:sldMk cId="3489505843" sldId="259"/>
-            <ac:grpSpMk id="1048" creationId="{114ED94A-C85D-4CD3-4205-438D21CE6B38}"/>
-          </ac:grpSpMkLst>
-        </pc:grpChg>
-        <pc:picChg chg="add mod ord">
-          <ac:chgData name="HERNANDEZ ORTIZ JOSE ALFREDO" userId="6190f617-08f2-4ebb-a74d-41f293cab510" providerId="ADAL" clId="{87AB9A15-D466-4682-9E8C-0F55FFE1CD03}" dt="2024-08-26T03:26:06.657" v="799" actId="1076"/>
-          <ac:picMkLst>
-            <pc:docMk/>
-            <pc:sldMk cId="3489505843" sldId="259"/>
-            <ac:picMk id="1026" creationId="{CBBE1DFD-F990-B274-7CD1-A9522EB477ED}"/>
-          </ac:picMkLst>
-        </pc:picChg>
+          <ac:chgData name="HERNANDEZ ORTIZ JOSE ALFREDO" userId="6190f617-08f2-4ebb-a74d-41f293cab510" providerId="ADAL" clId="{28DA792A-7D39-47BE-B06B-F613DE89D9DA}" dt="2024-08-30T16:22:17.900" v="18" actId="26606"/>
+          <ac:spMkLst>
+            <pc:docMk/>
+            <pc:sldMk cId="3030895166" sldId="259"/>
+            <ac:spMk id="25" creationId="{53E5B1A8-3AC9-4BD1-9BBC-78CA94F2D1BA}"/>
+          </ac:spMkLst>
+        </pc:spChg>
       </pc:sldChg>
-      <pc:sldChg chg="new del">
-        <pc:chgData name="HERNANDEZ ORTIZ JOSE ALFREDO" userId="6190f617-08f2-4ebb-a74d-41f293cab510" providerId="ADAL" clId="{87AB9A15-D466-4682-9E8C-0F55FFE1CD03}" dt="2024-08-26T03:31:12.827" v="838" actId="47"/>
+      <pc:sldChg chg="addSp delSp modSp mod setBg">
+        <pc:chgData name="HERNANDEZ ORTIZ JOSE ALFREDO" userId="6190f617-08f2-4ebb-a74d-41f293cab510" providerId="ADAL" clId="{28DA792A-7D39-47BE-B06B-F613DE89D9DA}" dt="2024-08-30T16:22:23.885" v="19" actId="26606"/>
         <pc:sldMkLst>
           <pc:docMk/>
-          <pc:sldMk cId="2249496431" sldId="260"/>
+          <pc:sldMk cId="2760594863" sldId="260"/>
         </pc:sldMkLst>
+        <pc:spChg chg="mod">
+          <ac:chgData name="HERNANDEZ ORTIZ JOSE ALFREDO" userId="6190f617-08f2-4ebb-a74d-41f293cab510" providerId="ADAL" clId="{28DA792A-7D39-47BE-B06B-F613DE89D9DA}" dt="2024-08-30T16:22:23.885" v="19" actId="26606"/>
+          <ac:spMkLst>
+            <pc:docMk/>
+            <pc:sldMk cId="2760594863" sldId="260"/>
+            <ac:spMk id="2" creationId="{F9E8322F-F78E-5EC3-5CCD-09768B3BB5CD}"/>
+          </ac:spMkLst>
+        </pc:spChg>
+        <pc:spChg chg="mod">
+          <ac:chgData name="HERNANDEZ ORTIZ JOSE ALFREDO" userId="6190f617-08f2-4ebb-a74d-41f293cab510" providerId="ADAL" clId="{28DA792A-7D39-47BE-B06B-F613DE89D9DA}" dt="2024-08-30T16:22:23.885" v="19" actId="26606"/>
+          <ac:spMkLst>
+            <pc:docMk/>
+            <pc:sldMk cId="2760594863" sldId="260"/>
+            <ac:spMk id="3" creationId="{60F83AC9-30CA-BBAC-367C-D5BF616BDFD9}"/>
+          </ac:spMkLst>
+        </pc:spChg>
+        <pc:spChg chg="add del">
+          <ac:chgData name="HERNANDEZ ORTIZ JOSE ALFREDO" userId="6190f617-08f2-4ebb-a74d-41f293cab510" providerId="ADAL" clId="{28DA792A-7D39-47BE-B06B-F613DE89D9DA}" dt="2024-08-30T16:22:02.514" v="15" actId="26606"/>
+          <ac:spMkLst>
+            <pc:docMk/>
+            <pc:sldMk cId="2760594863" sldId="260"/>
+            <ac:spMk id="8" creationId="{70DFC902-7D23-471A-B557-B6B6917D7A0D}"/>
+          </ac:spMkLst>
+        </pc:spChg>
+        <pc:spChg chg="add del">
+          <ac:chgData name="HERNANDEZ ORTIZ JOSE ALFREDO" userId="6190f617-08f2-4ebb-a74d-41f293cab510" providerId="ADAL" clId="{28DA792A-7D39-47BE-B06B-F613DE89D9DA}" dt="2024-08-30T16:22:02.514" v="15" actId="26606"/>
+          <ac:spMkLst>
+            <pc:docMk/>
+            <pc:sldMk cId="2760594863" sldId="260"/>
+            <ac:spMk id="10" creationId="{A55D5633-D557-4DCA-982C-FF36EB7A1C00}"/>
+          </ac:spMkLst>
+        </pc:spChg>
+        <pc:spChg chg="add del">
+          <ac:chgData name="HERNANDEZ ORTIZ JOSE ALFREDO" userId="6190f617-08f2-4ebb-a74d-41f293cab510" providerId="ADAL" clId="{28DA792A-7D39-47BE-B06B-F613DE89D9DA}" dt="2024-08-30T16:22:02.514" v="15" actId="26606"/>
+          <ac:spMkLst>
+            <pc:docMk/>
+            <pc:sldMk cId="2760594863" sldId="260"/>
+            <ac:spMk id="12" creationId="{450D3AD2-FA80-415F-A9CE-54D884561CD7}"/>
+          </ac:spMkLst>
+        </pc:spChg>
+        <pc:spChg chg="add del">
+          <ac:chgData name="HERNANDEZ ORTIZ JOSE ALFREDO" userId="6190f617-08f2-4ebb-a74d-41f293cab510" providerId="ADAL" clId="{28DA792A-7D39-47BE-B06B-F613DE89D9DA}" dt="2024-08-30T16:22:23.885" v="19" actId="26606"/>
+          <ac:spMkLst>
+            <pc:docMk/>
+            <pc:sldMk cId="2760594863" sldId="260"/>
+            <ac:spMk id="14" creationId="{70DFC902-7D23-471A-B557-B6B6917D7A0D}"/>
+          </ac:spMkLst>
+        </pc:spChg>
+        <pc:spChg chg="add del">
+          <ac:chgData name="HERNANDEZ ORTIZ JOSE ALFREDO" userId="6190f617-08f2-4ebb-a74d-41f293cab510" providerId="ADAL" clId="{28DA792A-7D39-47BE-B06B-F613DE89D9DA}" dt="2024-08-30T16:22:23.885" v="19" actId="26606"/>
+          <ac:spMkLst>
+            <pc:docMk/>
+            <pc:sldMk cId="2760594863" sldId="260"/>
+            <ac:spMk id="15" creationId="{A55D5633-D557-4DCA-982C-FF36EB7A1C00}"/>
+          </ac:spMkLst>
+        </pc:spChg>
+        <pc:spChg chg="add del">
+          <ac:chgData name="HERNANDEZ ORTIZ JOSE ALFREDO" userId="6190f617-08f2-4ebb-a74d-41f293cab510" providerId="ADAL" clId="{28DA792A-7D39-47BE-B06B-F613DE89D9DA}" dt="2024-08-30T16:22:23.885" v="19" actId="26606"/>
+          <ac:spMkLst>
+            <pc:docMk/>
+            <pc:sldMk cId="2760594863" sldId="260"/>
+            <ac:spMk id="16" creationId="{450D3AD2-FA80-415F-A9CE-54D884561CD7}"/>
+          </ac:spMkLst>
+        </pc:spChg>
+        <pc:spChg chg="add">
+          <ac:chgData name="HERNANDEZ ORTIZ JOSE ALFREDO" userId="6190f617-08f2-4ebb-a74d-41f293cab510" providerId="ADAL" clId="{28DA792A-7D39-47BE-B06B-F613DE89D9DA}" dt="2024-08-30T16:22:23.885" v="19" actId="26606"/>
+          <ac:spMkLst>
+            <pc:docMk/>
+            <pc:sldMk cId="2760594863" sldId="260"/>
+            <ac:spMk id="21" creationId="{1B15ED52-F352-441B-82BF-E0EA34836D08}"/>
+          </ac:spMkLst>
+        </pc:spChg>
+        <pc:spChg chg="add">
+          <ac:chgData name="HERNANDEZ ORTIZ JOSE ALFREDO" userId="6190f617-08f2-4ebb-a74d-41f293cab510" providerId="ADAL" clId="{28DA792A-7D39-47BE-B06B-F613DE89D9DA}" dt="2024-08-30T16:22:23.885" v="19" actId="26606"/>
+          <ac:spMkLst>
+            <pc:docMk/>
+            <pc:sldMk cId="2760594863" sldId="260"/>
+            <ac:spMk id="23" creationId="{3B2E3793-BFE6-45A2-9B7B-E18844431C99}"/>
+          </ac:spMkLst>
+        </pc:spChg>
+        <pc:spChg chg="add">
+          <ac:chgData name="HERNANDEZ ORTIZ JOSE ALFREDO" userId="6190f617-08f2-4ebb-a74d-41f293cab510" providerId="ADAL" clId="{28DA792A-7D39-47BE-B06B-F613DE89D9DA}" dt="2024-08-30T16:22:23.885" v="19" actId="26606"/>
+          <ac:spMkLst>
+            <pc:docMk/>
+            <pc:sldMk cId="2760594863" sldId="260"/>
+            <ac:spMk id="25" creationId="{BC4C4868-CB8F-4AF9-9CDB-8108F2C19B67}"/>
+          </ac:spMkLst>
+        </pc:spChg>
+        <pc:spChg chg="add">
+          <ac:chgData name="HERNANDEZ ORTIZ JOSE ALFREDO" userId="6190f617-08f2-4ebb-a74d-41f293cab510" providerId="ADAL" clId="{28DA792A-7D39-47BE-B06B-F613DE89D9DA}" dt="2024-08-30T16:22:23.885" v="19" actId="26606"/>
+          <ac:spMkLst>
+            <pc:docMk/>
+            <pc:sldMk cId="2760594863" sldId="260"/>
+            <ac:spMk id="27" creationId="{375E0459-6403-40CD-989D-56A4407CA12E}"/>
+          </ac:spMkLst>
+        </pc:spChg>
+        <pc:spChg chg="add">
+          <ac:chgData name="HERNANDEZ ORTIZ JOSE ALFREDO" userId="6190f617-08f2-4ebb-a74d-41f293cab510" providerId="ADAL" clId="{28DA792A-7D39-47BE-B06B-F613DE89D9DA}" dt="2024-08-30T16:22:23.885" v="19" actId="26606"/>
+          <ac:spMkLst>
+            <pc:docMk/>
+            <pc:sldMk cId="2760594863" sldId="260"/>
+            <ac:spMk id="29" creationId="{53E5B1A8-3AC9-4BD1-9BBC-78CA94F2D1BA}"/>
+          </ac:spMkLst>
+        </pc:spChg>
       </pc:sldChg>
-      <pc:sldChg chg="addSp modSp add mod setBg">
-        <pc:chgData name="HERNANDEZ ORTIZ JOSE ALFREDO" userId="6190f617-08f2-4ebb-a74d-41f293cab510" providerId="ADAL" clId="{87AB9A15-D466-4682-9E8C-0F55FFE1CD03}" dt="2024-08-26T03:48:16.158" v="1430" actId="120"/>
+      <pc:sldChg chg="addSp modSp mod setBg">
+        <pc:chgData name="HERNANDEZ ORTIZ JOSE ALFREDO" userId="6190f617-08f2-4ebb-a74d-41f293cab510" providerId="ADAL" clId="{28DA792A-7D39-47BE-B06B-F613DE89D9DA}" dt="2024-08-30T16:22:30.846" v="20" actId="26606"/>
         <pc:sldMkLst>
           <pc:docMk/>
-          <pc:sldMk cId="3415821000" sldId="260"/>
+          <pc:sldMk cId="1219548415" sldId="261"/>
         </pc:sldMkLst>
         <pc:spChg chg="mod">
-          <ac:chgData name="HERNANDEZ ORTIZ JOSE ALFREDO" userId="6190f617-08f2-4ebb-a74d-41f293cab510" providerId="ADAL" clId="{87AB9A15-D466-4682-9E8C-0F55FFE1CD03}" dt="2024-08-26T03:47:36.775" v="1417" actId="207"/>
-          <ac:spMkLst>
-            <pc:docMk/>
-            <pc:sldMk cId="3415821000" sldId="260"/>
-            <ac:spMk id="2" creationId="{007CB46B-0102-753A-9B2A-B3FAE57EC93F}"/>
+          <ac:chgData name="HERNANDEZ ORTIZ JOSE ALFREDO" userId="6190f617-08f2-4ebb-a74d-41f293cab510" providerId="ADAL" clId="{28DA792A-7D39-47BE-B06B-F613DE89D9DA}" dt="2024-08-30T16:22:30.846" v="20" actId="26606"/>
+          <ac:spMkLst>
+            <pc:docMk/>
+            <pc:sldMk cId="1219548415" sldId="261"/>
+            <ac:spMk id="2" creationId="{656783D0-79B5-E86D-80B5-676BF6B1FFEA}"/>
           </ac:spMkLst>
         </pc:spChg>
         <pc:spChg chg="mod">
-          <ac:chgData name="HERNANDEZ ORTIZ JOSE ALFREDO" userId="6190f617-08f2-4ebb-a74d-41f293cab510" providerId="ADAL" clId="{87AB9A15-D466-4682-9E8C-0F55FFE1CD03}" dt="2024-08-26T03:48:16.158" v="1430" actId="120"/>
-          <ac:spMkLst>
-            <pc:docMk/>
-            <pc:sldMk cId="3415821000" sldId="260"/>
-            <ac:spMk id="3" creationId="{7FDBD0FD-AE3B-1AF6-31CC-E85119E221E8}"/>
+          <ac:chgData name="HERNANDEZ ORTIZ JOSE ALFREDO" userId="6190f617-08f2-4ebb-a74d-41f293cab510" providerId="ADAL" clId="{28DA792A-7D39-47BE-B06B-F613DE89D9DA}" dt="2024-08-30T16:22:30.846" v="20" actId="26606"/>
+          <ac:spMkLst>
+            <pc:docMk/>
+            <pc:sldMk cId="1219548415" sldId="261"/>
+            <ac:spMk id="3" creationId="{C795053C-65BD-6A97-3971-29EDD902E2AE}"/>
           </ac:spMkLst>
         </pc:spChg>
         <pc:spChg chg="add">
-          <ac:chgData name="HERNANDEZ ORTIZ JOSE ALFREDO" userId="6190f617-08f2-4ebb-a74d-41f293cab510" providerId="ADAL" clId="{87AB9A15-D466-4682-9E8C-0F55FFE1CD03}" dt="2024-08-26T03:47:05.135" v="1407" actId="26606"/>
-          <ac:spMkLst>
-            <pc:docMk/>
-            <pc:sldMk cId="3415821000" sldId="260"/>
-            <ac:spMk id="2055" creationId="{12609869-9E80-471B-A487-A53288E0E791}"/>
+          <ac:chgData name="HERNANDEZ ORTIZ JOSE ALFREDO" userId="6190f617-08f2-4ebb-a74d-41f293cab510" providerId="ADAL" clId="{28DA792A-7D39-47BE-B06B-F613DE89D9DA}" dt="2024-08-30T16:22:30.846" v="20" actId="26606"/>
+          <ac:spMkLst>
+            <pc:docMk/>
+            <pc:sldMk cId="1219548415" sldId="261"/>
+            <ac:spMk id="8" creationId="{1B15ED52-F352-441B-82BF-E0EA34836D08}"/>
           </ac:spMkLst>
         </pc:spChg>
         <pc:spChg chg="add">
-          <ac:chgData name="HERNANDEZ ORTIZ JOSE ALFREDO" userId="6190f617-08f2-4ebb-a74d-41f293cab510" providerId="ADAL" clId="{87AB9A15-D466-4682-9E8C-0F55FFE1CD03}" dt="2024-08-26T03:47:05.135" v="1407" actId="26606"/>
-          <ac:spMkLst>
-            <pc:docMk/>
-            <pc:sldMk cId="3415821000" sldId="260"/>
-            <ac:spMk id="2057" creationId="{7004738A-9D34-43E8-97D2-CA0EED4F8BE0}"/>
+          <ac:chgData name="HERNANDEZ ORTIZ JOSE ALFREDO" userId="6190f617-08f2-4ebb-a74d-41f293cab510" providerId="ADAL" clId="{28DA792A-7D39-47BE-B06B-F613DE89D9DA}" dt="2024-08-30T16:22:30.846" v="20" actId="26606"/>
+          <ac:spMkLst>
+            <pc:docMk/>
+            <pc:sldMk cId="1219548415" sldId="261"/>
+            <ac:spMk id="10" creationId="{3B2E3793-BFE6-45A2-9B7B-E18844431C99}"/>
           </ac:spMkLst>
         </pc:spChg>
         <pc:spChg chg="add">
-          <ac:chgData name="HERNANDEZ ORTIZ JOSE ALFREDO" userId="6190f617-08f2-4ebb-a74d-41f293cab510" providerId="ADAL" clId="{87AB9A15-D466-4682-9E8C-0F55FFE1CD03}" dt="2024-08-26T03:47:05.135" v="1407" actId="26606"/>
-          <ac:spMkLst>
-            <pc:docMk/>
-            <pc:sldMk cId="3415821000" sldId="260"/>
-            <ac:spMk id="2059" creationId="{B8B8D07F-F13E-443E-BA68-2D26672D76B9}"/>
+          <ac:chgData name="HERNANDEZ ORTIZ JOSE ALFREDO" userId="6190f617-08f2-4ebb-a74d-41f293cab510" providerId="ADAL" clId="{28DA792A-7D39-47BE-B06B-F613DE89D9DA}" dt="2024-08-30T16:22:30.846" v="20" actId="26606"/>
+          <ac:spMkLst>
+            <pc:docMk/>
+            <pc:sldMk cId="1219548415" sldId="261"/>
+            <ac:spMk id="12" creationId="{BC4C4868-CB8F-4AF9-9CDB-8108F2C19B67}"/>
           </ac:spMkLst>
         </pc:spChg>
         <pc:spChg chg="add">
-          <ac:chgData name="HERNANDEZ ORTIZ JOSE ALFREDO" userId="6190f617-08f2-4ebb-a74d-41f293cab510" providerId="ADAL" clId="{87AB9A15-D466-4682-9E8C-0F55FFE1CD03}" dt="2024-08-26T03:47:05.135" v="1407" actId="26606"/>
-          <ac:spMkLst>
-            <pc:docMk/>
-            <pc:sldMk cId="3415821000" sldId="260"/>
-            <ac:spMk id="2061" creationId="{2813A4FA-24A5-41ED-A534-3807D1B2F344}"/>
+          <ac:chgData name="HERNANDEZ ORTIZ JOSE ALFREDO" userId="6190f617-08f2-4ebb-a74d-41f293cab510" providerId="ADAL" clId="{28DA792A-7D39-47BE-B06B-F613DE89D9DA}" dt="2024-08-30T16:22:30.846" v="20" actId="26606"/>
+          <ac:spMkLst>
+            <pc:docMk/>
+            <pc:sldMk cId="1219548415" sldId="261"/>
+            <ac:spMk id="14" creationId="{375E0459-6403-40CD-989D-56A4407CA12E}"/>
           </ac:spMkLst>
         </pc:spChg>
         <pc:spChg chg="add">
-          <ac:chgData name="HERNANDEZ ORTIZ JOSE ALFREDO" userId="6190f617-08f2-4ebb-a74d-41f293cab510" providerId="ADAL" clId="{87AB9A15-D466-4682-9E8C-0F55FFE1CD03}" dt="2024-08-26T03:47:05.135" v="1407" actId="26606"/>
-          <ac:spMkLst>
-            <pc:docMk/>
-            <pc:sldMk cId="3415821000" sldId="260"/>
-            <ac:spMk id="2063" creationId="{C3944F27-CA70-4E84-A51A-E6BF89558979}"/>
-          </ac:spMkLst>
-        </pc:spChg>
-        <pc:picChg chg="add mod">
-          <ac:chgData name="HERNANDEZ ORTIZ JOSE ALFREDO" userId="6190f617-08f2-4ebb-a74d-41f293cab510" providerId="ADAL" clId="{87AB9A15-D466-4682-9E8C-0F55FFE1CD03}" dt="2024-08-26T03:48:12.830" v="1428" actId="1076"/>
-          <ac:picMkLst>
-            <pc:docMk/>
-            <pc:sldMk cId="3415821000" sldId="260"/>
-            <ac:picMk id="2050" creationId="{D9FDD1FB-238A-48E0-DCE1-192F3F4DC062}"/>
-          </ac:picMkLst>
-        </pc:picChg>
+          <ac:chgData name="HERNANDEZ ORTIZ JOSE ALFREDO" userId="6190f617-08f2-4ebb-a74d-41f293cab510" providerId="ADAL" clId="{28DA792A-7D39-47BE-B06B-F613DE89D9DA}" dt="2024-08-30T16:22:30.846" v="20" actId="26606"/>
+          <ac:spMkLst>
+            <pc:docMk/>
+            <pc:sldMk cId="1219548415" sldId="261"/>
+            <ac:spMk id="16" creationId="{53E5B1A8-3AC9-4BD1-9BBC-78CA94F2D1BA}"/>
+          </ac:spMkLst>
+        </pc:spChg>
       </pc:sldChg>
-      <pc:sldChg chg="new del">
-        <pc:chgData name="HERNANDEZ ORTIZ JOSE ALFREDO" userId="6190f617-08f2-4ebb-a74d-41f293cab510" providerId="ADAL" clId="{87AB9A15-D466-4682-9E8C-0F55FFE1CD03}" dt="2024-08-26T03:33:10.267" v="1048" actId="47"/>
+      <pc:sldChg chg="addSp modSp mod setBg">
+        <pc:chgData name="HERNANDEZ ORTIZ JOSE ALFREDO" userId="6190f617-08f2-4ebb-a74d-41f293cab510" providerId="ADAL" clId="{28DA792A-7D39-47BE-B06B-F613DE89D9DA}" dt="2024-08-30T16:22:34.154" v="21" actId="26606"/>
         <pc:sldMkLst>
           <pc:docMk/>
-          <pc:sldMk cId="1272106042" sldId="261"/>
+          <pc:sldMk cId="3261906285" sldId="262"/>
         </pc:sldMkLst>
+        <pc:spChg chg="mod">
+          <ac:chgData name="HERNANDEZ ORTIZ JOSE ALFREDO" userId="6190f617-08f2-4ebb-a74d-41f293cab510" providerId="ADAL" clId="{28DA792A-7D39-47BE-B06B-F613DE89D9DA}" dt="2024-08-30T16:22:34.154" v="21" actId="26606"/>
+          <ac:spMkLst>
+            <pc:docMk/>
+            <pc:sldMk cId="3261906285" sldId="262"/>
+            <ac:spMk id="2" creationId="{410E74E7-A4C8-49A5-F858-70C3A33A39B9}"/>
+          </ac:spMkLst>
+        </pc:spChg>
+        <pc:spChg chg="mod">
+          <ac:chgData name="HERNANDEZ ORTIZ JOSE ALFREDO" userId="6190f617-08f2-4ebb-a74d-41f293cab510" providerId="ADAL" clId="{28DA792A-7D39-47BE-B06B-F613DE89D9DA}" dt="2024-08-30T16:22:34.154" v="21" actId="26606"/>
+          <ac:spMkLst>
+            <pc:docMk/>
+            <pc:sldMk cId="3261906285" sldId="262"/>
+            <ac:spMk id="3" creationId="{60D7660C-FE0C-2BC9-B341-E8F920A1BC2C}"/>
+          </ac:spMkLst>
+        </pc:spChg>
+        <pc:spChg chg="add">
+          <ac:chgData name="HERNANDEZ ORTIZ JOSE ALFREDO" userId="6190f617-08f2-4ebb-a74d-41f293cab510" providerId="ADAL" clId="{28DA792A-7D39-47BE-B06B-F613DE89D9DA}" dt="2024-08-30T16:22:34.154" v="21" actId="26606"/>
+          <ac:spMkLst>
+            <pc:docMk/>
+            <pc:sldMk cId="3261906285" sldId="262"/>
+            <ac:spMk id="8" creationId="{1B15ED52-F352-441B-82BF-E0EA34836D08}"/>
+          </ac:spMkLst>
+        </pc:spChg>
+        <pc:spChg chg="add">
+          <ac:chgData name="HERNANDEZ ORTIZ JOSE ALFREDO" userId="6190f617-08f2-4ebb-a74d-41f293cab510" providerId="ADAL" clId="{28DA792A-7D39-47BE-B06B-F613DE89D9DA}" dt="2024-08-30T16:22:34.154" v="21" actId="26606"/>
+          <ac:spMkLst>
+            <pc:docMk/>
+            <pc:sldMk cId="3261906285" sldId="262"/>
+            <ac:spMk id="10" creationId="{3B2E3793-BFE6-45A2-9B7B-E18844431C99}"/>
+          </ac:spMkLst>
+        </pc:spChg>
+        <pc:spChg chg="add">
+          <ac:chgData name="HERNANDEZ ORTIZ JOSE ALFREDO" userId="6190f617-08f2-4ebb-a74d-41f293cab510" providerId="ADAL" clId="{28DA792A-7D39-47BE-B06B-F613DE89D9DA}" dt="2024-08-30T16:22:34.154" v="21" actId="26606"/>
+          <ac:spMkLst>
+            <pc:docMk/>
+            <pc:sldMk cId="3261906285" sldId="262"/>
+            <ac:spMk id="12" creationId="{BC4C4868-CB8F-4AF9-9CDB-8108F2C19B67}"/>
+          </ac:spMkLst>
+        </pc:spChg>
+        <pc:spChg chg="add">
+          <ac:chgData name="HERNANDEZ ORTIZ JOSE ALFREDO" userId="6190f617-08f2-4ebb-a74d-41f293cab510" providerId="ADAL" clId="{28DA792A-7D39-47BE-B06B-F613DE89D9DA}" dt="2024-08-30T16:22:34.154" v="21" actId="26606"/>
+          <ac:spMkLst>
+            <pc:docMk/>
+            <pc:sldMk cId="3261906285" sldId="262"/>
+            <ac:spMk id="14" creationId="{375E0459-6403-40CD-989D-56A4407CA12E}"/>
+          </ac:spMkLst>
+        </pc:spChg>
+        <pc:spChg chg="add">
+          <ac:chgData name="HERNANDEZ ORTIZ JOSE ALFREDO" userId="6190f617-08f2-4ebb-a74d-41f293cab510" providerId="ADAL" clId="{28DA792A-7D39-47BE-B06B-F613DE89D9DA}" dt="2024-08-30T16:22:34.154" v="21" actId="26606"/>
+          <ac:spMkLst>
+            <pc:docMk/>
+            <pc:sldMk cId="3261906285" sldId="262"/>
+            <ac:spMk id="16" creationId="{53E5B1A8-3AC9-4BD1-9BBC-78CA94F2D1BA}"/>
+          </ac:spMkLst>
+        </pc:spChg>
       </pc:sldChg>
-      <pc:sldChg chg="modSp add mod">
-        <pc:chgData name="HERNANDEZ ORTIZ JOSE ALFREDO" userId="6190f617-08f2-4ebb-a74d-41f293cab510" providerId="ADAL" clId="{87AB9A15-D466-4682-9E8C-0F55FFE1CD03}" dt="2024-08-26T15:17:15.341" v="1574" actId="20577"/>
+      <pc:sldChg chg="addSp modSp mod setBg">
+        <pc:chgData name="HERNANDEZ ORTIZ JOSE ALFREDO" userId="6190f617-08f2-4ebb-a74d-41f293cab510" providerId="ADAL" clId="{28DA792A-7D39-47BE-B06B-F613DE89D9DA}" dt="2024-08-30T16:22:37.693" v="22" actId="26606"/>
         <pc:sldMkLst>
           <pc:docMk/>
-          <pc:sldMk cId="2007691012" sldId="261"/>
+          <pc:sldMk cId="1068644601" sldId="263"/>
         </pc:sldMkLst>
         <pc:spChg chg="mod">
-          <ac:chgData name="HERNANDEZ ORTIZ JOSE ALFREDO" userId="6190f617-08f2-4ebb-a74d-41f293cab510" providerId="ADAL" clId="{87AB9A15-D466-4682-9E8C-0F55FFE1CD03}" dt="2024-08-26T15:17:15.341" v="1574" actId="20577"/>
-          <ac:spMkLst>
-            <pc:docMk/>
-            <pc:sldMk cId="2007691012" sldId="261"/>
-            <ac:spMk id="2" creationId="{007CB46B-0102-753A-9B2A-B3FAE57EC93F}"/>
+          <ac:chgData name="HERNANDEZ ORTIZ JOSE ALFREDO" userId="6190f617-08f2-4ebb-a74d-41f293cab510" providerId="ADAL" clId="{28DA792A-7D39-47BE-B06B-F613DE89D9DA}" dt="2024-08-30T16:22:37.693" v="22" actId="26606"/>
+          <ac:spMkLst>
+            <pc:docMk/>
+            <pc:sldMk cId="1068644601" sldId="263"/>
+            <ac:spMk id="2" creationId="{CB8C5922-DA9F-3AAA-98EF-E306B61DA098}"/>
           </ac:spMkLst>
         </pc:spChg>
         <pc:spChg chg="mod">
-          <ac:chgData name="HERNANDEZ ORTIZ JOSE ALFREDO" userId="6190f617-08f2-4ebb-a74d-41f293cab510" providerId="ADAL" clId="{87AB9A15-D466-4682-9E8C-0F55FFE1CD03}" dt="2024-08-26T15:17:04.860" v="1573" actId="6549"/>
-          <ac:spMkLst>
-            <pc:docMk/>
-            <pc:sldMk cId="2007691012" sldId="261"/>
-            <ac:spMk id="3" creationId="{7FDBD0FD-AE3B-1AF6-31CC-E85119E221E8}"/>
+          <ac:chgData name="HERNANDEZ ORTIZ JOSE ALFREDO" userId="6190f617-08f2-4ebb-a74d-41f293cab510" providerId="ADAL" clId="{28DA792A-7D39-47BE-B06B-F613DE89D9DA}" dt="2024-08-30T16:22:37.693" v="22" actId="26606"/>
+          <ac:spMkLst>
+            <pc:docMk/>
+            <pc:sldMk cId="1068644601" sldId="263"/>
+            <ac:spMk id="3" creationId="{C44EA95D-2DB9-CA21-46C9-342A06F960C4}"/>
+          </ac:spMkLst>
+        </pc:spChg>
+        <pc:spChg chg="add">
+          <ac:chgData name="HERNANDEZ ORTIZ JOSE ALFREDO" userId="6190f617-08f2-4ebb-a74d-41f293cab510" providerId="ADAL" clId="{28DA792A-7D39-47BE-B06B-F613DE89D9DA}" dt="2024-08-30T16:22:37.693" v="22" actId="26606"/>
+          <ac:spMkLst>
+            <pc:docMk/>
+            <pc:sldMk cId="1068644601" sldId="263"/>
+            <ac:spMk id="8" creationId="{1B15ED52-F352-441B-82BF-E0EA34836D08}"/>
+          </ac:spMkLst>
+        </pc:spChg>
+        <pc:spChg chg="add">
+          <ac:chgData name="HERNANDEZ ORTIZ JOSE ALFREDO" userId="6190f617-08f2-4ebb-a74d-41f293cab510" providerId="ADAL" clId="{28DA792A-7D39-47BE-B06B-F613DE89D9DA}" dt="2024-08-30T16:22:37.693" v="22" actId="26606"/>
+          <ac:spMkLst>
+            <pc:docMk/>
+            <pc:sldMk cId="1068644601" sldId="263"/>
+            <ac:spMk id="10" creationId="{3B2E3793-BFE6-45A2-9B7B-E18844431C99}"/>
+          </ac:spMkLst>
+        </pc:spChg>
+        <pc:spChg chg="add">
+          <ac:chgData name="HERNANDEZ ORTIZ JOSE ALFREDO" userId="6190f617-08f2-4ebb-a74d-41f293cab510" providerId="ADAL" clId="{28DA792A-7D39-47BE-B06B-F613DE89D9DA}" dt="2024-08-30T16:22:37.693" v="22" actId="26606"/>
+          <ac:spMkLst>
+            <pc:docMk/>
+            <pc:sldMk cId="1068644601" sldId="263"/>
+            <ac:spMk id="12" creationId="{BC4C4868-CB8F-4AF9-9CDB-8108F2C19B67}"/>
+          </ac:spMkLst>
+        </pc:spChg>
+        <pc:spChg chg="add">
+          <ac:chgData name="HERNANDEZ ORTIZ JOSE ALFREDO" userId="6190f617-08f2-4ebb-a74d-41f293cab510" providerId="ADAL" clId="{28DA792A-7D39-47BE-B06B-F613DE89D9DA}" dt="2024-08-30T16:22:37.693" v="22" actId="26606"/>
+          <ac:spMkLst>
+            <pc:docMk/>
+            <pc:sldMk cId="1068644601" sldId="263"/>
+            <ac:spMk id="14" creationId="{375E0459-6403-40CD-989D-56A4407CA12E}"/>
+          </ac:spMkLst>
+        </pc:spChg>
+        <pc:spChg chg="add">
+          <ac:chgData name="HERNANDEZ ORTIZ JOSE ALFREDO" userId="6190f617-08f2-4ebb-a74d-41f293cab510" providerId="ADAL" clId="{28DA792A-7D39-47BE-B06B-F613DE89D9DA}" dt="2024-08-30T16:22:37.693" v="22" actId="26606"/>
+          <ac:spMkLst>
+            <pc:docMk/>
+            <pc:sldMk cId="1068644601" sldId="263"/>
+            <ac:spMk id="16" creationId="{53E5B1A8-3AC9-4BD1-9BBC-78CA94F2D1BA}"/>
           </ac:spMkLst>
         </pc:spChg>
       </pc:sldChg>
-      <pc:sldChg chg="addSp delSp modSp new mod">
-        <pc:chgData name="HERNANDEZ ORTIZ JOSE ALFREDO" userId="6190f617-08f2-4ebb-a74d-41f293cab510" providerId="ADAL" clId="{87AB9A15-D466-4682-9E8C-0F55FFE1CD03}" dt="2024-08-26T15:47:12.130" v="1916" actId="1440"/>
+      <pc:sldChg chg="addSp modSp mod setBg">
+        <pc:chgData name="HERNANDEZ ORTIZ JOSE ALFREDO" userId="6190f617-08f2-4ebb-a74d-41f293cab510" providerId="ADAL" clId="{28DA792A-7D39-47BE-B06B-F613DE89D9DA}" dt="2024-08-30T16:22:40.589" v="23" actId="26606"/>
         <pc:sldMkLst>
           <pc:docMk/>
-          <pc:sldMk cId="716600615" sldId="262"/>
+          <pc:sldMk cId="3002375102" sldId="264"/>
         </pc:sldMkLst>
         <pc:spChg chg="mod">
-          <ac:chgData name="HERNANDEZ ORTIZ JOSE ALFREDO" userId="6190f617-08f2-4ebb-a74d-41f293cab510" providerId="ADAL" clId="{87AB9A15-D466-4682-9E8C-0F55FFE1CD03}" dt="2024-08-26T15:44:28.422" v="1914" actId="207"/>
-          <ac:spMkLst>
-            <pc:docMk/>
-            <pc:sldMk cId="716600615" sldId="262"/>
-            <ac:spMk id="2" creationId="{FBEF0490-EF8D-DB05-B4D6-7E266FBD932F}"/>
-          </ac:spMkLst>
-        </pc:spChg>
-        <pc:spChg chg="del mod">
-          <ac:chgData name="HERNANDEZ ORTIZ JOSE ALFREDO" userId="6190f617-08f2-4ebb-a74d-41f293cab510" providerId="ADAL" clId="{87AB9A15-D466-4682-9E8C-0F55FFE1CD03}" dt="2024-08-26T15:43:48.474" v="1898" actId="478"/>
-          <ac:spMkLst>
-            <pc:docMk/>
-            <pc:sldMk cId="716600615" sldId="262"/>
-            <ac:spMk id="3" creationId="{2BA1F8EC-ADFE-7DC1-164B-7D5D8177D59A}"/>
-          </ac:spMkLst>
-        </pc:spChg>
-        <pc:picChg chg="add mod">
-          <ac:chgData name="HERNANDEZ ORTIZ JOSE ALFREDO" userId="6190f617-08f2-4ebb-a74d-41f293cab510" providerId="ADAL" clId="{87AB9A15-D466-4682-9E8C-0F55FFE1CD03}" dt="2024-08-26T15:47:12.130" v="1916" actId="1440"/>
-          <ac:picMkLst>
-            <pc:docMk/>
-            <pc:sldMk cId="716600615" sldId="262"/>
-            <ac:picMk id="5" creationId="{1F8150C6-EDFD-6F0C-4BB4-BA854AAD0E72}"/>
-          </ac:picMkLst>
-        </pc:picChg>
+          <ac:chgData name="HERNANDEZ ORTIZ JOSE ALFREDO" userId="6190f617-08f2-4ebb-a74d-41f293cab510" providerId="ADAL" clId="{28DA792A-7D39-47BE-B06B-F613DE89D9DA}" dt="2024-08-30T16:22:40.589" v="23" actId="26606"/>
+          <ac:spMkLst>
+            <pc:docMk/>
+            <pc:sldMk cId="3002375102" sldId="264"/>
+            <ac:spMk id="2" creationId="{4F289A8A-4D10-B3BB-F809-79887BE4CA46}"/>
+          </ac:spMkLst>
+        </pc:spChg>
+        <pc:spChg chg="mod">
+          <ac:chgData name="HERNANDEZ ORTIZ JOSE ALFREDO" userId="6190f617-08f2-4ebb-a74d-41f293cab510" providerId="ADAL" clId="{28DA792A-7D39-47BE-B06B-F613DE89D9DA}" dt="2024-08-30T16:22:40.589" v="23" actId="26606"/>
+          <ac:spMkLst>
+            <pc:docMk/>
+            <pc:sldMk cId="3002375102" sldId="264"/>
+            <ac:spMk id="3" creationId="{CD4AB163-AD83-895C-31ED-44518B4365AD}"/>
+          </ac:spMkLst>
+        </pc:spChg>
+        <pc:spChg chg="add">
+          <ac:chgData name="HERNANDEZ ORTIZ JOSE ALFREDO" userId="6190f617-08f2-4ebb-a74d-41f293cab510" providerId="ADAL" clId="{28DA792A-7D39-47BE-B06B-F613DE89D9DA}" dt="2024-08-30T16:22:40.589" v="23" actId="26606"/>
+          <ac:spMkLst>
+            <pc:docMk/>
+            <pc:sldMk cId="3002375102" sldId="264"/>
+            <ac:spMk id="8" creationId="{1B15ED52-F352-441B-82BF-E0EA34836D08}"/>
+          </ac:spMkLst>
+        </pc:spChg>
+        <pc:spChg chg="add">
+          <ac:chgData name="HERNANDEZ ORTIZ JOSE ALFREDO" userId="6190f617-08f2-4ebb-a74d-41f293cab510" providerId="ADAL" clId="{28DA792A-7D39-47BE-B06B-F613DE89D9DA}" dt="2024-08-30T16:22:40.589" v="23" actId="26606"/>
+          <ac:spMkLst>
+            <pc:docMk/>
+            <pc:sldMk cId="3002375102" sldId="264"/>
+            <ac:spMk id="10" creationId="{3B2E3793-BFE6-45A2-9B7B-E18844431C99}"/>
+          </ac:spMkLst>
+        </pc:spChg>
+        <pc:spChg chg="add">
+          <ac:chgData name="HERNANDEZ ORTIZ JOSE ALFREDO" userId="6190f617-08f2-4ebb-a74d-41f293cab510" providerId="ADAL" clId="{28DA792A-7D39-47BE-B06B-F613DE89D9DA}" dt="2024-08-30T16:22:40.589" v="23" actId="26606"/>
+          <ac:spMkLst>
+            <pc:docMk/>
+            <pc:sldMk cId="3002375102" sldId="264"/>
+            <ac:spMk id="12" creationId="{BC4C4868-CB8F-4AF9-9CDB-8108F2C19B67}"/>
+          </ac:spMkLst>
+        </pc:spChg>
+        <pc:spChg chg="add">
+          <ac:chgData name="HERNANDEZ ORTIZ JOSE ALFREDO" userId="6190f617-08f2-4ebb-a74d-41f293cab510" providerId="ADAL" clId="{28DA792A-7D39-47BE-B06B-F613DE89D9DA}" dt="2024-08-30T16:22:40.589" v="23" actId="26606"/>
+          <ac:spMkLst>
+            <pc:docMk/>
+            <pc:sldMk cId="3002375102" sldId="264"/>
+            <ac:spMk id="14" creationId="{375E0459-6403-40CD-989D-56A4407CA12E}"/>
+          </ac:spMkLst>
+        </pc:spChg>
+        <pc:spChg chg="add">
+          <ac:chgData name="HERNANDEZ ORTIZ JOSE ALFREDO" userId="6190f617-08f2-4ebb-a74d-41f293cab510" providerId="ADAL" clId="{28DA792A-7D39-47BE-B06B-F613DE89D9DA}" dt="2024-08-30T16:22:40.589" v="23" actId="26606"/>
+          <ac:spMkLst>
+            <pc:docMk/>
+            <pc:sldMk cId="3002375102" sldId="264"/>
+            <ac:spMk id="16" creationId="{53E5B1A8-3AC9-4BD1-9BBC-78CA94F2D1BA}"/>
+          </ac:spMkLst>
+        </pc:spChg>
       </pc:sldChg>
-      <pc:sldChg chg="modSp add mod">
-        <pc:chgData name="HERNANDEZ ORTIZ JOSE ALFREDO" userId="6190f617-08f2-4ebb-a74d-41f293cab510" providerId="ADAL" clId="{87AB9A15-D466-4682-9E8C-0F55FFE1CD03}" dt="2024-08-26T15:23:22.161" v="1763" actId="113"/>
+      <pc:sldChg chg="addSp modSp mod setBg">
+        <pc:chgData name="HERNANDEZ ORTIZ JOSE ALFREDO" userId="6190f617-08f2-4ebb-a74d-41f293cab510" providerId="ADAL" clId="{28DA792A-7D39-47BE-B06B-F613DE89D9DA}" dt="2024-08-30T16:22:47.866" v="24" actId="26606"/>
         <pc:sldMkLst>
           <pc:docMk/>
-          <pc:sldMk cId="1327095607" sldId="263"/>
+          <pc:sldMk cId="3550121511" sldId="265"/>
         </pc:sldMkLst>
         <pc:spChg chg="mod">
-          <ac:chgData name="HERNANDEZ ORTIZ JOSE ALFREDO" userId="6190f617-08f2-4ebb-a74d-41f293cab510" providerId="ADAL" clId="{87AB9A15-D466-4682-9E8C-0F55FFE1CD03}" dt="2024-08-26T15:17:49.945" v="1597" actId="20577"/>
-          <ac:spMkLst>
-            <pc:docMk/>
-            <pc:sldMk cId="1327095607" sldId="263"/>
-            <ac:spMk id="2" creationId="{007CB46B-0102-753A-9B2A-B3FAE57EC93F}"/>
+          <ac:chgData name="HERNANDEZ ORTIZ JOSE ALFREDO" userId="6190f617-08f2-4ebb-a74d-41f293cab510" providerId="ADAL" clId="{28DA792A-7D39-47BE-B06B-F613DE89D9DA}" dt="2024-08-30T16:22:47.866" v="24" actId="26606"/>
+          <ac:spMkLst>
+            <pc:docMk/>
+            <pc:sldMk cId="3550121511" sldId="265"/>
+            <ac:spMk id="2" creationId="{B5C425C2-2C62-1676-6150-A30409029F04}"/>
           </ac:spMkLst>
         </pc:spChg>
         <pc:spChg chg="mod">
-          <ac:chgData name="HERNANDEZ ORTIZ JOSE ALFREDO" userId="6190f617-08f2-4ebb-a74d-41f293cab510" providerId="ADAL" clId="{87AB9A15-D466-4682-9E8C-0F55FFE1CD03}" dt="2024-08-26T15:23:22.161" v="1763" actId="113"/>
-          <ac:spMkLst>
-            <pc:docMk/>
-            <pc:sldMk cId="1327095607" sldId="263"/>
-            <ac:spMk id="3" creationId="{7FDBD0FD-AE3B-1AF6-31CC-E85119E221E8}"/>
+          <ac:chgData name="HERNANDEZ ORTIZ JOSE ALFREDO" userId="6190f617-08f2-4ebb-a74d-41f293cab510" providerId="ADAL" clId="{28DA792A-7D39-47BE-B06B-F613DE89D9DA}" dt="2024-08-30T16:22:47.866" v="24" actId="26606"/>
+          <ac:spMkLst>
+            <pc:docMk/>
+            <pc:sldMk cId="3550121511" sldId="265"/>
+            <ac:spMk id="3" creationId="{C1BBF220-6743-9CBA-A117-128533907E97}"/>
+          </ac:spMkLst>
+        </pc:spChg>
+        <pc:spChg chg="add">
+          <ac:chgData name="HERNANDEZ ORTIZ JOSE ALFREDO" userId="6190f617-08f2-4ebb-a74d-41f293cab510" providerId="ADAL" clId="{28DA792A-7D39-47BE-B06B-F613DE89D9DA}" dt="2024-08-30T16:22:47.866" v="24" actId="26606"/>
+          <ac:spMkLst>
+            <pc:docMk/>
+            <pc:sldMk cId="3550121511" sldId="265"/>
+            <ac:spMk id="8" creationId="{1B15ED52-F352-441B-82BF-E0EA34836D08}"/>
+          </ac:spMkLst>
+        </pc:spChg>
+        <pc:spChg chg="add">
+          <ac:chgData name="HERNANDEZ ORTIZ JOSE ALFREDO" userId="6190f617-08f2-4ebb-a74d-41f293cab510" providerId="ADAL" clId="{28DA792A-7D39-47BE-B06B-F613DE89D9DA}" dt="2024-08-30T16:22:47.866" v="24" actId="26606"/>
+          <ac:spMkLst>
+            <pc:docMk/>
+            <pc:sldMk cId="3550121511" sldId="265"/>
+            <ac:spMk id="10" creationId="{3B2E3793-BFE6-45A2-9B7B-E18844431C99}"/>
+          </ac:spMkLst>
+        </pc:spChg>
+        <pc:spChg chg="add">
+          <ac:chgData name="HERNANDEZ ORTIZ JOSE ALFREDO" userId="6190f617-08f2-4ebb-a74d-41f293cab510" providerId="ADAL" clId="{28DA792A-7D39-47BE-B06B-F613DE89D9DA}" dt="2024-08-30T16:22:47.866" v="24" actId="26606"/>
+          <ac:spMkLst>
+            <pc:docMk/>
+            <pc:sldMk cId="3550121511" sldId="265"/>
+            <ac:spMk id="12" creationId="{BC4C4868-CB8F-4AF9-9CDB-8108F2C19B67}"/>
+          </ac:spMkLst>
+        </pc:spChg>
+        <pc:spChg chg="add">
+          <ac:chgData name="HERNANDEZ ORTIZ JOSE ALFREDO" userId="6190f617-08f2-4ebb-a74d-41f293cab510" providerId="ADAL" clId="{28DA792A-7D39-47BE-B06B-F613DE89D9DA}" dt="2024-08-30T16:22:47.866" v="24" actId="26606"/>
+          <ac:spMkLst>
+            <pc:docMk/>
+            <pc:sldMk cId="3550121511" sldId="265"/>
+            <ac:spMk id="14" creationId="{375E0459-6403-40CD-989D-56A4407CA12E}"/>
+          </ac:spMkLst>
+        </pc:spChg>
+        <pc:spChg chg="add">
+          <ac:chgData name="HERNANDEZ ORTIZ JOSE ALFREDO" userId="6190f617-08f2-4ebb-a74d-41f293cab510" providerId="ADAL" clId="{28DA792A-7D39-47BE-B06B-F613DE89D9DA}" dt="2024-08-30T16:22:47.866" v="24" actId="26606"/>
+          <ac:spMkLst>
+            <pc:docMk/>
+            <pc:sldMk cId="3550121511" sldId="265"/>
+            <ac:spMk id="16" creationId="{53E5B1A8-3AC9-4BD1-9BBC-78CA94F2D1BA}"/>
           </ac:spMkLst>
         </pc:spChg>
       </pc:sldChg>
-      <pc:sldChg chg="modSp add mod">
-        <pc:chgData name="HERNANDEZ ORTIZ JOSE ALFREDO" userId="6190f617-08f2-4ebb-a74d-41f293cab510" providerId="ADAL" clId="{87AB9A15-D466-4682-9E8C-0F55FFE1CD03}" dt="2024-08-26T15:40:22.833" v="1811" actId="113"/>
+      <pc:sldChg chg="addSp modSp mod setBg">
+        <pc:chgData name="HERNANDEZ ORTIZ JOSE ALFREDO" userId="6190f617-08f2-4ebb-a74d-41f293cab510" providerId="ADAL" clId="{28DA792A-7D39-47BE-B06B-F613DE89D9DA}" dt="2024-08-30T16:22:50.215" v="25" actId="26606"/>
         <pc:sldMkLst>
           <pc:docMk/>
-          <pc:sldMk cId="2829194987" sldId="264"/>
+          <pc:sldMk cId="3223615961" sldId="266"/>
         </pc:sldMkLst>
         <pc:spChg chg="mod">
-          <ac:chgData name="HERNANDEZ ORTIZ JOSE ALFREDO" userId="6190f617-08f2-4ebb-a74d-41f293cab510" providerId="ADAL" clId="{87AB9A15-D466-4682-9E8C-0F55FFE1CD03}" dt="2024-08-26T15:31:02.410" v="1770" actId="20577"/>
-          <ac:spMkLst>
-            <pc:docMk/>
-            <pc:sldMk cId="2829194987" sldId="264"/>
-            <ac:spMk id="2" creationId="{007CB46B-0102-753A-9B2A-B3FAE57EC93F}"/>
+          <ac:chgData name="HERNANDEZ ORTIZ JOSE ALFREDO" userId="6190f617-08f2-4ebb-a74d-41f293cab510" providerId="ADAL" clId="{28DA792A-7D39-47BE-B06B-F613DE89D9DA}" dt="2024-08-30T16:22:50.215" v="25" actId="26606"/>
+          <ac:spMkLst>
+            <pc:docMk/>
+            <pc:sldMk cId="3223615961" sldId="266"/>
+            <ac:spMk id="2" creationId="{1D2C77D9-BC1A-52DC-0E97-33C58F28C8E0}"/>
           </ac:spMkLst>
         </pc:spChg>
         <pc:spChg chg="mod">
-          <ac:chgData name="HERNANDEZ ORTIZ JOSE ALFREDO" userId="6190f617-08f2-4ebb-a74d-41f293cab510" providerId="ADAL" clId="{87AB9A15-D466-4682-9E8C-0F55FFE1CD03}" dt="2024-08-26T15:40:22.833" v="1811" actId="113"/>
-          <ac:spMkLst>
-            <pc:docMk/>
-            <pc:sldMk cId="2829194987" sldId="264"/>
-            <ac:spMk id="3" creationId="{7FDBD0FD-AE3B-1AF6-31CC-E85119E221E8}"/>
+          <ac:chgData name="HERNANDEZ ORTIZ JOSE ALFREDO" userId="6190f617-08f2-4ebb-a74d-41f293cab510" providerId="ADAL" clId="{28DA792A-7D39-47BE-B06B-F613DE89D9DA}" dt="2024-08-30T16:22:50.215" v="25" actId="26606"/>
+          <ac:spMkLst>
+            <pc:docMk/>
+            <pc:sldMk cId="3223615961" sldId="266"/>
+            <ac:spMk id="3" creationId="{333D9FFD-9655-4BEC-7C83-EC58CD6D5F75}"/>
+          </ac:spMkLst>
+        </pc:spChg>
+        <pc:spChg chg="add">
+          <ac:chgData name="HERNANDEZ ORTIZ JOSE ALFREDO" userId="6190f617-08f2-4ebb-a74d-41f293cab510" providerId="ADAL" clId="{28DA792A-7D39-47BE-B06B-F613DE89D9DA}" dt="2024-08-30T16:22:50.215" v="25" actId="26606"/>
+          <ac:spMkLst>
+            <pc:docMk/>
+            <pc:sldMk cId="3223615961" sldId="266"/>
+            <ac:spMk id="8" creationId="{1B15ED52-F352-441B-82BF-E0EA34836D08}"/>
+          </ac:spMkLst>
+        </pc:spChg>
+        <pc:spChg chg="add">
+          <ac:chgData name="HERNANDEZ ORTIZ JOSE ALFREDO" userId="6190f617-08f2-4ebb-a74d-41f293cab510" providerId="ADAL" clId="{28DA792A-7D39-47BE-B06B-F613DE89D9DA}" dt="2024-08-30T16:22:50.215" v="25" actId="26606"/>
+          <ac:spMkLst>
+            <pc:docMk/>
+            <pc:sldMk cId="3223615961" sldId="266"/>
+            <ac:spMk id="10" creationId="{3B2E3793-BFE6-45A2-9B7B-E18844431C99}"/>
+          </ac:spMkLst>
+        </pc:spChg>
+        <pc:spChg chg="add">
+          <ac:chgData name="HERNANDEZ ORTIZ JOSE ALFREDO" userId="6190f617-08f2-4ebb-a74d-41f293cab510" providerId="ADAL" clId="{28DA792A-7D39-47BE-B06B-F613DE89D9DA}" dt="2024-08-30T16:22:50.215" v="25" actId="26606"/>
+          <ac:spMkLst>
+            <pc:docMk/>
+            <pc:sldMk cId="3223615961" sldId="266"/>
+            <ac:spMk id="12" creationId="{BC4C4868-CB8F-4AF9-9CDB-8108F2C19B67}"/>
+          </ac:spMkLst>
+        </pc:spChg>
+        <pc:spChg chg="add">
+          <ac:chgData name="HERNANDEZ ORTIZ JOSE ALFREDO" userId="6190f617-08f2-4ebb-a74d-41f293cab510" providerId="ADAL" clId="{28DA792A-7D39-47BE-B06B-F613DE89D9DA}" dt="2024-08-30T16:22:50.215" v="25" actId="26606"/>
+          <ac:spMkLst>
+            <pc:docMk/>
+            <pc:sldMk cId="3223615961" sldId="266"/>
+            <ac:spMk id="14" creationId="{375E0459-6403-40CD-989D-56A4407CA12E}"/>
+          </ac:spMkLst>
+        </pc:spChg>
+        <pc:spChg chg="add">
+          <ac:chgData name="HERNANDEZ ORTIZ JOSE ALFREDO" userId="6190f617-08f2-4ebb-a74d-41f293cab510" providerId="ADAL" clId="{28DA792A-7D39-47BE-B06B-F613DE89D9DA}" dt="2024-08-30T16:22:50.215" v="25" actId="26606"/>
+          <ac:spMkLst>
+            <pc:docMk/>
+            <pc:sldMk cId="3223615961" sldId="266"/>
+            <ac:spMk id="16" creationId="{53E5B1A8-3AC9-4BD1-9BBC-78CA94F2D1BA}"/>
           </ac:spMkLst>
         </pc:spChg>
       </pc:sldChg>
@@ -593,7 +1206,7 @@
           <p:cNvPr id="2" name="Título 1">
             <a:extLst>
               <a:ext uri="{FF2B5EF4-FFF2-40B4-BE49-F238E27FC236}">
-                <a16:creationId xmlns:a16="http://schemas.microsoft.com/office/drawing/2014/main" id="{B4835663-6A4C-3CEB-6531-7E74735ED4CB}"/>
+                <a16:creationId xmlns:a16="http://schemas.microsoft.com/office/drawing/2014/main" id="{07D648C7-14EF-CD16-FDDB-E0D6FE832EFB}"/>
               </a:ext>
             </a:extLst>
           </p:cNvPr>
@@ -631,7 +1244,7 @@
           <p:cNvPr id="3" name="Subtítulo 2">
             <a:extLst>
               <a:ext uri="{FF2B5EF4-FFF2-40B4-BE49-F238E27FC236}">
-                <a16:creationId xmlns:a16="http://schemas.microsoft.com/office/drawing/2014/main" id="{6FF1970A-9199-6378-85F9-441B3286720A}"/>
+                <a16:creationId xmlns:a16="http://schemas.microsoft.com/office/drawing/2014/main" id="{F2F11829-BD79-8AA9-9310-66E2F4E5E198}"/>
               </a:ext>
             </a:extLst>
           </p:cNvPr>
@@ -702,7 +1315,7 @@
           <p:cNvPr id="4" name="Marcador de fecha 3">
             <a:extLst>
               <a:ext uri="{FF2B5EF4-FFF2-40B4-BE49-F238E27FC236}">
-                <a16:creationId xmlns:a16="http://schemas.microsoft.com/office/drawing/2014/main" id="{FF3CEDBC-A653-5A34-5BF7-D1624141AEF6}"/>
+                <a16:creationId xmlns:a16="http://schemas.microsoft.com/office/drawing/2014/main" id="{D3B6C02C-828C-BDF1-4846-3B98669367CC}"/>
               </a:ext>
             </a:extLst>
           </p:cNvPr>
@@ -718,9 +1331,9 @@
           <a:bodyPr/>
           <a:lstStyle/>
           <a:p>
-            <a:fld id="{119FB7A8-1FEE-4C5E-9685-090A5756A90C}" type="datetimeFigureOut">
+            <a:fld id="{95F9AC55-292D-40C0-A24F-C03A81E5CF30}" type="datetimeFigureOut">
               <a:rPr lang="es-SV" smtClean="0"/>
-              <a:t>26/8/2024</a:t>
+              <a:t>30/8/2024</a:t>
             </a:fld>
             <a:endParaRPr lang="es-SV"/>
           </a:p>
@@ -731,7 +1344,7 @@
           <p:cNvPr id="5" name="Marcador de pie de página 4">
             <a:extLst>
               <a:ext uri="{FF2B5EF4-FFF2-40B4-BE49-F238E27FC236}">
-                <a16:creationId xmlns:a16="http://schemas.microsoft.com/office/drawing/2014/main" id="{EBFF5B17-869E-5B99-8056-A6F76A7DBAA1}"/>
+                <a16:creationId xmlns:a16="http://schemas.microsoft.com/office/drawing/2014/main" id="{1E49C6B8-E0FC-21EB-B73E-4F57D4C33DDF}"/>
               </a:ext>
             </a:extLst>
           </p:cNvPr>
@@ -756,7 +1369,7 @@
           <p:cNvPr id="6" name="Marcador de número de diapositiva 5">
             <a:extLst>
               <a:ext uri="{FF2B5EF4-FFF2-40B4-BE49-F238E27FC236}">
-                <a16:creationId xmlns:a16="http://schemas.microsoft.com/office/drawing/2014/main" id="{B2C2899B-4E26-EC59-C90B-D04AA666AAC5}"/>
+                <a16:creationId xmlns:a16="http://schemas.microsoft.com/office/drawing/2014/main" id="{3BC972DF-6E95-93D7-0AE1-123C968E80E3}"/>
               </a:ext>
             </a:extLst>
           </p:cNvPr>
@@ -772,7 +1385,7 @@
           <a:bodyPr/>
           <a:lstStyle/>
           <a:p>
-            <a:fld id="{8E74AE0F-9025-4A5A-8110-B855AD46D4AB}" type="slidenum">
+            <a:fld id="{BEEEBCD3-6762-4F9C-9390-11AF463EC487}" type="slidenum">
               <a:rPr lang="es-SV" smtClean="0"/>
               <a:t>‹Nº›</a:t>
             </a:fld>
@@ -783,7 +1396,7 @@
     </p:spTree>
     <p:extLst>
       <p:ext uri="{BB962C8B-B14F-4D97-AF65-F5344CB8AC3E}">
-        <p14:creationId xmlns:p14="http://schemas.microsoft.com/office/powerpoint/2010/main" val="2451379315"/>
+        <p14:creationId xmlns:p14="http://schemas.microsoft.com/office/powerpoint/2010/main" val="2072685226"/>
       </p:ext>
     </p:extLst>
   </p:cSld>
@@ -815,7 +1428,7 @@
           <p:cNvPr id="2" name="Título 1">
             <a:extLst>
               <a:ext uri="{FF2B5EF4-FFF2-40B4-BE49-F238E27FC236}">
-                <a16:creationId xmlns:a16="http://schemas.microsoft.com/office/drawing/2014/main" id="{C90FB7B7-C04D-7C06-09AC-B60DD89932CD}"/>
+                <a16:creationId xmlns:a16="http://schemas.microsoft.com/office/drawing/2014/main" id="{5912443F-C478-CC65-7EFF-ACF9D097F323}"/>
               </a:ext>
             </a:extLst>
           </p:cNvPr>
@@ -844,7 +1457,7 @@
           <p:cNvPr id="3" name="Marcador de texto vertical 2">
             <a:extLst>
               <a:ext uri="{FF2B5EF4-FFF2-40B4-BE49-F238E27FC236}">
-                <a16:creationId xmlns:a16="http://schemas.microsoft.com/office/drawing/2014/main" id="{DC38B7F8-35FD-7EAF-2908-8FB1A7AACA4F}"/>
+                <a16:creationId xmlns:a16="http://schemas.microsoft.com/office/drawing/2014/main" id="{F161FF69-2DC5-6E35-7FB3-33FCF2A104FB}"/>
               </a:ext>
             </a:extLst>
           </p:cNvPr>
@@ -902,7 +1515,7 @@
           <p:cNvPr id="4" name="Marcador de fecha 3">
             <a:extLst>
               <a:ext uri="{FF2B5EF4-FFF2-40B4-BE49-F238E27FC236}">
-                <a16:creationId xmlns:a16="http://schemas.microsoft.com/office/drawing/2014/main" id="{66A7D2F2-66D5-F520-29E0-5D3D4975EEAB}"/>
+                <a16:creationId xmlns:a16="http://schemas.microsoft.com/office/drawing/2014/main" id="{5E02C373-B73B-A81D-7127-5D2C9E2BFE10}"/>
               </a:ext>
             </a:extLst>
           </p:cNvPr>
@@ -918,9 +1531,9 @@
           <a:bodyPr/>
           <a:lstStyle/>
           <a:p>
-            <a:fld id="{119FB7A8-1FEE-4C5E-9685-090A5756A90C}" type="datetimeFigureOut">
+            <a:fld id="{95F9AC55-292D-40C0-A24F-C03A81E5CF30}" type="datetimeFigureOut">
               <a:rPr lang="es-SV" smtClean="0"/>
-              <a:t>26/8/2024</a:t>
+              <a:t>30/8/2024</a:t>
             </a:fld>
             <a:endParaRPr lang="es-SV"/>
           </a:p>
@@ -931,7 +1544,7 @@
           <p:cNvPr id="5" name="Marcador de pie de página 4">
             <a:extLst>
               <a:ext uri="{FF2B5EF4-FFF2-40B4-BE49-F238E27FC236}">
-                <a16:creationId xmlns:a16="http://schemas.microsoft.com/office/drawing/2014/main" id="{7B8F0E69-E585-00EE-7EB1-420B18955DC9}"/>
+                <a16:creationId xmlns:a16="http://schemas.microsoft.com/office/drawing/2014/main" id="{1A5682E6-BEA6-1066-81DB-F78CACF40D8F}"/>
               </a:ext>
             </a:extLst>
           </p:cNvPr>
@@ -956,7 +1569,7 @@
           <p:cNvPr id="6" name="Marcador de número de diapositiva 5">
             <a:extLst>
               <a:ext uri="{FF2B5EF4-FFF2-40B4-BE49-F238E27FC236}">
-                <a16:creationId xmlns:a16="http://schemas.microsoft.com/office/drawing/2014/main" id="{CA7403FC-4150-51C6-374E-8515216E27F9}"/>
+                <a16:creationId xmlns:a16="http://schemas.microsoft.com/office/drawing/2014/main" id="{31023CD3-6D1E-37A7-689F-015D52A14C71}"/>
               </a:ext>
             </a:extLst>
           </p:cNvPr>
@@ -972,7 +1585,7 @@
           <a:bodyPr/>
           <a:lstStyle/>
           <a:p>
-            <a:fld id="{8E74AE0F-9025-4A5A-8110-B855AD46D4AB}" type="slidenum">
+            <a:fld id="{BEEEBCD3-6762-4F9C-9390-11AF463EC487}" type="slidenum">
               <a:rPr lang="es-SV" smtClean="0"/>
               <a:t>‹Nº›</a:t>
             </a:fld>
@@ -983,7 +1596,7 @@
     </p:spTree>
     <p:extLst>
       <p:ext uri="{BB962C8B-B14F-4D97-AF65-F5344CB8AC3E}">
-        <p14:creationId xmlns:p14="http://schemas.microsoft.com/office/powerpoint/2010/main" val="2679372879"/>
+        <p14:creationId xmlns:p14="http://schemas.microsoft.com/office/powerpoint/2010/main" val="3820359394"/>
       </p:ext>
     </p:extLst>
   </p:cSld>
@@ -1015,7 +1628,7 @@
           <p:cNvPr id="2" name="Título vertical 1">
             <a:extLst>
               <a:ext uri="{FF2B5EF4-FFF2-40B4-BE49-F238E27FC236}">
-                <a16:creationId xmlns:a16="http://schemas.microsoft.com/office/drawing/2014/main" id="{C5576AB2-481D-F247-EB28-E4225920ABD1}"/>
+                <a16:creationId xmlns:a16="http://schemas.microsoft.com/office/drawing/2014/main" id="{2626623C-7243-4EF5-05B1-5500ADE1A583}"/>
               </a:ext>
             </a:extLst>
           </p:cNvPr>
@@ -1049,7 +1662,7 @@
           <p:cNvPr id="3" name="Marcador de texto vertical 2">
             <a:extLst>
               <a:ext uri="{FF2B5EF4-FFF2-40B4-BE49-F238E27FC236}">
-                <a16:creationId xmlns:a16="http://schemas.microsoft.com/office/drawing/2014/main" id="{5792407B-0B10-0799-E57B-B13F8098ACC4}"/>
+                <a16:creationId xmlns:a16="http://schemas.microsoft.com/office/drawing/2014/main" id="{1FB67D9D-AA62-7076-CC8F-042084802B1D}"/>
               </a:ext>
             </a:extLst>
           </p:cNvPr>
@@ -1112,7 +1725,7 @@
           <p:cNvPr id="4" name="Marcador de fecha 3">
             <a:extLst>
               <a:ext uri="{FF2B5EF4-FFF2-40B4-BE49-F238E27FC236}">
-                <a16:creationId xmlns:a16="http://schemas.microsoft.com/office/drawing/2014/main" id="{90016186-5656-5D13-B2A7-D804A8CB05FC}"/>
+                <a16:creationId xmlns:a16="http://schemas.microsoft.com/office/drawing/2014/main" id="{195FB60F-6A58-3FF7-5499-7688230A72B3}"/>
               </a:ext>
             </a:extLst>
           </p:cNvPr>
@@ -1128,9 +1741,9 @@
           <a:bodyPr/>
           <a:lstStyle/>
           <a:p>
-            <a:fld id="{119FB7A8-1FEE-4C5E-9685-090A5756A90C}" type="datetimeFigureOut">
+            <a:fld id="{95F9AC55-292D-40C0-A24F-C03A81E5CF30}" type="datetimeFigureOut">
               <a:rPr lang="es-SV" smtClean="0"/>
-              <a:t>26/8/2024</a:t>
+              <a:t>30/8/2024</a:t>
             </a:fld>
             <a:endParaRPr lang="es-SV"/>
           </a:p>
@@ -1141,7 +1754,7 @@
           <p:cNvPr id="5" name="Marcador de pie de página 4">
             <a:extLst>
               <a:ext uri="{FF2B5EF4-FFF2-40B4-BE49-F238E27FC236}">
-                <a16:creationId xmlns:a16="http://schemas.microsoft.com/office/drawing/2014/main" id="{F692D7CA-D2CA-D60D-DA6F-DBE0A9FE5BCC}"/>
+                <a16:creationId xmlns:a16="http://schemas.microsoft.com/office/drawing/2014/main" id="{659CCD17-CD0A-D184-0866-5A49A34236B3}"/>
               </a:ext>
             </a:extLst>
           </p:cNvPr>
@@ -1166,7 +1779,7 @@
           <p:cNvPr id="6" name="Marcador de número de diapositiva 5">
             <a:extLst>
               <a:ext uri="{FF2B5EF4-FFF2-40B4-BE49-F238E27FC236}">
-                <a16:creationId xmlns:a16="http://schemas.microsoft.com/office/drawing/2014/main" id="{7823DE9A-6C13-0943-05D8-98227C0C6322}"/>
+                <a16:creationId xmlns:a16="http://schemas.microsoft.com/office/drawing/2014/main" id="{DA4EBF17-1BF5-54F9-A3CD-9EDA57DE7963}"/>
               </a:ext>
             </a:extLst>
           </p:cNvPr>
@@ -1182,7 +1795,7 @@
           <a:bodyPr/>
           <a:lstStyle/>
           <a:p>
-            <a:fld id="{8E74AE0F-9025-4A5A-8110-B855AD46D4AB}" type="slidenum">
+            <a:fld id="{BEEEBCD3-6762-4F9C-9390-11AF463EC487}" type="slidenum">
               <a:rPr lang="es-SV" smtClean="0"/>
               <a:t>‹Nº›</a:t>
             </a:fld>
@@ -1193,7 +1806,7 @@
     </p:spTree>
     <p:extLst>
       <p:ext uri="{BB962C8B-B14F-4D97-AF65-F5344CB8AC3E}">
-        <p14:creationId xmlns:p14="http://schemas.microsoft.com/office/powerpoint/2010/main" val="452813076"/>
+        <p14:creationId xmlns:p14="http://schemas.microsoft.com/office/powerpoint/2010/main" val="3908552221"/>
       </p:ext>
     </p:extLst>
   </p:cSld>
@@ -1225,7 +1838,7 @@
           <p:cNvPr id="2" name="Título 1">
             <a:extLst>
               <a:ext uri="{FF2B5EF4-FFF2-40B4-BE49-F238E27FC236}">
-                <a16:creationId xmlns:a16="http://schemas.microsoft.com/office/drawing/2014/main" id="{5B650004-F262-7379-250D-B2D7D42FA372}"/>
+                <a16:creationId xmlns:a16="http://schemas.microsoft.com/office/drawing/2014/main" id="{9A981B81-C8FB-9DF7-C1E3-FBEB804ED548}"/>
               </a:ext>
             </a:extLst>
           </p:cNvPr>
@@ -1254,7 +1867,7 @@
           <p:cNvPr id="3" name="Marcador de contenido 2">
             <a:extLst>
               <a:ext uri="{FF2B5EF4-FFF2-40B4-BE49-F238E27FC236}">
-                <a16:creationId xmlns:a16="http://schemas.microsoft.com/office/drawing/2014/main" id="{D3B2ED3B-8249-5F39-7751-E3B1E4A7B3E3}"/>
+                <a16:creationId xmlns:a16="http://schemas.microsoft.com/office/drawing/2014/main" id="{6798C5B9-725A-F748-323D-2E5A99E3CB7F}"/>
               </a:ext>
             </a:extLst>
           </p:cNvPr>
@@ -1312,7 +1925,7 @@
           <p:cNvPr id="4" name="Marcador de fecha 3">
             <a:extLst>
               <a:ext uri="{FF2B5EF4-FFF2-40B4-BE49-F238E27FC236}">
-                <a16:creationId xmlns:a16="http://schemas.microsoft.com/office/drawing/2014/main" id="{53A95367-40E7-1A61-DA36-E0D875446426}"/>
+                <a16:creationId xmlns:a16="http://schemas.microsoft.com/office/drawing/2014/main" id="{357CD39D-24A7-449B-E995-D8534DD14AB1}"/>
               </a:ext>
             </a:extLst>
           </p:cNvPr>
@@ -1328,9 +1941,9 @@
           <a:bodyPr/>
           <a:lstStyle/>
           <a:p>
-            <a:fld id="{119FB7A8-1FEE-4C5E-9685-090A5756A90C}" type="datetimeFigureOut">
+            <a:fld id="{95F9AC55-292D-40C0-A24F-C03A81E5CF30}" type="datetimeFigureOut">
               <a:rPr lang="es-SV" smtClean="0"/>
-              <a:t>26/8/2024</a:t>
+              <a:t>30/8/2024</a:t>
             </a:fld>
             <a:endParaRPr lang="es-SV"/>
           </a:p>
@@ -1341,7 +1954,7 @@
           <p:cNvPr id="5" name="Marcador de pie de página 4">
             <a:extLst>
               <a:ext uri="{FF2B5EF4-FFF2-40B4-BE49-F238E27FC236}">
-                <a16:creationId xmlns:a16="http://schemas.microsoft.com/office/drawing/2014/main" id="{9DC68905-500C-A01B-3BB9-B9FCE36AB86D}"/>
+                <a16:creationId xmlns:a16="http://schemas.microsoft.com/office/drawing/2014/main" id="{59ED306F-B826-465E-B7E4-637822F8FF7C}"/>
               </a:ext>
             </a:extLst>
           </p:cNvPr>
@@ -1366,7 +1979,7 @@
           <p:cNvPr id="6" name="Marcador de número de diapositiva 5">
             <a:extLst>
               <a:ext uri="{FF2B5EF4-FFF2-40B4-BE49-F238E27FC236}">
-                <a16:creationId xmlns:a16="http://schemas.microsoft.com/office/drawing/2014/main" id="{CC4BA74A-3221-9EAD-95DD-164845B9EC02}"/>
+                <a16:creationId xmlns:a16="http://schemas.microsoft.com/office/drawing/2014/main" id="{9A522EDD-76BB-F64C-56EB-D0EAF36D6010}"/>
               </a:ext>
             </a:extLst>
           </p:cNvPr>
@@ -1382,7 +1995,7 @@
           <a:bodyPr/>
           <a:lstStyle/>
           <a:p>
-            <a:fld id="{8E74AE0F-9025-4A5A-8110-B855AD46D4AB}" type="slidenum">
+            <a:fld id="{BEEEBCD3-6762-4F9C-9390-11AF463EC487}" type="slidenum">
               <a:rPr lang="es-SV" smtClean="0"/>
               <a:t>‹Nº›</a:t>
             </a:fld>
@@ -1393,7 +2006,7 @@
     </p:spTree>
     <p:extLst>
       <p:ext uri="{BB962C8B-B14F-4D97-AF65-F5344CB8AC3E}">
-        <p14:creationId xmlns:p14="http://schemas.microsoft.com/office/powerpoint/2010/main" val="3278060034"/>
+        <p14:creationId xmlns:p14="http://schemas.microsoft.com/office/powerpoint/2010/main" val="187556259"/>
       </p:ext>
     </p:extLst>
   </p:cSld>
@@ -1425,7 +2038,7 @@
           <p:cNvPr id="2" name="Título 1">
             <a:extLst>
               <a:ext uri="{FF2B5EF4-FFF2-40B4-BE49-F238E27FC236}">
-                <a16:creationId xmlns:a16="http://schemas.microsoft.com/office/drawing/2014/main" id="{EE0124A5-7482-0689-C84F-974ED25BB54A}"/>
+                <a16:creationId xmlns:a16="http://schemas.microsoft.com/office/drawing/2014/main" id="{256C8A12-DE3F-4CDA-561D-91B6538D38E3}"/>
               </a:ext>
             </a:extLst>
           </p:cNvPr>
@@ -1463,7 +2076,7 @@
           <p:cNvPr id="3" name="Marcador de texto 2">
             <a:extLst>
               <a:ext uri="{FF2B5EF4-FFF2-40B4-BE49-F238E27FC236}">
-                <a16:creationId xmlns:a16="http://schemas.microsoft.com/office/drawing/2014/main" id="{97B0AAB6-33CB-E49B-33B9-66781DAC772D}"/>
+                <a16:creationId xmlns:a16="http://schemas.microsoft.com/office/drawing/2014/main" id="{E312F2F2-9D7D-FB71-8FA1-F33F1578909C}"/>
               </a:ext>
             </a:extLst>
           </p:cNvPr>
@@ -1588,7 +2201,7 @@
           <p:cNvPr id="4" name="Marcador de fecha 3">
             <a:extLst>
               <a:ext uri="{FF2B5EF4-FFF2-40B4-BE49-F238E27FC236}">
-                <a16:creationId xmlns:a16="http://schemas.microsoft.com/office/drawing/2014/main" id="{DA968105-3002-0D0D-1DE5-F0891A1C6897}"/>
+                <a16:creationId xmlns:a16="http://schemas.microsoft.com/office/drawing/2014/main" id="{78E0F8E5-C148-C23D-9AF2-67DB56E91A2F}"/>
               </a:ext>
             </a:extLst>
           </p:cNvPr>
@@ -1604,9 +2217,9 @@
           <a:bodyPr/>
           <a:lstStyle/>
           <a:p>
-            <a:fld id="{119FB7A8-1FEE-4C5E-9685-090A5756A90C}" type="datetimeFigureOut">
+            <a:fld id="{95F9AC55-292D-40C0-A24F-C03A81E5CF30}" type="datetimeFigureOut">
               <a:rPr lang="es-SV" smtClean="0"/>
-              <a:t>26/8/2024</a:t>
+              <a:t>30/8/2024</a:t>
             </a:fld>
             <a:endParaRPr lang="es-SV"/>
           </a:p>
@@ -1617,7 +2230,7 @@
           <p:cNvPr id="5" name="Marcador de pie de página 4">
             <a:extLst>
               <a:ext uri="{FF2B5EF4-FFF2-40B4-BE49-F238E27FC236}">
-                <a16:creationId xmlns:a16="http://schemas.microsoft.com/office/drawing/2014/main" id="{BBD61E7D-8D4E-035A-B977-C7891F44674F}"/>
+                <a16:creationId xmlns:a16="http://schemas.microsoft.com/office/drawing/2014/main" id="{E736632D-FFA8-C228-5E04-E97B2870F3E0}"/>
               </a:ext>
             </a:extLst>
           </p:cNvPr>
@@ -1642,7 +2255,7 @@
           <p:cNvPr id="6" name="Marcador de número de diapositiva 5">
             <a:extLst>
               <a:ext uri="{FF2B5EF4-FFF2-40B4-BE49-F238E27FC236}">
-                <a16:creationId xmlns:a16="http://schemas.microsoft.com/office/drawing/2014/main" id="{14B762A9-8841-8A61-B403-B50DB8AEA3DE}"/>
+                <a16:creationId xmlns:a16="http://schemas.microsoft.com/office/drawing/2014/main" id="{157DD9B8-34B1-CA52-F2DA-370FACA9A173}"/>
               </a:ext>
             </a:extLst>
           </p:cNvPr>
@@ -1658,7 +2271,7 @@
           <a:bodyPr/>
           <a:lstStyle/>
           <a:p>
-            <a:fld id="{8E74AE0F-9025-4A5A-8110-B855AD46D4AB}" type="slidenum">
+            <a:fld id="{BEEEBCD3-6762-4F9C-9390-11AF463EC487}" type="slidenum">
               <a:rPr lang="es-SV" smtClean="0"/>
               <a:t>‹Nº›</a:t>
             </a:fld>
@@ -1669,7 +2282,7 @@
     </p:spTree>
     <p:extLst>
       <p:ext uri="{BB962C8B-B14F-4D97-AF65-F5344CB8AC3E}">
-        <p14:creationId xmlns:p14="http://schemas.microsoft.com/office/powerpoint/2010/main" val="957872529"/>
+        <p14:creationId xmlns:p14="http://schemas.microsoft.com/office/powerpoint/2010/main" val="3119342254"/>
       </p:ext>
     </p:extLst>
   </p:cSld>
@@ -1701,7 +2314,7 @@
           <p:cNvPr id="2" name="Título 1">
             <a:extLst>
               <a:ext uri="{FF2B5EF4-FFF2-40B4-BE49-F238E27FC236}">
-                <a16:creationId xmlns:a16="http://schemas.microsoft.com/office/drawing/2014/main" id="{2FE0E017-C557-C78D-B969-19237469675D}"/>
+                <a16:creationId xmlns:a16="http://schemas.microsoft.com/office/drawing/2014/main" id="{531CDAA7-6F13-E8C6-8E8C-81AF59FA9D82}"/>
               </a:ext>
             </a:extLst>
           </p:cNvPr>
@@ -1730,7 +2343,7 @@
           <p:cNvPr id="3" name="Marcador de contenido 2">
             <a:extLst>
               <a:ext uri="{FF2B5EF4-FFF2-40B4-BE49-F238E27FC236}">
-                <a16:creationId xmlns:a16="http://schemas.microsoft.com/office/drawing/2014/main" id="{46DA1403-0EC3-6603-F2C8-DC87A8F1F9AF}"/>
+                <a16:creationId xmlns:a16="http://schemas.microsoft.com/office/drawing/2014/main" id="{4983B44E-B410-50C0-0EFC-8F740873D56B}"/>
               </a:ext>
             </a:extLst>
           </p:cNvPr>
@@ -1793,7 +2406,7 @@
           <p:cNvPr id="4" name="Marcador de contenido 3">
             <a:extLst>
               <a:ext uri="{FF2B5EF4-FFF2-40B4-BE49-F238E27FC236}">
-                <a16:creationId xmlns:a16="http://schemas.microsoft.com/office/drawing/2014/main" id="{8D2B7B85-BC77-38BE-46E9-86E924FBC4CD}"/>
+                <a16:creationId xmlns:a16="http://schemas.microsoft.com/office/drawing/2014/main" id="{D0A06390-DD94-9BBA-9FF5-8D0DFEE4685F}"/>
               </a:ext>
             </a:extLst>
           </p:cNvPr>
@@ -1856,7 +2469,7 @@
           <p:cNvPr id="5" name="Marcador de fecha 4">
             <a:extLst>
               <a:ext uri="{FF2B5EF4-FFF2-40B4-BE49-F238E27FC236}">
-                <a16:creationId xmlns:a16="http://schemas.microsoft.com/office/drawing/2014/main" id="{CE230A2F-6CCB-CB81-394A-BD6F3AA210F4}"/>
+                <a16:creationId xmlns:a16="http://schemas.microsoft.com/office/drawing/2014/main" id="{D904E3C0-9CF2-4FC1-A0A6-5F5D45947895}"/>
               </a:ext>
             </a:extLst>
           </p:cNvPr>
@@ -1872,9 +2485,9 @@
           <a:bodyPr/>
           <a:lstStyle/>
           <a:p>
-            <a:fld id="{119FB7A8-1FEE-4C5E-9685-090A5756A90C}" type="datetimeFigureOut">
+            <a:fld id="{95F9AC55-292D-40C0-A24F-C03A81E5CF30}" type="datetimeFigureOut">
               <a:rPr lang="es-SV" smtClean="0"/>
-              <a:t>26/8/2024</a:t>
+              <a:t>30/8/2024</a:t>
             </a:fld>
             <a:endParaRPr lang="es-SV"/>
           </a:p>
@@ -1885,7 +2498,7 @@
           <p:cNvPr id="6" name="Marcador de pie de página 5">
             <a:extLst>
               <a:ext uri="{FF2B5EF4-FFF2-40B4-BE49-F238E27FC236}">
-                <a16:creationId xmlns:a16="http://schemas.microsoft.com/office/drawing/2014/main" id="{92987B78-517B-2BC7-C6DE-B1BE653BB8B5}"/>
+                <a16:creationId xmlns:a16="http://schemas.microsoft.com/office/drawing/2014/main" id="{FC2B22C6-FFD6-0E0F-DDCE-4744C96AD234}"/>
               </a:ext>
             </a:extLst>
           </p:cNvPr>
@@ -1910,7 +2523,7 @@
           <p:cNvPr id="7" name="Marcador de número de diapositiva 6">
             <a:extLst>
               <a:ext uri="{FF2B5EF4-FFF2-40B4-BE49-F238E27FC236}">
-                <a16:creationId xmlns:a16="http://schemas.microsoft.com/office/drawing/2014/main" id="{7D68A994-C158-C93F-0A80-9F0FA4B59736}"/>
+                <a16:creationId xmlns:a16="http://schemas.microsoft.com/office/drawing/2014/main" id="{EF2686CD-E2F4-F59A-37BC-41111D55AE8D}"/>
               </a:ext>
             </a:extLst>
           </p:cNvPr>
@@ -1926,7 +2539,7 @@
           <a:bodyPr/>
           <a:lstStyle/>
           <a:p>
-            <a:fld id="{8E74AE0F-9025-4A5A-8110-B855AD46D4AB}" type="slidenum">
+            <a:fld id="{BEEEBCD3-6762-4F9C-9390-11AF463EC487}" type="slidenum">
               <a:rPr lang="es-SV" smtClean="0"/>
               <a:t>‹Nº›</a:t>
             </a:fld>
@@ -1937,7 +2550,7 @@
     </p:spTree>
     <p:extLst>
       <p:ext uri="{BB962C8B-B14F-4D97-AF65-F5344CB8AC3E}">
-        <p14:creationId xmlns:p14="http://schemas.microsoft.com/office/powerpoint/2010/main" val="744190650"/>
+        <p14:creationId xmlns:p14="http://schemas.microsoft.com/office/powerpoint/2010/main" val="1253233686"/>
       </p:ext>
     </p:extLst>
   </p:cSld>
@@ -1969,7 +2582,7 @@
           <p:cNvPr id="2" name="Título 1">
             <a:extLst>
               <a:ext uri="{FF2B5EF4-FFF2-40B4-BE49-F238E27FC236}">
-                <a16:creationId xmlns:a16="http://schemas.microsoft.com/office/drawing/2014/main" id="{645CDD1A-97C2-D9AC-A2BD-47DB0C4D4EDF}"/>
+                <a16:creationId xmlns:a16="http://schemas.microsoft.com/office/drawing/2014/main" id="{37E2D84E-7764-A12E-6B98-76BBA139A8BE}"/>
               </a:ext>
             </a:extLst>
           </p:cNvPr>
@@ -2003,7 +2616,7 @@
           <p:cNvPr id="3" name="Marcador de texto 2">
             <a:extLst>
               <a:ext uri="{FF2B5EF4-FFF2-40B4-BE49-F238E27FC236}">
-                <a16:creationId xmlns:a16="http://schemas.microsoft.com/office/drawing/2014/main" id="{A995D0F8-2643-6430-5EEF-B046C9A20463}"/>
+                <a16:creationId xmlns:a16="http://schemas.microsoft.com/office/drawing/2014/main" id="{499C1CE9-7FFF-4612-38A7-16A64F0EB696}"/>
               </a:ext>
             </a:extLst>
           </p:cNvPr>
@@ -2074,7 +2687,7 @@
           <p:cNvPr id="4" name="Marcador de contenido 3">
             <a:extLst>
               <a:ext uri="{FF2B5EF4-FFF2-40B4-BE49-F238E27FC236}">
-                <a16:creationId xmlns:a16="http://schemas.microsoft.com/office/drawing/2014/main" id="{24154456-CF7C-7173-742F-E176715440FC}"/>
+                <a16:creationId xmlns:a16="http://schemas.microsoft.com/office/drawing/2014/main" id="{E256CD5D-C790-41F8-64B5-1F596DC5A3BE}"/>
               </a:ext>
             </a:extLst>
           </p:cNvPr>
@@ -2137,7 +2750,7 @@
           <p:cNvPr id="5" name="Marcador de texto 4">
             <a:extLst>
               <a:ext uri="{FF2B5EF4-FFF2-40B4-BE49-F238E27FC236}">
-                <a16:creationId xmlns:a16="http://schemas.microsoft.com/office/drawing/2014/main" id="{11CF1F28-F50F-E696-103F-A4C3C9219065}"/>
+                <a16:creationId xmlns:a16="http://schemas.microsoft.com/office/drawing/2014/main" id="{BB2DFD95-E1B2-B839-1C11-592C44E7C391}"/>
               </a:ext>
             </a:extLst>
           </p:cNvPr>
@@ -2208,7 +2821,7 @@
           <p:cNvPr id="6" name="Marcador de contenido 5">
             <a:extLst>
               <a:ext uri="{FF2B5EF4-FFF2-40B4-BE49-F238E27FC236}">
-                <a16:creationId xmlns:a16="http://schemas.microsoft.com/office/drawing/2014/main" id="{A03EE32A-C26B-CD74-5DC1-6CDE0C0FFAB9}"/>
+                <a16:creationId xmlns:a16="http://schemas.microsoft.com/office/drawing/2014/main" id="{B924A824-4D1A-C4BB-5476-39A3DAE4D36E}"/>
               </a:ext>
             </a:extLst>
           </p:cNvPr>
@@ -2271,7 +2884,7 @@
           <p:cNvPr id="7" name="Marcador de fecha 6">
             <a:extLst>
               <a:ext uri="{FF2B5EF4-FFF2-40B4-BE49-F238E27FC236}">
-                <a16:creationId xmlns:a16="http://schemas.microsoft.com/office/drawing/2014/main" id="{D603EE5F-CA67-E06D-13D0-73736F448C58}"/>
+                <a16:creationId xmlns:a16="http://schemas.microsoft.com/office/drawing/2014/main" id="{92FF7E2D-E57B-1D1A-5795-EDDAD4888BE5}"/>
               </a:ext>
             </a:extLst>
           </p:cNvPr>
@@ -2287,9 +2900,9 @@
           <a:bodyPr/>
           <a:lstStyle/>
           <a:p>
-            <a:fld id="{119FB7A8-1FEE-4C5E-9685-090A5756A90C}" type="datetimeFigureOut">
+            <a:fld id="{95F9AC55-292D-40C0-A24F-C03A81E5CF30}" type="datetimeFigureOut">
               <a:rPr lang="es-SV" smtClean="0"/>
-              <a:t>26/8/2024</a:t>
+              <a:t>30/8/2024</a:t>
             </a:fld>
             <a:endParaRPr lang="es-SV"/>
           </a:p>
@@ -2300,7 +2913,7 @@
           <p:cNvPr id="8" name="Marcador de pie de página 7">
             <a:extLst>
               <a:ext uri="{FF2B5EF4-FFF2-40B4-BE49-F238E27FC236}">
-                <a16:creationId xmlns:a16="http://schemas.microsoft.com/office/drawing/2014/main" id="{223B0F16-3821-3CA7-5ADC-B7A155CA9C41}"/>
+                <a16:creationId xmlns:a16="http://schemas.microsoft.com/office/drawing/2014/main" id="{145B45D7-07FD-4763-7AB5-795CF402A836}"/>
               </a:ext>
             </a:extLst>
           </p:cNvPr>
@@ -2325,7 +2938,7 @@
           <p:cNvPr id="9" name="Marcador de número de diapositiva 8">
             <a:extLst>
               <a:ext uri="{FF2B5EF4-FFF2-40B4-BE49-F238E27FC236}">
-                <a16:creationId xmlns:a16="http://schemas.microsoft.com/office/drawing/2014/main" id="{EFC3B4AA-3C2D-BED8-2994-5C32DA363371}"/>
+                <a16:creationId xmlns:a16="http://schemas.microsoft.com/office/drawing/2014/main" id="{213E41AA-978A-73B5-21DE-E5A75DB07B43}"/>
               </a:ext>
             </a:extLst>
           </p:cNvPr>
@@ -2341,7 +2954,7 @@
           <a:bodyPr/>
           <a:lstStyle/>
           <a:p>
-            <a:fld id="{8E74AE0F-9025-4A5A-8110-B855AD46D4AB}" type="slidenum">
+            <a:fld id="{BEEEBCD3-6762-4F9C-9390-11AF463EC487}" type="slidenum">
               <a:rPr lang="es-SV" smtClean="0"/>
               <a:t>‹Nº›</a:t>
             </a:fld>
@@ -2352,7 +2965,7 @@
     </p:spTree>
     <p:extLst>
       <p:ext uri="{BB962C8B-B14F-4D97-AF65-F5344CB8AC3E}">
-        <p14:creationId xmlns:p14="http://schemas.microsoft.com/office/powerpoint/2010/main" val="307402294"/>
+        <p14:creationId xmlns:p14="http://schemas.microsoft.com/office/powerpoint/2010/main" val="2376319286"/>
       </p:ext>
     </p:extLst>
   </p:cSld>
@@ -2384,7 +2997,7 @@
           <p:cNvPr id="2" name="Título 1">
             <a:extLst>
               <a:ext uri="{FF2B5EF4-FFF2-40B4-BE49-F238E27FC236}">
-                <a16:creationId xmlns:a16="http://schemas.microsoft.com/office/drawing/2014/main" id="{DF61791A-DA6D-F13F-984C-D32C06F89B43}"/>
+                <a16:creationId xmlns:a16="http://schemas.microsoft.com/office/drawing/2014/main" id="{84947D6F-1CA7-D0BD-38F0-FA4EDD7552D5}"/>
               </a:ext>
             </a:extLst>
           </p:cNvPr>
@@ -2413,7 +3026,7 @@
           <p:cNvPr id="3" name="Marcador de fecha 2">
             <a:extLst>
               <a:ext uri="{FF2B5EF4-FFF2-40B4-BE49-F238E27FC236}">
-                <a16:creationId xmlns:a16="http://schemas.microsoft.com/office/drawing/2014/main" id="{EDFCF223-E074-8968-6E12-D72682096C05}"/>
+                <a16:creationId xmlns:a16="http://schemas.microsoft.com/office/drawing/2014/main" id="{C958763E-3B35-2C1C-EE2C-33A28473870D}"/>
               </a:ext>
             </a:extLst>
           </p:cNvPr>
@@ -2429,9 +3042,9 @@
           <a:bodyPr/>
           <a:lstStyle/>
           <a:p>
-            <a:fld id="{119FB7A8-1FEE-4C5E-9685-090A5756A90C}" type="datetimeFigureOut">
+            <a:fld id="{95F9AC55-292D-40C0-A24F-C03A81E5CF30}" type="datetimeFigureOut">
               <a:rPr lang="es-SV" smtClean="0"/>
-              <a:t>26/8/2024</a:t>
+              <a:t>30/8/2024</a:t>
             </a:fld>
             <a:endParaRPr lang="es-SV"/>
           </a:p>
@@ -2442,7 +3055,7 @@
           <p:cNvPr id="4" name="Marcador de pie de página 3">
             <a:extLst>
               <a:ext uri="{FF2B5EF4-FFF2-40B4-BE49-F238E27FC236}">
-                <a16:creationId xmlns:a16="http://schemas.microsoft.com/office/drawing/2014/main" id="{65547734-1DBE-BF25-F607-0FD74FCD53E0}"/>
+                <a16:creationId xmlns:a16="http://schemas.microsoft.com/office/drawing/2014/main" id="{46269B25-85F4-F729-B858-F4CDD9518666}"/>
               </a:ext>
             </a:extLst>
           </p:cNvPr>
@@ -2467,7 +3080,7 @@
           <p:cNvPr id="5" name="Marcador de número de diapositiva 4">
             <a:extLst>
               <a:ext uri="{FF2B5EF4-FFF2-40B4-BE49-F238E27FC236}">
-                <a16:creationId xmlns:a16="http://schemas.microsoft.com/office/drawing/2014/main" id="{560B8DEF-1C1C-302E-2A12-9A27EF77054A}"/>
+                <a16:creationId xmlns:a16="http://schemas.microsoft.com/office/drawing/2014/main" id="{6136B9AB-EE7B-6669-3F7D-6F048B166BDF}"/>
               </a:ext>
             </a:extLst>
           </p:cNvPr>
@@ -2483,7 +3096,7 @@
           <a:bodyPr/>
           <a:lstStyle/>
           <a:p>
-            <a:fld id="{8E74AE0F-9025-4A5A-8110-B855AD46D4AB}" type="slidenum">
+            <a:fld id="{BEEEBCD3-6762-4F9C-9390-11AF463EC487}" type="slidenum">
               <a:rPr lang="es-SV" smtClean="0"/>
               <a:t>‹Nº›</a:t>
             </a:fld>
@@ -2494,7 +3107,7 @@
     </p:spTree>
     <p:extLst>
       <p:ext uri="{BB962C8B-B14F-4D97-AF65-F5344CB8AC3E}">
-        <p14:creationId xmlns:p14="http://schemas.microsoft.com/office/powerpoint/2010/main" val="1088555590"/>
+        <p14:creationId xmlns:p14="http://schemas.microsoft.com/office/powerpoint/2010/main" val="447421023"/>
       </p:ext>
     </p:extLst>
   </p:cSld>
@@ -2526,7 +3139,7 @@
           <p:cNvPr id="2" name="Marcador de fecha 1">
             <a:extLst>
               <a:ext uri="{FF2B5EF4-FFF2-40B4-BE49-F238E27FC236}">
-                <a16:creationId xmlns:a16="http://schemas.microsoft.com/office/drawing/2014/main" id="{77979062-5A1E-4393-4F60-E8D4EE53192E}"/>
+                <a16:creationId xmlns:a16="http://schemas.microsoft.com/office/drawing/2014/main" id="{4A5216CC-28F9-186C-C878-C64CA916F214}"/>
               </a:ext>
             </a:extLst>
           </p:cNvPr>
@@ -2542,9 +3155,9 @@
           <a:bodyPr/>
           <a:lstStyle/>
           <a:p>
-            <a:fld id="{119FB7A8-1FEE-4C5E-9685-090A5756A90C}" type="datetimeFigureOut">
+            <a:fld id="{95F9AC55-292D-40C0-A24F-C03A81E5CF30}" type="datetimeFigureOut">
               <a:rPr lang="es-SV" smtClean="0"/>
-              <a:t>26/8/2024</a:t>
+              <a:t>30/8/2024</a:t>
             </a:fld>
             <a:endParaRPr lang="es-SV"/>
           </a:p>
@@ -2555,7 +3168,7 @@
           <p:cNvPr id="3" name="Marcador de pie de página 2">
             <a:extLst>
               <a:ext uri="{FF2B5EF4-FFF2-40B4-BE49-F238E27FC236}">
-                <a16:creationId xmlns:a16="http://schemas.microsoft.com/office/drawing/2014/main" id="{A6FB43E4-1A41-4725-83F3-3D9364E228B1}"/>
+                <a16:creationId xmlns:a16="http://schemas.microsoft.com/office/drawing/2014/main" id="{E69DEF4D-A1C1-964F-ADDD-78029EE46455}"/>
               </a:ext>
             </a:extLst>
           </p:cNvPr>
@@ -2580,7 +3193,7 @@
           <p:cNvPr id="4" name="Marcador de número de diapositiva 3">
             <a:extLst>
               <a:ext uri="{FF2B5EF4-FFF2-40B4-BE49-F238E27FC236}">
-                <a16:creationId xmlns:a16="http://schemas.microsoft.com/office/drawing/2014/main" id="{DC66C072-BD99-798E-492A-A034BD58C76D}"/>
+                <a16:creationId xmlns:a16="http://schemas.microsoft.com/office/drawing/2014/main" id="{134DAD4B-CB14-816D-E5B0-234973509456}"/>
               </a:ext>
             </a:extLst>
           </p:cNvPr>
@@ -2596,7 +3209,7 @@
           <a:bodyPr/>
           <a:lstStyle/>
           <a:p>
-            <a:fld id="{8E74AE0F-9025-4A5A-8110-B855AD46D4AB}" type="slidenum">
+            <a:fld id="{BEEEBCD3-6762-4F9C-9390-11AF463EC487}" type="slidenum">
               <a:rPr lang="es-SV" smtClean="0"/>
               <a:t>‹Nº›</a:t>
             </a:fld>
@@ -2607,7 +3220,7 @@
     </p:spTree>
     <p:extLst>
       <p:ext uri="{BB962C8B-B14F-4D97-AF65-F5344CB8AC3E}">
-        <p14:creationId xmlns:p14="http://schemas.microsoft.com/office/powerpoint/2010/main" val="2091894510"/>
+        <p14:creationId xmlns:p14="http://schemas.microsoft.com/office/powerpoint/2010/main" val="2730626806"/>
       </p:ext>
     </p:extLst>
   </p:cSld>
@@ -2639,7 +3252,7 @@
           <p:cNvPr id="2" name="Título 1">
             <a:extLst>
               <a:ext uri="{FF2B5EF4-FFF2-40B4-BE49-F238E27FC236}">
-                <a16:creationId xmlns:a16="http://schemas.microsoft.com/office/drawing/2014/main" id="{BC5F2700-8BBA-7848-3D6F-5BE34E55353A}"/>
+                <a16:creationId xmlns:a16="http://schemas.microsoft.com/office/drawing/2014/main" id="{2D8473BE-C95B-5106-9DC8-8F4FF593FC15}"/>
               </a:ext>
             </a:extLst>
           </p:cNvPr>
@@ -2677,7 +3290,7 @@
           <p:cNvPr id="3" name="Marcador de contenido 2">
             <a:extLst>
               <a:ext uri="{FF2B5EF4-FFF2-40B4-BE49-F238E27FC236}">
-                <a16:creationId xmlns:a16="http://schemas.microsoft.com/office/drawing/2014/main" id="{DDE360D5-0FF1-58DB-7607-DAA0A58A9FA0}"/>
+                <a16:creationId xmlns:a16="http://schemas.microsoft.com/office/drawing/2014/main" id="{39D3A0E1-15BB-FFBA-F376-FCBE248566E2}"/>
               </a:ext>
             </a:extLst>
           </p:cNvPr>
@@ -2768,7 +3381,7 @@
           <p:cNvPr id="4" name="Marcador de texto 3">
             <a:extLst>
               <a:ext uri="{FF2B5EF4-FFF2-40B4-BE49-F238E27FC236}">
-                <a16:creationId xmlns:a16="http://schemas.microsoft.com/office/drawing/2014/main" id="{E386D10C-140E-6E2F-0223-3CA2D3F5B242}"/>
+                <a16:creationId xmlns:a16="http://schemas.microsoft.com/office/drawing/2014/main" id="{A2584850-88E4-9EA4-FD85-57F8EE15A743}"/>
               </a:ext>
             </a:extLst>
           </p:cNvPr>
@@ -2839,7 +3452,7 @@
           <p:cNvPr id="5" name="Marcador de fecha 4">
             <a:extLst>
               <a:ext uri="{FF2B5EF4-FFF2-40B4-BE49-F238E27FC236}">
-                <a16:creationId xmlns:a16="http://schemas.microsoft.com/office/drawing/2014/main" id="{088EFBD2-9E33-C9CC-82C5-69F78137C0E8}"/>
+                <a16:creationId xmlns:a16="http://schemas.microsoft.com/office/drawing/2014/main" id="{63AA046C-D8A8-2DA5-E2F8-1774CA02A0A5}"/>
               </a:ext>
             </a:extLst>
           </p:cNvPr>
@@ -2855,9 +3468,9 @@
           <a:bodyPr/>
           <a:lstStyle/>
           <a:p>
-            <a:fld id="{119FB7A8-1FEE-4C5E-9685-090A5756A90C}" type="datetimeFigureOut">
+            <a:fld id="{95F9AC55-292D-40C0-A24F-C03A81E5CF30}" type="datetimeFigureOut">
               <a:rPr lang="es-SV" smtClean="0"/>
-              <a:t>26/8/2024</a:t>
+              <a:t>30/8/2024</a:t>
             </a:fld>
             <a:endParaRPr lang="es-SV"/>
           </a:p>
@@ -2868,7 +3481,7 @@
           <p:cNvPr id="6" name="Marcador de pie de página 5">
             <a:extLst>
               <a:ext uri="{FF2B5EF4-FFF2-40B4-BE49-F238E27FC236}">
-                <a16:creationId xmlns:a16="http://schemas.microsoft.com/office/drawing/2014/main" id="{4CE1F5DE-AE27-8541-F35B-6D7CB10C4385}"/>
+                <a16:creationId xmlns:a16="http://schemas.microsoft.com/office/drawing/2014/main" id="{61800659-5357-1449-2DB6-E667DDB6C042}"/>
               </a:ext>
             </a:extLst>
           </p:cNvPr>
@@ -2893,7 +3506,7 @@
           <p:cNvPr id="7" name="Marcador de número de diapositiva 6">
             <a:extLst>
               <a:ext uri="{FF2B5EF4-FFF2-40B4-BE49-F238E27FC236}">
-                <a16:creationId xmlns:a16="http://schemas.microsoft.com/office/drawing/2014/main" id="{27EBBCB1-38B7-67B1-4218-FD6139AFD5DF}"/>
+                <a16:creationId xmlns:a16="http://schemas.microsoft.com/office/drawing/2014/main" id="{FA6903D3-8E49-D37A-0A73-E42553704F45}"/>
               </a:ext>
             </a:extLst>
           </p:cNvPr>
@@ -2909,7 +3522,7 @@
           <a:bodyPr/>
           <a:lstStyle/>
           <a:p>
-            <a:fld id="{8E74AE0F-9025-4A5A-8110-B855AD46D4AB}" type="slidenum">
+            <a:fld id="{BEEEBCD3-6762-4F9C-9390-11AF463EC487}" type="slidenum">
               <a:rPr lang="es-SV" smtClean="0"/>
               <a:t>‹Nº›</a:t>
             </a:fld>
@@ -2920,7 +3533,7 @@
     </p:spTree>
     <p:extLst>
       <p:ext uri="{BB962C8B-B14F-4D97-AF65-F5344CB8AC3E}">
-        <p14:creationId xmlns:p14="http://schemas.microsoft.com/office/powerpoint/2010/main" val="1202534745"/>
+        <p14:creationId xmlns:p14="http://schemas.microsoft.com/office/powerpoint/2010/main" val="3449926272"/>
       </p:ext>
     </p:extLst>
   </p:cSld>
@@ -2952,7 +3565,7 @@
           <p:cNvPr id="2" name="Título 1">
             <a:extLst>
               <a:ext uri="{FF2B5EF4-FFF2-40B4-BE49-F238E27FC236}">
-                <a16:creationId xmlns:a16="http://schemas.microsoft.com/office/drawing/2014/main" id="{BE62084E-3BF9-4AE3-D988-E9B92CDF0DC9}"/>
+                <a16:creationId xmlns:a16="http://schemas.microsoft.com/office/drawing/2014/main" id="{587A9DD4-066D-7D68-8053-54D00E329513}"/>
               </a:ext>
             </a:extLst>
           </p:cNvPr>
@@ -2990,7 +3603,7 @@
           <p:cNvPr id="3" name="Marcador de posición de imagen 2">
             <a:extLst>
               <a:ext uri="{FF2B5EF4-FFF2-40B4-BE49-F238E27FC236}">
-                <a16:creationId xmlns:a16="http://schemas.microsoft.com/office/drawing/2014/main" id="{C3EE10D8-E1EB-61AB-8B68-AEFCE5EAA606}"/>
+                <a16:creationId xmlns:a16="http://schemas.microsoft.com/office/drawing/2014/main" id="{B9A277BC-066B-DE14-9EE6-A21542C1C370}"/>
               </a:ext>
             </a:extLst>
           </p:cNvPr>
@@ -3057,7 +3670,7 @@
           <p:cNvPr id="4" name="Marcador de texto 3">
             <a:extLst>
               <a:ext uri="{FF2B5EF4-FFF2-40B4-BE49-F238E27FC236}">
-                <a16:creationId xmlns:a16="http://schemas.microsoft.com/office/drawing/2014/main" id="{F7677243-DD5C-A2F4-11CA-8BB687B6AD17}"/>
+                <a16:creationId xmlns:a16="http://schemas.microsoft.com/office/drawing/2014/main" id="{33695D91-47E0-8ADB-C380-BD0F69EFF537}"/>
               </a:ext>
             </a:extLst>
           </p:cNvPr>
@@ -3128,7 +3741,7 @@
           <p:cNvPr id="5" name="Marcador de fecha 4">
             <a:extLst>
               <a:ext uri="{FF2B5EF4-FFF2-40B4-BE49-F238E27FC236}">
-                <a16:creationId xmlns:a16="http://schemas.microsoft.com/office/drawing/2014/main" id="{31DD5B53-1632-6A1A-18B1-4213FC3E44CA}"/>
+                <a16:creationId xmlns:a16="http://schemas.microsoft.com/office/drawing/2014/main" id="{1FC187A0-CF6E-03CB-43F5-C2B5B46E2B50}"/>
               </a:ext>
             </a:extLst>
           </p:cNvPr>
@@ -3144,9 +3757,9 @@
           <a:bodyPr/>
           <a:lstStyle/>
           <a:p>
-            <a:fld id="{119FB7A8-1FEE-4C5E-9685-090A5756A90C}" type="datetimeFigureOut">
+            <a:fld id="{95F9AC55-292D-40C0-A24F-C03A81E5CF30}" type="datetimeFigureOut">
               <a:rPr lang="es-SV" smtClean="0"/>
-              <a:t>26/8/2024</a:t>
+              <a:t>30/8/2024</a:t>
             </a:fld>
             <a:endParaRPr lang="es-SV"/>
           </a:p>
@@ -3157,7 +3770,7 @@
           <p:cNvPr id="6" name="Marcador de pie de página 5">
             <a:extLst>
               <a:ext uri="{FF2B5EF4-FFF2-40B4-BE49-F238E27FC236}">
-                <a16:creationId xmlns:a16="http://schemas.microsoft.com/office/drawing/2014/main" id="{11EEF7D8-1D79-04A8-8E00-52E60DB98DE1}"/>
+                <a16:creationId xmlns:a16="http://schemas.microsoft.com/office/drawing/2014/main" id="{EF0CD461-1268-9B2A-CD1D-A2BCA4E2C1BF}"/>
               </a:ext>
             </a:extLst>
           </p:cNvPr>
@@ -3182,7 +3795,7 @@
           <p:cNvPr id="7" name="Marcador de número de diapositiva 6">
             <a:extLst>
               <a:ext uri="{FF2B5EF4-FFF2-40B4-BE49-F238E27FC236}">
-                <a16:creationId xmlns:a16="http://schemas.microsoft.com/office/drawing/2014/main" id="{AB518F51-EBE0-A60F-589F-00B46AFB3864}"/>
+                <a16:creationId xmlns:a16="http://schemas.microsoft.com/office/drawing/2014/main" id="{84D0E37C-7840-0E11-7613-26A867EE01AF}"/>
               </a:ext>
             </a:extLst>
           </p:cNvPr>
@@ -3198,7 +3811,7 @@
           <a:bodyPr/>
           <a:lstStyle/>
           <a:p>
-            <a:fld id="{8E74AE0F-9025-4A5A-8110-B855AD46D4AB}" type="slidenum">
+            <a:fld id="{BEEEBCD3-6762-4F9C-9390-11AF463EC487}" type="slidenum">
               <a:rPr lang="es-SV" smtClean="0"/>
               <a:t>‹Nº›</a:t>
             </a:fld>
@@ -3209,7 +3822,7 @@
     </p:spTree>
     <p:extLst>
       <p:ext uri="{BB962C8B-B14F-4D97-AF65-F5344CB8AC3E}">
-        <p14:creationId xmlns:p14="http://schemas.microsoft.com/office/powerpoint/2010/main" val="1560442395"/>
+        <p14:creationId xmlns:p14="http://schemas.microsoft.com/office/powerpoint/2010/main" val="2947715374"/>
       </p:ext>
     </p:extLst>
   </p:cSld>
@@ -3246,7 +3859,7 @@
           <p:cNvPr id="2" name="Marcador de título 1">
             <a:extLst>
               <a:ext uri="{FF2B5EF4-FFF2-40B4-BE49-F238E27FC236}">
-                <a16:creationId xmlns:a16="http://schemas.microsoft.com/office/drawing/2014/main" id="{57D8E3B7-6E84-CC65-4870-35D0E2285BAF}"/>
+                <a16:creationId xmlns:a16="http://schemas.microsoft.com/office/drawing/2014/main" id="{78DEB432-19EA-9AA6-1A48-C5BAB426ECD7}"/>
               </a:ext>
             </a:extLst>
           </p:cNvPr>
@@ -3285,7 +3898,7 @@
           <p:cNvPr id="3" name="Marcador de texto 2">
             <a:extLst>
               <a:ext uri="{FF2B5EF4-FFF2-40B4-BE49-F238E27FC236}">
-                <a16:creationId xmlns:a16="http://schemas.microsoft.com/office/drawing/2014/main" id="{51F10D5C-A8CE-5C41-7B46-EEFCD7B7AC2B}"/>
+                <a16:creationId xmlns:a16="http://schemas.microsoft.com/office/drawing/2014/main" id="{735899FB-0730-C295-24AC-8CAEFEC92215}"/>
               </a:ext>
             </a:extLst>
           </p:cNvPr>
@@ -3353,7 +3966,7 @@
           <p:cNvPr id="4" name="Marcador de fecha 3">
             <a:extLst>
               <a:ext uri="{FF2B5EF4-FFF2-40B4-BE49-F238E27FC236}">
-                <a16:creationId xmlns:a16="http://schemas.microsoft.com/office/drawing/2014/main" id="{8E1B3FB4-2C64-3230-4746-67380F301030}"/>
+                <a16:creationId xmlns:a16="http://schemas.microsoft.com/office/drawing/2014/main" id="{0DA96969-D2C6-C7FD-C4E9-53EAB16F6AC5}"/>
               </a:ext>
             </a:extLst>
           </p:cNvPr>
@@ -3387,9 +4000,9 @@
             </a:lvl1pPr>
           </a:lstStyle>
           <a:p>
-            <a:fld id="{119FB7A8-1FEE-4C5E-9685-090A5756A90C}" type="datetimeFigureOut">
+            <a:fld id="{95F9AC55-292D-40C0-A24F-C03A81E5CF30}" type="datetimeFigureOut">
               <a:rPr lang="es-SV" smtClean="0"/>
-              <a:t>26/8/2024</a:t>
+              <a:t>30/8/2024</a:t>
             </a:fld>
             <a:endParaRPr lang="es-SV"/>
           </a:p>
@@ -3400,7 +4013,7 @@
           <p:cNvPr id="5" name="Marcador de pie de página 4">
             <a:extLst>
               <a:ext uri="{FF2B5EF4-FFF2-40B4-BE49-F238E27FC236}">
-                <a16:creationId xmlns:a16="http://schemas.microsoft.com/office/drawing/2014/main" id="{30865E5B-8A6E-9AC4-7BCD-A337ECF7220D}"/>
+                <a16:creationId xmlns:a16="http://schemas.microsoft.com/office/drawing/2014/main" id="{A333B04A-77D9-333A-614B-0F935CF81D70}"/>
               </a:ext>
             </a:extLst>
           </p:cNvPr>
@@ -3443,7 +4056,7 @@
           <p:cNvPr id="6" name="Marcador de número de diapositiva 5">
             <a:extLst>
               <a:ext uri="{FF2B5EF4-FFF2-40B4-BE49-F238E27FC236}">
-                <a16:creationId xmlns:a16="http://schemas.microsoft.com/office/drawing/2014/main" id="{61690A4F-7BD0-1DCC-A9B4-FDDF78C4E918}"/>
+                <a16:creationId xmlns:a16="http://schemas.microsoft.com/office/drawing/2014/main" id="{6DAC4480-F46B-C760-5903-D2F7A4AFEB62}"/>
               </a:ext>
             </a:extLst>
           </p:cNvPr>
@@ -3477,7 +4090,7 @@
             </a:lvl1pPr>
           </a:lstStyle>
           <a:p>
-            <a:fld id="{8E74AE0F-9025-4A5A-8110-B855AD46D4AB}" type="slidenum">
+            <a:fld id="{BEEEBCD3-6762-4F9C-9390-11AF463EC487}" type="slidenum">
               <a:rPr lang="es-SV" smtClean="0"/>
               <a:t>‹Nº›</a:t>
             </a:fld>
@@ -3488,7 +4101,7 @@
     </p:spTree>
     <p:extLst>
       <p:ext uri="{BB962C8B-B14F-4D97-AF65-F5344CB8AC3E}">
-        <p14:creationId xmlns:p14="http://schemas.microsoft.com/office/powerpoint/2010/main" val="1275640688"/>
+        <p14:creationId xmlns:p14="http://schemas.microsoft.com/office/powerpoint/2010/main" val="2482480849"/>
       </p:ext>
     </p:extLst>
   </p:cSld>
@@ -3792,6 +4405,14 @@
 <file path=ppt/slides/slide1.xml><?xml version="1.0" encoding="utf-8"?>
 <p:sld xmlns:a="http://schemas.openxmlformats.org/drawingml/2006/main" xmlns:r="http://schemas.openxmlformats.org/officeDocument/2006/relationships" xmlns:p="http://schemas.openxmlformats.org/presentationml/2006/main">
   <p:cSld>
+    <p:bg>
+      <p:bgPr>
+        <a:solidFill>
+          <a:schemeClr val="bg1"/>
+        </a:solidFill>
+        <a:effectLst/>
+      </p:bgPr>
+    </p:bg>
     <p:spTree>
       <p:nvGrpSpPr>
         <p:cNvPr id="1" name=""/>
@@ -3806,12 +4427,597 @@
           <a:chExt cx="0" cy="0"/>
         </a:xfrm>
       </p:grpSpPr>
+      <p:sp useBgFill="1">
+        <p:nvSpPr>
+          <p:cNvPr id="73" name="Rectangle 56">
+            <a:extLst>
+              <a:ext uri="{FF2B5EF4-FFF2-40B4-BE49-F238E27FC236}">
+                <a16:creationId xmlns:a16="http://schemas.microsoft.com/office/drawing/2014/main" id="{8C790BE2-4E4F-4AAF-81A2-4A6F4885EBE6}"/>
+              </a:ext>
+              <a:ext uri="{C183D7F6-B498-43B3-948B-1728B52AA6E4}">
+                <adec:decorative xmlns:adec="http://schemas.microsoft.com/office/drawing/2017/decorative" val="1"/>
+              </a:ext>
+            </a:extLst>
+          </p:cNvPr>
+          <p:cNvSpPr>
+            <a:spLocks noGrp="1" noRot="1" noChangeAspect="1" noMove="1" noResize="1" noEditPoints="1" noAdjustHandles="1" noChangeArrowheads="1" noChangeShapeType="1" noTextEdit="1"/>
+          </p:cNvSpPr>
+          <p:nvPr>
+            <p:extLst>
+              <p:ext uri="{386F3935-93C4-4BCD-93E2-E3B085C9AB24}">
+                <p16:designElem xmlns:p16="http://schemas.microsoft.com/office/powerpoint/2015/main" val="1"/>
+              </p:ext>
+            </p:extLst>
+          </p:nvPr>
+        </p:nvSpPr>
+        <p:spPr>
+          <a:xfrm>
+            <a:off x="0" y="0"/>
+            <a:ext cx="12192000" cy="6858000"/>
+          </a:xfrm>
+          <a:prstGeom prst="rect">
+            <a:avLst/>
+          </a:prstGeom>
+          <a:ln w="12700" cap="flat" cmpd="sng" algn="ctr">
+            <a:noFill/>
+            <a:prstDash val="solid"/>
+            <a:miter lim="800000"/>
+          </a:ln>
+          <a:effectLst/>
+          <a:extLst>
+            <a:ext uri="{91240B29-F687-4F45-9708-019B960494DF}">
+              <a14:hiddenLine xmlns:a14="http://schemas.microsoft.com/office/drawing/2010/main" w="12700" cap="flat" cmpd="sng" algn="ctr">
+                <a:solidFill>
+                  <a:schemeClr val="accent1">
+                    <a:shade val="50000"/>
+                  </a:schemeClr>
+                </a:solidFill>
+                <a:prstDash val="solid"/>
+                <a:miter lim="800000"/>
+              </a14:hiddenLine>
+            </a:ext>
+          </a:extLst>
+        </p:spPr>
+        <p:style>
+          <a:lnRef idx="2">
+            <a:schemeClr val="accent1">
+              <a:shade val="50000"/>
+            </a:schemeClr>
+          </a:lnRef>
+          <a:fillRef idx="1">
+            <a:schemeClr val="accent1"/>
+          </a:fillRef>
+          <a:effectRef idx="0">
+            <a:schemeClr val="accent1"/>
+          </a:effectRef>
+          <a:fontRef idx="minor">
+            <a:schemeClr val="lt1"/>
+          </a:fontRef>
+        </p:style>
+        <p:txBody>
+          <a:bodyPr rtlCol="0" anchor="ctr"/>
+          <a:lstStyle/>
+          <a:p>
+            <a:pPr algn="ctr"/>
+            <a:endParaRPr lang="en-US"/>
+          </a:p>
+        </p:txBody>
+      </p:sp>
+      <p:sp>
+        <p:nvSpPr>
+          <p:cNvPr id="74" name="Rectangle 58">
+            <a:extLst>
+              <a:ext uri="{FF2B5EF4-FFF2-40B4-BE49-F238E27FC236}">
+                <a16:creationId xmlns:a16="http://schemas.microsoft.com/office/drawing/2014/main" id="{D28B54C3-B57B-472A-B96E-1FCB67093DC2}"/>
+              </a:ext>
+              <a:ext uri="{C183D7F6-B498-43B3-948B-1728B52AA6E4}">
+                <adec:decorative xmlns:adec="http://schemas.microsoft.com/office/drawing/2017/decorative" val="1"/>
+              </a:ext>
+            </a:extLst>
+          </p:cNvPr>
+          <p:cNvSpPr>
+            <a:spLocks noGrp="1" noRot="1" noChangeAspect="1" noMove="1" noResize="1" noEditPoints="1" noAdjustHandles="1" noChangeArrowheads="1" noChangeShapeType="1" noTextEdit="1"/>
+          </p:cNvSpPr>
+          <p:nvPr>
+            <p:extLst>
+              <p:ext uri="{386F3935-93C4-4BCD-93E2-E3B085C9AB24}">
+                <p16:designElem xmlns:p16="http://schemas.microsoft.com/office/powerpoint/2015/main" val="1"/>
+              </p:ext>
+            </p:extLst>
+          </p:nvPr>
+        </p:nvSpPr>
+        <p:spPr>
+          <a:xfrm flipH="1">
+            <a:off x="-1" y="0"/>
+            <a:ext cx="12191999" cy="6858000"/>
+          </a:xfrm>
+          <a:prstGeom prst="rect">
+            <a:avLst/>
+          </a:prstGeom>
+          <a:gradFill>
+            <a:gsLst>
+              <a:gs pos="0">
+                <a:schemeClr val="accent1">
+                  <a:lumMod val="50000"/>
+                </a:schemeClr>
+              </a:gs>
+              <a:gs pos="100000">
+                <a:srgbClr val="000000"/>
+              </a:gs>
+            </a:gsLst>
+            <a:lin ang="13800000" scaled="0"/>
+          </a:gradFill>
+          <a:ln>
+            <a:noFill/>
+          </a:ln>
+        </p:spPr>
+        <p:style>
+          <a:lnRef idx="2">
+            <a:schemeClr val="accent1">
+              <a:shade val="50000"/>
+            </a:schemeClr>
+          </a:lnRef>
+          <a:fillRef idx="1">
+            <a:schemeClr val="accent1"/>
+          </a:fillRef>
+          <a:effectRef idx="0">
+            <a:schemeClr val="accent1"/>
+          </a:effectRef>
+          <a:fontRef idx="minor">
+            <a:schemeClr val="lt1"/>
+          </a:fontRef>
+        </p:style>
+        <p:txBody>
+          <a:bodyPr rtlCol="0" anchor="ctr"/>
+          <a:lstStyle/>
+          <a:p>
+            <a:pPr algn="ctr"/>
+            <a:endParaRPr lang="en-US"/>
+          </a:p>
+        </p:txBody>
+      </p:sp>
+      <p:sp>
+        <p:nvSpPr>
+          <p:cNvPr id="75" name="Rectangle 60">
+            <a:extLst>
+              <a:ext uri="{FF2B5EF4-FFF2-40B4-BE49-F238E27FC236}">
+                <a16:creationId xmlns:a16="http://schemas.microsoft.com/office/drawing/2014/main" id="{7DB3C429-F8DA-49B9-AF84-21996FCF78B5}"/>
+              </a:ext>
+              <a:ext uri="{C183D7F6-B498-43B3-948B-1728B52AA6E4}">
+                <adec:decorative xmlns:adec="http://schemas.microsoft.com/office/drawing/2017/decorative" val="1"/>
+              </a:ext>
+            </a:extLst>
+          </p:cNvPr>
+          <p:cNvSpPr>
+            <a:spLocks noGrp="1" noRot="1" noChangeAspect="1" noMove="1" noResize="1" noEditPoints="1" noAdjustHandles="1" noChangeArrowheads="1" noChangeShapeType="1" noTextEdit="1"/>
+          </p:cNvSpPr>
+          <p:nvPr>
+            <p:extLst>
+              <p:ext uri="{386F3935-93C4-4BCD-93E2-E3B085C9AB24}">
+                <p16:designElem xmlns:p16="http://schemas.microsoft.com/office/powerpoint/2015/main" val="1"/>
+              </p:ext>
+            </p:extLst>
+          </p:nvPr>
+        </p:nvSpPr>
+        <p:spPr>
+          <a:xfrm rot="10800000">
+            <a:off x="0" y="-4"/>
+            <a:ext cx="12192000" cy="6402581"/>
+          </a:xfrm>
+          <a:prstGeom prst="rect">
+            <a:avLst/>
+          </a:prstGeom>
+          <a:gradFill>
+            <a:gsLst>
+              <a:gs pos="1000">
+                <a:schemeClr val="accent1">
+                  <a:lumMod val="75000"/>
+                  <a:alpha val="59000"/>
+                </a:schemeClr>
+              </a:gs>
+              <a:gs pos="100000">
+                <a:srgbClr val="000000"/>
+              </a:gs>
+            </a:gsLst>
+            <a:lin ang="15000000" scaled="0"/>
+          </a:gradFill>
+          <a:ln>
+            <a:noFill/>
+          </a:ln>
+        </p:spPr>
+        <p:style>
+          <a:lnRef idx="2">
+            <a:schemeClr val="accent1">
+              <a:shade val="50000"/>
+            </a:schemeClr>
+          </a:lnRef>
+          <a:fillRef idx="1">
+            <a:schemeClr val="accent1"/>
+          </a:fillRef>
+          <a:effectRef idx="0">
+            <a:schemeClr val="accent1"/>
+          </a:effectRef>
+          <a:fontRef idx="minor">
+            <a:schemeClr val="lt1"/>
+          </a:fontRef>
+        </p:style>
+        <p:txBody>
+          <a:bodyPr rtlCol="0" anchor="ctr"/>
+          <a:lstStyle/>
+          <a:p>
+            <a:pPr algn="ctr"/>
+            <a:endParaRPr lang="en-US"/>
+          </a:p>
+        </p:txBody>
+      </p:sp>
+      <p:sp>
+        <p:nvSpPr>
+          <p:cNvPr id="76" name="Rectangle 62">
+            <a:extLst>
+              <a:ext uri="{FF2B5EF4-FFF2-40B4-BE49-F238E27FC236}">
+                <a16:creationId xmlns:a16="http://schemas.microsoft.com/office/drawing/2014/main" id="{E12088DD-B1AD-40E0-8B86-1D87A2CCD9BE}"/>
+              </a:ext>
+              <a:ext uri="{C183D7F6-B498-43B3-948B-1728B52AA6E4}">
+                <adec:decorative xmlns:adec="http://schemas.microsoft.com/office/drawing/2017/decorative" val="1"/>
+              </a:ext>
+            </a:extLst>
+          </p:cNvPr>
+          <p:cNvSpPr>
+            <a:spLocks noGrp="1" noRot="1" noChangeAspect="1" noMove="1" noResize="1" noEditPoints="1" noAdjustHandles="1" noChangeArrowheads="1" noChangeShapeType="1" noTextEdit="1"/>
+          </p:cNvSpPr>
+          <p:nvPr>
+            <p:extLst>
+              <p:ext uri="{386F3935-93C4-4BCD-93E2-E3B085C9AB24}">
+                <p16:designElem xmlns:p16="http://schemas.microsoft.com/office/powerpoint/2015/main" val="1"/>
+              </p:ext>
+            </p:extLst>
+          </p:nvPr>
+        </p:nvSpPr>
+        <p:spPr>
+          <a:xfrm rot="5400000" flipH="1">
+            <a:off x="2663054" y="-2653923"/>
+            <a:ext cx="6858001" cy="12165846"/>
+          </a:xfrm>
+          <a:prstGeom prst="rect">
+            <a:avLst/>
+          </a:prstGeom>
+          <a:gradFill>
+            <a:gsLst>
+              <a:gs pos="13000">
+                <a:schemeClr val="accent1">
+                  <a:lumMod val="50000"/>
+                  <a:alpha val="0"/>
+                </a:schemeClr>
+              </a:gs>
+              <a:gs pos="99000">
+                <a:srgbClr val="000000">
+                  <a:alpha val="28000"/>
+                </a:srgbClr>
+              </a:gs>
+            </a:gsLst>
+            <a:lin ang="0" scaled="0"/>
+          </a:gradFill>
+          <a:ln>
+            <a:noFill/>
+          </a:ln>
+        </p:spPr>
+        <p:style>
+          <a:lnRef idx="2">
+            <a:schemeClr val="accent1">
+              <a:shade val="50000"/>
+            </a:schemeClr>
+          </a:lnRef>
+          <a:fillRef idx="1">
+            <a:schemeClr val="accent1"/>
+          </a:fillRef>
+          <a:effectRef idx="0">
+            <a:schemeClr val="accent1"/>
+          </a:effectRef>
+          <a:fontRef idx="minor">
+            <a:schemeClr val="lt1"/>
+          </a:fontRef>
+        </p:style>
+        <p:txBody>
+          <a:bodyPr rtlCol="0" anchor="ctr"/>
+          <a:lstStyle/>
+          <a:p>
+            <a:pPr algn="ctr"/>
+            <a:endParaRPr lang="en-US" dirty="0"/>
+          </a:p>
+        </p:txBody>
+      </p:sp>
+      <p:sp>
+        <p:nvSpPr>
+          <p:cNvPr id="77" name="Rectangle 64">
+            <a:extLst>
+              <a:ext uri="{FF2B5EF4-FFF2-40B4-BE49-F238E27FC236}">
+                <a16:creationId xmlns:a16="http://schemas.microsoft.com/office/drawing/2014/main" id="{C4C9F2B0-1044-46EB-8AEB-C3BFFDE6C2CC}"/>
+              </a:ext>
+              <a:ext uri="{C183D7F6-B498-43B3-948B-1728B52AA6E4}">
+                <adec:decorative xmlns:adec="http://schemas.microsoft.com/office/drawing/2017/decorative" val="1"/>
+              </a:ext>
+            </a:extLst>
+          </p:cNvPr>
+          <p:cNvSpPr>
+            <a:spLocks noGrp="1" noRot="1" noChangeAspect="1" noMove="1" noResize="1" noEditPoints="1" noAdjustHandles="1" noChangeArrowheads="1" noChangeShapeType="1" noTextEdit="1"/>
+          </p:cNvSpPr>
+          <p:nvPr>
+            <p:extLst>
+              <p:ext uri="{386F3935-93C4-4BCD-93E2-E3B085C9AB24}">
+                <p16:designElem xmlns:p16="http://schemas.microsoft.com/office/powerpoint/2015/main" val="1"/>
+              </p:ext>
+            </p:extLst>
+          </p:nvPr>
+        </p:nvSpPr>
+        <p:spPr>
+          <a:xfrm flipH="1">
+            <a:off x="6094763" y="0"/>
+            <a:ext cx="6096001" cy="6858000"/>
+          </a:xfrm>
+          <a:prstGeom prst="rect">
+            <a:avLst/>
+          </a:prstGeom>
+          <a:gradFill>
+            <a:gsLst>
+              <a:gs pos="13000">
+                <a:schemeClr val="accent1">
+                  <a:lumMod val="50000"/>
+                  <a:alpha val="0"/>
+                </a:schemeClr>
+              </a:gs>
+              <a:gs pos="99000">
+                <a:schemeClr val="accent1">
+                  <a:lumMod val="75000"/>
+                  <a:alpha val="50000"/>
+                </a:schemeClr>
+              </a:gs>
+            </a:gsLst>
+            <a:lin ang="6000000" scaled="0"/>
+          </a:gradFill>
+          <a:ln>
+            <a:noFill/>
+          </a:ln>
+        </p:spPr>
+        <p:style>
+          <a:lnRef idx="2">
+            <a:schemeClr val="accent1">
+              <a:shade val="50000"/>
+            </a:schemeClr>
+          </a:lnRef>
+          <a:fillRef idx="1">
+            <a:schemeClr val="accent1"/>
+          </a:fillRef>
+          <a:effectRef idx="0">
+            <a:schemeClr val="accent1"/>
+          </a:effectRef>
+          <a:fontRef idx="minor">
+            <a:schemeClr val="lt1"/>
+          </a:fontRef>
+        </p:style>
+        <p:txBody>
+          <a:bodyPr rtlCol="0" anchor="ctr"/>
+          <a:lstStyle/>
+          <a:p>
+            <a:pPr algn="ctr"/>
+            <a:endParaRPr lang="en-US" dirty="0"/>
+          </a:p>
+        </p:txBody>
+      </p:sp>
+      <p:sp>
+        <p:nvSpPr>
+          <p:cNvPr id="78" name="Rectangle 66">
+            <a:extLst>
+              <a:ext uri="{FF2B5EF4-FFF2-40B4-BE49-F238E27FC236}">
+                <a16:creationId xmlns:a16="http://schemas.microsoft.com/office/drawing/2014/main" id="{0C395952-4E26-45A2-8756-2ADFD6E53C6E}"/>
+              </a:ext>
+              <a:ext uri="{C183D7F6-B498-43B3-948B-1728B52AA6E4}">
+                <adec:decorative xmlns:adec="http://schemas.microsoft.com/office/drawing/2017/decorative" val="1"/>
+              </a:ext>
+            </a:extLst>
+          </p:cNvPr>
+          <p:cNvSpPr>
+            <a:spLocks noGrp="1" noRot="1" noChangeAspect="1" noMove="1" noResize="1" noEditPoints="1" noAdjustHandles="1" noChangeArrowheads="1" noChangeShapeType="1" noTextEdit="1"/>
+          </p:cNvSpPr>
+          <p:nvPr>
+            <p:extLst>
+              <p:ext uri="{386F3935-93C4-4BCD-93E2-E3B085C9AB24}">
+                <p16:designElem xmlns:p16="http://schemas.microsoft.com/office/powerpoint/2015/main" val="1"/>
+              </p:ext>
+            </p:extLst>
+          </p:nvPr>
+        </p:nvSpPr>
+        <p:spPr>
+          <a:xfrm flipH="1">
+            <a:off x="-4" y="-3"/>
+            <a:ext cx="12182871" cy="6871922"/>
+          </a:xfrm>
+          <a:prstGeom prst="rect">
+            <a:avLst/>
+          </a:prstGeom>
+          <a:gradFill>
+            <a:gsLst>
+              <a:gs pos="13000">
+                <a:srgbClr val="000000">
+                  <a:alpha val="35000"/>
+                </a:srgbClr>
+              </a:gs>
+              <a:gs pos="99000">
+                <a:schemeClr val="accent1">
+                  <a:lumMod val="75000"/>
+                  <a:alpha val="0"/>
+                </a:schemeClr>
+              </a:gs>
+            </a:gsLst>
+            <a:lin ang="4800000" scaled="0"/>
+          </a:gradFill>
+          <a:ln>
+            <a:noFill/>
+          </a:ln>
+        </p:spPr>
+        <p:style>
+          <a:lnRef idx="2">
+            <a:schemeClr val="accent1">
+              <a:shade val="50000"/>
+            </a:schemeClr>
+          </a:lnRef>
+          <a:fillRef idx="1">
+            <a:schemeClr val="accent1"/>
+          </a:fillRef>
+          <a:effectRef idx="0">
+            <a:schemeClr val="accent1"/>
+          </a:effectRef>
+          <a:fontRef idx="minor">
+            <a:schemeClr val="lt1"/>
+          </a:fontRef>
+        </p:style>
+        <p:txBody>
+          <a:bodyPr rtlCol="0" anchor="ctr"/>
+          <a:lstStyle/>
+          <a:p>
+            <a:pPr algn="ctr"/>
+            <a:endParaRPr lang="en-US" dirty="0"/>
+          </a:p>
+        </p:txBody>
+      </p:sp>
+      <p:sp>
+        <p:nvSpPr>
+          <p:cNvPr id="79" name="Freeform: Shape 68">
+            <a:extLst>
+              <a:ext uri="{FF2B5EF4-FFF2-40B4-BE49-F238E27FC236}">
+                <a16:creationId xmlns:a16="http://schemas.microsoft.com/office/drawing/2014/main" id="{4734BADF-9461-4621-B112-2D7BABEA7DD0}"/>
+              </a:ext>
+              <a:ext uri="{C183D7F6-B498-43B3-948B-1728B52AA6E4}">
+                <adec:decorative xmlns:adec="http://schemas.microsoft.com/office/drawing/2017/decorative" val="1"/>
+              </a:ext>
+            </a:extLst>
+          </p:cNvPr>
+          <p:cNvSpPr>
+            <a:spLocks noGrp="1" noRot="1" noChangeAspect="1" noMove="1" noResize="1" noEditPoints="1" noAdjustHandles="1" noChangeArrowheads="1" noChangeShapeType="1" noTextEdit="1"/>
+          </p:cNvSpPr>
+          <p:nvPr>
+            <p:extLst>
+              <p:ext uri="{386F3935-93C4-4BCD-93E2-E3B085C9AB24}">
+                <p16:designElem xmlns:p16="http://schemas.microsoft.com/office/powerpoint/2015/main" val="1"/>
+              </p:ext>
+            </p:extLst>
+          </p:nvPr>
+        </p:nvSpPr>
+        <p:spPr>
+          <a:xfrm>
+            <a:off x="987713" y="4049"/>
+            <a:ext cx="10216576" cy="4729040"/>
+          </a:xfrm>
+          <a:custGeom>
+            <a:avLst/>
+            <a:gdLst>
+              <a:gd name="connsiteX0" fmla="*/ 0 w 10216576"/>
+              <a:gd name="connsiteY0" fmla="*/ 0 h 4729040"/>
+              <a:gd name="connsiteX1" fmla="*/ 10216576 w 10216576"/>
+              <a:gd name="connsiteY1" fmla="*/ 0 h 4729040"/>
+              <a:gd name="connsiteX2" fmla="*/ 10210268 w 10216576"/>
+              <a:gd name="connsiteY2" fmla="*/ 124944 h 4729040"/>
+              <a:gd name="connsiteX3" fmla="*/ 5108288 w 10216576"/>
+              <a:gd name="connsiteY3" fmla="*/ 4729040 h 4729040"/>
+              <a:gd name="connsiteX4" fmla="*/ 6309 w 10216576"/>
+              <a:gd name="connsiteY4" fmla="*/ 124944 h 4729040"/>
+            </a:gdLst>
+            <a:ahLst/>
+            <a:cxnLst>
+              <a:cxn ang="0">
+                <a:pos x="connsiteX0" y="connsiteY0"/>
+              </a:cxn>
+              <a:cxn ang="0">
+                <a:pos x="connsiteX1" y="connsiteY1"/>
+              </a:cxn>
+              <a:cxn ang="0">
+                <a:pos x="connsiteX2" y="connsiteY2"/>
+              </a:cxn>
+              <a:cxn ang="0">
+                <a:pos x="connsiteX3" y="connsiteY3"/>
+              </a:cxn>
+              <a:cxn ang="0">
+                <a:pos x="connsiteX4" y="connsiteY4"/>
+              </a:cxn>
+            </a:cxnLst>
+            <a:rect l="l" t="t" r="r" b="b"/>
+            <a:pathLst>
+              <a:path w="10216576" h="4729040">
+                <a:moveTo>
+                  <a:pt x="0" y="0"/>
+                </a:moveTo>
+                <a:lnTo>
+                  <a:pt x="10216576" y="0"/>
+                </a:lnTo>
+                <a:lnTo>
+                  <a:pt x="10210268" y="124944"/>
+                </a:lnTo>
+                <a:cubicBezTo>
+                  <a:pt x="9947637" y="2710997"/>
+                  <a:pt x="7763635" y="4729040"/>
+                  <a:pt x="5108288" y="4729040"/>
+                </a:cubicBezTo>
+                <a:cubicBezTo>
+                  <a:pt x="2452942" y="4729040"/>
+                  <a:pt x="268937" y="2710997"/>
+                  <a:pt x="6309" y="124944"/>
+                </a:cubicBezTo>
+                <a:close/>
+              </a:path>
+            </a:pathLst>
+          </a:custGeom>
+          <a:gradFill>
+            <a:gsLst>
+              <a:gs pos="7000">
+                <a:schemeClr val="accent1">
+                  <a:lumMod val="50000"/>
+                  <a:alpha val="4000"/>
+                </a:schemeClr>
+              </a:gs>
+              <a:gs pos="99000">
+                <a:schemeClr val="accent1">
+                  <a:alpha val="24000"/>
+                </a:schemeClr>
+              </a:gs>
+            </a:gsLst>
+            <a:lin ang="10200000" scaled="0"/>
+          </a:gradFill>
+          <a:ln>
+            <a:noFill/>
+          </a:ln>
+        </p:spPr>
+        <p:style>
+          <a:lnRef idx="2">
+            <a:schemeClr val="accent1">
+              <a:shade val="50000"/>
+            </a:schemeClr>
+          </a:lnRef>
+          <a:fillRef idx="1">
+            <a:schemeClr val="accent1"/>
+          </a:fillRef>
+          <a:effectRef idx="0">
+            <a:schemeClr val="accent1"/>
+          </a:effectRef>
+          <a:fontRef idx="minor">
+            <a:schemeClr val="lt1"/>
+          </a:fontRef>
+        </p:style>
+        <p:txBody>
+          <a:bodyPr wrap="square" rtlCol="0" anchor="ctr">
+            <a:noAutofit/>
+          </a:bodyPr>
+          <a:lstStyle/>
+          <a:p>
+            <a:pPr algn="ctr"/>
+            <a:endParaRPr lang="en-US"/>
+          </a:p>
+        </p:txBody>
+      </p:sp>
       <p:sp>
         <p:nvSpPr>
           <p:cNvPr id="2" name="Título 1">
             <a:extLst>
               <a:ext uri="{FF2B5EF4-FFF2-40B4-BE49-F238E27FC236}">
-                <a16:creationId xmlns:a16="http://schemas.microsoft.com/office/drawing/2014/main" id="{CCA63CBE-2D97-1FDB-2A08-9F3CA04FC059}"/>
+                <a16:creationId xmlns:a16="http://schemas.microsoft.com/office/drawing/2014/main" id="{F38A24AF-C6A0-CFE0-D1C7-5EB81E8F9662}"/>
               </a:ext>
             </a:extLst>
           </p:cNvPr>
@@ -3822,73 +5028,79 @@
             <p:ph type="ctrTitle"/>
           </p:nvPr>
         </p:nvSpPr>
-        <p:spPr/>
-        <p:txBody>
-          <a:bodyPr anchor="ctr" anchorCtr="0">
+        <p:spPr>
+          <a:xfrm>
+            <a:off x="2026693" y="1030406"/>
+            <a:ext cx="8147713" cy="3081242"/>
+          </a:xfrm>
+        </p:spPr>
+        <p:txBody>
+          <a:bodyPr anchor="ctr">
             <a:normAutofit/>
           </a:bodyPr>
           <a:lstStyle/>
           <a:p>
-            <a:pPr algn="just"/>
+            <a:endParaRPr lang="es-SV" sz="4800">
+              <a:solidFill>
+                <a:srgbClr val="FFFFFF"/>
+              </a:solidFill>
+            </a:endParaRPr>
+          </a:p>
+        </p:txBody>
+      </p:sp>
+      <p:sp>
+        <p:nvSpPr>
+          <p:cNvPr id="3" name="Subtítulo 2">
+            <a:extLst>
+              <a:ext uri="{FF2B5EF4-FFF2-40B4-BE49-F238E27FC236}">
+                <a16:creationId xmlns:a16="http://schemas.microsoft.com/office/drawing/2014/main" id="{8254165D-F69C-3C8F-88C8-636545C7AB7E}"/>
+              </a:ext>
+            </a:extLst>
+          </p:cNvPr>
+          <p:cNvSpPr>
+            <a:spLocks noGrp="1"/>
+          </p:cNvSpPr>
+          <p:nvPr>
+            <p:ph type="subTitle" idx="1"/>
+          </p:nvPr>
+        </p:nvSpPr>
+        <p:spPr>
+          <a:xfrm>
+            <a:off x="1559943" y="5171093"/>
+            <a:ext cx="9078628" cy="860620"/>
+          </a:xfrm>
+        </p:spPr>
+        <p:txBody>
+          <a:bodyPr anchor="ctr">
+            <a:normAutofit/>
+          </a:bodyPr>
+          <a:lstStyle/>
+          <a:p>
             <a:r>
-              <a:rPr lang="es-ES" sz="3600" b="0" i="0" dirty="0">
+              <a:rPr lang="es-ES" b="0" i="0">
                 <a:solidFill>
-                  <a:srgbClr val="242021"/>
+                  <a:srgbClr val="FFFFFF"/>
                 </a:solidFill>
                 <a:effectLst/>
-                <a:latin typeface="TimesNewRomanPSMT"/>
+                <a:highlight>
+                  <a:srgbClr val="F3F3F3"/>
+                </a:highlight>
+                <a:latin typeface="-apple-system"/>
               </a:rPr>
-              <a:t>Desarrollo de un prototipo de alerta temprana en pacientes hipertensos aplicando inteligencia artificial.</a:t>
+              <a:t>Título del proyecto, tu nombre, fecha y logo de la institución.</a:t>
             </a:r>
-            <a:endParaRPr lang="es-SV" sz="9600" dirty="0"/>
-          </a:p>
-        </p:txBody>
-      </p:sp>
-      <p:sp>
-        <p:nvSpPr>
-          <p:cNvPr id="3" name="Subtítulo 2">
-            <a:extLst>
-              <a:ext uri="{FF2B5EF4-FFF2-40B4-BE49-F238E27FC236}">
-                <a16:creationId xmlns:a16="http://schemas.microsoft.com/office/drawing/2014/main" id="{CCF63D78-4DFC-F847-C791-DD7CEDDC0070}"/>
-              </a:ext>
-            </a:extLst>
-          </p:cNvPr>
-          <p:cNvSpPr>
-            <a:spLocks noGrp="1"/>
-          </p:cNvSpPr>
-          <p:nvPr>
-            <p:ph type="subTitle" idx="1"/>
-          </p:nvPr>
-        </p:nvSpPr>
-        <p:spPr>
-          <a:xfrm>
-            <a:off x="1524000" y="4591454"/>
-            <a:ext cx="9144000" cy="666345"/>
-          </a:xfrm>
-          <a:solidFill>
-            <a:schemeClr val="accent4">
-              <a:lumMod val="40000"/>
-              <a:lumOff val="60000"/>
-            </a:schemeClr>
-          </a:solidFill>
-        </p:spPr>
-        <p:txBody>
-          <a:bodyPr anchor="ctr" anchorCtr="0">
-            <a:normAutofit lnSpcReduction="10000"/>
-          </a:bodyPr>
-          <a:lstStyle/>
-          <a:p>
-            <a:r>
-              <a:rPr lang="es-SV" sz="4400" dirty="0"/>
-              <a:t>SANGUINEM PRESSURA</a:t>
-            </a:r>
+            <a:endParaRPr lang="es-SV">
+              <a:solidFill>
+                <a:srgbClr val="FFFFFF"/>
+              </a:solidFill>
+            </a:endParaRPr>
           </a:p>
         </p:txBody>
       </p:sp>
     </p:spTree>
     <p:extLst>
       <p:ext uri="{BB962C8B-B14F-4D97-AF65-F5344CB8AC3E}">
-        <p14:creationId xmlns:p14="http://schemas.microsoft.com/office/powerpoint/2010/main" val="2100550507"/>
+        <p14:creationId xmlns:p14="http://schemas.microsoft.com/office/powerpoint/2010/main" val="2671778472"/>
       </p:ext>
     </p:extLst>
   </p:cSld>
@@ -3898,9 +5110,17 @@
 </p:sld>
 </file>
 
-<file path=ppt/slides/slide2.xml><?xml version="1.0" encoding="utf-8"?>
+<file path=ppt/slides/slide10.xml><?xml version="1.0" encoding="utf-8"?>
 <p:sld xmlns:a="http://schemas.openxmlformats.org/drawingml/2006/main" xmlns:r="http://schemas.openxmlformats.org/officeDocument/2006/relationships" xmlns:p="http://schemas.openxmlformats.org/presentationml/2006/main">
   <p:cSld>
+    <p:bg>
+      <p:bgPr>
+        <a:solidFill>
+          <a:schemeClr val="bg1"/>
+        </a:solidFill>
+        <a:effectLst/>
+      </p:bgPr>
+    </p:bg>
     <p:spTree>
       <p:nvGrpSpPr>
         <p:cNvPr id="1" name=""/>
@@ -3915,12 +5135,388 @@
           <a:chExt cx="0" cy="0"/>
         </a:xfrm>
       </p:grpSpPr>
+      <p:sp useBgFill="1">
+        <p:nvSpPr>
+          <p:cNvPr id="8" name="Rectangle 7">
+            <a:extLst>
+              <a:ext uri="{FF2B5EF4-FFF2-40B4-BE49-F238E27FC236}">
+                <a16:creationId xmlns:a16="http://schemas.microsoft.com/office/drawing/2014/main" id="{1B15ED52-F352-441B-82BF-E0EA34836D08}"/>
+              </a:ext>
+              <a:ext uri="{C183D7F6-B498-43B3-948B-1728B52AA6E4}">
+                <adec:decorative xmlns:adec="http://schemas.microsoft.com/office/drawing/2017/decorative" val="1"/>
+              </a:ext>
+            </a:extLst>
+          </p:cNvPr>
+          <p:cNvSpPr>
+            <a:spLocks noGrp="1" noRot="1" noChangeAspect="1" noMove="1" noResize="1" noEditPoints="1" noAdjustHandles="1" noChangeArrowheads="1" noChangeShapeType="1" noTextEdit="1"/>
+          </p:cNvSpPr>
+          <p:nvPr>
+            <p:extLst>
+              <p:ext uri="{386F3935-93C4-4BCD-93E2-E3B085C9AB24}">
+                <p16:designElem xmlns:p16="http://schemas.microsoft.com/office/powerpoint/2015/main" val="1"/>
+              </p:ext>
+            </p:extLst>
+          </p:nvPr>
+        </p:nvSpPr>
+        <p:spPr>
+          <a:xfrm>
+            <a:off x="0" y="0"/>
+            <a:ext cx="12192000" cy="6858000"/>
+          </a:xfrm>
+          <a:prstGeom prst="rect">
+            <a:avLst/>
+          </a:prstGeom>
+          <a:ln w="12700" cap="flat" cmpd="sng" algn="ctr">
+            <a:noFill/>
+            <a:prstDash val="solid"/>
+            <a:miter lim="800000"/>
+          </a:ln>
+          <a:effectLst/>
+          <a:extLst>
+            <a:ext uri="{91240B29-F687-4F45-9708-019B960494DF}">
+              <a14:hiddenLine xmlns:a14="http://schemas.microsoft.com/office/drawing/2010/main" w="12700" cap="flat" cmpd="sng" algn="ctr">
+                <a:solidFill>
+                  <a:schemeClr val="accent1">
+                    <a:shade val="50000"/>
+                  </a:schemeClr>
+                </a:solidFill>
+                <a:prstDash val="solid"/>
+                <a:miter lim="800000"/>
+              </a14:hiddenLine>
+            </a:ext>
+          </a:extLst>
+        </p:spPr>
+        <p:style>
+          <a:lnRef idx="2">
+            <a:schemeClr val="accent1">
+              <a:shade val="50000"/>
+            </a:schemeClr>
+          </a:lnRef>
+          <a:fillRef idx="1">
+            <a:schemeClr val="accent1"/>
+          </a:fillRef>
+          <a:effectRef idx="0">
+            <a:schemeClr val="accent1"/>
+          </a:effectRef>
+          <a:fontRef idx="minor">
+            <a:schemeClr val="lt1"/>
+          </a:fontRef>
+        </p:style>
+        <p:txBody>
+          <a:bodyPr rtlCol="0" anchor="ctr"/>
+          <a:lstStyle/>
+          <a:p>
+            <a:pPr algn="ctr"/>
+            <a:endParaRPr lang="en-US"/>
+          </a:p>
+        </p:txBody>
+      </p:sp>
+      <p:sp>
+        <p:nvSpPr>
+          <p:cNvPr id="10" name="Rectangle 9">
+            <a:extLst>
+              <a:ext uri="{FF2B5EF4-FFF2-40B4-BE49-F238E27FC236}">
+                <a16:creationId xmlns:a16="http://schemas.microsoft.com/office/drawing/2014/main" id="{3B2E3793-BFE6-45A2-9B7B-E18844431C99}"/>
+              </a:ext>
+              <a:ext uri="{C183D7F6-B498-43B3-948B-1728B52AA6E4}">
+                <adec:decorative xmlns:adec="http://schemas.microsoft.com/office/drawing/2017/decorative" val="1"/>
+              </a:ext>
+            </a:extLst>
+          </p:cNvPr>
+          <p:cNvSpPr>
+            <a:spLocks noGrp="1" noRot="1" noChangeAspect="1" noMove="1" noResize="1" noEditPoints="1" noAdjustHandles="1" noChangeArrowheads="1" noChangeShapeType="1" noTextEdit="1"/>
+          </p:cNvSpPr>
+          <p:nvPr>
+            <p:extLst>
+              <p:ext uri="{386F3935-93C4-4BCD-93E2-E3B085C9AB24}">
+                <p16:designElem xmlns:p16="http://schemas.microsoft.com/office/powerpoint/2015/main" val="1"/>
+              </p:ext>
+            </p:extLst>
+          </p:nvPr>
+        </p:nvSpPr>
+        <p:spPr>
+          <a:xfrm flipH="1">
+            <a:off x="-1" y="-1"/>
+            <a:ext cx="12191998" cy="1590742"/>
+          </a:xfrm>
+          <a:prstGeom prst="rect">
+            <a:avLst/>
+          </a:prstGeom>
+          <a:gradFill>
+            <a:gsLst>
+              <a:gs pos="0">
+                <a:srgbClr val="000000"/>
+              </a:gs>
+              <a:gs pos="100000">
+                <a:schemeClr val="accent1">
+                  <a:lumMod val="75000"/>
+                </a:schemeClr>
+              </a:gs>
+            </a:gsLst>
+            <a:lin ang="8400000" scaled="0"/>
+          </a:gradFill>
+          <a:ln>
+            <a:noFill/>
+          </a:ln>
+        </p:spPr>
+        <p:style>
+          <a:lnRef idx="2">
+            <a:schemeClr val="accent1">
+              <a:shade val="50000"/>
+            </a:schemeClr>
+          </a:lnRef>
+          <a:fillRef idx="1">
+            <a:schemeClr val="accent1"/>
+          </a:fillRef>
+          <a:effectRef idx="0">
+            <a:schemeClr val="accent1"/>
+          </a:effectRef>
+          <a:fontRef idx="minor">
+            <a:schemeClr val="lt1"/>
+          </a:fontRef>
+        </p:style>
+        <p:txBody>
+          <a:bodyPr rtlCol="0" anchor="ctr"/>
+          <a:lstStyle/>
+          <a:p>
+            <a:pPr algn="ctr"/>
+            <a:endParaRPr lang="en-US"/>
+          </a:p>
+        </p:txBody>
+      </p:sp>
+      <p:sp>
+        <p:nvSpPr>
+          <p:cNvPr id="12" name="Rectangle 11">
+            <a:extLst>
+              <a:ext uri="{FF2B5EF4-FFF2-40B4-BE49-F238E27FC236}">
+                <a16:creationId xmlns:a16="http://schemas.microsoft.com/office/drawing/2014/main" id="{BC4C4868-CB8F-4AF9-9CDB-8108F2C19B67}"/>
+              </a:ext>
+              <a:ext uri="{C183D7F6-B498-43B3-948B-1728B52AA6E4}">
+                <adec:decorative xmlns:adec="http://schemas.microsoft.com/office/drawing/2017/decorative" val="1"/>
+              </a:ext>
+            </a:extLst>
+          </p:cNvPr>
+          <p:cNvSpPr>
+            <a:spLocks noGrp="1" noRot="1" noChangeAspect="1" noMove="1" noResize="1" noEditPoints="1" noAdjustHandles="1" noChangeArrowheads="1" noChangeShapeType="1" noTextEdit="1"/>
+          </p:cNvSpPr>
+          <p:nvPr>
+            <p:extLst>
+              <p:ext uri="{386F3935-93C4-4BCD-93E2-E3B085C9AB24}">
+                <p16:designElem xmlns:p16="http://schemas.microsoft.com/office/powerpoint/2015/main" val="1"/>
+              </p:ext>
+            </p:extLst>
+          </p:nvPr>
+        </p:nvSpPr>
+        <p:spPr>
+          <a:xfrm rot="10800000" flipH="1">
+            <a:off x="-3" y="0"/>
+            <a:ext cx="8115306" cy="1590742"/>
+          </a:xfrm>
+          <a:prstGeom prst="rect">
+            <a:avLst/>
+          </a:prstGeom>
+          <a:gradFill>
+            <a:gsLst>
+              <a:gs pos="20000">
+                <a:schemeClr val="accent1">
+                  <a:alpha val="0"/>
+                </a:schemeClr>
+              </a:gs>
+              <a:gs pos="100000">
+                <a:schemeClr val="accent1">
+                  <a:lumMod val="50000"/>
+                  <a:alpha val="55000"/>
+                </a:schemeClr>
+              </a:gs>
+            </a:gsLst>
+            <a:lin ang="13800000" scaled="0"/>
+          </a:gradFill>
+          <a:ln>
+            <a:noFill/>
+          </a:ln>
+        </p:spPr>
+        <p:style>
+          <a:lnRef idx="2">
+            <a:schemeClr val="accent1">
+              <a:shade val="50000"/>
+            </a:schemeClr>
+          </a:lnRef>
+          <a:fillRef idx="1">
+            <a:schemeClr val="accent1"/>
+          </a:fillRef>
+          <a:effectRef idx="0">
+            <a:schemeClr val="accent1"/>
+          </a:effectRef>
+          <a:fontRef idx="minor">
+            <a:schemeClr val="lt1"/>
+          </a:fontRef>
+        </p:style>
+        <p:txBody>
+          <a:bodyPr rtlCol="0" anchor="ctr"/>
+          <a:lstStyle/>
+          <a:p>
+            <a:pPr algn="ctr"/>
+            <a:endParaRPr lang="en-US"/>
+          </a:p>
+        </p:txBody>
+      </p:sp>
+      <p:sp>
+        <p:nvSpPr>
+          <p:cNvPr id="14" name="Rectangle 13">
+            <a:extLst>
+              <a:ext uri="{FF2B5EF4-FFF2-40B4-BE49-F238E27FC236}">
+                <a16:creationId xmlns:a16="http://schemas.microsoft.com/office/drawing/2014/main" id="{375E0459-6403-40CD-989D-56A4407CA12E}"/>
+              </a:ext>
+              <a:ext uri="{C183D7F6-B498-43B3-948B-1728B52AA6E4}">
+                <adec:decorative xmlns:adec="http://schemas.microsoft.com/office/drawing/2017/decorative" val="1"/>
+              </a:ext>
+            </a:extLst>
+          </p:cNvPr>
+          <p:cNvSpPr>
+            <a:spLocks noGrp="1" noRot="1" noChangeAspect="1" noMove="1" noResize="1" noEditPoints="1" noAdjustHandles="1" noChangeArrowheads="1" noChangeShapeType="1" noTextEdit="1"/>
+          </p:cNvSpPr>
+          <p:nvPr>
+            <p:extLst>
+              <p:ext uri="{386F3935-93C4-4BCD-93E2-E3B085C9AB24}">
+                <p16:designElem xmlns:p16="http://schemas.microsoft.com/office/powerpoint/2015/main" val="1"/>
+              </p:ext>
+            </p:extLst>
+          </p:nvPr>
+        </p:nvSpPr>
+        <p:spPr>
+          <a:xfrm flipH="1">
+            <a:off x="8115299" y="-1"/>
+            <a:ext cx="4076698" cy="1590742"/>
+          </a:xfrm>
+          <a:prstGeom prst="rect">
+            <a:avLst/>
+          </a:prstGeom>
+          <a:gradFill>
+            <a:gsLst>
+              <a:gs pos="0">
+                <a:schemeClr val="accent1">
+                  <a:alpha val="66000"/>
+                </a:schemeClr>
+              </a:gs>
+              <a:gs pos="100000">
+                <a:srgbClr val="000000">
+                  <a:alpha val="30000"/>
+                </a:srgbClr>
+              </a:gs>
+            </a:gsLst>
+            <a:lin ang="13200000" scaled="0"/>
+          </a:gradFill>
+          <a:ln>
+            <a:noFill/>
+          </a:ln>
+        </p:spPr>
+        <p:style>
+          <a:lnRef idx="2">
+            <a:schemeClr val="accent1">
+              <a:shade val="50000"/>
+            </a:schemeClr>
+          </a:lnRef>
+          <a:fillRef idx="1">
+            <a:schemeClr val="accent1"/>
+          </a:fillRef>
+          <a:effectRef idx="0">
+            <a:schemeClr val="accent1"/>
+          </a:effectRef>
+          <a:fontRef idx="minor">
+            <a:schemeClr val="lt1"/>
+          </a:fontRef>
+        </p:style>
+        <p:txBody>
+          <a:bodyPr rtlCol="0" anchor="ctr"/>
+          <a:lstStyle/>
+          <a:p>
+            <a:pPr algn="ctr"/>
+            <a:endParaRPr lang="en-US"/>
+          </a:p>
+        </p:txBody>
+      </p:sp>
+      <p:sp>
+        <p:nvSpPr>
+          <p:cNvPr id="16" name="Rectangle 15">
+            <a:extLst>
+              <a:ext uri="{FF2B5EF4-FFF2-40B4-BE49-F238E27FC236}">
+                <a16:creationId xmlns:a16="http://schemas.microsoft.com/office/drawing/2014/main" id="{53E5B1A8-3AC9-4BD1-9BBC-78CA94F2D1BA}"/>
+              </a:ext>
+              <a:ext uri="{C183D7F6-B498-43B3-948B-1728B52AA6E4}">
+                <adec:decorative xmlns:adec="http://schemas.microsoft.com/office/drawing/2017/decorative" val="1"/>
+              </a:ext>
+            </a:extLst>
+          </p:cNvPr>
+          <p:cNvSpPr>
+            <a:spLocks noGrp="1" noRot="1" noChangeAspect="1" noMove="1" noResize="1" noEditPoints="1" noAdjustHandles="1" noChangeArrowheads="1" noChangeShapeType="1" noTextEdit="1"/>
+          </p:cNvSpPr>
+          <p:nvPr>
+            <p:extLst>
+              <p:ext uri="{386F3935-93C4-4BCD-93E2-E3B085C9AB24}">
+                <p16:designElem xmlns:p16="http://schemas.microsoft.com/office/powerpoint/2015/main" val="1"/>
+              </p:ext>
+            </p:extLst>
+          </p:nvPr>
+        </p:nvSpPr>
+        <p:spPr>
+          <a:xfrm>
+            <a:off x="459350" y="-1"/>
+            <a:ext cx="11732646" cy="1597433"/>
+          </a:xfrm>
+          <a:prstGeom prst="rect">
+            <a:avLst/>
+          </a:prstGeom>
+          <a:gradFill>
+            <a:gsLst>
+              <a:gs pos="50000">
+                <a:srgbClr val="000000">
+                  <a:alpha val="0"/>
+                </a:srgbClr>
+              </a:gs>
+              <a:gs pos="99000">
+                <a:schemeClr val="accent1">
+                  <a:lumMod val="50000"/>
+                  <a:alpha val="52000"/>
+                </a:schemeClr>
+              </a:gs>
+            </a:gsLst>
+            <a:lin ang="16800000" scaled="0"/>
+          </a:gradFill>
+          <a:ln>
+            <a:noFill/>
+          </a:ln>
+        </p:spPr>
+        <p:style>
+          <a:lnRef idx="2">
+            <a:schemeClr val="accent1">
+              <a:shade val="50000"/>
+            </a:schemeClr>
+          </a:lnRef>
+          <a:fillRef idx="1">
+            <a:schemeClr val="accent1"/>
+          </a:fillRef>
+          <a:effectRef idx="0">
+            <a:schemeClr val="accent1"/>
+          </a:effectRef>
+          <a:fontRef idx="minor">
+            <a:schemeClr val="lt1"/>
+          </a:fontRef>
+        </p:style>
+        <p:txBody>
+          <a:bodyPr rtlCol="0" anchor="ctr"/>
+          <a:lstStyle/>
+          <a:p>
+            <a:pPr algn="ctr"/>
+            <a:endParaRPr lang="en-US"/>
+          </a:p>
+        </p:txBody>
+      </p:sp>
       <p:sp>
         <p:nvSpPr>
           <p:cNvPr id="2" name="Título 1">
             <a:extLst>
               <a:ext uri="{FF2B5EF4-FFF2-40B4-BE49-F238E27FC236}">
-                <a16:creationId xmlns:a16="http://schemas.microsoft.com/office/drawing/2014/main" id="{DA3C4488-84AB-5145-00E6-083641B43D63}"/>
+                <a16:creationId xmlns:a16="http://schemas.microsoft.com/office/drawing/2014/main" id="{B5C425C2-2C62-1676-6150-A30409029F04}"/>
               </a:ext>
             </a:extLst>
           </p:cNvPr>
@@ -3932,12 +5528,10 @@
           </p:nvPr>
         </p:nvSpPr>
         <p:spPr>
-          <a:solidFill>
-            <a:schemeClr val="accent4">
-              <a:lumMod val="20000"/>
-              <a:lumOff val="80000"/>
-            </a:schemeClr>
-          </a:solidFill>
+          <a:xfrm>
+            <a:off x="1371599" y="294538"/>
+            <a:ext cx="9895951" cy="1033669"/>
+          </a:xfrm>
         </p:spPr>
         <p:txBody>
           <a:bodyPr>
@@ -3945,11 +5539,11 @@
           </a:bodyPr>
           <a:lstStyle/>
           <a:p>
-            <a:pPr algn="ctr"/>
-            <a:r>
-              <a:rPr lang="es-SV" sz="7200" b="1" dirty="0"/>
-              <a:t>GRUPO 15</a:t>
-            </a:r>
+            <a:endParaRPr lang="es-SV" sz="4000">
+              <a:solidFill>
+                <a:srgbClr val="FFFFFF"/>
+              </a:solidFill>
+            </a:endParaRPr>
           </a:p>
         </p:txBody>
       </p:sp>
@@ -3958,7 +5552,7 @@
           <p:cNvPr id="3" name="Marcador de contenido 2">
             <a:extLst>
               <a:ext uri="{FF2B5EF4-FFF2-40B4-BE49-F238E27FC236}">
-                <a16:creationId xmlns:a16="http://schemas.microsoft.com/office/drawing/2014/main" id="{359FEE81-20FC-9B9E-C721-671AD172AF26}"/>
+                <a16:creationId xmlns:a16="http://schemas.microsoft.com/office/drawing/2014/main" id="{C1BBF220-6743-9CBA-A117-128533907E97}"/>
               </a:ext>
             </a:extLst>
           </p:cNvPr>
@@ -3971,55 +5565,1094 @@
         </p:nvSpPr>
         <p:spPr>
           <a:xfrm>
-            <a:off x="838200" y="3142033"/>
-            <a:ext cx="10515600" cy="3034929"/>
+            <a:off x="1371599" y="2318197"/>
+            <a:ext cx="9724031" cy="3683358"/>
           </a:xfrm>
-          <a:solidFill>
-            <a:schemeClr val="accent4">
-              <a:lumMod val="20000"/>
-              <a:lumOff val="80000"/>
-            </a:schemeClr>
-          </a:solidFill>
         </p:spPr>
         <p:txBody>
-          <a:bodyPr anchor="ctr" anchorCtr="0">
+          <a:bodyPr anchor="ctr">
             <a:normAutofit/>
           </a:bodyPr>
           <a:lstStyle/>
           <a:p>
-            <a:pPr marL="0" marR="0" indent="0" rtl="0">
-              <a:buNone/>
+            <a:pPr>
+              <a:buFont typeface="+mj-lt"/>
+              <a:buAutoNum type="arabicPeriod"/>
+            </a:pPr>
+            <a:endParaRPr lang="es-ES" sz="2000" b="0" i="0">
+              <a:effectLst/>
+              <a:highlight>
+                <a:srgbClr val="F3F3F3"/>
+              </a:highlight>
+              <a:latin typeface="-apple-system"/>
+            </a:endParaRPr>
+          </a:p>
+          <a:p>
+            <a:pPr marL="742950" lvl="1" indent="-285750">
+              <a:buFont typeface="+mj-lt"/>
+              <a:buAutoNum type="arabicPeriod"/>
             </a:pPr>
             <a:r>
-              <a:rPr lang="es-ES_tradnl" sz="4800" b="1" i="0" u="none" strike="noStrike" baseline="30000" dirty="0">
-                <a:solidFill>
-                  <a:srgbClr val="000000"/>
-                </a:solidFill>
-                <a:latin typeface="Times New Roman" panose="02020603050405020304" pitchFamily="18" charset="0"/>
+              <a:rPr lang="es-ES" sz="2000" b="1" i="0">
+                <a:effectLst/>
+                <a:highlight>
+                  <a:srgbClr val="F3F3F3"/>
+                </a:highlight>
+                <a:latin typeface="-apple-system"/>
               </a:rPr>
-              <a:t>17-1673-2000 Jose Alfredo Hernandez Ortiz</a:t>
+              <a:t>Diapositiva 11</a:t>
             </a:r>
-          </a:p>
-          <a:p>
-            <a:pPr marL="0" indent="0">
-              <a:buNone/>
-            </a:pPr>
             <a:r>
-              <a:rPr lang="es-ES_tradnl" sz="4800" b="1" i="0" u="none" strike="noStrike" baseline="30000" dirty="0">
-                <a:solidFill>
-                  <a:srgbClr val="000000"/>
-                </a:solidFill>
-                <a:latin typeface="Times New Roman" panose="02020603050405020304" pitchFamily="18" charset="0"/>
+              <a:rPr lang="es-ES" sz="2000" b="0" i="0">
+                <a:effectLst/>
+                <a:highlight>
+                  <a:srgbClr val="F3F3F3"/>
+                </a:highlight>
+                <a:latin typeface="-apple-system"/>
               </a:rPr>
-              <a:t>25-1014-2019 Roberto Enrique Reyes Márquez</a:t>
+              <a:t>: Resumen de los puntos clave y conclusiones finales.</a:t>
             </a:r>
+          </a:p>
+          <a:p>
+            <a:br>
+              <a:rPr lang="es-ES" sz="2000"/>
+            </a:br>
+            <a:endParaRPr lang="es-SV" sz="2000"/>
           </a:p>
         </p:txBody>
       </p:sp>
     </p:spTree>
     <p:extLst>
       <p:ext uri="{BB962C8B-B14F-4D97-AF65-F5344CB8AC3E}">
-        <p14:creationId xmlns:p14="http://schemas.microsoft.com/office/powerpoint/2010/main" val="1637829713"/>
+        <p14:creationId xmlns:p14="http://schemas.microsoft.com/office/powerpoint/2010/main" val="3550121511"/>
+      </p:ext>
+    </p:extLst>
+  </p:cSld>
+  <p:clrMapOvr>
+    <a:masterClrMapping/>
+  </p:clrMapOvr>
+</p:sld>
+</file>
+
+<file path=ppt/slides/slide11.xml><?xml version="1.0" encoding="utf-8"?>
+<p:sld xmlns:a="http://schemas.openxmlformats.org/drawingml/2006/main" xmlns:r="http://schemas.openxmlformats.org/officeDocument/2006/relationships" xmlns:p="http://schemas.openxmlformats.org/presentationml/2006/main">
+  <p:cSld>
+    <p:bg>
+      <p:bgPr>
+        <a:solidFill>
+          <a:schemeClr val="bg1"/>
+        </a:solidFill>
+        <a:effectLst/>
+      </p:bgPr>
+    </p:bg>
+    <p:spTree>
+      <p:nvGrpSpPr>
+        <p:cNvPr id="1" name=""/>
+        <p:cNvGrpSpPr/>
+        <p:nvPr/>
+      </p:nvGrpSpPr>
+      <p:grpSpPr>
+        <a:xfrm>
+          <a:off x="0" y="0"/>
+          <a:ext cx="0" cy="0"/>
+          <a:chOff x="0" y="0"/>
+          <a:chExt cx="0" cy="0"/>
+        </a:xfrm>
+      </p:grpSpPr>
+      <p:sp useBgFill="1">
+        <p:nvSpPr>
+          <p:cNvPr id="8" name="Rectangle 7">
+            <a:extLst>
+              <a:ext uri="{FF2B5EF4-FFF2-40B4-BE49-F238E27FC236}">
+                <a16:creationId xmlns:a16="http://schemas.microsoft.com/office/drawing/2014/main" id="{1B15ED52-F352-441B-82BF-E0EA34836D08}"/>
+              </a:ext>
+              <a:ext uri="{C183D7F6-B498-43B3-948B-1728B52AA6E4}">
+                <adec:decorative xmlns:adec="http://schemas.microsoft.com/office/drawing/2017/decorative" val="1"/>
+              </a:ext>
+            </a:extLst>
+          </p:cNvPr>
+          <p:cNvSpPr>
+            <a:spLocks noGrp="1" noRot="1" noChangeAspect="1" noMove="1" noResize="1" noEditPoints="1" noAdjustHandles="1" noChangeArrowheads="1" noChangeShapeType="1" noTextEdit="1"/>
+          </p:cNvSpPr>
+          <p:nvPr>
+            <p:extLst>
+              <p:ext uri="{386F3935-93C4-4BCD-93E2-E3B085C9AB24}">
+                <p16:designElem xmlns:p16="http://schemas.microsoft.com/office/powerpoint/2015/main" val="1"/>
+              </p:ext>
+            </p:extLst>
+          </p:nvPr>
+        </p:nvSpPr>
+        <p:spPr>
+          <a:xfrm>
+            <a:off x="0" y="0"/>
+            <a:ext cx="12192000" cy="6858000"/>
+          </a:xfrm>
+          <a:prstGeom prst="rect">
+            <a:avLst/>
+          </a:prstGeom>
+          <a:ln w="12700" cap="flat" cmpd="sng" algn="ctr">
+            <a:noFill/>
+            <a:prstDash val="solid"/>
+            <a:miter lim="800000"/>
+          </a:ln>
+          <a:effectLst/>
+          <a:extLst>
+            <a:ext uri="{91240B29-F687-4F45-9708-019B960494DF}">
+              <a14:hiddenLine xmlns:a14="http://schemas.microsoft.com/office/drawing/2010/main" w="12700" cap="flat" cmpd="sng" algn="ctr">
+                <a:solidFill>
+                  <a:schemeClr val="accent1">
+                    <a:shade val="50000"/>
+                  </a:schemeClr>
+                </a:solidFill>
+                <a:prstDash val="solid"/>
+                <a:miter lim="800000"/>
+              </a14:hiddenLine>
+            </a:ext>
+          </a:extLst>
+        </p:spPr>
+        <p:style>
+          <a:lnRef idx="2">
+            <a:schemeClr val="accent1">
+              <a:shade val="50000"/>
+            </a:schemeClr>
+          </a:lnRef>
+          <a:fillRef idx="1">
+            <a:schemeClr val="accent1"/>
+          </a:fillRef>
+          <a:effectRef idx="0">
+            <a:schemeClr val="accent1"/>
+          </a:effectRef>
+          <a:fontRef idx="minor">
+            <a:schemeClr val="lt1"/>
+          </a:fontRef>
+        </p:style>
+        <p:txBody>
+          <a:bodyPr rtlCol="0" anchor="ctr"/>
+          <a:lstStyle/>
+          <a:p>
+            <a:pPr algn="ctr"/>
+            <a:endParaRPr lang="en-US"/>
+          </a:p>
+        </p:txBody>
+      </p:sp>
+      <p:sp>
+        <p:nvSpPr>
+          <p:cNvPr id="10" name="Rectangle 9">
+            <a:extLst>
+              <a:ext uri="{FF2B5EF4-FFF2-40B4-BE49-F238E27FC236}">
+                <a16:creationId xmlns:a16="http://schemas.microsoft.com/office/drawing/2014/main" id="{3B2E3793-BFE6-45A2-9B7B-E18844431C99}"/>
+              </a:ext>
+              <a:ext uri="{C183D7F6-B498-43B3-948B-1728B52AA6E4}">
+                <adec:decorative xmlns:adec="http://schemas.microsoft.com/office/drawing/2017/decorative" val="1"/>
+              </a:ext>
+            </a:extLst>
+          </p:cNvPr>
+          <p:cNvSpPr>
+            <a:spLocks noGrp="1" noRot="1" noChangeAspect="1" noMove="1" noResize="1" noEditPoints="1" noAdjustHandles="1" noChangeArrowheads="1" noChangeShapeType="1" noTextEdit="1"/>
+          </p:cNvSpPr>
+          <p:nvPr>
+            <p:extLst>
+              <p:ext uri="{386F3935-93C4-4BCD-93E2-E3B085C9AB24}">
+                <p16:designElem xmlns:p16="http://schemas.microsoft.com/office/powerpoint/2015/main" val="1"/>
+              </p:ext>
+            </p:extLst>
+          </p:nvPr>
+        </p:nvSpPr>
+        <p:spPr>
+          <a:xfrm flipH="1">
+            <a:off x="-1" y="-1"/>
+            <a:ext cx="12191998" cy="1590742"/>
+          </a:xfrm>
+          <a:prstGeom prst="rect">
+            <a:avLst/>
+          </a:prstGeom>
+          <a:gradFill>
+            <a:gsLst>
+              <a:gs pos="0">
+                <a:srgbClr val="000000"/>
+              </a:gs>
+              <a:gs pos="100000">
+                <a:schemeClr val="accent1">
+                  <a:lumMod val="75000"/>
+                </a:schemeClr>
+              </a:gs>
+            </a:gsLst>
+            <a:lin ang="8400000" scaled="0"/>
+          </a:gradFill>
+          <a:ln>
+            <a:noFill/>
+          </a:ln>
+        </p:spPr>
+        <p:style>
+          <a:lnRef idx="2">
+            <a:schemeClr val="accent1">
+              <a:shade val="50000"/>
+            </a:schemeClr>
+          </a:lnRef>
+          <a:fillRef idx="1">
+            <a:schemeClr val="accent1"/>
+          </a:fillRef>
+          <a:effectRef idx="0">
+            <a:schemeClr val="accent1"/>
+          </a:effectRef>
+          <a:fontRef idx="minor">
+            <a:schemeClr val="lt1"/>
+          </a:fontRef>
+        </p:style>
+        <p:txBody>
+          <a:bodyPr rtlCol="0" anchor="ctr"/>
+          <a:lstStyle/>
+          <a:p>
+            <a:pPr algn="ctr"/>
+            <a:endParaRPr lang="en-US"/>
+          </a:p>
+        </p:txBody>
+      </p:sp>
+      <p:sp>
+        <p:nvSpPr>
+          <p:cNvPr id="12" name="Rectangle 11">
+            <a:extLst>
+              <a:ext uri="{FF2B5EF4-FFF2-40B4-BE49-F238E27FC236}">
+                <a16:creationId xmlns:a16="http://schemas.microsoft.com/office/drawing/2014/main" id="{BC4C4868-CB8F-4AF9-9CDB-8108F2C19B67}"/>
+              </a:ext>
+              <a:ext uri="{C183D7F6-B498-43B3-948B-1728B52AA6E4}">
+                <adec:decorative xmlns:adec="http://schemas.microsoft.com/office/drawing/2017/decorative" val="1"/>
+              </a:ext>
+            </a:extLst>
+          </p:cNvPr>
+          <p:cNvSpPr>
+            <a:spLocks noGrp="1" noRot="1" noChangeAspect="1" noMove="1" noResize="1" noEditPoints="1" noAdjustHandles="1" noChangeArrowheads="1" noChangeShapeType="1" noTextEdit="1"/>
+          </p:cNvSpPr>
+          <p:nvPr>
+            <p:extLst>
+              <p:ext uri="{386F3935-93C4-4BCD-93E2-E3B085C9AB24}">
+                <p16:designElem xmlns:p16="http://schemas.microsoft.com/office/powerpoint/2015/main" val="1"/>
+              </p:ext>
+            </p:extLst>
+          </p:nvPr>
+        </p:nvSpPr>
+        <p:spPr>
+          <a:xfrm rot="10800000" flipH="1">
+            <a:off x="-3" y="0"/>
+            <a:ext cx="8115306" cy="1590742"/>
+          </a:xfrm>
+          <a:prstGeom prst="rect">
+            <a:avLst/>
+          </a:prstGeom>
+          <a:gradFill>
+            <a:gsLst>
+              <a:gs pos="20000">
+                <a:schemeClr val="accent1">
+                  <a:alpha val="0"/>
+                </a:schemeClr>
+              </a:gs>
+              <a:gs pos="100000">
+                <a:schemeClr val="accent1">
+                  <a:lumMod val="50000"/>
+                  <a:alpha val="55000"/>
+                </a:schemeClr>
+              </a:gs>
+            </a:gsLst>
+            <a:lin ang="13800000" scaled="0"/>
+          </a:gradFill>
+          <a:ln>
+            <a:noFill/>
+          </a:ln>
+        </p:spPr>
+        <p:style>
+          <a:lnRef idx="2">
+            <a:schemeClr val="accent1">
+              <a:shade val="50000"/>
+            </a:schemeClr>
+          </a:lnRef>
+          <a:fillRef idx="1">
+            <a:schemeClr val="accent1"/>
+          </a:fillRef>
+          <a:effectRef idx="0">
+            <a:schemeClr val="accent1"/>
+          </a:effectRef>
+          <a:fontRef idx="minor">
+            <a:schemeClr val="lt1"/>
+          </a:fontRef>
+        </p:style>
+        <p:txBody>
+          <a:bodyPr rtlCol="0" anchor="ctr"/>
+          <a:lstStyle/>
+          <a:p>
+            <a:pPr algn="ctr"/>
+            <a:endParaRPr lang="en-US"/>
+          </a:p>
+        </p:txBody>
+      </p:sp>
+      <p:sp>
+        <p:nvSpPr>
+          <p:cNvPr id="14" name="Rectangle 13">
+            <a:extLst>
+              <a:ext uri="{FF2B5EF4-FFF2-40B4-BE49-F238E27FC236}">
+                <a16:creationId xmlns:a16="http://schemas.microsoft.com/office/drawing/2014/main" id="{375E0459-6403-40CD-989D-56A4407CA12E}"/>
+              </a:ext>
+              <a:ext uri="{C183D7F6-B498-43B3-948B-1728B52AA6E4}">
+                <adec:decorative xmlns:adec="http://schemas.microsoft.com/office/drawing/2017/decorative" val="1"/>
+              </a:ext>
+            </a:extLst>
+          </p:cNvPr>
+          <p:cNvSpPr>
+            <a:spLocks noGrp="1" noRot="1" noChangeAspect="1" noMove="1" noResize="1" noEditPoints="1" noAdjustHandles="1" noChangeArrowheads="1" noChangeShapeType="1" noTextEdit="1"/>
+          </p:cNvSpPr>
+          <p:nvPr>
+            <p:extLst>
+              <p:ext uri="{386F3935-93C4-4BCD-93E2-E3B085C9AB24}">
+                <p16:designElem xmlns:p16="http://schemas.microsoft.com/office/powerpoint/2015/main" val="1"/>
+              </p:ext>
+            </p:extLst>
+          </p:nvPr>
+        </p:nvSpPr>
+        <p:spPr>
+          <a:xfrm flipH="1">
+            <a:off x="8115299" y="-1"/>
+            <a:ext cx="4076698" cy="1590742"/>
+          </a:xfrm>
+          <a:prstGeom prst="rect">
+            <a:avLst/>
+          </a:prstGeom>
+          <a:gradFill>
+            <a:gsLst>
+              <a:gs pos="0">
+                <a:schemeClr val="accent1">
+                  <a:alpha val="66000"/>
+                </a:schemeClr>
+              </a:gs>
+              <a:gs pos="100000">
+                <a:srgbClr val="000000">
+                  <a:alpha val="30000"/>
+                </a:srgbClr>
+              </a:gs>
+            </a:gsLst>
+            <a:lin ang="13200000" scaled="0"/>
+          </a:gradFill>
+          <a:ln>
+            <a:noFill/>
+          </a:ln>
+        </p:spPr>
+        <p:style>
+          <a:lnRef idx="2">
+            <a:schemeClr val="accent1">
+              <a:shade val="50000"/>
+            </a:schemeClr>
+          </a:lnRef>
+          <a:fillRef idx="1">
+            <a:schemeClr val="accent1"/>
+          </a:fillRef>
+          <a:effectRef idx="0">
+            <a:schemeClr val="accent1"/>
+          </a:effectRef>
+          <a:fontRef idx="minor">
+            <a:schemeClr val="lt1"/>
+          </a:fontRef>
+        </p:style>
+        <p:txBody>
+          <a:bodyPr rtlCol="0" anchor="ctr"/>
+          <a:lstStyle/>
+          <a:p>
+            <a:pPr algn="ctr"/>
+            <a:endParaRPr lang="en-US"/>
+          </a:p>
+        </p:txBody>
+      </p:sp>
+      <p:sp>
+        <p:nvSpPr>
+          <p:cNvPr id="16" name="Rectangle 15">
+            <a:extLst>
+              <a:ext uri="{FF2B5EF4-FFF2-40B4-BE49-F238E27FC236}">
+                <a16:creationId xmlns:a16="http://schemas.microsoft.com/office/drawing/2014/main" id="{53E5B1A8-3AC9-4BD1-9BBC-78CA94F2D1BA}"/>
+              </a:ext>
+              <a:ext uri="{C183D7F6-B498-43B3-948B-1728B52AA6E4}">
+                <adec:decorative xmlns:adec="http://schemas.microsoft.com/office/drawing/2017/decorative" val="1"/>
+              </a:ext>
+            </a:extLst>
+          </p:cNvPr>
+          <p:cNvSpPr>
+            <a:spLocks noGrp="1" noRot="1" noChangeAspect="1" noMove="1" noResize="1" noEditPoints="1" noAdjustHandles="1" noChangeArrowheads="1" noChangeShapeType="1" noTextEdit="1"/>
+          </p:cNvSpPr>
+          <p:nvPr>
+            <p:extLst>
+              <p:ext uri="{386F3935-93C4-4BCD-93E2-E3B085C9AB24}">
+                <p16:designElem xmlns:p16="http://schemas.microsoft.com/office/powerpoint/2015/main" val="1"/>
+              </p:ext>
+            </p:extLst>
+          </p:nvPr>
+        </p:nvSpPr>
+        <p:spPr>
+          <a:xfrm>
+            <a:off x="459350" y="-1"/>
+            <a:ext cx="11732646" cy="1597433"/>
+          </a:xfrm>
+          <a:prstGeom prst="rect">
+            <a:avLst/>
+          </a:prstGeom>
+          <a:gradFill>
+            <a:gsLst>
+              <a:gs pos="50000">
+                <a:srgbClr val="000000">
+                  <a:alpha val="0"/>
+                </a:srgbClr>
+              </a:gs>
+              <a:gs pos="99000">
+                <a:schemeClr val="accent1">
+                  <a:lumMod val="50000"/>
+                  <a:alpha val="52000"/>
+                </a:schemeClr>
+              </a:gs>
+            </a:gsLst>
+            <a:lin ang="16800000" scaled="0"/>
+          </a:gradFill>
+          <a:ln>
+            <a:noFill/>
+          </a:ln>
+        </p:spPr>
+        <p:style>
+          <a:lnRef idx="2">
+            <a:schemeClr val="accent1">
+              <a:shade val="50000"/>
+            </a:schemeClr>
+          </a:lnRef>
+          <a:fillRef idx="1">
+            <a:schemeClr val="accent1"/>
+          </a:fillRef>
+          <a:effectRef idx="0">
+            <a:schemeClr val="accent1"/>
+          </a:effectRef>
+          <a:fontRef idx="minor">
+            <a:schemeClr val="lt1"/>
+          </a:fontRef>
+        </p:style>
+        <p:txBody>
+          <a:bodyPr rtlCol="0" anchor="ctr"/>
+          <a:lstStyle/>
+          <a:p>
+            <a:pPr algn="ctr"/>
+            <a:endParaRPr lang="en-US"/>
+          </a:p>
+        </p:txBody>
+      </p:sp>
+      <p:sp>
+        <p:nvSpPr>
+          <p:cNvPr id="2" name="Título 1">
+            <a:extLst>
+              <a:ext uri="{FF2B5EF4-FFF2-40B4-BE49-F238E27FC236}">
+                <a16:creationId xmlns:a16="http://schemas.microsoft.com/office/drawing/2014/main" id="{1D2C77D9-BC1A-52DC-0E97-33C58F28C8E0}"/>
+              </a:ext>
+            </a:extLst>
+          </p:cNvPr>
+          <p:cNvSpPr>
+            <a:spLocks noGrp="1"/>
+          </p:cNvSpPr>
+          <p:nvPr>
+            <p:ph type="title"/>
+          </p:nvPr>
+        </p:nvSpPr>
+        <p:spPr>
+          <a:xfrm>
+            <a:off x="1371599" y="294538"/>
+            <a:ext cx="9895951" cy="1033669"/>
+          </a:xfrm>
+        </p:spPr>
+        <p:txBody>
+          <a:bodyPr>
+            <a:normAutofit/>
+          </a:bodyPr>
+          <a:lstStyle/>
+          <a:p>
+            <a:endParaRPr lang="es-SV" sz="4000">
+              <a:solidFill>
+                <a:srgbClr val="FFFFFF"/>
+              </a:solidFill>
+            </a:endParaRPr>
+          </a:p>
+        </p:txBody>
+      </p:sp>
+      <p:sp>
+        <p:nvSpPr>
+          <p:cNvPr id="3" name="Marcador de contenido 2">
+            <a:extLst>
+              <a:ext uri="{FF2B5EF4-FFF2-40B4-BE49-F238E27FC236}">
+                <a16:creationId xmlns:a16="http://schemas.microsoft.com/office/drawing/2014/main" id="{333D9FFD-9655-4BEC-7C83-EC58CD6D5F75}"/>
+              </a:ext>
+            </a:extLst>
+          </p:cNvPr>
+          <p:cNvSpPr>
+            <a:spLocks noGrp="1"/>
+          </p:cNvSpPr>
+          <p:nvPr>
+            <p:ph idx="1"/>
+          </p:nvPr>
+        </p:nvSpPr>
+        <p:spPr>
+          <a:xfrm>
+            <a:off x="1371599" y="2318197"/>
+            <a:ext cx="9724031" cy="3683358"/>
+          </a:xfrm>
+        </p:spPr>
+        <p:txBody>
+          <a:bodyPr anchor="ctr">
+            <a:normAutofit/>
+          </a:bodyPr>
+          <a:lstStyle/>
+          <a:p>
+            <a:pPr>
+              <a:buFont typeface="+mj-lt"/>
+              <a:buAutoNum type="arabicPeriod"/>
+            </a:pPr>
+            <a:endParaRPr lang="es-ES" sz="2000" b="0" i="0">
+              <a:effectLst/>
+              <a:highlight>
+                <a:srgbClr val="F3F3F3"/>
+              </a:highlight>
+              <a:latin typeface="-apple-system"/>
+            </a:endParaRPr>
+          </a:p>
+          <a:p>
+            <a:pPr marL="742950" lvl="1" indent="-285750">
+              <a:buFont typeface="+mj-lt"/>
+              <a:buAutoNum type="arabicPeriod"/>
+            </a:pPr>
+            <a:r>
+              <a:rPr lang="es-ES" sz="2000" b="1" i="0">
+                <a:effectLst/>
+                <a:highlight>
+                  <a:srgbClr val="F3F3F3"/>
+                </a:highlight>
+                <a:latin typeface="-apple-system"/>
+              </a:rPr>
+              <a:t>Diapositiva 12</a:t>
+            </a:r>
+            <a:r>
+              <a:rPr lang="es-ES" sz="2000" b="0" i="0">
+                <a:effectLst/>
+                <a:highlight>
+                  <a:srgbClr val="F3F3F3"/>
+                </a:highlight>
+                <a:latin typeface="-apple-system"/>
+              </a:rPr>
+              <a:t>: Espacio para preguntas y respuestas, con un agradecimiento al público.</a:t>
+            </a:r>
+          </a:p>
+          <a:p>
+            <a:br>
+              <a:rPr lang="es-ES" sz="2000"/>
+            </a:br>
+            <a:endParaRPr lang="es-SV" sz="2000"/>
+          </a:p>
+        </p:txBody>
+      </p:sp>
+    </p:spTree>
+    <p:extLst>
+      <p:ext uri="{BB962C8B-B14F-4D97-AF65-F5344CB8AC3E}">
+        <p14:creationId xmlns:p14="http://schemas.microsoft.com/office/powerpoint/2010/main" val="3223615961"/>
+      </p:ext>
+    </p:extLst>
+  </p:cSld>
+  <p:clrMapOvr>
+    <a:masterClrMapping/>
+  </p:clrMapOvr>
+</p:sld>
+</file>
+
+<file path=ppt/slides/slide2.xml><?xml version="1.0" encoding="utf-8"?>
+<p:sld xmlns:a="http://schemas.openxmlformats.org/drawingml/2006/main" xmlns:r="http://schemas.openxmlformats.org/officeDocument/2006/relationships" xmlns:p="http://schemas.openxmlformats.org/presentationml/2006/main">
+  <p:cSld>
+    <p:bg>
+      <p:bgPr>
+        <a:solidFill>
+          <a:schemeClr val="bg1"/>
+        </a:solidFill>
+        <a:effectLst/>
+      </p:bgPr>
+    </p:bg>
+    <p:spTree>
+      <p:nvGrpSpPr>
+        <p:cNvPr id="1" name=""/>
+        <p:cNvGrpSpPr/>
+        <p:nvPr/>
+      </p:nvGrpSpPr>
+      <p:grpSpPr>
+        <a:xfrm>
+          <a:off x="0" y="0"/>
+          <a:ext cx="0" cy="0"/>
+          <a:chOff x="0" y="0"/>
+          <a:chExt cx="0" cy="0"/>
+        </a:xfrm>
+      </p:grpSpPr>
+      <p:sp useBgFill="1">
+        <p:nvSpPr>
+          <p:cNvPr id="17" name="Rectangle 16">
+            <a:extLst>
+              <a:ext uri="{FF2B5EF4-FFF2-40B4-BE49-F238E27FC236}">
+                <a16:creationId xmlns:a16="http://schemas.microsoft.com/office/drawing/2014/main" id="{1B15ED52-F352-441B-82BF-E0EA34836D08}"/>
+              </a:ext>
+              <a:ext uri="{C183D7F6-B498-43B3-948B-1728B52AA6E4}">
+                <adec:decorative xmlns:adec="http://schemas.microsoft.com/office/drawing/2017/decorative" val="1"/>
+              </a:ext>
+            </a:extLst>
+          </p:cNvPr>
+          <p:cNvSpPr>
+            <a:spLocks noGrp="1" noRot="1" noChangeAspect="1" noMove="1" noResize="1" noEditPoints="1" noAdjustHandles="1" noChangeArrowheads="1" noChangeShapeType="1" noTextEdit="1"/>
+          </p:cNvSpPr>
+          <p:nvPr>
+            <p:extLst>
+              <p:ext uri="{386F3935-93C4-4BCD-93E2-E3B085C9AB24}">
+                <p16:designElem xmlns:p16="http://schemas.microsoft.com/office/powerpoint/2015/main" val="1"/>
+              </p:ext>
+            </p:extLst>
+          </p:nvPr>
+        </p:nvSpPr>
+        <p:spPr>
+          <a:xfrm>
+            <a:off x="0" y="0"/>
+            <a:ext cx="12192000" cy="6858000"/>
+          </a:xfrm>
+          <a:prstGeom prst="rect">
+            <a:avLst/>
+          </a:prstGeom>
+          <a:ln w="12700" cap="flat" cmpd="sng" algn="ctr">
+            <a:noFill/>
+            <a:prstDash val="solid"/>
+            <a:miter lim="800000"/>
+          </a:ln>
+          <a:effectLst/>
+          <a:extLst>
+            <a:ext uri="{91240B29-F687-4F45-9708-019B960494DF}">
+              <a14:hiddenLine xmlns:a14="http://schemas.microsoft.com/office/drawing/2010/main" w="12700" cap="flat" cmpd="sng" algn="ctr">
+                <a:solidFill>
+                  <a:schemeClr val="accent1">
+                    <a:shade val="50000"/>
+                  </a:schemeClr>
+                </a:solidFill>
+                <a:prstDash val="solid"/>
+                <a:miter lim="800000"/>
+              </a14:hiddenLine>
+            </a:ext>
+          </a:extLst>
+        </p:spPr>
+        <p:style>
+          <a:lnRef idx="2">
+            <a:schemeClr val="accent1">
+              <a:shade val="50000"/>
+            </a:schemeClr>
+          </a:lnRef>
+          <a:fillRef idx="1">
+            <a:schemeClr val="accent1"/>
+          </a:fillRef>
+          <a:effectRef idx="0">
+            <a:schemeClr val="accent1"/>
+          </a:effectRef>
+          <a:fontRef idx="minor">
+            <a:schemeClr val="lt1"/>
+          </a:fontRef>
+        </p:style>
+        <p:txBody>
+          <a:bodyPr rtlCol="0" anchor="ctr"/>
+          <a:lstStyle/>
+          <a:p>
+            <a:pPr algn="ctr"/>
+            <a:endParaRPr lang="en-US"/>
+          </a:p>
+        </p:txBody>
+      </p:sp>
+      <p:sp>
+        <p:nvSpPr>
+          <p:cNvPr id="19" name="Rectangle 18">
+            <a:extLst>
+              <a:ext uri="{FF2B5EF4-FFF2-40B4-BE49-F238E27FC236}">
+                <a16:creationId xmlns:a16="http://schemas.microsoft.com/office/drawing/2014/main" id="{3B2E3793-BFE6-45A2-9B7B-E18844431C99}"/>
+              </a:ext>
+              <a:ext uri="{C183D7F6-B498-43B3-948B-1728B52AA6E4}">
+                <adec:decorative xmlns:adec="http://schemas.microsoft.com/office/drawing/2017/decorative" val="1"/>
+              </a:ext>
+            </a:extLst>
+          </p:cNvPr>
+          <p:cNvSpPr>
+            <a:spLocks noGrp="1" noRot="1" noChangeAspect="1" noMove="1" noResize="1" noEditPoints="1" noAdjustHandles="1" noChangeArrowheads="1" noChangeShapeType="1" noTextEdit="1"/>
+          </p:cNvSpPr>
+          <p:nvPr>
+            <p:extLst>
+              <p:ext uri="{386F3935-93C4-4BCD-93E2-E3B085C9AB24}">
+                <p16:designElem xmlns:p16="http://schemas.microsoft.com/office/powerpoint/2015/main" val="1"/>
+              </p:ext>
+            </p:extLst>
+          </p:nvPr>
+        </p:nvSpPr>
+        <p:spPr>
+          <a:xfrm flipH="1">
+            <a:off x="-1" y="-1"/>
+            <a:ext cx="12191998" cy="1590742"/>
+          </a:xfrm>
+          <a:prstGeom prst="rect">
+            <a:avLst/>
+          </a:prstGeom>
+          <a:gradFill>
+            <a:gsLst>
+              <a:gs pos="0">
+                <a:srgbClr val="000000"/>
+              </a:gs>
+              <a:gs pos="100000">
+                <a:schemeClr val="accent1">
+                  <a:lumMod val="75000"/>
+                </a:schemeClr>
+              </a:gs>
+            </a:gsLst>
+            <a:lin ang="8400000" scaled="0"/>
+          </a:gradFill>
+          <a:ln>
+            <a:noFill/>
+          </a:ln>
+        </p:spPr>
+        <p:style>
+          <a:lnRef idx="2">
+            <a:schemeClr val="accent1">
+              <a:shade val="50000"/>
+            </a:schemeClr>
+          </a:lnRef>
+          <a:fillRef idx="1">
+            <a:schemeClr val="accent1"/>
+          </a:fillRef>
+          <a:effectRef idx="0">
+            <a:schemeClr val="accent1"/>
+          </a:effectRef>
+          <a:fontRef idx="minor">
+            <a:schemeClr val="lt1"/>
+          </a:fontRef>
+        </p:style>
+        <p:txBody>
+          <a:bodyPr rtlCol="0" anchor="ctr"/>
+          <a:lstStyle/>
+          <a:p>
+            <a:pPr algn="ctr"/>
+            <a:endParaRPr lang="en-US"/>
+          </a:p>
+        </p:txBody>
+      </p:sp>
+      <p:sp>
+        <p:nvSpPr>
+          <p:cNvPr id="21" name="Rectangle 20">
+            <a:extLst>
+              <a:ext uri="{FF2B5EF4-FFF2-40B4-BE49-F238E27FC236}">
+                <a16:creationId xmlns:a16="http://schemas.microsoft.com/office/drawing/2014/main" id="{BC4C4868-CB8F-4AF9-9CDB-8108F2C19B67}"/>
+              </a:ext>
+              <a:ext uri="{C183D7F6-B498-43B3-948B-1728B52AA6E4}">
+                <adec:decorative xmlns:adec="http://schemas.microsoft.com/office/drawing/2017/decorative" val="1"/>
+              </a:ext>
+            </a:extLst>
+          </p:cNvPr>
+          <p:cNvSpPr>
+            <a:spLocks noGrp="1" noRot="1" noChangeAspect="1" noMove="1" noResize="1" noEditPoints="1" noAdjustHandles="1" noChangeArrowheads="1" noChangeShapeType="1" noTextEdit="1"/>
+          </p:cNvSpPr>
+          <p:nvPr>
+            <p:extLst>
+              <p:ext uri="{386F3935-93C4-4BCD-93E2-E3B085C9AB24}">
+                <p16:designElem xmlns:p16="http://schemas.microsoft.com/office/powerpoint/2015/main" val="1"/>
+              </p:ext>
+            </p:extLst>
+          </p:nvPr>
+        </p:nvSpPr>
+        <p:spPr>
+          <a:xfrm rot="10800000" flipH="1">
+            <a:off x="-3" y="0"/>
+            <a:ext cx="8115306" cy="1590742"/>
+          </a:xfrm>
+          <a:prstGeom prst="rect">
+            <a:avLst/>
+          </a:prstGeom>
+          <a:gradFill>
+            <a:gsLst>
+              <a:gs pos="20000">
+                <a:schemeClr val="accent1">
+                  <a:alpha val="0"/>
+                </a:schemeClr>
+              </a:gs>
+              <a:gs pos="100000">
+                <a:schemeClr val="accent1">
+                  <a:lumMod val="50000"/>
+                  <a:alpha val="55000"/>
+                </a:schemeClr>
+              </a:gs>
+            </a:gsLst>
+            <a:lin ang="13800000" scaled="0"/>
+          </a:gradFill>
+          <a:ln>
+            <a:noFill/>
+          </a:ln>
+        </p:spPr>
+        <p:style>
+          <a:lnRef idx="2">
+            <a:schemeClr val="accent1">
+              <a:shade val="50000"/>
+            </a:schemeClr>
+          </a:lnRef>
+          <a:fillRef idx="1">
+            <a:schemeClr val="accent1"/>
+          </a:fillRef>
+          <a:effectRef idx="0">
+            <a:schemeClr val="accent1"/>
+          </a:effectRef>
+          <a:fontRef idx="minor">
+            <a:schemeClr val="lt1"/>
+          </a:fontRef>
+        </p:style>
+        <p:txBody>
+          <a:bodyPr rtlCol="0" anchor="ctr"/>
+          <a:lstStyle/>
+          <a:p>
+            <a:pPr algn="ctr"/>
+            <a:endParaRPr lang="en-US"/>
+          </a:p>
+        </p:txBody>
+      </p:sp>
+      <p:sp>
+        <p:nvSpPr>
+          <p:cNvPr id="23" name="Rectangle 22">
+            <a:extLst>
+              <a:ext uri="{FF2B5EF4-FFF2-40B4-BE49-F238E27FC236}">
+                <a16:creationId xmlns:a16="http://schemas.microsoft.com/office/drawing/2014/main" id="{375E0459-6403-40CD-989D-56A4407CA12E}"/>
+              </a:ext>
+              <a:ext uri="{C183D7F6-B498-43B3-948B-1728B52AA6E4}">
+                <adec:decorative xmlns:adec="http://schemas.microsoft.com/office/drawing/2017/decorative" val="1"/>
+              </a:ext>
+            </a:extLst>
+          </p:cNvPr>
+          <p:cNvSpPr>
+            <a:spLocks noGrp="1" noRot="1" noChangeAspect="1" noMove="1" noResize="1" noEditPoints="1" noAdjustHandles="1" noChangeArrowheads="1" noChangeShapeType="1" noTextEdit="1"/>
+          </p:cNvSpPr>
+          <p:nvPr>
+            <p:extLst>
+              <p:ext uri="{386F3935-93C4-4BCD-93E2-E3B085C9AB24}">
+                <p16:designElem xmlns:p16="http://schemas.microsoft.com/office/powerpoint/2015/main" val="1"/>
+              </p:ext>
+            </p:extLst>
+          </p:nvPr>
+        </p:nvSpPr>
+        <p:spPr>
+          <a:xfrm flipH="1">
+            <a:off x="8115299" y="-1"/>
+            <a:ext cx="4076698" cy="1590742"/>
+          </a:xfrm>
+          <a:prstGeom prst="rect">
+            <a:avLst/>
+          </a:prstGeom>
+          <a:gradFill>
+            <a:gsLst>
+              <a:gs pos="0">
+                <a:schemeClr val="accent1">
+                  <a:alpha val="66000"/>
+                </a:schemeClr>
+              </a:gs>
+              <a:gs pos="100000">
+                <a:srgbClr val="000000">
+                  <a:alpha val="30000"/>
+                </a:srgbClr>
+              </a:gs>
+            </a:gsLst>
+            <a:lin ang="13200000" scaled="0"/>
+          </a:gradFill>
+          <a:ln>
+            <a:noFill/>
+          </a:ln>
+        </p:spPr>
+        <p:style>
+          <a:lnRef idx="2">
+            <a:schemeClr val="accent1">
+              <a:shade val="50000"/>
+            </a:schemeClr>
+          </a:lnRef>
+          <a:fillRef idx="1">
+            <a:schemeClr val="accent1"/>
+          </a:fillRef>
+          <a:effectRef idx="0">
+            <a:schemeClr val="accent1"/>
+          </a:effectRef>
+          <a:fontRef idx="minor">
+            <a:schemeClr val="lt1"/>
+          </a:fontRef>
+        </p:style>
+        <p:txBody>
+          <a:bodyPr rtlCol="0" anchor="ctr"/>
+          <a:lstStyle/>
+          <a:p>
+            <a:pPr algn="ctr"/>
+            <a:endParaRPr lang="en-US"/>
+          </a:p>
+        </p:txBody>
+      </p:sp>
+      <p:sp>
+        <p:nvSpPr>
+          <p:cNvPr id="25" name="Rectangle 24">
+            <a:extLst>
+              <a:ext uri="{FF2B5EF4-FFF2-40B4-BE49-F238E27FC236}">
+                <a16:creationId xmlns:a16="http://schemas.microsoft.com/office/drawing/2014/main" id="{53E5B1A8-3AC9-4BD1-9BBC-78CA94F2D1BA}"/>
+              </a:ext>
+              <a:ext uri="{C183D7F6-B498-43B3-948B-1728B52AA6E4}">
+                <adec:decorative xmlns:adec="http://schemas.microsoft.com/office/drawing/2017/decorative" val="1"/>
+              </a:ext>
+            </a:extLst>
+          </p:cNvPr>
+          <p:cNvSpPr>
+            <a:spLocks noGrp="1" noRot="1" noChangeAspect="1" noMove="1" noResize="1" noEditPoints="1" noAdjustHandles="1" noChangeArrowheads="1" noChangeShapeType="1" noTextEdit="1"/>
+          </p:cNvSpPr>
+          <p:nvPr>
+            <p:extLst>
+              <p:ext uri="{386F3935-93C4-4BCD-93E2-E3B085C9AB24}">
+                <p16:designElem xmlns:p16="http://schemas.microsoft.com/office/powerpoint/2015/main" val="1"/>
+              </p:ext>
+            </p:extLst>
+          </p:nvPr>
+        </p:nvSpPr>
+        <p:spPr>
+          <a:xfrm>
+            <a:off x="459350" y="-1"/>
+            <a:ext cx="11732646" cy="1597433"/>
+          </a:xfrm>
+          <a:prstGeom prst="rect">
+            <a:avLst/>
+          </a:prstGeom>
+          <a:gradFill>
+            <a:gsLst>
+              <a:gs pos="50000">
+                <a:srgbClr val="000000">
+                  <a:alpha val="0"/>
+                </a:srgbClr>
+              </a:gs>
+              <a:gs pos="99000">
+                <a:schemeClr val="accent1">
+                  <a:lumMod val="50000"/>
+                  <a:alpha val="52000"/>
+                </a:schemeClr>
+              </a:gs>
+            </a:gsLst>
+            <a:lin ang="16800000" scaled="0"/>
+          </a:gradFill>
+          <a:ln>
+            <a:noFill/>
+          </a:ln>
+        </p:spPr>
+        <p:style>
+          <a:lnRef idx="2">
+            <a:schemeClr val="accent1">
+              <a:shade val="50000"/>
+            </a:schemeClr>
+          </a:lnRef>
+          <a:fillRef idx="1">
+            <a:schemeClr val="accent1"/>
+          </a:fillRef>
+          <a:effectRef idx="0">
+            <a:schemeClr val="accent1"/>
+          </a:effectRef>
+          <a:fontRef idx="minor">
+            <a:schemeClr val="lt1"/>
+          </a:fontRef>
+        </p:style>
+        <p:txBody>
+          <a:bodyPr rtlCol="0" anchor="ctr"/>
+          <a:lstStyle/>
+          <a:p>
+            <a:pPr algn="ctr"/>
+            <a:endParaRPr lang="en-US"/>
+          </a:p>
+        </p:txBody>
+      </p:sp>
+      <p:sp>
+        <p:nvSpPr>
+          <p:cNvPr id="2" name="Título 1">
+            <a:extLst>
+              <a:ext uri="{FF2B5EF4-FFF2-40B4-BE49-F238E27FC236}">
+                <a16:creationId xmlns:a16="http://schemas.microsoft.com/office/drawing/2014/main" id="{DA02615E-08B2-ABEB-5133-31E3454C467D}"/>
+              </a:ext>
+            </a:extLst>
+          </p:cNvPr>
+          <p:cNvSpPr>
+            <a:spLocks noGrp="1"/>
+          </p:cNvSpPr>
+          <p:nvPr>
+            <p:ph type="title"/>
+          </p:nvPr>
+        </p:nvSpPr>
+        <p:spPr>
+          <a:xfrm>
+            <a:off x="1371599" y="294538"/>
+            <a:ext cx="9895951" cy="1033669"/>
+          </a:xfrm>
+        </p:spPr>
+        <p:txBody>
+          <a:bodyPr>
+            <a:normAutofit/>
+          </a:bodyPr>
+          <a:lstStyle/>
+          <a:p>
+            <a:endParaRPr lang="es-SV" sz="4000">
+              <a:solidFill>
+                <a:srgbClr val="FFFFFF"/>
+              </a:solidFill>
+            </a:endParaRPr>
+          </a:p>
+        </p:txBody>
+      </p:sp>
+      <p:sp>
+        <p:nvSpPr>
+          <p:cNvPr id="3" name="Marcador de contenido 2">
+            <a:extLst>
+              <a:ext uri="{FF2B5EF4-FFF2-40B4-BE49-F238E27FC236}">
+                <a16:creationId xmlns:a16="http://schemas.microsoft.com/office/drawing/2014/main" id="{1B98CF61-74DC-A894-3034-738143093286}"/>
+              </a:ext>
+            </a:extLst>
+          </p:cNvPr>
+          <p:cNvSpPr>
+            <a:spLocks noGrp="1"/>
+          </p:cNvSpPr>
+          <p:nvPr>
+            <p:ph idx="1"/>
+          </p:nvPr>
+        </p:nvSpPr>
+        <p:spPr>
+          <a:xfrm>
+            <a:off x="1371599" y="2318197"/>
+            <a:ext cx="9724031" cy="3683358"/>
+          </a:xfrm>
+        </p:spPr>
+        <p:txBody>
+          <a:bodyPr anchor="ctr">
+            <a:normAutofit/>
+          </a:bodyPr>
+          <a:lstStyle/>
+          <a:p>
+            <a:r>
+              <a:rPr lang="es-ES" sz="2000" b="1" i="0">
+                <a:effectLst/>
+                <a:highlight>
+                  <a:srgbClr val="F3F3F3"/>
+                </a:highlight>
+                <a:latin typeface="-apple-system"/>
+              </a:rPr>
+              <a:t>Diapositiva 2</a:t>
+            </a:r>
+            <a:r>
+              <a:rPr lang="es-ES" sz="2000" b="0" i="0">
+                <a:effectLst/>
+                <a:highlight>
+                  <a:srgbClr val="F3F3F3"/>
+                </a:highlight>
+                <a:latin typeface="-apple-system"/>
+              </a:rPr>
+              <a:t>: Lista de las secciones principales de la presentación.</a:t>
+            </a:r>
+          </a:p>
+          <a:p>
+            <a:endParaRPr lang="es-SV" sz="2000"/>
+          </a:p>
+        </p:txBody>
+      </p:sp>
+    </p:spTree>
+    <p:extLst>
+      <p:ext uri="{BB962C8B-B14F-4D97-AF65-F5344CB8AC3E}">
+        <p14:creationId xmlns:p14="http://schemas.microsoft.com/office/powerpoint/2010/main" val="3814339352"/>
       </p:ext>
     </p:extLst>
   </p:cSld>
@@ -4056,10 +6689,10 @@
       </p:grpSpPr>
       <p:sp useBgFill="1">
         <p:nvSpPr>
-          <p:cNvPr id="1057" name="Rectangle 1056">
-            <a:extLst>
-              <a:ext uri="{FF2B5EF4-FFF2-40B4-BE49-F238E27FC236}">
-                <a16:creationId xmlns:a16="http://schemas.microsoft.com/office/drawing/2014/main" id="{12609869-9E80-471B-A487-A53288E0E791}"/>
+          <p:cNvPr id="8" name="Rectangle 7">
+            <a:extLst>
+              <a:ext uri="{FF2B5EF4-FFF2-40B4-BE49-F238E27FC236}">
+                <a16:creationId xmlns:a16="http://schemas.microsoft.com/office/drawing/2014/main" id="{1B15ED52-F352-441B-82BF-E0EA34836D08}"/>
               </a:ext>
               <a:ext uri="{C183D7F6-B498-43B3-948B-1728B52AA6E4}">
                 <adec:decorative xmlns:adec="http://schemas.microsoft.com/office/drawing/2017/decorative" val="1"/>
@@ -4132,188 +6765,10 @@
       </p:sp>
       <p:sp>
         <p:nvSpPr>
-          <p:cNvPr id="2" name="Título 1">
-            <a:extLst>
-              <a:ext uri="{FF2B5EF4-FFF2-40B4-BE49-F238E27FC236}">
-                <a16:creationId xmlns:a16="http://schemas.microsoft.com/office/drawing/2014/main" id="{34725990-60F7-2B66-FD68-AF04B65D3D31}"/>
-              </a:ext>
-            </a:extLst>
-          </p:cNvPr>
-          <p:cNvSpPr>
-            <a:spLocks noGrp="1"/>
-          </p:cNvSpPr>
-          <p:nvPr>
-            <p:ph type="title"/>
-          </p:nvPr>
-        </p:nvSpPr>
-        <p:spPr>
-          <a:xfrm>
-            <a:off x="230005" y="164554"/>
-            <a:ext cx="7629916" cy="721146"/>
-          </a:xfrm>
-          <a:solidFill>
-            <a:schemeClr val="accent4">
-              <a:lumMod val="20000"/>
-              <a:lumOff val="80000"/>
-            </a:schemeClr>
-          </a:solidFill>
-        </p:spPr>
-        <p:txBody>
-          <a:bodyPr anchor="b">
-            <a:normAutofit/>
-          </a:bodyPr>
-          <a:lstStyle/>
-          <a:p>
-            <a:r>
-              <a:rPr lang="es-SV" sz="4000" b="1" dirty="0"/>
-              <a:t>IDENTIFICACIÓN DEL PROBLEMA</a:t>
-            </a:r>
-          </a:p>
-        </p:txBody>
-      </p:sp>
-      <p:sp>
-        <p:nvSpPr>
-          <p:cNvPr id="3" name="Marcador de contenido 2">
-            <a:extLst>
-              <a:ext uri="{FF2B5EF4-FFF2-40B4-BE49-F238E27FC236}">
-                <a16:creationId xmlns:a16="http://schemas.microsoft.com/office/drawing/2014/main" id="{FDAB4848-4ADF-DC20-0481-9FD7BEB22796}"/>
-              </a:ext>
-            </a:extLst>
-          </p:cNvPr>
-          <p:cNvSpPr>
-            <a:spLocks noGrp="1"/>
-          </p:cNvSpPr>
-          <p:nvPr>
-            <p:ph idx="1"/>
-          </p:nvPr>
-        </p:nvSpPr>
-        <p:spPr>
-          <a:xfrm>
-            <a:off x="230005" y="1050254"/>
-            <a:ext cx="7629916" cy="5569207"/>
-          </a:xfrm>
-        </p:spPr>
-        <p:txBody>
-          <a:bodyPr anchor="t">
-            <a:normAutofit lnSpcReduction="10000"/>
-          </a:bodyPr>
-          <a:lstStyle/>
-          <a:p>
-            <a:pPr marR="0" rtl="0"/>
-            <a:r>
-              <a:rPr lang="es-ES" b="0" i="0" u="none" strike="noStrike" baseline="30000" dirty="0">
-                <a:latin typeface="Times New Roman" panose="02020603050405020304" pitchFamily="18" charset="0"/>
-              </a:rPr>
-              <a:t>En El Salvador, existe un porcentaje de pacientes hipertensos,  que se debe tomar en consideración, puesto que conocemos que es un factor que induce a otras dolencias que pueden dar como resultado, la muerte del paciente o en todo caso, calidad de vida, deficiente.</a:t>
-            </a:r>
-          </a:p>
-          <a:p>
-            <a:pPr marR="0" rtl="0"/>
-            <a:r>
-              <a:rPr lang="es-ES" b="0" i="0" u="none" strike="noStrike" baseline="30000" dirty="0">
-                <a:latin typeface="Times New Roman" panose="02020603050405020304" pitchFamily="18" charset="0"/>
-              </a:rPr>
-              <a:t>Se conoce, que el medico toma como referencia para el tratamiento del paciente, su historial de  valores de tensión, así como el ultimo valor obtenido.</a:t>
-            </a:r>
-          </a:p>
-          <a:p>
-            <a:pPr marR="0" rtl="0"/>
-            <a:r>
-              <a:rPr lang="es-ES" b="0" i="0" u="none" strike="noStrike" baseline="30000" dirty="0">
-                <a:latin typeface="Times New Roman" panose="02020603050405020304" pitchFamily="18" charset="0"/>
-              </a:rPr>
-              <a:t>El histórico más el ultimo valor obtenido, son útiles al médico, </a:t>
-            </a:r>
-            <a:r>
-              <a:rPr lang="es-ES" b="0" i="0" u="none" strike="noStrike" baseline="30000" dirty="0" err="1">
-                <a:latin typeface="Times New Roman" panose="02020603050405020304" pitchFamily="18" charset="0"/>
-              </a:rPr>
-              <a:t>unicamente</a:t>
-            </a:r>
-            <a:r>
-              <a:rPr lang="es-ES" b="0" i="0" u="none" strike="noStrike" baseline="30000" dirty="0">
-                <a:latin typeface="Times New Roman" panose="02020603050405020304" pitchFamily="18" charset="0"/>
-              </a:rPr>
-              <a:t> para conocer la situación actual en consecuencia planificar un tratamiento, para dar respuesta a la situación.</a:t>
-            </a:r>
-          </a:p>
-          <a:p>
-            <a:pPr marR="0" rtl="0"/>
-            <a:r>
-              <a:rPr lang="es-ES" b="0" i="0" u="none" strike="noStrike" baseline="30000" dirty="0">
-                <a:latin typeface="Times New Roman" panose="02020603050405020304" pitchFamily="18" charset="0"/>
-              </a:rPr>
-              <a:t>No es posible para el medico conocer valores futuros; que sería de suma importancia, puesto que su plan de tratamiento cambiara radicalmente si conoce estos valores.</a:t>
-            </a:r>
-          </a:p>
-          <a:p>
-            <a:pPr marR="0" rtl="0"/>
-            <a:r>
-              <a:rPr lang="es-ES" b="0" i="0" u="none" strike="noStrike" baseline="30000" dirty="0">
-                <a:latin typeface="Times New Roman" panose="02020603050405020304" pitchFamily="18" charset="0"/>
-              </a:rPr>
-              <a:t>Para el médico, es imposible predecir valores futuros por diversos factores.</a:t>
-            </a:r>
-          </a:p>
-          <a:p>
-            <a:pPr marR="0" lvl="1" rtl="0"/>
-            <a:r>
-              <a:rPr lang="es-ES" sz="2800" b="0" i="0" u="none" strike="noStrike" baseline="30000" dirty="0">
-                <a:latin typeface="Times New Roman" panose="02020603050405020304" pitchFamily="18" charset="0"/>
-              </a:rPr>
-              <a:t>No posee el conocimiento para predecir valores futuros.</a:t>
-            </a:r>
-          </a:p>
-          <a:p>
-            <a:pPr marR="0" lvl="1" rtl="0"/>
-            <a:r>
-              <a:rPr lang="es-ES" sz="2800" b="0" i="0" u="none" strike="noStrike" baseline="30000" dirty="0">
-                <a:latin typeface="Times New Roman" panose="02020603050405020304" pitchFamily="18" charset="0"/>
-              </a:rPr>
-              <a:t>El comportamiento de los pacientes es impredecible.</a:t>
-            </a:r>
-          </a:p>
-          <a:p>
-            <a:pPr marR="0" lvl="1" rtl="0"/>
-            <a:r>
-              <a:rPr lang="es-ES" sz="2800" b="0" i="0" u="none" strike="noStrike" baseline="30000" dirty="0">
-                <a:latin typeface="Times New Roman" panose="02020603050405020304" pitchFamily="18" charset="0"/>
-              </a:rPr>
-              <a:t>Los pacientes tienden a ocultar información.</a:t>
-            </a:r>
-          </a:p>
-          <a:p>
-            <a:pPr marR="0" lvl="1" rtl="0"/>
-            <a:r>
-              <a:rPr lang="es-ES" sz="2800" b="0" i="0" u="none" strike="noStrike" baseline="30000" dirty="0">
-                <a:latin typeface="Times New Roman" panose="02020603050405020304" pitchFamily="18" charset="0"/>
-              </a:rPr>
-              <a:t>Los valores también dependen de factores externos al paciente.</a:t>
-            </a:r>
-          </a:p>
-          <a:p>
-            <a:pPr marR="0" lvl="1" rtl="0"/>
-            <a:r>
-              <a:rPr lang="es-ES" sz="2800" b="0" i="0" u="none" strike="noStrike" baseline="30000" dirty="0">
-                <a:latin typeface="Times New Roman" panose="02020603050405020304" pitchFamily="18" charset="0"/>
-              </a:rPr>
-              <a:t>La tendencia de valores no es predecible a simple vista.</a:t>
-            </a:r>
-          </a:p>
-          <a:p>
-            <a:pPr marL="0" indent="0">
-              <a:buNone/>
-            </a:pPr>
-            <a:endParaRPr lang="es-SV" dirty="0"/>
-          </a:p>
-        </p:txBody>
-      </p:sp>
-      <p:sp>
-        <p:nvSpPr>
-          <p:cNvPr id="1059" name="Rectangle 1058">
-            <a:extLst>
-              <a:ext uri="{FF2B5EF4-FFF2-40B4-BE49-F238E27FC236}">
-                <a16:creationId xmlns:a16="http://schemas.microsoft.com/office/drawing/2014/main" id="{7004738A-9D34-43E8-97D2-CA0EED4F8BE0}"/>
+          <p:cNvPr id="10" name="Rectangle 9">
+            <a:extLst>
+              <a:ext uri="{FF2B5EF4-FFF2-40B4-BE49-F238E27FC236}">
+                <a16:creationId xmlns:a16="http://schemas.microsoft.com/office/drawing/2014/main" id="{3B2E3793-BFE6-45A2-9B7B-E18844431C99}"/>
               </a:ext>
               <a:ext uri="{C183D7F6-B498-43B3-948B-1728B52AA6E4}">
                 <adec:decorative xmlns:adec="http://schemas.microsoft.com/office/drawing/2017/decorative" val="1"/>
@@ -4332,25 +6787,25 @@
           </p:nvPr>
         </p:nvSpPr>
         <p:spPr>
-          <a:xfrm rot="10800000" flipH="1">
-            <a:off x="8123333" y="-5"/>
-            <a:ext cx="4092521" cy="6858000"/>
+          <a:xfrm flipH="1">
+            <a:off x="-1" y="-1"/>
+            <a:ext cx="12191998" cy="1590742"/>
           </a:xfrm>
           <a:prstGeom prst="rect">
             <a:avLst/>
           </a:prstGeom>
           <a:gradFill>
             <a:gsLst>
-              <a:gs pos="8000">
-                <a:srgbClr val="000000">
-                  <a:alpha val="94000"/>
-                </a:srgbClr>
+              <a:gs pos="0">
+                <a:srgbClr val="000000"/>
               </a:gs>
               <a:gs pos="100000">
-                <a:schemeClr val="accent1"/>
+                <a:schemeClr val="accent1">
+                  <a:lumMod val="75000"/>
+                </a:schemeClr>
               </a:gs>
             </a:gsLst>
-            <a:lin ang="2400000" scaled="0"/>
+            <a:lin ang="8400000" scaled="0"/>
           </a:gradFill>
           <a:ln>
             <a:noFill/>
@@ -4383,10 +6838,10 @@
       </p:sp>
       <p:sp>
         <p:nvSpPr>
-          <p:cNvPr id="1061" name="Rectangle 1060">
-            <a:extLst>
-              <a:ext uri="{FF2B5EF4-FFF2-40B4-BE49-F238E27FC236}">
-                <a16:creationId xmlns:a16="http://schemas.microsoft.com/office/drawing/2014/main" id="{B8B8D07F-F13E-443E-BA68-2D26672D76B9}"/>
+          <p:cNvPr id="12" name="Rectangle 11">
+            <a:extLst>
+              <a:ext uri="{FF2B5EF4-FFF2-40B4-BE49-F238E27FC236}">
+                <a16:creationId xmlns:a16="http://schemas.microsoft.com/office/drawing/2014/main" id="{BC4C4868-CB8F-4AF9-9CDB-8108F2C19B67}"/>
               </a:ext>
               <a:ext uri="{C183D7F6-B498-43B3-948B-1728B52AA6E4}">
                 <adec:decorative xmlns:adec="http://schemas.microsoft.com/office/drawing/2017/decorative" val="1"/>
@@ -4406,28 +6861,27 @@
         </p:nvSpPr>
         <p:spPr>
           <a:xfrm rot="10800000" flipH="1">
-            <a:off x="8123333" y="-2"/>
-            <a:ext cx="4092521" cy="6400369"/>
+            <a:off x="-3" y="0"/>
+            <a:ext cx="8115306" cy="1590742"/>
           </a:xfrm>
           <a:prstGeom prst="rect">
             <a:avLst/>
           </a:prstGeom>
           <a:gradFill>
             <a:gsLst>
-              <a:gs pos="31000">
+              <a:gs pos="20000">
                 <a:schemeClr val="accent1">
-                  <a:lumMod val="50000"/>
                   <a:alpha val="0"/>
                 </a:schemeClr>
               </a:gs>
               <a:gs pos="100000">
                 <a:schemeClr val="accent1">
                   <a:lumMod val="50000"/>
-                  <a:alpha val="26000"/>
+                  <a:alpha val="55000"/>
                 </a:schemeClr>
               </a:gs>
             </a:gsLst>
-            <a:lin ang="18000000" scaled="0"/>
+            <a:lin ang="13800000" scaled="0"/>
           </a:gradFill>
           <a:ln>
             <a:noFill/>
@@ -4454,16 +6908,16 @@
           <a:lstStyle/>
           <a:p>
             <a:pPr algn="ctr"/>
-            <a:endParaRPr lang="en-US" dirty="0"/>
-          </a:p>
-        </p:txBody>
-      </p:sp>
-      <p:sp>
-        <p:nvSpPr>
-          <p:cNvPr id="1063" name="Rectangle 1062">
-            <a:extLst>
-              <a:ext uri="{FF2B5EF4-FFF2-40B4-BE49-F238E27FC236}">
-                <a16:creationId xmlns:a16="http://schemas.microsoft.com/office/drawing/2014/main" id="{2813A4FA-24A5-41ED-A534-3807D1B2F344}"/>
+            <a:endParaRPr lang="en-US"/>
+          </a:p>
+        </p:txBody>
+      </p:sp>
+      <p:sp>
+        <p:nvSpPr>
+          <p:cNvPr id="14" name="Rectangle 13">
+            <a:extLst>
+              <a:ext uri="{FF2B5EF4-FFF2-40B4-BE49-F238E27FC236}">
+                <a16:creationId xmlns:a16="http://schemas.microsoft.com/office/drawing/2014/main" id="{375E0459-6403-40CD-989D-56A4407CA12E}"/>
               </a:ext>
               <a:ext uri="{C183D7F6-B498-43B3-948B-1728B52AA6E4}">
                 <adec:decorative xmlns:adec="http://schemas.microsoft.com/office/drawing/2017/decorative" val="1"/>
@@ -4482,9 +6936,9 @@
           </p:nvPr>
         </p:nvSpPr>
         <p:spPr>
-          <a:xfrm rot="10800000" flipH="1">
-            <a:off x="8123333" y="-22"/>
-            <a:ext cx="4068667" cy="6400389"/>
+          <a:xfrm flipH="1">
+            <a:off x="8115299" y="-1"/>
+            <a:ext cx="4076698" cy="1590742"/>
           </a:xfrm>
           <a:prstGeom prst="rect">
             <a:avLst/>
@@ -4493,16 +6947,16 @@
             <a:gsLst>
               <a:gs pos="0">
                 <a:schemeClr val="accent1">
-                  <a:alpha val="0"/>
+                  <a:alpha val="66000"/>
                 </a:schemeClr>
               </a:gs>
-              <a:gs pos="72000">
+              <a:gs pos="100000">
                 <a:srgbClr val="000000">
-                  <a:alpha val="21000"/>
+                  <a:alpha val="30000"/>
                 </a:srgbClr>
               </a:gs>
             </a:gsLst>
-            <a:lin ang="3000000" scaled="0"/>
+            <a:lin ang="13200000" scaled="0"/>
           </a:gradFill>
           <a:ln>
             <a:noFill/>
@@ -4529,16 +6983,16 @@
           <a:lstStyle/>
           <a:p>
             <a:pPr algn="ctr"/>
-            <a:endParaRPr lang="en-US" dirty="0"/>
-          </a:p>
-        </p:txBody>
-      </p:sp>
-      <p:sp>
-        <p:nvSpPr>
-          <p:cNvPr id="1065" name="Rectangle 1064">
-            <a:extLst>
-              <a:ext uri="{FF2B5EF4-FFF2-40B4-BE49-F238E27FC236}">
-                <a16:creationId xmlns:a16="http://schemas.microsoft.com/office/drawing/2014/main" id="{C3944F27-CA70-4E84-A51A-E6BF89558979}"/>
+            <a:endParaRPr lang="en-US"/>
+          </a:p>
+        </p:txBody>
+      </p:sp>
+      <p:sp>
+        <p:nvSpPr>
+          <p:cNvPr id="16" name="Rectangle 15">
+            <a:extLst>
+              <a:ext uri="{FF2B5EF4-FFF2-40B4-BE49-F238E27FC236}">
+                <a16:creationId xmlns:a16="http://schemas.microsoft.com/office/drawing/2014/main" id="{53E5B1A8-3AC9-4BD1-9BBC-78CA94F2D1BA}"/>
               </a:ext>
               <a:ext uri="{C183D7F6-B498-43B3-948B-1728B52AA6E4}">
                 <adec:decorative xmlns:adec="http://schemas.microsoft.com/office/drawing/2017/decorative" val="1"/>
@@ -4557,27 +7011,28 @@
           </p:nvPr>
         </p:nvSpPr>
         <p:spPr>
-          <a:xfrm rot="10800000" flipH="1">
-            <a:off x="8123333" y="-10"/>
-            <a:ext cx="3611467" cy="6857997"/>
+          <a:xfrm>
+            <a:off x="459350" y="-1"/>
+            <a:ext cx="11732646" cy="1597433"/>
           </a:xfrm>
           <a:prstGeom prst="rect">
             <a:avLst/>
           </a:prstGeom>
           <a:gradFill>
             <a:gsLst>
-              <a:gs pos="0">
+              <a:gs pos="50000">
+                <a:srgbClr val="000000">
+                  <a:alpha val="0"/>
+                </a:srgbClr>
+              </a:gs>
+              <a:gs pos="99000">
                 <a:schemeClr val="accent1">
-                  <a:alpha val="0"/>
+                  <a:lumMod val="50000"/>
+                  <a:alpha val="52000"/>
                 </a:schemeClr>
               </a:gs>
-              <a:gs pos="93000">
-                <a:srgbClr val="000000">
-                  <a:alpha val="29000"/>
-                </a:srgbClr>
-              </a:gs>
             </a:gsLst>
-            <a:lin ang="5400000" scaled="0"/>
+            <a:lin ang="16800000" scaled="0"/>
           </a:gradFill>
           <a:ln>
             <a:noFill/>
@@ -4604,59 +7059,124 @@
           <a:lstStyle/>
           <a:p>
             <a:pPr algn="ctr"/>
-            <a:endParaRPr lang="en-US" dirty="0"/>
-          </a:p>
-        </p:txBody>
-      </p:sp>
-      <p:pic>
-        <p:nvPicPr>
-          <p:cNvPr id="1026" name="Picture 2" descr="La Hipertensión Arterial (HTA) un factor de riesgo para la salud">
-            <a:extLst>
-              <a:ext uri="{FF2B5EF4-FFF2-40B4-BE49-F238E27FC236}">
-                <a16:creationId xmlns:a16="http://schemas.microsoft.com/office/drawing/2014/main" id="{CBBE1DFD-F990-B274-7CD1-A9522EB477ED}"/>
-              </a:ext>
-            </a:extLst>
-          </p:cNvPr>
-          <p:cNvPicPr>
-            <a:picLocks noChangeAspect="1" noChangeArrowheads="1"/>
-          </p:cNvPicPr>
-          <p:nvPr/>
-        </p:nvPicPr>
-        <p:blipFill>
-          <a:blip r:embed="rId2">
-            <a:extLst>
-              <a:ext uri="{28A0092B-C50C-407E-A947-70E740481C1C}">
-                <a14:useLocalDpi xmlns:a14="http://schemas.microsoft.com/office/drawing/2010/main" val="0"/>
-              </a:ext>
-            </a:extLst>
-          </a:blip>
-          <a:srcRect l="16417" r="9559"/>
-          <a:stretch/>
-        </p:blipFill>
-        <p:spPr bwMode="auto">
+            <a:endParaRPr lang="en-US"/>
+          </a:p>
+        </p:txBody>
+      </p:sp>
+      <p:sp>
+        <p:nvSpPr>
+          <p:cNvPr id="2" name="Título 1">
+            <a:extLst>
+              <a:ext uri="{FF2B5EF4-FFF2-40B4-BE49-F238E27FC236}">
+                <a16:creationId xmlns:a16="http://schemas.microsoft.com/office/drawing/2014/main" id="{6737593B-8D39-31AF-485E-23BE8144E29E}"/>
+              </a:ext>
+            </a:extLst>
+          </p:cNvPr>
+          <p:cNvSpPr>
+            <a:spLocks noGrp="1"/>
+          </p:cNvSpPr>
+          <p:nvPr>
+            <p:ph type="title"/>
+          </p:nvPr>
+        </p:nvSpPr>
+        <p:spPr>
           <a:xfrm>
-            <a:off x="8084328" y="2560549"/>
-            <a:ext cx="4170530" cy="2957862"/>
+            <a:off x="1371599" y="294538"/>
+            <a:ext cx="9895951" cy="1033669"/>
           </a:xfrm>
-          <a:prstGeom prst="rect">
-            <a:avLst/>
-          </a:prstGeom>
-          <a:noFill/>
-          <a:extLst>
-            <a:ext uri="{909E8E84-426E-40DD-AFC4-6F175D3DCCD1}">
-              <a14:hiddenFill xmlns:a14="http://schemas.microsoft.com/office/drawing/2010/main">
-                <a:solidFill>
-                  <a:srgbClr val="FFFFFF"/>
-                </a:solidFill>
-              </a14:hiddenFill>
-            </a:ext>
-          </a:extLst>
         </p:spPr>
-      </p:pic>
+        <p:txBody>
+          <a:bodyPr>
+            <a:normAutofit/>
+          </a:bodyPr>
+          <a:lstStyle/>
+          <a:p>
+            <a:endParaRPr lang="es-SV" sz="4000">
+              <a:solidFill>
+                <a:srgbClr val="FFFFFF"/>
+              </a:solidFill>
+            </a:endParaRPr>
+          </a:p>
+        </p:txBody>
+      </p:sp>
+      <p:sp>
+        <p:nvSpPr>
+          <p:cNvPr id="3" name="Marcador de contenido 2">
+            <a:extLst>
+              <a:ext uri="{FF2B5EF4-FFF2-40B4-BE49-F238E27FC236}">
+                <a16:creationId xmlns:a16="http://schemas.microsoft.com/office/drawing/2014/main" id="{36FC1464-FA83-0BCD-A8CA-CC0E8E54F4FF}"/>
+              </a:ext>
+            </a:extLst>
+          </p:cNvPr>
+          <p:cNvSpPr>
+            <a:spLocks noGrp="1"/>
+          </p:cNvSpPr>
+          <p:nvPr>
+            <p:ph idx="1"/>
+          </p:nvPr>
+        </p:nvSpPr>
+        <p:spPr>
+          <a:xfrm>
+            <a:off x="1371599" y="2318197"/>
+            <a:ext cx="9724031" cy="3683358"/>
+          </a:xfrm>
+        </p:spPr>
+        <p:txBody>
+          <a:bodyPr anchor="ctr">
+            <a:normAutofit/>
+          </a:bodyPr>
+          <a:lstStyle/>
+          <a:p>
+            <a:pPr>
+              <a:buFont typeface="+mj-lt"/>
+              <a:buAutoNum type="arabicPeriod"/>
+            </a:pPr>
+            <a:endParaRPr lang="es-ES" sz="2000" b="0" i="0">
+              <a:effectLst/>
+              <a:highlight>
+                <a:srgbClr val="F3F3F3"/>
+              </a:highlight>
+              <a:latin typeface="-apple-system"/>
+            </a:endParaRPr>
+          </a:p>
+          <a:p>
+            <a:pPr marL="742950" lvl="1" indent="-285750">
+              <a:buFont typeface="+mj-lt"/>
+              <a:buAutoNum type="arabicPeriod"/>
+            </a:pPr>
+            <a:r>
+              <a:rPr lang="es-ES" sz="2000" b="1" i="0">
+                <a:effectLst/>
+                <a:highlight>
+                  <a:srgbClr val="F3F3F3"/>
+                </a:highlight>
+                <a:latin typeface="-apple-system"/>
+              </a:rPr>
+              <a:t>Diapositiva 3</a:t>
+            </a:r>
+            <a:r>
+              <a:rPr lang="es-ES" sz="2000" b="0" i="0">
+                <a:effectLst/>
+                <a:highlight>
+                  <a:srgbClr val="F3F3F3"/>
+                </a:highlight>
+                <a:latin typeface="-apple-system"/>
+              </a:rPr>
+              <a:t>: Breve introducción al tema del proyecto.</a:t>
+            </a:r>
+          </a:p>
+          <a:p>
+            <a:br>
+              <a:rPr lang="es-ES" sz="2000"/>
+            </a:br>
+            <a:endParaRPr lang="es-SV" sz="2000"/>
+          </a:p>
+        </p:txBody>
+      </p:sp>
     </p:spTree>
     <p:extLst>
       <p:ext uri="{BB962C8B-B14F-4D97-AF65-F5344CB8AC3E}">
-        <p14:creationId xmlns:p14="http://schemas.microsoft.com/office/powerpoint/2010/main" val="3489505843"/>
+        <p14:creationId xmlns:p14="http://schemas.microsoft.com/office/powerpoint/2010/main" val="3597631249"/>
       </p:ext>
     </p:extLst>
   </p:cSld>
@@ -4691,107 +7211,21 @@
           <a:chExt cx="0" cy="0"/>
         </a:xfrm>
       </p:grpSpPr>
-      <p:sp>
-        <p:nvSpPr>
-          <p:cNvPr id="2" name="Título 1">
-            <a:extLst>
-              <a:ext uri="{FF2B5EF4-FFF2-40B4-BE49-F238E27FC236}">
-                <a16:creationId xmlns:a16="http://schemas.microsoft.com/office/drawing/2014/main" id="{007CB46B-0102-753A-9B2A-B3FAE57EC93F}"/>
-              </a:ext>
-            </a:extLst>
-          </p:cNvPr>
-          <p:cNvSpPr>
-            <a:spLocks noGrp="1"/>
-          </p:cNvSpPr>
-          <p:nvPr>
-            <p:ph type="title"/>
-          </p:nvPr>
-        </p:nvSpPr>
-        <p:spPr>
-          <a:xfrm>
-            <a:off x="6297104" y="278324"/>
-            <a:ext cx="5679548" cy="598368"/>
-          </a:xfrm>
-          <a:solidFill>
-            <a:schemeClr val="accent4">
-              <a:lumMod val="20000"/>
-              <a:lumOff val="80000"/>
-            </a:schemeClr>
-          </a:solidFill>
-        </p:spPr>
-        <p:txBody>
-          <a:bodyPr anchor="b">
-            <a:normAutofit/>
-          </a:bodyPr>
-          <a:lstStyle/>
-          <a:p>
-            <a:r>
-              <a:rPr lang="es-SV" sz="3200" b="1" dirty="0"/>
-              <a:t>OBJETIVOS</a:t>
-            </a:r>
-          </a:p>
-        </p:txBody>
-      </p:sp>
-      <p:pic>
-        <p:nvPicPr>
-          <p:cNvPr id="3076" name="Picture 4" descr="Hipertensión: cinco alimentos que no debe comer">
-            <a:extLst>
-              <a:ext uri="{FF2B5EF4-FFF2-40B4-BE49-F238E27FC236}">
-                <a16:creationId xmlns:a16="http://schemas.microsoft.com/office/drawing/2014/main" id="{55AFB10B-082E-F02E-054C-16A81A49714E}"/>
-              </a:ext>
-            </a:extLst>
-          </p:cNvPr>
-          <p:cNvPicPr>
-            <a:picLocks noChangeAspect="1" noChangeArrowheads="1"/>
-          </p:cNvPicPr>
-          <p:nvPr/>
-        </p:nvPicPr>
-        <p:blipFill>
-          <a:blip r:embed="rId2">
-            <a:extLst>
-              <a:ext uri="{28A0092B-C50C-407E-A947-70E740481C1C}">
-                <a14:useLocalDpi xmlns:a14="http://schemas.microsoft.com/office/drawing/2010/main" val="0"/>
-              </a:ext>
-            </a:extLst>
-          </a:blip>
-          <a:srcRect l="27861" r="27695"/>
-          <a:stretch/>
-        </p:blipFill>
-        <p:spPr bwMode="auto">
-          <a:xfrm>
-            <a:off x="20" y="10"/>
-            <a:ext cx="6095980" cy="6857990"/>
-          </a:xfrm>
-          <a:prstGeom prst="rect">
-            <a:avLst/>
-          </a:prstGeom>
-          <a:noFill/>
-          <a:extLst>
-            <a:ext uri="{909E8E84-426E-40DD-AFC4-6F175D3DCCD1}">
-              <a14:hiddenFill xmlns:a14="http://schemas.microsoft.com/office/drawing/2010/main">
-                <a:solidFill>
-                  <a:srgbClr val="FFFFFF"/>
-                </a:solidFill>
-              </a14:hiddenFill>
-            </a:ext>
-          </a:extLst>
-        </p:spPr>
-      </p:pic>
-      <p:grpSp>
-        <p:nvGrpSpPr>
-          <p:cNvPr id="3081" name="Group 3080">
-            <a:extLst>
-              <a:ext uri="{FF2B5EF4-FFF2-40B4-BE49-F238E27FC236}">
-                <a16:creationId xmlns:a16="http://schemas.microsoft.com/office/drawing/2014/main" id="{5EFBDE31-BB3E-6CFC-23CD-B5976DA38438}"/>
+      <p:sp useBgFill="1">
+        <p:nvSpPr>
+          <p:cNvPr id="17" name="Rectangle 16">
+            <a:extLst>
+              <a:ext uri="{FF2B5EF4-FFF2-40B4-BE49-F238E27FC236}">
+                <a16:creationId xmlns:a16="http://schemas.microsoft.com/office/drawing/2014/main" id="{1B15ED52-F352-441B-82BF-E0EA34836D08}"/>
               </a:ext>
               <a:ext uri="{C183D7F6-B498-43B3-948B-1728B52AA6E4}">
                 <adec:decorative xmlns:adec="http://schemas.microsoft.com/office/drawing/2017/decorative" val="1"/>
               </a:ext>
             </a:extLst>
           </p:cNvPr>
-          <p:cNvGrpSpPr>
-            <a:grpSpLocks noGrp="1" noUngrp="1" noRot="1" noChangeAspect="1" noMove="1" noResize="1"/>
-          </p:cNvGrpSpPr>
+          <p:cNvSpPr>
+            <a:spLocks noGrp="1" noRot="1" noChangeAspect="1" noMove="1" noResize="1" noEditPoints="1" noAdjustHandles="1" noChangeArrowheads="1" noChangeShapeType="1" noTextEdit="1"/>
+          </p:cNvSpPr>
           <p:nvPr>
             <p:extLst>
               <p:ext uri="{386F3935-93C4-4BCD-93E2-E3B085C9AB24}">
@@ -4799,256 +7233,474 @@
               </p:ext>
             </p:extLst>
           </p:nvPr>
-        </p:nvGrpSpPr>
-        <p:grpSpPr>
+        </p:nvSpPr>
+        <p:spPr>
           <a:xfrm>
             <a:off x="0" y="0"/>
-            <a:ext cx="123362" cy="6858000"/>
-            <a:chOff x="12068638" y="0"/>
-            <a:chExt cx="123362" cy="6858000"/>
+            <a:ext cx="12192000" cy="6858000"/>
           </a:xfrm>
-        </p:grpSpPr>
-        <p:sp>
-          <p:nvSpPr>
-            <p:cNvPr id="3082" name="Rectangle 3081">
-              <a:extLst>
-                <a:ext uri="{FF2B5EF4-FFF2-40B4-BE49-F238E27FC236}">
-                  <a16:creationId xmlns:a16="http://schemas.microsoft.com/office/drawing/2014/main" id="{180A60EC-72BB-121F-556A-E2837FD99A87}"/>
-                </a:ext>
-                <a:ext uri="{C183D7F6-B498-43B3-948B-1728B52AA6E4}">
-                  <adec:decorative xmlns:adec="http://schemas.microsoft.com/office/drawing/2017/decorative" val="1"/>
-                </a:ext>
-              </a:extLst>
-            </p:cNvPr>
-            <p:cNvSpPr/>
-            <p:nvPr>
-              <p:extLst>
-                <p:ext uri="{386F3935-93C4-4BCD-93E2-E3B085C9AB24}">
-                  <p16:designElem xmlns:p16="http://schemas.microsoft.com/office/powerpoint/2015/main" val="1"/>
-                </p:ext>
-              </p:extLst>
-            </p:nvPr>
-          </p:nvSpPr>
-          <p:spPr>
-            <a:xfrm>
-              <a:off x="12068638" y="0"/>
-              <a:ext cx="123362" cy="6858000"/>
-            </a:xfrm>
-            <a:prstGeom prst="rect">
-              <a:avLst/>
-            </a:prstGeom>
-            <a:gradFill>
-              <a:gsLst>
-                <a:gs pos="0">
-                  <a:schemeClr val="accent2"/>
-                </a:gs>
-                <a:gs pos="100000">
-                  <a:schemeClr val="accent5"/>
-                </a:gs>
-              </a:gsLst>
-              <a:lin ang="1800000" scaled="0"/>
-            </a:gradFill>
-            <a:ln>
-              <a:noFill/>
-            </a:ln>
-          </p:spPr>
-          <p:style>
-            <a:lnRef idx="2">
-              <a:schemeClr val="accent1">
-                <a:shade val="50000"/>
-              </a:schemeClr>
-            </a:lnRef>
-            <a:fillRef idx="1">
-              <a:schemeClr val="accent1"/>
-            </a:fillRef>
-            <a:effectRef idx="0">
-              <a:schemeClr val="accent1"/>
-            </a:effectRef>
-            <a:fontRef idx="minor">
-              <a:schemeClr val="lt1"/>
-            </a:fontRef>
-          </p:style>
-          <p:txBody>
-            <a:bodyPr rtlCol="0" anchor="ctr"/>
-            <a:lstStyle/>
-            <a:p>
-              <a:pPr algn="ctr"/>
-              <a:endParaRPr lang="en-US"/>
-            </a:p>
-          </p:txBody>
-        </p:sp>
-        <p:sp>
-          <p:nvSpPr>
-            <p:cNvPr id="3083" name="Rectangle 3082">
-              <a:extLst>
-                <a:ext uri="{FF2B5EF4-FFF2-40B4-BE49-F238E27FC236}">
-                  <a16:creationId xmlns:a16="http://schemas.microsoft.com/office/drawing/2014/main" id="{F91A2FAE-D41C-FF5D-B0A0-7808248EDC94}"/>
-                </a:ext>
-                <a:ext uri="{C183D7F6-B498-43B3-948B-1728B52AA6E4}">
-                  <adec:decorative xmlns:adec="http://schemas.microsoft.com/office/drawing/2017/decorative" val="1"/>
-                </a:ext>
-              </a:extLst>
-            </p:cNvPr>
-            <p:cNvSpPr/>
-            <p:nvPr>
-              <p:extLst>
-                <p:ext uri="{386F3935-93C4-4BCD-93E2-E3B085C9AB24}">
-                  <p16:designElem xmlns:p16="http://schemas.microsoft.com/office/powerpoint/2015/main" val="1"/>
-                </p:ext>
-              </p:extLst>
-            </p:nvPr>
-          </p:nvSpPr>
-          <p:spPr>
-            <a:xfrm>
-              <a:off x="12068638" y="4139706"/>
-              <a:ext cx="123362" cy="2718294"/>
-            </a:xfrm>
-            <a:prstGeom prst="rect">
-              <a:avLst/>
-            </a:prstGeom>
-            <a:gradFill>
-              <a:gsLst>
-                <a:gs pos="19000">
-                  <a:schemeClr val="accent5">
-                    <a:alpha val="0"/>
+          <a:prstGeom prst="rect">
+            <a:avLst/>
+          </a:prstGeom>
+          <a:ln w="12700" cap="flat" cmpd="sng" algn="ctr">
+            <a:noFill/>
+            <a:prstDash val="solid"/>
+            <a:miter lim="800000"/>
+          </a:ln>
+          <a:effectLst/>
+          <a:extLst>
+            <a:ext uri="{91240B29-F687-4F45-9708-019B960494DF}">
+              <a14:hiddenLine xmlns:a14="http://schemas.microsoft.com/office/drawing/2010/main" w="12700" cap="flat" cmpd="sng" algn="ctr">
+                <a:solidFill>
+                  <a:schemeClr val="accent1">
+                    <a:shade val="50000"/>
                   </a:schemeClr>
-                </a:gs>
-                <a:gs pos="100000">
-                  <a:schemeClr val="accent5">
-                    <a:lumMod val="60000"/>
-                    <a:lumOff val="40000"/>
-                  </a:schemeClr>
-                </a:gs>
-              </a:gsLst>
-              <a:lin ang="600000" scaled="0"/>
-            </a:gradFill>
-            <a:ln>
-              <a:noFill/>
-            </a:ln>
-          </p:spPr>
-          <p:style>
-            <a:lnRef idx="2">
-              <a:schemeClr val="accent1">
-                <a:shade val="50000"/>
-              </a:schemeClr>
-            </a:lnRef>
-            <a:fillRef idx="1">
-              <a:schemeClr val="accent1"/>
-            </a:fillRef>
-            <a:effectRef idx="0">
-              <a:schemeClr val="accent1"/>
-            </a:effectRef>
-            <a:fontRef idx="minor">
-              <a:schemeClr val="lt1"/>
-            </a:fontRef>
-          </p:style>
-          <p:txBody>
-            <a:bodyPr rtlCol="0" anchor="ctr"/>
-            <a:lstStyle/>
-            <a:p>
-              <a:pPr algn="ctr"/>
-              <a:endParaRPr lang="en-US"/>
-            </a:p>
-          </p:txBody>
-        </p:sp>
-      </p:grpSp>
-      <p:sp>
-        <p:nvSpPr>
-          <p:cNvPr id="3" name="Marcador de contenido 2">
-            <a:extLst>
-              <a:ext uri="{FF2B5EF4-FFF2-40B4-BE49-F238E27FC236}">
-                <a16:creationId xmlns:a16="http://schemas.microsoft.com/office/drawing/2014/main" id="{7FDBD0FD-AE3B-1AF6-31CC-E85119E221E8}"/>
-              </a:ext>
-            </a:extLst>
-          </p:cNvPr>
-          <p:cNvSpPr>
-            <a:spLocks noGrp="1"/>
-          </p:cNvSpPr>
-          <p:nvPr>
-            <p:ph idx="1"/>
+                </a:solidFill>
+                <a:prstDash val="solid"/>
+                <a:miter lim="800000"/>
+              </a14:hiddenLine>
+            </a:ext>
+          </a:extLst>
+        </p:spPr>
+        <p:style>
+          <a:lnRef idx="2">
+            <a:schemeClr val="accent1">
+              <a:shade val="50000"/>
+            </a:schemeClr>
+          </a:lnRef>
+          <a:fillRef idx="1">
+            <a:schemeClr val="accent1"/>
+          </a:fillRef>
+          <a:effectRef idx="0">
+            <a:schemeClr val="accent1"/>
+          </a:effectRef>
+          <a:fontRef idx="minor">
+            <a:schemeClr val="lt1"/>
+          </a:fontRef>
+        </p:style>
+        <p:txBody>
+          <a:bodyPr rtlCol="0" anchor="ctr"/>
+          <a:lstStyle/>
+          <a:p>
+            <a:pPr algn="ctr"/>
+            <a:endParaRPr lang="en-US"/>
+          </a:p>
+        </p:txBody>
+      </p:sp>
+      <p:sp>
+        <p:nvSpPr>
+          <p:cNvPr id="19" name="Rectangle 18">
+            <a:extLst>
+              <a:ext uri="{FF2B5EF4-FFF2-40B4-BE49-F238E27FC236}">
+                <a16:creationId xmlns:a16="http://schemas.microsoft.com/office/drawing/2014/main" id="{3B2E3793-BFE6-45A2-9B7B-E18844431C99}"/>
+              </a:ext>
+              <a:ext uri="{C183D7F6-B498-43B3-948B-1728B52AA6E4}">
+                <adec:decorative xmlns:adec="http://schemas.microsoft.com/office/drawing/2017/decorative" val="1"/>
+              </a:ext>
+            </a:extLst>
+          </p:cNvPr>
+          <p:cNvSpPr>
+            <a:spLocks noGrp="1" noRot="1" noChangeAspect="1" noMove="1" noResize="1" noEditPoints="1" noAdjustHandles="1" noChangeArrowheads="1" noChangeShapeType="1" noTextEdit="1"/>
+          </p:cNvSpPr>
+          <p:nvPr>
+            <p:extLst>
+              <p:ext uri="{386F3935-93C4-4BCD-93E2-E3B085C9AB24}">
+                <p16:designElem xmlns:p16="http://schemas.microsoft.com/office/powerpoint/2015/main" val="1"/>
+              </p:ext>
+            </p:extLst>
+          </p:nvPr>
+        </p:nvSpPr>
+        <p:spPr>
+          <a:xfrm flipH="1">
+            <a:off x="-1" y="-1"/>
+            <a:ext cx="12191998" cy="1590742"/>
+          </a:xfrm>
+          <a:prstGeom prst="rect">
+            <a:avLst/>
+          </a:prstGeom>
+          <a:gradFill>
+            <a:gsLst>
+              <a:gs pos="0">
+                <a:srgbClr val="000000"/>
+              </a:gs>
+              <a:gs pos="100000">
+                <a:schemeClr val="accent1">
+                  <a:lumMod val="75000"/>
+                </a:schemeClr>
+              </a:gs>
+            </a:gsLst>
+            <a:lin ang="8400000" scaled="0"/>
+          </a:gradFill>
+          <a:ln>
+            <a:noFill/>
+          </a:ln>
+        </p:spPr>
+        <p:style>
+          <a:lnRef idx="2">
+            <a:schemeClr val="accent1">
+              <a:shade val="50000"/>
+            </a:schemeClr>
+          </a:lnRef>
+          <a:fillRef idx="1">
+            <a:schemeClr val="accent1"/>
+          </a:fillRef>
+          <a:effectRef idx="0">
+            <a:schemeClr val="accent1"/>
+          </a:effectRef>
+          <a:fontRef idx="minor">
+            <a:schemeClr val="lt1"/>
+          </a:fontRef>
+        </p:style>
+        <p:txBody>
+          <a:bodyPr rtlCol="0" anchor="ctr"/>
+          <a:lstStyle/>
+          <a:p>
+            <a:pPr algn="ctr"/>
+            <a:endParaRPr lang="en-US"/>
+          </a:p>
+        </p:txBody>
+      </p:sp>
+      <p:sp>
+        <p:nvSpPr>
+          <p:cNvPr id="21" name="Rectangle 20">
+            <a:extLst>
+              <a:ext uri="{FF2B5EF4-FFF2-40B4-BE49-F238E27FC236}">
+                <a16:creationId xmlns:a16="http://schemas.microsoft.com/office/drawing/2014/main" id="{BC4C4868-CB8F-4AF9-9CDB-8108F2C19B67}"/>
+              </a:ext>
+              <a:ext uri="{C183D7F6-B498-43B3-948B-1728B52AA6E4}">
+                <adec:decorative xmlns:adec="http://schemas.microsoft.com/office/drawing/2017/decorative" val="1"/>
+              </a:ext>
+            </a:extLst>
+          </p:cNvPr>
+          <p:cNvSpPr>
+            <a:spLocks noGrp="1" noRot="1" noChangeAspect="1" noMove="1" noResize="1" noEditPoints="1" noAdjustHandles="1" noChangeArrowheads="1" noChangeShapeType="1" noTextEdit="1"/>
+          </p:cNvSpPr>
+          <p:nvPr>
+            <p:extLst>
+              <p:ext uri="{386F3935-93C4-4BCD-93E2-E3B085C9AB24}">
+                <p16:designElem xmlns:p16="http://schemas.microsoft.com/office/powerpoint/2015/main" val="1"/>
+              </p:ext>
+            </p:extLst>
+          </p:nvPr>
+        </p:nvSpPr>
+        <p:spPr>
+          <a:xfrm rot="10800000" flipH="1">
+            <a:off x="-3" y="0"/>
+            <a:ext cx="8115306" cy="1590742"/>
+          </a:xfrm>
+          <a:prstGeom prst="rect">
+            <a:avLst/>
+          </a:prstGeom>
+          <a:gradFill>
+            <a:gsLst>
+              <a:gs pos="20000">
+                <a:schemeClr val="accent1">
+                  <a:alpha val="0"/>
+                </a:schemeClr>
+              </a:gs>
+              <a:gs pos="100000">
+                <a:schemeClr val="accent1">
+                  <a:lumMod val="50000"/>
+                  <a:alpha val="55000"/>
+                </a:schemeClr>
+              </a:gs>
+            </a:gsLst>
+            <a:lin ang="13800000" scaled="0"/>
+          </a:gradFill>
+          <a:ln>
+            <a:noFill/>
+          </a:ln>
+        </p:spPr>
+        <p:style>
+          <a:lnRef idx="2">
+            <a:schemeClr val="accent1">
+              <a:shade val="50000"/>
+            </a:schemeClr>
+          </a:lnRef>
+          <a:fillRef idx="1">
+            <a:schemeClr val="accent1"/>
+          </a:fillRef>
+          <a:effectRef idx="0">
+            <a:schemeClr val="accent1"/>
+          </a:effectRef>
+          <a:fontRef idx="minor">
+            <a:schemeClr val="lt1"/>
+          </a:fontRef>
+        </p:style>
+        <p:txBody>
+          <a:bodyPr rtlCol="0" anchor="ctr"/>
+          <a:lstStyle/>
+          <a:p>
+            <a:pPr algn="ctr"/>
+            <a:endParaRPr lang="en-US"/>
+          </a:p>
+        </p:txBody>
+      </p:sp>
+      <p:sp>
+        <p:nvSpPr>
+          <p:cNvPr id="23" name="Rectangle 22">
+            <a:extLst>
+              <a:ext uri="{FF2B5EF4-FFF2-40B4-BE49-F238E27FC236}">
+                <a16:creationId xmlns:a16="http://schemas.microsoft.com/office/drawing/2014/main" id="{375E0459-6403-40CD-989D-56A4407CA12E}"/>
+              </a:ext>
+              <a:ext uri="{C183D7F6-B498-43B3-948B-1728B52AA6E4}">
+                <adec:decorative xmlns:adec="http://schemas.microsoft.com/office/drawing/2017/decorative" val="1"/>
+              </a:ext>
+            </a:extLst>
+          </p:cNvPr>
+          <p:cNvSpPr>
+            <a:spLocks noGrp="1" noRot="1" noChangeAspect="1" noMove="1" noResize="1" noEditPoints="1" noAdjustHandles="1" noChangeArrowheads="1" noChangeShapeType="1" noTextEdit="1"/>
+          </p:cNvSpPr>
+          <p:nvPr>
+            <p:extLst>
+              <p:ext uri="{386F3935-93C4-4BCD-93E2-E3B085C9AB24}">
+                <p16:designElem xmlns:p16="http://schemas.microsoft.com/office/powerpoint/2015/main" val="1"/>
+              </p:ext>
+            </p:extLst>
+          </p:nvPr>
+        </p:nvSpPr>
+        <p:spPr>
+          <a:xfrm flipH="1">
+            <a:off x="8115299" y="-1"/>
+            <a:ext cx="4076698" cy="1590742"/>
+          </a:xfrm>
+          <a:prstGeom prst="rect">
+            <a:avLst/>
+          </a:prstGeom>
+          <a:gradFill>
+            <a:gsLst>
+              <a:gs pos="0">
+                <a:schemeClr val="accent1">
+                  <a:alpha val="66000"/>
+                </a:schemeClr>
+              </a:gs>
+              <a:gs pos="100000">
+                <a:srgbClr val="000000">
+                  <a:alpha val="30000"/>
+                </a:srgbClr>
+              </a:gs>
+            </a:gsLst>
+            <a:lin ang="13200000" scaled="0"/>
+          </a:gradFill>
+          <a:ln>
+            <a:noFill/>
+          </a:ln>
+        </p:spPr>
+        <p:style>
+          <a:lnRef idx="2">
+            <a:schemeClr val="accent1">
+              <a:shade val="50000"/>
+            </a:schemeClr>
+          </a:lnRef>
+          <a:fillRef idx="1">
+            <a:schemeClr val="accent1"/>
+          </a:fillRef>
+          <a:effectRef idx="0">
+            <a:schemeClr val="accent1"/>
+          </a:effectRef>
+          <a:fontRef idx="minor">
+            <a:schemeClr val="lt1"/>
+          </a:fontRef>
+        </p:style>
+        <p:txBody>
+          <a:bodyPr rtlCol="0" anchor="ctr"/>
+          <a:lstStyle/>
+          <a:p>
+            <a:pPr algn="ctr"/>
+            <a:endParaRPr lang="en-US"/>
+          </a:p>
+        </p:txBody>
+      </p:sp>
+      <p:sp>
+        <p:nvSpPr>
+          <p:cNvPr id="25" name="Rectangle 24">
+            <a:extLst>
+              <a:ext uri="{FF2B5EF4-FFF2-40B4-BE49-F238E27FC236}">
+                <a16:creationId xmlns:a16="http://schemas.microsoft.com/office/drawing/2014/main" id="{53E5B1A8-3AC9-4BD1-9BBC-78CA94F2D1BA}"/>
+              </a:ext>
+              <a:ext uri="{C183D7F6-B498-43B3-948B-1728B52AA6E4}">
+                <adec:decorative xmlns:adec="http://schemas.microsoft.com/office/drawing/2017/decorative" val="1"/>
+              </a:ext>
+            </a:extLst>
+          </p:cNvPr>
+          <p:cNvSpPr>
+            <a:spLocks noGrp="1" noRot="1" noChangeAspect="1" noMove="1" noResize="1" noEditPoints="1" noAdjustHandles="1" noChangeArrowheads="1" noChangeShapeType="1" noTextEdit="1"/>
+          </p:cNvSpPr>
+          <p:nvPr>
+            <p:extLst>
+              <p:ext uri="{386F3935-93C4-4BCD-93E2-E3B085C9AB24}">
+                <p16:designElem xmlns:p16="http://schemas.microsoft.com/office/powerpoint/2015/main" val="1"/>
+              </p:ext>
+            </p:extLst>
           </p:nvPr>
         </p:nvSpPr>
         <p:spPr>
           <a:xfrm>
-            <a:off x="6380922" y="1172817"/>
-            <a:ext cx="5595730" cy="5406859"/>
+            <a:off x="459350" y="-1"/>
+            <a:ext cx="11732646" cy="1597433"/>
+          </a:xfrm>
+          <a:prstGeom prst="rect">
+            <a:avLst/>
+          </a:prstGeom>
+          <a:gradFill>
+            <a:gsLst>
+              <a:gs pos="50000">
+                <a:srgbClr val="000000">
+                  <a:alpha val="0"/>
+                </a:srgbClr>
+              </a:gs>
+              <a:gs pos="99000">
+                <a:schemeClr val="accent1">
+                  <a:lumMod val="50000"/>
+                  <a:alpha val="52000"/>
+                </a:schemeClr>
+              </a:gs>
+            </a:gsLst>
+            <a:lin ang="16800000" scaled="0"/>
+          </a:gradFill>
+          <a:ln>
+            <a:noFill/>
+          </a:ln>
+        </p:spPr>
+        <p:style>
+          <a:lnRef idx="2">
+            <a:schemeClr val="accent1">
+              <a:shade val="50000"/>
+            </a:schemeClr>
+          </a:lnRef>
+          <a:fillRef idx="1">
+            <a:schemeClr val="accent1"/>
+          </a:fillRef>
+          <a:effectRef idx="0">
+            <a:schemeClr val="accent1"/>
+          </a:effectRef>
+          <a:fontRef idx="minor">
+            <a:schemeClr val="lt1"/>
+          </a:fontRef>
+        </p:style>
+        <p:txBody>
+          <a:bodyPr rtlCol="0" anchor="ctr"/>
+          <a:lstStyle/>
+          <a:p>
+            <a:pPr algn="ctr"/>
+            <a:endParaRPr lang="en-US"/>
+          </a:p>
+        </p:txBody>
+      </p:sp>
+      <p:sp>
+        <p:nvSpPr>
+          <p:cNvPr id="2" name="Título 1">
+            <a:extLst>
+              <a:ext uri="{FF2B5EF4-FFF2-40B4-BE49-F238E27FC236}">
+                <a16:creationId xmlns:a16="http://schemas.microsoft.com/office/drawing/2014/main" id="{38FA2624-C1CB-9C0B-CEAD-5D059FF6413B}"/>
+              </a:ext>
+            </a:extLst>
+          </p:cNvPr>
+          <p:cNvSpPr>
+            <a:spLocks noGrp="1"/>
+          </p:cNvSpPr>
+          <p:nvPr>
+            <p:ph type="title"/>
+          </p:nvPr>
+        </p:nvSpPr>
+        <p:spPr>
+          <a:xfrm>
+            <a:off x="1371599" y="294538"/>
+            <a:ext cx="9895951" cy="1033669"/>
           </a:xfrm>
         </p:spPr>
         <p:txBody>
-          <a:bodyPr anchor="t">
+          <a:bodyPr>
             <a:normAutofit/>
           </a:bodyPr>
           <a:lstStyle/>
           <a:p>
-            <a:pPr marR="0" rtl="0"/>
+            <a:endParaRPr lang="es-SV" sz="4000">
+              <a:solidFill>
+                <a:srgbClr val="FFFFFF"/>
+              </a:solidFill>
+            </a:endParaRPr>
+          </a:p>
+        </p:txBody>
+      </p:sp>
+      <p:sp>
+        <p:nvSpPr>
+          <p:cNvPr id="3" name="Marcador de contenido 2">
+            <a:extLst>
+              <a:ext uri="{FF2B5EF4-FFF2-40B4-BE49-F238E27FC236}">
+                <a16:creationId xmlns:a16="http://schemas.microsoft.com/office/drawing/2014/main" id="{3CD1696C-68F3-10C7-5C37-AA16B92D9F06}"/>
+              </a:ext>
+            </a:extLst>
+          </p:cNvPr>
+          <p:cNvSpPr>
+            <a:spLocks noGrp="1"/>
+          </p:cNvSpPr>
+          <p:nvPr>
+            <p:ph idx="1"/>
+          </p:nvPr>
+        </p:nvSpPr>
+        <p:spPr>
+          <a:xfrm>
+            <a:off x="1371599" y="2318197"/>
+            <a:ext cx="9724031" cy="3683358"/>
+          </a:xfrm>
+        </p:spPr>
+        <p:txBody>
+          <a:bodyPr anchor="ctr">
+            <a:normAutofit/>
+          </a:bodyPr>
+          <a:lstStyle/>
+          <a:p>
+            <a:pPr>
+              <a:buFont typeface="+mj-lt"/>
+              <a:buAutoNum type="arabicPeriod"/>
+            </a:pPr>
+            <a:endParaRPr lang="es-ES" sz="2000" b="0" i="0">
+              <a:effectLst/>
+              <a:highlight>
+                <a:srgbClr val="F3F3F3"/>
+              </a:highlight>
+              <a:latin typeface="-apple-system"/>
+            </a:endParaRPr>
+          </a:p>
+          <a:p>
+            <a:pPr marL="742950" lvl="1" indent="-285750">
+              <a:buFont typeface="+mj-lt"/>
+              <a:buAutoNum type="arabicPeriod"/>
+            </a:pPr>
             <a:r>
-              <a:rPr lang="es-ES_tradnl" sz="3200" b="1" i="0" u="none" strike="noStrike" baseline="30000" dirty="0">
-                <a:latin typeface="Times New Roman" panose="02020603050405020304" pitchFamily="18" charset="0"/>
+              <a:rPr lang="es-ES" sz="2000" b="1" i="0">
+                <a:effectLst/>
+                <a:highlight>
+                  <a:srgbClr val="F3F3F3"/>
+                </a:highlight>
+                <a:latin typeface="-apple-system"/>
               </a:rPr>
-              <a:t>Objetivo general:</a:t>
+              <a:t>Diapositiva 4</a:t>
             </a:r>
-          </a:p>
-          <a:p>
-            <a:pPr marR="0" lvl="1" rtl="0"/>
             <a:r>
-              <a:rPr lang="es-ES" sz="3200" b="0" i="0" u="none" strike="noStrike" baseline="30000" dirty="0">
-                <a:latin typeface="Times New Roman" panose="02020603050405020304" pitchFamily="18" charset="0"/>
+              <a:rPr lang="es-ES" sz="2000" b="0" i="0">
+                <a:effectLst/>
+                <a:highlight>
+                  <a:srgbClr val="F3F3F3"/>
+                </a:highlight>
+                <a:latin typeface="-apple-system"/>
               </a:rPr>
-              <a:t>Desarrollar un prototipo que permita predecir valores futuros de presión arterial en pacientes con base en su historial médico. Utilizando IA</a:t>
+              <a:t>: Descripción del objetivo principal del proyecto.</a:t>
             </a:r>
           </a:p>
           <a:p>
-            <a:pPr marR="0" rtl="0"/>
-            <a:r>
-              <a:rPr lang="es-ES_tradnl" sz="3200" b="1" i="0" u="none" strike="noStrike" baseline="30000" dirty="0">
-                <a:latin typeface="Times New Roman" panose="02020603050405020304" pitchFamily="18" charset="0"/>
-              </a:rPr>
-              <a:t>Objetivos específicos:</a:t>
-            </a:r>
-          </a:p>
-          <a:p>
-            <a:pPr marR="0" lvl="1" rtl="0"/>
-            <a:r>
-              <a:rPr lang="es-ES" sz="3200" b="0" i="0" u="none" strike="noStrike" baseline="30000" dirty="0">
-                <a:latin typeface="Times New Roman" panose="02020603050405020304" pitchFamily="18" charset="0"/>
-              </a:rPr>
-              <a:t>Recopilar y preprocesar datos de presión arterial de pacientes hipertensos.</a:t>
-            </a:r>
-          </a:p>
-          <a:p>
-            <a:pPr marR="0" lvl="1" rtl="0"/>
-            <a:r>
-              <a:rPr lang="es-ES" sz="3200" b="0" i="0" u="none" strike="noStrike" baseline="30000" dirty="0">
-                <a:latin typeface="Times New Roman" panose="02020603050405020304" pitchFamily="18" charset="0"/>
-              </a:rPr>
-              <a:t>Entrenar un modelo de aprendizaje automático para predecir la presión arterial.</a:t>
-            </a:r>
-          </a:p>
-          <a:p>
-            <a:pPr marR="0" lvl="1" rtl="0"/>
-            <a:r>
-              <a:rPr lang="es-ES" sz="3200" b="0" i="0" u="none" strike="noStrike" baseline="30000" dirty="0">
-                <a:latin typeface="Times New Roman" panose="02020603050405020304" pitchFamily="18" charset="0"/>
-              </a:rPr>
-              <a:t>Evaluar el rendimiento del modelo de predicción.</a:t>
-            </a:r>
-          </a:p>
-          <a:p>
-            <a:pPr lvl="1"/>
-            <a:r>
-              <a:rPr lang="es-ES" sz="3200" b="0" i="0" u="none" strike="noStrike" baseline="30000" dirty="0">
-                <a:latin typeface="Times New Roman" panose="02020603050405020304" pitchFamily="18" charset="0"/>
-              </a:rPr>
-              <a:t>Desarrollar una interfaz de usuario para interactuar con el prototipo. (IDE básico)</a:t>
-            </a:r>
-            <a:endParaRPr lang="es-SV" sz="3200" dirty="0"/>
+            <a:br>
+              <a:rPr lang="es-ES" sz="2000"/>
+            </a:br>
+            <a:endParaRPr lang="es-SV" sz="2000"/>
           </a:p>
         </p:txBody>
       </p:sp>
     </p:spTree>
     <p:extLst>
       <p:ext uri="{BB962C8B-B14F-4D97-AF65-F5344CB8AC3E}">
-        <p14:creationId xmlns:p14="http://schemas.microsoft.com/office/powerpoint/2010/main" val="4262116279"/>
+        <p14:creationId xmlns:p14="http://schemas.microsoft.com/office/powerpoint/2010/main" val="3030895166"/>
       </p:ext>
     </p:extLst>
   </p:cSld>
@@ -5085,10 +7737,10 @@
       </p:grpSpPr>
       <p:sp useBgFill="1">
         <p:nvSpPr>
-          <p:cNvPr id="2055" name="Rectangle 2054">
-            <a:extLst>
-              <a:ext uri="{FF2B5EF4-FFF2-40B4-BE49-F238E27FC236}">
-                <a16:creationId xmlns:a16="http://schemas.microsoft.com/office/drawing/2014/main" id="{12609869-9E80-471B-A487-A53288E0E791}"/>
+          <p:cNvPr id="21" name="Rectangle 20">
+            <a:extLst>
+              <a:ext uri="{FF2B5EF4-FFF2-40B4-BE49-F238E27FC236}">
+                <a16:creationId xmlns:a16="http://schemas.microsoft.com/office/drawing/2014/main" id="{1B15ED52-F352-441B-82BF-E0EA34836D08}"/>
               </a:ext>
               <a:ext uri="{C183D7F6-B498-43B3-948B-1728B52AA6E4}">
                 <adec:decorative xmlns:adec="http://schemas.microsoft.com/office/drawing/2017/decorative" val="1"/>
@@ -5161,87 +7813,10 @@
       </p:sp>
       <p:sp>
         <p:nvSpPr>
-          <p:cNvPr id="2" name="Título 1">
-            <a:extLst>
-              <a:ext uri="{FF2B5EF4-FFF2-40B4-BE49-F238E27FC236}">
-                <a16:creationId xmlns:a16="http://schemas.microsoft.com/office/drawing/2014/main" id="{007CB46B-0102-753A-9B2A-B3FAE57EC93F}"/>
-              </a:ext>
-            </a:extLst>
-          </p:cNvPr>
-          <p:cNvSpPr>
-            <a:spLocks noGrp="1"/>
-          </p:cNvSpPr>
-          <p:nvPr>
-            <p:ph type="title"/>
-          </p:nvPr>
-        </p:nvSpPr>
-        <p:spPr>
-          <a:xfrm>
-            <a:off x="268356" y="381462"/>
-            <a:ext cx="7741669" cy="821485"/>
-          </a:xfrm>
-          <a:solidFill>
-            <a:schemeClr val="accent4">
-              <a:lumMod val="20000"/>
-              <a:lumOff val="80000"/>
-            </a:schemeClr>
-          </a:solidFill>
-        </p:spPr>
-        <p:txBody>
-          <a:bodyPr anchor="b">
-            <a:normAutofit/>
-          </a:bodyPr>
-          <a:lstStyle/>
-          <a:p>
-            <a:r>
-              <a:rPr lang="es-SV" sz="4000" b="1" dirty="0"/>
-              <a:t>PROPUESTA DE SOLUCION</a:t>
-            </a:r>
-          </a:p>
-        </p:txBody>
-      </p:sp>
-      <p:sp>
-        <p:nvSpPr>
-          <p:cNvPr id="3" name="Marcador de contenido 2">
-            <a:extLst>
-              <a:ext uri="{FF2B5EF4-FFF2-40B4-BE49-F238E27FC236}">
-                <a16:creationId xmlns:a16="http://schemas.microsoft.com/office/drawing/2014/main" id="{7FDBD0FD-AE3B-1AF6-31CC-E85119E221E8}"/>
-              </a:ext>
-            </a:extLst>
-          </p:cNvPr>
-          <p:cNvSpPr>
-            <a:spLocks noGrp="1"/>
-          </p:cNvSpPr>
-          <p:nvPr>
-            <p:ph idx="1"/>
-          </p:nvPr>
-        </p:nvSpPr>
-        <p:spPr>
-          <a:xfrm>
-            <a:off x="268358" y="1584410"/>
-            <a:ext cx="5363958" cy="4892128"/>
-          </a:xfrm>
-        </p:spPr>
-        <p:txBody>
-          <a:bodyPr anchor="t">
-            <a:normAutofit/>
-          </a:bodyPr>
-          <a:lstStyle/>
-          <a:p>
-            <a:pPr marR="0" rtl="0"/>
-            <a:r>
-              <a:rPr lang="es-SV" sz="3500" dirty="0"/>
-              <a:t>Desarrollo de una aplicación que recopile información de los valores de TA, con el propósito de obtener un valor futuro de TA, para guiar al médico en el tratamiento de la HTA.</a:t>
-            </a:r>
-          </a:p>
-        </p:txBody>
-      </p:sp>
-      <p:sp>
-        <p:nvSpPr>
-          <p:cNvPr id="2057" name="Rectangle 2056">
-            <a:extLst>
-              <a:ext uri="{FF2B5EF4-FFF2-40B4-BE49-F238E27FC236}">
-                <a16:creationId xmlns:a16="http://schemas.microsoft.com/office/drawing/2014/main" id="{7004738A-9D34-43E8-97D2-CA0EED4F8BE0}"/>
+          <p:cNvPr id="23" name="Rectangle 22">
+            <a:extLst>
+              <a:ext uri="{FF2B5EF4-FFF2-40B4-BE49-F238E27FC236}">
+                <a16:creationId xmlns:a16="http://schemas.microsoft.com/office/drawing/2014/main" id="{3B2E3793-BFE6-45A2-9B7B-E18844431C99}"/>
               </a:ext>
               <a:ext uri="{C183D7F6-B498-43B3-948B-1728B52AA6E4}">
                 <adec:decorative xmlns:adec="http://schemas.microsoft.com/office/drawing/2017/decorative" val="1"/>
@@ -5260,25 +7835,25 @@
           </p:nvPr>
         </p:nvSpPr>
         <p:spPr>
-          <a:xfrm rot="10800000" flipH="1">
-            <a:off x="8123333" y="-5"/>
-            <a:ext cx="4092521" cy="6858000"/>
+          <a:xfrm flipH="1">
+            <a:off x="-1" y="-1"/>
+            <a:ext cx="12191998" cy="1590742"/>
           </a:xfrm>
           <a:prstGeom prst="rect">
             <a:avLst/>
           </a:prstGeom>
           <a:gradFill>
             <a:gsLst>
-              <a:gs pos="8000">
-                <a:srgbClr val="000000">
-                  <a:alpha val="94000"/>
-                </a:srgbClr>
+              <a:gs pos="0">
+                <a:srgbClr val="000000"/>
               </a:gs>
               <a:gs pos="100000">
-                <a:schemeClr val="accent1"/>
+                <a:schemeClr val="accent1">
+                  <a:lumMod val="75000"/>
+                </a:schemeClr>
               </a:gs>
             </a:gsLst>
-            <a:lin ang="2400000" scaled="0"/>
+            <a:lin ang="8400000" scaled="0"/>
           </a:gradFill>
           <a:ln>
             <a:noFill/>
@@ -5311,10 +7886,10 @@
       </p:sp>
       <p:sp>
         <p:nvSpPr>
-          <p:cNvPr id="2059" name="Rectangle 2058">
-            <a:extLst>
-              <a:ext uri="{FF2B5EF4-FFF2-40B4-BE49-F238E27FC236}">
-                <a16:creationId xmlns:a16="http://schemas.microsoft.com/office/drawing/2014/main" id="{B8B8D07F-F13E-443E-BA68-2D26672D76B9}"/>
+          <p:cNvPr id="25" name="Rectangle 24">
+            <a:extLst>
+              <a:ext uri="{FF2B5EF4-FFF2-40B4-BE49-F238E27FC236}">
+                <a16:creationId xmlns:a16="http://schemas.microsoft.com/office/drawing/2014/main" id="{BC4C4868-CB8F-4AF9-9CDB-8108F2C19B67}"/>
               </a:ext>
               <a:ext uri="{C183D7F6-B498-43B3-948B-1728B52AA6E4}">
                 <adec:decorative xmlns:adec="http://schemas.microsoft.com/office/drawing/2017/decorative" val="1"/>
@@ -5334,28 +7909,27 @@
         </p:nvSpPr>
         <p:spPr>
           <a:xfrm rot="10800000" flipH="1">
-            <a:off x="8123333" y="-2"/>
-            <a:ext cx="4092521" cy="6400369"/>
+            <a:off x="-3" y="0"/>
+            <a:ext cx="8115306" cy="1590742"/>
           </a:xfrm>
           <a:prstGeom prst="rect">
             <a:avLst/>
           </a:prstGeom>
           <a:gradFill>
             <a:gsLst>
-              <a:gs pos="31000">
+              <a:gs pos="20000">
                 <a:schemeClr val="accent1">
-                  <a:lumMod val="50000"/>
                   <a:alpha val="0"/>
                 </a:schemeClr>
               </a:gs>
               <a:gs pos="100000">
                 <a:schemeClr val="accent1">
                   <a:lumMod val="50000"/>
-                  <a:alpha val="26000"/>
+                  <a:alpha val="55000"/>
                 </a:schemeClr>
               </a:gs>
             </a:gsLst>
-            <a:lin ang="18000000" scaled="0"/>
+            <a:lin ang="13800000" scaled="0"/>
           </a:gradFill>
           <a:ln>
             <a:noFill/>
@@ -5382,16 +7956,16 @@
           <a:lstStyle/>
           <a:p>
             <a:pPr algn="ctr"/>
-            <a:endParaRPr lang="en-US" dirty="0"/>
-          </a:p>
-        </p:txBody>
-      </p:sp>
-      <p:sp>
-        <p:nvSpPr>
-          <p:cNvPr id="2061" name="Rectangle 2060">
-            <a:extLst>
-              <a:ext uri="{FF2B5EF4-FFF2-40B4-BE49-F238E27FC236}">
-                <a16:creationId xmlns:a16="http://schemas.microsoft.com/office/drawing/2014/main" id="{2813A4FA-24A5-41ED-A534-3807D1B2F344}"/>
+            <a:endParaRPr lang="en-US"/>
+          </a:p>
+        </p:txBody>
+      </p:sp>
+      <p:sp>
+        <p:nvSpPr>
+          <p:cNvPr id="27" name="Rectangle 26">
+            <a:extLst>
+              <a:ext uri="{FF2B5EF4-FFF2-40B4-BE49-F238E27FC236}">
+                <a16:creationId xmlns:a16="http://schemas.microsoft.com/office/drawing/2014/main" id="{375E0459-6403-40CD-989D-56A4407CA12E}"/>
               </a:ext>
               <a:ext uri="{C183D7F6-B498-43B3-948B-1728B52AA6E4}">
                 <adec:decorative xmlns:adec="http://schemas.microsoft.com/office/drawing/2017/decorative" val="1"/>
@@ -5410,9 +7984,9 @@
           </p:nvPr>
         </p:nvSpPr>
         <p:spPr>
-          <a:xfrm rot="10800000" flipH="1">
-            <a:off x="8123333" y="-22"/>
-            <a:ext cx="4068667" cy="6400389"/>
+          <a:xfrm flipH="1">
+            <a:off x="8115299" y="-1"/>
+            <a:ext cx="4076698" cy="1590742"/>
           </a:xfrm>
           <a:prstGeom prst="rect">
             <a:avLst/>
@@ -5421,16 +7995,16 @@
             <a:gsLst>
               <a:gs pos="0">
                 <a:schemeClr val="accent1">
-                  <a:alpha val="0"/>
+                  <a:alpha val="66000"/>
                 </a:schemeClr>
               </a:gs>
-              <a:gs pos="72000">
+              <a:gs pos="100000">
                 <a:srgbClr val="000000">
-                  <a:alpha val="21000"/>
+                  <a:alpha val="30000"/>
                 </a:srgbClr>
               </a:gs>
             </a:gsLst>
-            <a:lin ang="3000000" scaled="0"/>
+            <a:lin ang="13200000" scaled="0"/>
           </a:gradFill>
           <a:ln>
             <a:noFill/>
@@ -5457,16 +8031,16 @@
           <a:lstStyle/>
           <a:p>
             <a:pPr algn="ctr"/>
-            <a:endParaRPr lang="en-US" dirty="0"/>
-          </a:p>
-        </p:txBody>
-      </p:sp>
-      <p:sp>
-        <p:nvSpPr>
-          <p:cNvPr id="2063" name="Rectangle 2062">
-            <a:extLst>
-              <a:ext uri="{FF2B5EF4-FFF2-40B4-BE49-F238E27FC236}">
-                <a16:creationId xmlns:a16="http://schemas.microsoft.com/office/drawing/2014/main" id="{C3944F27-CA70-4E84-A51A-E6BF89558979}"/>
+            <a:endParaRPr lang="en-US"/>
+          </a:p>
+        </p:txBody>
+      </p:sp>
+      <p:sp>
+        <p:nvSpPr>
+          <p:cNvPr id="29" name="Rectangle 28">
+            <a:extLst>
+              <a:ext uri="{FF2B5EF4-FFF2-40B4-BE49-F238E27FC236}">
+                <a16:creationId xmlns:a16="http://schemas.microsoft.com/office/drawing/2014/main" id="{53E5B1A8-3AC9-4BD1-9BBC-78CA94F2D1BA}"/>
               </a:ext>
               <a:ext uri="{C183D7F6-B498-43B3-948B-1728B52AA6E4}">
                 <adec:decorative xmlns:adec="http://schemas.microsoft.com/office/drawing/2017/decorative" val="1"/>
@@ -5485,27 +8059,28 @@
           </p:nvPr>
         </p:nvSpPr>
         <p:spPr>
-          <a:xfrm rot="10800000" flipH="1">
-            <a:off x="8123333" y="-10"/>
-            <a:ext cx="3611467" cy="6857997"/>
+          <a:xfrm>
+            <a:off x="459350" y="-1"/>
+            <a:ext cx="11732646" cy="1597433"/>
           </a:xfrm>
           <a:prstGeom prst="rect">
             <a:avLst/>
           </a:prstGeom>
           <a:gradFill>
             <a:gsLst>
-              <a:gs pos="0">
+              <a:gs pos="50000">
+                <a:srgbClr val="000000">
+                  <a:alpha val="0"/>
+                </a:srgbClr>
+              </a:gs>
+              <a:gs pos="99000">
                 <a:schemeClr val="accent1">
-                  <a:alpha val="0"/>
+                  <a:lumMod val="50000"/>
+                  <a:alpha val="52000"/>
                 </a:schemeClr>
               </a:gs>
-              <a:gs pos="93000">
-                <a:srgbClr val="000000">
-                  <a:alpha val="29000"/>
-                </a:srgbClr>
-              </a:gs>
             </a:gsLst>
-            <a:lin ang="5400000" scaled="0"/>
+            <a:lin ang="16800000" scaled="0"/>
           </a:gradFill>
           <a:ln>
             <a:noFill/>
@@ -5532,58 +8107,124 @@
           <a:lstStyle/>
           <a:p>
             <a:pPr algn="ctr"/>
-            <a:endParaRPr lang="en-US" dirty="0"/>
-          </a:p>
-        </p:txBody>
-      </p:sp>
-      <p:pic>
-        <p:nvPicPr>
-          <p:cNvPr id="2050" name="Picture 2" descr="Cuáles son los valores normales de tensión arterial - Conócelos aquí">
-            <a:extLst>
-              <a:ext uri="{FF2B5EF4-FFF2-40B4-BE49-F238E27FC236}">
-                <a16:creationId xmlns:a16="http://schemas.microsoft.com/office/drawing/2014/main" id="{D9FDD1FB-238A-48E0-DCE1-192F3F4DC062}"/>
-              </a:ext>
-            </a:extLst>
-          </p:cNvPr>
-          <p:cNvPicPr>
-            <a:picLocks noChangeAspect="1" noChangeArrowheads="1"/>
-          </p:cNvPicPr>
-          <p:nvPr/>
-        </p:nvPicPr>
-        <p:blipFill rotWithShape="1">
-          <a:blip r:embed="rId2">
-            <a:extLst>
-              <a:ext uri="{28A0092B-C50C-407E-A947-70E740481C1C}">
-                <a14:useLocalDpi xmlns:a14="http://schemas.microsoft.com/office/drawing/2010/main" val="0"/>
-              </a:ext>
-            </a:extLst>
-          </a:blip>
-          <a:stretch/>
-        </p:blipFill>
-        <p:spPr bwMode="auto">
+            <a:endParaRPr lang="en-US"/>
+          </a:p>
+        </p:txBody>
+      </p:sp>
+      <p:sp>
+        <p:nvSpPr>
+          <p:cNvPr id="2" name="Título 1">
+            <a:extLst>
+              <a:ext uri="{FF2B5EF4-FFF2-40B4-BE49-F238E27FC236}">
+                <a16:creationId xmlns:a16="http://schemas.microsoft.com/office/drawing/2014/main" id="{F9E8322F-F78E-5EC3-5CCD-09768B3BB5CD}"/>
+              </a:ext>
+            </a:extLst>
+          </p:cNvPr>
+          <p:cNvSpPr>
+            <a:spLocks noGrp="1"/>
+          </p:cNvSpPr>
+          <p:nvPr>
+            <p:ph type="title"/>
+          </p:nvPr>
+        </p:nvSpPr>
+        <p:spPr>
           <a:xfrm>
-            <a:off x="6264533" y="1673417"/>
-            <a:ext cx="5815134" cy="3511142"/>
+            <a:off x="1371599" y="294538"/>
+            <a:ext cx="9895951" cy="1033669"/>
           </a:xfrm>
-          <a:prstGeom prst="rect">
-            <a:avLst/>
-          </a:prstGeom>
-          <a:noFill/>
-          <a:extLst>
-            <a:ext uri="{909E8E84-426E-40DD-AFC4-6F175D3DCCD1}">
-              <a14:hiddenFill xmlns:a14="http://schemas.microsoft.com/office/drawing/2010/main">
-                <a:solidFill>
-                  <a:srgbClr val="FFFFFF"/>
-                </a:solidFill>
-              </a14:hiddenFill>
-            </a:ext>
-          </a:extLst>
         </p:spPr>
-      </p:pic>
+        <p:txBody>
+          <a:bodyPr>
+            <a:normAutofit/>
+          </a:bodyPr>
+          <a:lstStyle/>
+          <a:p>
+            <a:endParaRPr lang="es-SV" sz="4000">
+              <a:solidFill>
+                <a:srgbClr val="FFFFFF"/>
+              </a:solidFill>
+            </a:endParaRPr>
+          </a:p>
+        </p:txBody>
+      </p:sp>
+      <p:sp>
+        <p:nvSpPr>
+          <p:cNvPr id="3" name="Marcador de contenido 2">
+            <a:extLst>
+              <a:ext uri="{FF2B5EF4-FFF2-40B4-BE49-F238E27FC236}">
+                <a16:creationId xmlns:a16="http://schemas.microsoft.com/office/drawing/2014/main" id="{60F83AC9-30CA-BBAC-367C-D5BF616BDFD9}"/>
+              </a:ext>
+            </a:extLst>
+          </p:cNvPr>
+          <p:cNvSpPr>
+            <a:spLocks noGrp="1"/>
+          </p:cNvSpPr>
+          <p:nvPr>
+            <p:ph idx="1"/>
+          </p:nvPr>
+        </p:nvSpPr>
+        <p:spPr>
+          <a:xfrm>
+            <a:off x="1371599" y="2318197"/>
+            <a:ext cx="9724031" cy="3683358"/>
+          </a:xfrm>
+        </p:spPr>
+        <p:txBody>
+          <a:bodyPr anchor="ctr">
+            <a:normAutofit/>
+          </a:bodyPr>
+          <a:lstStyle/>
+          <a:p>
+            <a:pPr>
+              <a:buFont typeface="+mj-lt"/>
+              <a:buAutoNum type="arabicPeriod"/>
+            </a:pPr>
+            <a:endParaRPr lang="es-ES" sz="2000" b="0" i="0">
+              <a:effectLst/>
+              <a:highlight>
+                <a:srgbClr val="F3F3F3"/>
+              </a:highlight>
+              <a:latin typeface="-apple-system"/>
+            </a:endParaRPr>
+          </a:p>
+          <a:p>
+            <a:pPr marL="742950" lvl="1" indent="-285750">
+              <a:buFont typeface="+mj-lt"/>
+              <a:buAutoNum type="arabicPeriod"/>
+            </a:pPr>
+            <a:r>
+              <a:rPr lang="es-ES" sz="2000" b="1" i="0">
+                <a:effectLst/>
+                <a:highlight>
+                  <a:srgbClr val="F3F3F3"/>
+                </a:highlight>
+                <a:latin typeface="-apple-system"/>
+              </a:rPr>
+              <a:t>Diapositiva 5</a:t>
+            </a:r>
+            <a:r>
+              <a:rPr lang="es-ES" sz="2000" b="0" i="0">
+                <a:effectLst/>
+                <a:highlight>
+                  <a:srgbClr val="F3F3F3"/>
+                </a:highlight>
+                <a:latin typeface="-apple-system"/>
+              </a:rPr>
+              <a:t>: Lista y breve descripción de las tecnologías y herramientas utilizadas (e.g., Python, Scikit-learn, PHP).</a:t>
+            </a:r>
+          </a:p>
+          <a:p>
+            <a:br>
+              <a:rPr lang="es-ES" sz="2000"/>
+            </a:br>
+            <a:endParaRPr lang="es-SV" sz="2000"/>
+          </a:p>
+        </p:txBody>
+      </p:sp>
     </p:spTree>
     <p:extLst>
       <p:ext uri="{BB962C8B-B14F-4D97-AF65-F5344CB8AC3E}">
-        <p14:creationId xmlns:p14="http://schemas.microsoft.com/office/powerpoint/2010/main" val="3415821000"/>
+        <p14:creationId xmlns:p14="http://schemas.microsoft.com/office/powerpoint/2010/main" val="2760594863"/>
       </p:ext>
     </p:extLst>
   </p:cSld>
@@ -5596,6 +8237,14 @@
 <file path=ppt/slides/slide6.xml><?xml version="1.0" encoding="utf-8"?>
 <p:sld xmlns:a="http://schemas.openxmlformats.org/drawingml/2006/main" xmlns:r="http://schemas.openxmlformats.org/officeDocument/2006/relationships" xmlns:p="http://schemas.openxmlformats.org/presentationml/2006/main">
   <p:cSld>
+    <p:bg>
+      <p:bgPr>
+        <a:solidFill>
+          <a:schemeClr val="bg1"/>
+        </a:solidFill>
+        <a:effectLst/>
+      </p:bgPr>
+    </p:bg>
     <p:spTree>
       <p:nvGrpSpPr>
         <p:cNvPr id="1" name=""/>
@@ -5610,65 +8259,402 @@
           <a:chExt cx="0" cy="0"/>
         </a:xfrm>
       </p:grpSpPr>
-      <p:sp>
-        <p:nvSpPr>
-          <p:cNvPr id="2" name="Título 1">
-            <a:extLst>
-              <a:ext uri="{FF2B5EF4-FFF2-40B4-BE49-F238E27FC236}">
-                <a16:creationId xmlns:a16="http://schemas.microsoft.com/office/drawing/2014/main" id="{007CB46B-0102-753A-9B2A-B3FAE57EC93F}"/>
-              </a:ext>
-            </a:extLst>
-          </p:cNvPr>
-          <p:cNvSpPr>
-            <a:spLocks noGrp="1"/>
-          </p:cNvSpPr>
-          <p:nvPr>
-            <p:ph type="title"/>
+      <p:sp useBgFill="1">
+        <p:nvSpPr>
+          <p:cNvPr id="8" name="Rectangle 7">
+            <a:extLst>
+              <a:ext uri="{FF2B5EF4-FFF2-40B4-BE49-F238E27FC236}">
+                <a16:creationId xmlns:a16="http://schemas.microsoft.com/office/drawing/2014/main" id="{1B15ED52-F352-441B-82BF-E0EA34836D08}"/>
+              </a:ext>
+              <a:ext uri="{C183D7F6-B498-43B3-948B-1728B52AA6E4}">
+                <adec:decorative xmlns:adec="http://schemas.microsoft.com/office/drawing/2017/decorative" val="1"/>
+              </a:ext>
+            </a:extLst>
+          </p:cNvPr>
+          <p:cNvSpPr>
+            <a:spLocks noGrp="1" noRot="1" noChangeAspect="1" noMove="1" noResize="1" noEditPoints="1" noAdjustHandles="1" noChangeArrowheads="1" noChangeShapeType="1" noTextEdit="1"/>
+          </p:cNvSpPr>
+          <p:nvPr>
+            <p:extLst>
+              <p:ext uri="{386F3935-93C4-4BCD-93E2-E3B085C9AB24}">
+                <p16:designElem xmlns:p16="http://schemas.microsoft.com/office/powerpoint/2015/main" val="1"/>
+              </p:ext>
+            </p:extLst>
           </p:nvPr>
         </p:nvSpPr>
         <p:spPr>
           <a:xfrm>
-            <a:off x="838200" y="301708"/>
-            <a:ext cx="10515600" cy="758657"/>
+            <a:off x="0" y="0"/>
+            <a:ext cx="12192000" cy="6858000"/>
           </a:xfrm>
-          <a:solidFill>
-            <a:schemeClr val="accent4">
-              <a:lumMod val="20000"/>
-              <a:lumOff val="80000"/>
+          <a:prstGeom prst="rect">
+            <a:avLst/>
+          </a:prstGeom>
+          <a:ln w="12700" cap="flat" cmpd="sng" algn="ctr">
+            <a:noFill/>
+            <a:prstDash val="solid"/>
+            <a:miter lim="800000"/>
+          </a:ln>
+          <a:effectLst/>
+          <a:extLst>
+            <a:ext uri="{91240B29-F687-4F45-9708-019B960494DF}">
+              <a14:hiddenLine xmlns:a14="http://schemas.microsoft.com/office/drawing/2010/main" w="12700" cap="flat" cmpd="sng" algn="ctr">
+                <a:solidFill>
+                  <a:schemeClr val="accent1">
+                    <a:shade val="50000"/>
+                  </a:schemeClr>
+                </a:solidFill>
+                <a:prstDash val="solid"/>
+                <a:miter lim="800000"/>
+              </a14:hiddenLine>
+            </a:ext>
+          </a:extLst>
+        </p:spPr>
+        <p:style>
+          <a:lnRef idx="2">
+            <a:schemeClr val="accent1">
+              <a:shade val="50000"/>
             </a:schemeClr>
-          </a:solidFill>
+          </a:lnRef>
+          <a:fillRef idx="1">
+            <a:schemeClr val="accent1"/>
+          </a:fillRef>
+          <a:effectRef idx="0">
+            <a:schemeClr val="accent1"/>
+          </a:effectRef>
+          <a:fontRef idx="minor">
+            <a:schemeClr val="lt1"/>
+          </a:fontRef>
+        </p:style>
+        <p:txBody>
+          <a:bodyPr rtlCol="0" anchor="ctr"/>
+          <a:lstStyle/>
+          <a:p>
+            <a:pPr algn="ctr"/>
+            <a:endParaRPr lang="en-US"/>
+          </a:p>
+        </p:txBody>
+      </p:sp>
+      <p:sp>
+        <p:nvSpPr>
+          <p:cNvPr id="10" name="Rectangle 9">
+            <a:extLst>
+              <a:ext uri="{FF2B5EF4-FFF2-40B4-BE49-F238E27FC236}">
+                <a16:creationId xmlns:a16="http://schemas.microsoft.com/office/drawing/2014/main" id="{3B2E3793-BFE6-45A2-9B7B-E18844431C99}"/>
+              </a:ext>
+              <a:ext uri="{C183D7F6-B498-43B3-948B-1728B52AA6E4}">
+                <adec:decorative xmlns:adec="http://schemas.microsoft.com/office/drawing/2017/decorative" val="1"/>
+              </a:ext>
+            </a:extLst>
+          </p:cNvPr>
+          <p:cNvSpPr>
+            <a:spLocks noGrp="1" noRot="1" noChangeAspect="1" noMove="1" noResize="1" noEditPoints="1" noAdjustHandles="1" noChangeArrowheads="1" noChangeShapeType="1" noTextEdit="1"/>
+          </p:cNvSpPr>
+          <p:nvPr>
+            <p:extLst>
+              <p:ext uri="{386F3935-93C4-4BCD-93E2-E3B085C9AB24}">
+                <p16:designElem xmlns:p16="http://schemas.microsoft.com/office/powerpoint/2015/main" val="1"/>
+              </p:ext>
+            </p:extLst>
+          </p:nvPr>
+        </p:nvSpPr>
+        <p:spPr>
+          <a:xfrm flipH="1">
+            <a:off x="-1" y="-1"/>
+            <a:ext cx="12191998" cy="1590742"/>
+          </a:xfrm>
+          <a:prstGeom prst="rect">
+            <a:avLst/>
+          </a:prstGeom>
+          <a:gradFill>
+            <a:gsLst>
+              <a:gs pos="0">
+                <a:srgbClr val="000000"/>
+              </a:gs>
+              <a:gs pos="100000">
+                <a:schemeClr val="accent1">
+                  <a:lumMod val="75000"/>
+                </a:schemeClr>
+              </a:gs>
+            </a:gsLst>
+            <a:lin ang="8400000" scaled="0"/>
+          </a:gradFill>
+          <a:ln>
+            <a:noFill/>
+          </a:ln>
         </p:spPr>
-        <p:txBody>
-          <a:bodyPr/>
-          <a:lstStyle/>
-          <a:p>
-            <a:r>
-              <a:rPr lang="es-SV" b="1" dirty="0"/>
-              <a:t>ALCANCES</a:t>
-            </a:r>
-          </a:p>
-        </p:txBody>
-      </p:sp>
-      <p:sp>
-        <p:nvSpPr>
-          <p:cNvPr id="3" name="Marcador de contenido 2">
-            <a:extLst>
-              <a:ext uri="{FF2B5EF4-FFF2-40B4-BE49-F238E27FC236}">
-                <a16:creationId xmlns:a16="http://schemas.microsoft.com/office/drawing/2014/main" id="{7FDBD0FD-AE3B-1AF6-31CC-E85119E221E8}"/>
-              </a:ext>
-            </a:extLst>
-          </p:cNvPr>
-          <p:cNvSpPr>
-            <a:spLocks noGrp="1"/>
-          </p:cNvSpPr>
-          <p:nvPr>
-            <p:ph idx="1"/>
+        <p:style>
+          <a:lnRef idx="2">
+            <a:schemeClr val="accent1">
+              <a:shade val="50000"/>
+            </a:schemeClr>
+          </a:lnRef>
+          <a:fillRef idx="1">
+            <a:schemeClr val="accent1"/>
+          </a:fillRef>
+          <a:effectRef idx="0">
+            <a:schemeClr val="accent1"/>
+          </a:effectRef>
+          <a:fontRef idx="minor">
+            <a:schemeClr val="lt1"/>
+          </a:fontRef>
+        </p:style>
+        <p:txBody>
+          <a:bodyPr rtlCol="0" anchor="ctr"/>
+          <a:lstStyle/>
+          <a:p>
+            <a:pPr algn="ctr"/>
+            <a:endParaRPr lang="en-US"/>
+          </a:p>
+        </p:txBody>
+      </p:sp>
+      <p:sp>
+        <p:nvSpPr>
+          <p:cNvPr id="12" name="Rectangle 11">
+            <a:extLst>
+              <a:ext uri="{FF2B5EF4-FFF2-40B4-BE49-F238E27FC236}">
+                <a16:creationId xmlns:a16="http://schemas.microsoft.com/office/drawing/2014/main" id="{BC4C4868-CB8F-4AF9-9CDB-8108F2C19B67}"/>
+              </a:ext>
+              <a:ext uri="{C183D7F6-B498-43B3-948B-1728B52AA6E4}">
+                <adec:decorative xmlns:adec="http://schemas.microsoft.com/office/drawing/2017/decorative" val="1"/>
+              </a:ext>
+            </a:extLst>
+          </p:cNvPr>
+          <p:cNvSpPr>
+            <a:spLocks noGrp="1" noRot="1" noChangeAspect="1" noMove="1" noResize="1" noEditPoints="1" noAdjustHandles="1" noChangeArrowheads="1" noChangeShapeType="1" noTextEdit="1"/>
+          </p:cNvSpPr>
+          <p:nvPr>
+            <p:extLst>
+              <p:ext uri="{386F3935-93C4-4BCD-93E2-E3B085C9AB24}">
+                <p16:designElem xmlns:p16="http://schemas.microsoft.com/office/powerpoint/2015/main" val="1"/>
+              </p:ext>
+            </p:extLst>
+          </p:nvPr>
+        </p:nvSpPr>
+        <p:spPr>
+          <a:xfrm rot="10800000" flipH="1">
+            <a:off x="-3" y="0"/>
+            <a:ext cx="8115306" cy="1590742"/>
+          </a:xfrm>
+          <a:prstGeom prst="rect">
+            <a:avLst/>
+          </a:prstGeom>
+          <a:gradFill>
+            <a:gsLst>
+              <a:gs pos="20000">
+                <a:schemeClr val="accent1">
+                  <a:alpha val="0"/>
+                </a:schemeClr>
+              </a:gs>
+              <a:gs pos="100000">
+                <a:schemeClr val="accent1">
+                  <a:lumMod val="50000"/>
+                  <a:alpha val="55000"/>
+                </a:schemeClr>
+              </a:gs>
+            </a:gsLst>
+            <a:lin ang="13800000" scaled="0"/>
+          </a:gradFill>
+          <a:ln>
+            <a:noFill/>
+          </a:ln>
+        </p:spPr>
+        <p:style>
+          <a:lnRef idx="2">
+            <a:schemeClr val="accent1">
+              <a:shade val="50000"/>
+            </a:schemeClr>
+          </a:lnRef>
+          <a:fillRef idx="1">
+            <a:schemeClr val="accent1"/>
+          </a:fillRef>
+          <a:effectRef idx="0">
+            <a:schemeClr val="accent1"/>
+          </a:effectRef>
+          <a:fontRef idx="minor">
+            <a:schemeClr val="lt1"/>
+          </a:fontRef>
+        </p:style>
+        <p:txBody>
+          <a:bodyPr rtlCol="0" anchor="ctr"/>
+          <a:lstStyle/>
+          <a:p>
+            <a:pPr algn="ctr"/>
+            <a:endParaRPr lang="en-US"/>
+          </a:p>
+        </p:txBody>
+      </p:sp>
+      <p:sp>
+        <p:nvSpPr>
+          <p:cNvPr id="14" name="Rectangle 13">
+            <a:extLst>
+              <a:ext uri="{FF2B5EF4-FFF2-40B4-BE49-F238E27FC236}">
+                <a16:creationId xmlns:a16="http://schemas.microsoft.com/office/drawing/2014/main" id="{375E0459-6403-40CD-989D-56A4407CA12E}"/>
+              </a:ext>
+              <a:ext uri="{C183D7F6-B498-43B3-948B-1728B52AA6E4}">
+                <adec:decorative xmlns:adec="http://schemas.microsoft.com/office/drawing/2017/decorative" val="1"/>
+              </a:ext>
+            </a:extLst>
+          </p:cNvPr>
+          <p:cNvSpPr>
+            <a:spLocks noGrp="1" noRot="1" noChangeAspect="1" noMove="1" noResize="1" noEditPoints="1" noAdjustHandles="1" noChangeArrowheads="1" noChangeShapeType="1" noTextEdit="1"/>
+          </p:cNvSpPr>
+          <p:nvPr>
+            <p:extLst>
+              <p:ext uri="{386F3935-93C4-4BCD-93E2-E3B085C9AB24}">
+                <p16:designElem xmlns:p16="http://schemas.microsoft.com/office/powerpoint/2015/main" val="1"/>
+              </p:ext>
+            </p:extLst>
+          </p:nvPr>
+        </p:nvSpPr>
+        <p:spPr>
+          <a:xfrm flipH="1">
+            <a:off x="8115299" y="-1"/>
+            <a:ext cx="4076698" cy="1590742"/>
+          </a:xfrm>
+          <a:prstGeom prst="rect">
+            <a:avLst/>
+          </a:prstGeom>
+          <a:gradFill>
+            <a:gsLst>
+              <a:gs pos="0">
+                <a:schemeClr val="accent1">
+                  <a:alpha val="66000"/>
+                </a:schemeClr>
+              </a:gs>
+              <a:gs pos="100000">
+                <a:srgbClr val="000000">
+                  <a:alpha val="30000"/>
+                </a:srgbClr>
+              </a:gs>
+            </a:gsLst>
+            <a:lin ang="13200000" scaled="0"/>
+          </a:gradFill>
+          <a:ln>
+            <a:noFill/>
+          </a:ln>
+        </p:spPr>
+        <p:style>
+          <a:lnRef idx="2">
+            <a:schemeClr val="accent1">
+              <a:shade val="50000"/>
+            </a:schemeClr>
+          </a:lnRef>
+          <a:fillRef idx="1">
+            <a:schemeClr val="accent1"/>
+          </a:fillRef>
+          <a:effectRef idx="0">
+            <a:schemeClr val="accent1"/>
+          </a:effectRef>
+          <a:fontRef idx="minor">
+            <a:schemeClr val="lt1"/>
+          </a:fontRef>
+        </p:style>
+        <p:txBody>
+          <a:bodyPr rtlCol="0" anchor="ctr"/>
+          <a:lstStyle/>
+          <a:p>
+            <a:pPr algn="ctr"/>
+            <a:endParaRPr lang="en-US"/>
+          </a:p>
+        </p:txBody>
+      </p:sp>
+      <p:sp>
+        <p:nvSpPr>
+          <p:cNvPr id="16" name="Rectangle 15">
+            <a:extLst>
+              <a:ext uri="{FF2B5EF4-FFF2-40B4-BE49-F238E27FC236}">
+                <a16:creationId xmlns:a16="http://schemas.microsoft.com/office/drawing/2014/main" id="{53E5B1A8-3AC9-4BD1-9BBC-78CA94F2D1BA}"/>
+              </a:ext>
+              <a:ext uri="{C183D7F6-B498-43B3-948B-1728B52AA6E4}">
+                <adec:decorative xmlns:adec="http://schemas.microsoft.com/office/drawing/2017/decorative" val="1"/>
+              </a:ext>
+            </a:extLst>
+          </p:cNvPr>
+          <p:cNvSpPr>
+            <a:spLocks noGrp="1" noRot="1" noChangeAspect="1" noMove="1" noResize="1" noEditPoints="1" noAdjustHandles="1" noChangeArrowheads="1" noChangeShapeType="1" noTextEdit="1"/>
+          </p:cNvSpPr>
+          <p:nvPr>
+            <p:extLst>
+              <p:ext uri="{386F3935-93C4-4BCD-93E2-E3B085C9AB24}">
+                <p16:designElem xmlns:p16="http://schemas.microsoft.com/office/powerpoint/2015/main" val="1"/>
+              </p:ext>
+            </p:extLst>
           </p:nvPr>
         </p:nvSpPr>
         <p:spPr>
           <a:xfrm>
-            <a:off x="838200" y="1284050"/>
-            <a:ext cx="10515600" cy="5272241"/>
+            <a:off x="459350" y="-1"/>
+            <a:ext cx="11732646" cy="1597433"/>
+          </a:xfrm>
+          <a:prstGeom prst="rect">
+            <a:avLst/>
+          </a:prstGeom>
+          <a:gradFill>
+            <a:gsLst>
+              <a:gs pos="50000">
+                <a:srgbClr val="000000">
+                  <a:alpha val="0"/>
+                </a:srgbClr>
+              </a:gs>
+              <a:gs pos="99000">
+                <a:schemeClr val="accent1">
+                  <a:lumMod val="50000"/>
+                  <a:alpha val="52000"/>
+                </a:schemeClr>
+              </a:gs>
+            </a:gsLst>
+            <a:lin ang="16800000" scaled="0"/>
+          </a:gradFill>
+          <a:ln>
+            <a:noFill/>
+          </a:ln>
+        </p:spPr>
+        <p:style>
+          <a:lnRef idx="2">
+            <a:schemeClr val="accent1">
+              <a:shade val="50000"/>
+            </a:schemeClr>
+          </a:lnRef>
+          <a:fillRef idx="1">
+            <a:schemeClr val="accent1"/>
+          </a:fillRef>
+          <a:effectRef idx="0">
+            <a:schemeClr val="accent1"/>
+          </a:effectRef>
+          <a:fontRef idx="minor">
+            <a:schemeClr val="lt1"/>
+          </a:fontRef>
+        </p:style>
+        <p:txBody>
+          <a:bodyPr rtlCol="0" anchor="ctr"/>
+          <a:lstStyle/>
+          <a:p>
+            <a:pPr algn="ctr"/>
+            <a:endParaRPr lang="en-US"/>
+          </a:p>
+        </p:txBody>
+      </p:sp>
+      <p:sp>
+        <p:nvSpPr>
+          <p:cNvPr id="2" name="Título 1">
+            <a:extLst>
+              <a:ext uri="{FF2B5EF4-FFF2-40B4-BE49-F238E27FC236}">
+                <a16:creationId xmlns:a16="http://schemas.microsoft.com/office/drawing/2014/main" id="{656783D0-79B5-E86D-80B5-676BF6B1FFEA}"/>
+              </a:ext>
+            </a:extLst>
+          </p:cNvPr>
+          <p:cNvSpPr>
+            <a:spLocks noGrp="1"/>
+          </p:cNvSpPr>
+          <p:nvPr>
+            <p:ph type="title"/>
+          </p:nvPr>
+        </p:nvSpPr>
+        <p:spPr>
+          <a:xfrm>
+            <a:off x="1371599" y="294538"/>
+            <a:ext cx="9895951" cy="1033669"/>
           </a:xfrm>
         </p:spPr>
         <p:txBody>
@@ -5677,89 +8663,79 @@
           </a:bodyPr>
           <a:lstStyle/>
           <a:p>
-            <a:pPr marR="0" algn="l" rtl="0"/>
+            <a:endParaRPr lang="es-SV" sz="4000">
+              <a:solidFill>
+                <a:srgbClr val="FFFFFF"/>
+              </a:solidFill>
+            </a:endParaRPr>
+          </a:p>
+        </p:txBody>
+      </p:sp>
+      <p:sp>
+        <p:nvSpPr>
+          <p:cNvPr id="3" name="Marcador de contenido 2">
+            <a:extLst>
+              <a:ext uri="{FF2B5EF4-FFF2-40B4-BE49-F238E27FC236}">
+                <a16:creationId xmlns:a16="http://schemas.microsoft.com/office/drawing/2014/main" id="{C795053C-65BD-6A97-3971-29EDD902E2AE}"/>
+              </a:ext>
+            </a:extLst>
+          </p:cNvPr>
+          <p:cNvSpPr>
+            <a:spLocks noGrp="1"/>
+          </p:cNvSpPr>
+          <p:nvPr>
+            <p:ph idx="1"/>
+          </p:nvPr>
+        </p:nvSpPr>
+        <p:spPr>
+          <a:xfrm>
+            <a:off x="1371599" y="2318197"/>
+            <a:ext cx="9724031" cy="3683358"/>
+          </a:xfrm>
+        </p:spPr>
+        <p:txBody>
+          <a:bodyPr anchor="ctr">
+            <a:normAutofit/>
+          </a:bodyPr>
+          <a:lstStyle/>
+          <a:p>
+            <a:pPr>
+              <a:buFont typeface="Arial" panose="020B0604020202020204" pitchFamily="34" charset="0"/>
+              <a:buChar char="•"/>
+            </a:pPr>
             <a:r>
-              <a:rPr lang="es-SV" sz="3500" b="1" dirty="0"/>
-              <a:t>Tecnologías</a:t>
+              <a:rPr lang="es-ES" sz="2000" b="1" i="0">
+                <a:effectLst/>
+                <a:highlight>
+                  <a:srgbClr val="F3F3F3"/>
+                </a:highlight>
+                <a:latin typeface="-apple-system"/>
+              </a:rPr>
+              <a:t>Diapositiva 6</a:t>
             </a:r>
             <a:r>
-              <a:rPr lang="es-SV" sz="3500" dirty="0"/>
-              <a:t>:</a:t>
+              <a:rPr lang="es-ES" sz="2000" b="0" i="0">
+                <a:effectLst/>
+                <a:highlight>
+                  <a:srgbClr val="F3F3F3"/>
+                </a:highlight>
+                <a:latin typeface="-apple-system"/>
+              </a:rPr>
+              <a:t>: Definición del problema y recopilación de datos.</a:t>
             </a:r>
           </a:p>
           <a:p>
-            <a:pPr lvl="1"/>
-            <a:r>
-              <a:rPr lang="es-SV" sz="3500" dirty="0"/>
-              <a:t>HTML, CSS, PHP, JavaScript, Python, </a:t>
-            </a:r>
-            <a:r>
-              <a:rPr lang="es-SV" sz="3500" dirty="0" err="1"/>
-              <a:t>MariaDB</a:t>
-            </a:r>
-            <a:r>
-              <a:rPr lang="es-SV" sz="3500" dirty="0"/>
-              <a:t>, Apache.</a:t>
-            </a:r>
-          </a:p>
-          <a:p>
-            <a:r>
-              <a:rPr lang="es-SV" sz="3500" b="1" dirty="0"/>
-              <a:t>Datos:</a:t>
-            </a:r>
-          </a:p>
-          <a:p>
-            <a:pPr lvl="1"/>
-            <a:r>
-              <a:rPr lang="es-SV" sz="3500" dirty="0"/>
-              <a:t>Capturar datos de TA.</a:t>
-            </a:r>
-          </a:p>
-          <a:p>
-            <a:pPr lvl="1"/>
-            <a:r>
-              <a:rPr lang="es-SV" sz="3500" dirty="0"/>
-              <a:t>Capturar datos de factores de riesgo.</a:t>
-            </a:r>
-          </a:p>
-          <a:p>
-            <a:pPr lvl="1"/>
-            <a:r>
-              <a:rPr lang="es-SV" sz="3500" dirty="0"/>
-              <a:t>Capturar datos generales de pacientes.</a:t>
-            </a:r>
-          </a:p>
-          <a:p>
-            <a:pPr lvl="1"/>
-            <a:r>
-              <a:rPr lang="es-SV" sz="3500" dirty="0"/>
-              <a:t>Predecir valores futuros Sístole y Diástole.</a:t>
-            </a:r>
-          </a:p>
-          <a:p>
-            <a:pPr lvl="1"/>
-            <a:r>
-              <a:rPr lang="es-SV" sz="3500" dirty="0"/>
-              <a:t>Uso de médico general.</a:t>
-            </a:r>
-          </a:p>
-          <a:p>
-            <a:pPr lvl="1"/>
-            <a:endParaRPr lang="es-SV" sz="3500" dirty="0"/>
-          </a:p>
-          <a:p>
-            <a:endParaRPr lang="es-SV" sz="3500" dirty="0"/>
-          </a:p>
-          <a:p>
-            <a:pPr marR="0" algn="l" rtl="0"/>
-            <a:endParaRPr lang="es-SV" sz="3500" dirty="0"/>
+            <a:br>
+              <a:rPr lang="es-ES" sz="2000"/>
+            </a:br>
+            <a:endParaRPr lang="es-SV" sz="2000"/>
           </a:p>
         </p:txBody>
       </p:sp>
     </p:spTree>
     <p:extLst>
       <p:ext uri="{BB962C8B-B14F-4D97-AF65-F5344CB8AC3E}">
-        <p14:creationId xmlns:p14="http://schemas.microsoft.com/office/powerpoint/2010/main" val="2007691012"/>
+        <p14:creationId xmlns:p14="http://schemas.microsoft.com/office/powerpoint/2010/main" val="1219548415"/>
       </p:ext>
     </p:extLst>
   </p:cSld>
@@ -5772,6 +8748,14 @@
 <file path=ppt/slides/slide7.xml><?xml version="1.0" encoding="utf-8"?>
 <p:sld xmlns:a="http://schemas.openxmlformats.org/drawingml/2006/main" xmlns:r="http://schemas.openxmlformats.org/officeDocument/2006/relationships" xmlns:p="http://schemas.openxmlformats.org/presentationml/2006/main">
   <p:cSld>
+    <p:bg>
+      <p:bgPr>
+        <a:solidFill>
+          <a:schemeClr val="bg1"/>
+        </a:solidFill>
+        <a:effectLst/>
+      </p:bgPr>
+    </p:bg>
     <p:spTree>
       <p:nvGrpSpPr>
         <p:cNvPr id="1" name=""/>
@@ -5786,65 +8770,402 @@
           <a:chExt cx="0" cy="0"/>
         </a:xfrm>
       </p:grpSpPr>
-      <p:sp>
-        <p:nvSpPr>
-          <p:cNvPr id="2" name="Título 1">
-            <a:extLst>
-              <a:ext uri="{FF2B5EF4-FFF2-40B4-BE49-F238E27FC236}">
-                <a16:creationId xmlns:a16="http://schemas.microsoft.com/office/drawing/2014/main" id="{007CB46B-0102-753A-9B2A-B3FAE57EC93F}"/>
-              </a:ext>
-            </a:extLst>
-          </p:cNvPr>
-          <p:cNvSpPr>
-            <a:spLocks noGrp="1"/>
-          </p:cNvSpPr>
-          <p:nvPr>
-            <p:ph type="title"/>
+      <p:sp useBgFill="1">
+        <p:nvSpPr>
+          <p:cNvPr id="8" name="Rectangle 7">
+            <a:extLst>
+              <a:ext uri="{FF2B5EF4-FFF2-40B4-BE49-F238E27FC236}">
+                <a16:creationId xmlns:a16="http://schemas.microsoft.com/office/drawing/2014/main" id="{1B15ED52-F352-441B-82BF-E0EA34836D08}"/>
+              </a:ext>
+              <a:ext uri="{C183D7F6-B498-43B3-948B-1728B52AA6E4}">
+                <adec:decorative xmlns:adec="http://schemas.microsoft.com/office/drawing/2017/decorative" val="1"/>
+              </a:ext>
+            </a:extLst>
+          </p:cNvPr>
+          <p:cNvSpPr>
+            <a:spLocks noGrp="1" noRot="1" noChangeAspect="1" noMove="1" noResize="1" noEditPoints="1" noAdjustHandles="1" noChangeArrowheads="1" noChangeShapeType="1" noTextEdit="1"/>
+          </p:cNvSpPr>
+          <p:nvPr>
+            <p:extLst>
+              <p:ext uri="{386F3935-93C4-4BCD-93E2-E3B085C9AB24}">
+                <p16:designElem xmlns:p16="http://schemas.microsoft.com/office/powerpoint/2015/main" val="1"/>
+              </p:ext>
+            </p:extLst>
           </p:nvPr>
         </p:nvSpPr>
         <p:spPr>
           <a:xfrm>
-            <a:off x="838200" y="301708"/>
-            <a:ext cx="10515600" cy="758657"/>
+            <a:off x="0" y="0"/>
+            <a:ext cx="12192000" cy="6858000"/>
           </a:xfrm>
-          <a:solidFill>
-            <a:schemeClr val="accent4">
-              <a:lumMod val="20000"/>
-              <a:lumOff val="80000"/>
+          <a:prstGeom prst="rect">
+            <a:avLst/>
+          </a:prstGeom>
+          <a:ln w="12700" cap="flat" cmpd="sng" algn="ctr">
+            <a:noFill/>
+            <a:prstDash val="solid"/>
+            <a:miter lim="800000"/>
+          </a:ln>
+          <a:effectLst/>
+          <a:extLst>
+            <a:ext uri="{91240B29-F687-4F45-9708-019B960494DF}">
+              <a14:hiddenLine xmlns:a14="http://schemas.microsoft.com/office/drawing/2010/main" w="12700" cap="flat" cmpd="sng" algn="ctr">
+                <a:solidFill>
+                  <a:schemeClr val="accent1">
+                    <a:shade val="50000"/>
+                  </a:schemeClr>
+                </a:solidFill>
+                <a:prstDash val="solid"/>
+                <a:miter lim="800000"/>
+              </a14:hiddenLine>
+            </a:ext>
+          </a:extLst>
+        </p:spPr>
+        <p:style>
+          <a:lnRef idx="2">
+            <a:schemeClr val="accent1">
+              <a:shade val="50000"/>
             </a:schemeClr>
-          </a:solidFill>
+          </a:lnRef>
+          <a:fillRef idx="1">
+            <a:schemeClr val="accent1"/>
+          </a:fillRef>
+          <a:effectRef idx="0">
+            <a:schemeClr val="accent1"/>
+          </a:effectRef>
+          <a:fontRef idx="minor">
+            <a:schemeClr val="lt1"/>
+          </a:fontRef>
+        </p:style>
+        <p:txBody>
+          <a:bodyPr rtlCol="0" anchor="ctr"/>
+          <a:lstStyle/>
+          <a:p>
+            <a:pPr algn="ctr"/>
+            <a:endParaRPr lang="en-US"/>
+          </a:p>
+        </p:txBody>
+      </p:sp>
+      <p:sp>
+        <p:nvSpPr>
+          <p:cNvPr id="10" name="Rectangle 9">
+            <a:extLst>
+              <a:ext uri="{FF2B5EF4-FFF2-40B4-BE49-F238E27FC236}">
+                <a16:creationId xmlns:a16="http://schemas.microsoft.com/office/drawing/2014/main" id="{3B2E3793-BFE6-45A2-9B7B-E18844431C99}"/>
+              </a:ext>
+              <a:ext uri="{C183D7F6-B498-43B3-948B-1728B52AA6E4}">
+                <adec:decorative xmlns:adec="http://schemas.microsoft.com/office/drawing/2017/decorative" val="1"/>
+              </a:ext>
+            </a:extLst>
+          </p:cNvPr>
+          <p:cNvSpPr>
+            <a:spLocks noGrp="1" noRot="1" noChangeAspect="1" noMove="1" noResize="1" noEditPoints="1" noAdjustHandles="1" noChangeArrowheads="1" noChangeShapeType="1" noTextEdit="1"/>
+          </p:cNvSpPr>
+          <p:nvPr>
+            <p:extLst>
+              <p:ext uri="{386F3935-93C4-4BCD-93E2-E3B085C9AB24}">
+                <p16:designElem xmlns:p16="http://schemas.microsoft.com/office/powerpoint/2015/main" val="1"/>
+              </p:ext>
+            </p:extLst>
+          </p:nvPr>
+        </p:nvSpPr>
+        <p:spPr>
+          <a:xfrm flipH="1">
+            <a:off x="-1" y="-1"/>
+            <a:ext cx="12191998" cy="1590742"/>
+          </a:xfrm>
+          <a:prstGeom prst="rect">
+            <a:avLst/>
+          </a:prstGeom>
+          <a:gradFill>
+            <a:gsLst>
+              <a:gs pos="0">
+                <a:srgbClr val="000000"/>
+              </a:gs>
+              <a:gs pos="100000">
+                <a:schemeClr val="accent1">
+                  <a:lumMod val="75000"/>
+                </a:schemeClr>
+              </a:gs>
+            </a:gsLst>
+            <a:lin ang="8400000" scaled="0"/>
+          </a:gradFill>
+          <a:ln>
+            <a:noFill/>
+          </a:ln>
         </p:spPr>
-        <p:txBody>
-          <a:bodyPr/>
-          <a:lstStyle/>
-          <a:p>
-            <a:r>
-              <a:rPr lang="es-SV" b="1" dirty="0"/>
-              <a:t>LIBRERIAS UTILIZADAS</a:t>
-            </a:r>
-          </a:p>
-        </p:txBody>
-      </p:sp>
-      <p:sp>
-        <p:nvSpPr>
-          <p:cNvPr id="3" name="Marcador de contenido 2">
-            <a:extLst>
-              <a:ext uri="{FF2B5EF4-FFF2-40B4-BE49-F238E27FC236}">
-                <a16:creationId xmlns:a16="http://schemas.microsoft.com/office/drawing/2014/main" id="{7FDBD0FD-AE3B-1AF6-31CC-E85119E221E8}"/>
-              </a:ext>
-            </a:extLst>
-          </p:cNvPr>
-          <p:cNvSpPr>
-            <a:spLocks noGrp="1"/>
-          </p:cNvSpPr>
-          <p:nvPr>
-            <p:ph idx="1"/>
+        <p:style>
+          <a:lnRef idx="2">
+            <a:schemeClr val="accent1">
+              <a:shade val="50000"/>
+            </a:schemeClr>
+          </a:lnRef>
+          <a:fillRef idx="1">
+            <a:schemeClr val="accent1"/>
+          </a:fillRef>
+          <a:effectRef idx="0">
+            <a:schemeClr val="accent1"/>
+          </a:effectRef>
+          <a:fontRef idx="minor">
+            <a:schemeClr val="lt1"/>
+          </a:fontRef>
+        </p:style>
+        <p:txBody>
+          <a:bodyPr rtlCol="0" anchor="ctr"/>
+          <a:lstStyle/>
+          <a:p>
+            <a:pPr algn="ctr"/>
+            <a:endParaRPr lang="en-US"/>
+          </a:p>
+        </p:txBody>
+      </p:sp>
+      <p:sp>
+        <p:nvSpPr>
+          <p:cNvPr id="12" name="Rectangle 11">
+            <a:extLst>
+              <a:ext uri="{FF2B5EF4-FFF2-40B4-BE49-F238E27FC236}">
+                <a16:creationId xmlns:a16="http://schemas.microsoft.com/office/drawing/2014/main" id="{BC4C4868-CB8F-4AF9-9CDB-8108F2C19B67}"/>
+              </a:ext>
+              <a:ext uri="{C183D7F6-B498-43B3-948B-1728B52AA6E4}">
+                <adec:decorative xmlns:adec="http://schemas.microsoft.com/office/drawing/2017/decorative" val="1"/>
+              </a:ext>
+            </a:extLst>
+          </p:cNvPr>
+          <p:cNvSpPr>
+            <a:spLocks noGrp="1" noRot="1" noChangeAspect="1" noMove="1" noResize="1" noEditPoints="1" noAdjustHandles="1" noChangeArrowheads="1" noChangeShapeType="1" noTextEdit="1"/>
+          </p:cNvSpPr>
+          <p:nvPr>
+            <p:extLst>
+              <p:ext uri="{386F3935-93C4-4BCD-93E2-E3B085C9AB24}">
+                <p16:designElem xmlns:p16="http://schemas.microsoft.com/office/powerpoint/2015/main" val="1"/>
+              </p:ext>
+            </p:extLst>
+          </p:nvPr>
+        </p:nvSpPr>
+        <p:spPr>
+          <a:xfrm rot="10800000" flipH="1">
+            <a:off x="-3" y="0"/>
+            <a:ext cx="8115306" cy="1590742"/>
+          </a:xfrm>
+          <a:prstGeom prst="rect">
+            <a:avLst/>
+          </a:prstGeom>
+          <a:gradFill>
+            <a:gsLst>
+              <a:gs pos="20000">
+                <a:schemeClr val="accent1">
+                  <a:alpha val="0"/>
+                </a:schemeClr>
+              </a:gs>
+              <a:gs pos="100000">
+                <a:schemeClr val="accent1">
+                  <a:lumMod val="50000"/>
+                  <a:alpha val="55000"/>
+                </a:schemeClr>
+              </a:gs>
+            </a:gsLst>
+            <a:lin ang="13800000" scaled="0"/>
+          </a:gradFill>
+          <a:ln>
+            <a:noFill/>
+          </a:ln>
+        </p:spPr>
+        <p:style>
+          <a:lnRef idx="2">
+            <a:schemeClr val="accent1">
+              <a:shade val="50000"/>
+            </a:schemeClr>
+          </a:lnRef>
+          <a:fillRef idx="1">
+            <a:schemeClr val="accent1"/>
+          </a:fillRef>
+          <a:effectRef idx="0">
+            <a:schemeClr val="accent1"/>
+          </a:effectRef>
+          <a:fontRef idx="minor">
+            <a:schemeClr val="lt1"/>
+          </a:fontRef>
+        </p:style>
+        <p:txBody>
+          <a:bodyPr rtlCol="0" anchor="ctr"/>
+          <a:lstStyle/>
+          <a:p>
+            <a:pPr algn="ctr"/>
+            <a:endParaRPr lang="en-US"/>
+          </a:p>
+        </p:txBody>
+      </p:sp>
+      <p:sp>
+        <p:nvSpPr>
+          <p:cNvPr id="14" name="Rectangle 13">
+            <a:extLst>
+              <a:ext uri="{FF2B5EF4-FFF2-40B4-BE49-F238E27FC236}">
+                <a16:creationId xmlns:a16="http://schemas.microsoft.com/office/drawing/2014/main" id="{375E0459-6403-40CD-989D-56A4407CA12E}"/>
+              </a:ext>
+              <a:ext uri="{C183D7F6-B498-43B3-948B-1728B52AA6E4}">
+                <adec:decorative xmlns:adec="http://schemas.microsoft.com/office/drawing/2017/decorative" val="1"/>
+              </a:ext>
+            </a:extLst>
+          </p:cNvPr>
+          <p:cNvSpPr>
+            <a:spLocks noGrp="1" noRot="1" noChangeAspect="1" noMove="1" noResize="1" noEditPoints="1" noAdjustHandles="1" noChangeArrowheads="1" noChangeShapeType="1" noTextEdit="1"/>
+          </p:cNvSpPr>
+          <p:nvPr>
+            <p:extLst>
+              <p:ext uri="{386F3935-93C4-4BCD-93E2-E3B085C9AB24}">
+                <p16:designElem xmlns:p16="http://schemas.microsoft.com/office/powerpoint/2015/main" val="1"/>
+              </p:ext>
+            </p:extLst>
+          </p:nvPr>
+        </p:nvSpPr>
+        <p:spPr>
+          <a:xfrm flipH="1">
+            <a:off x="8115299" y="-1"/>
+            <a:ext cx="4076698" cy="1590742"/>
+          </a:xfrm>
+          <a:prstGeom prst="rect">
+            <a:avLst/>
+          </a:prstGeom>
+          <a:gradFill>
+            <a:gsLst>
+              <a:gs pos="0">
+                <a:schemeClr val="accent1">
+                  <a:alpha val="66000"/>
+                </a:schemeClr>
+              </a:gs>
+              <a:gs pos="100000">
+                <a:srgbClr val="000000">
+                  <a:alpha val="30000"/>
+                </a:srgbClr>
+              </a:gs>
+            </a:gsLst>
+            <a:lin ang="13200000" scaled="0"/>
+          </a:gradFill>
+          <a:ln>
+            <a:noFill/>
+          </a:ln>
+        </p:spPr>
+        <p:style>
+          <a:lnRef idx="2">
+            <a:schemeClr val="accent1">
+              <a:shade val="50000"/>
+            </a:schemeClr>
+          </a:lnRef>
+          <a:fillRef idx="1">
+            <a:schemeClr val="accent1"/>
+          </a:fillRef>
+          <a:effectRef idx="0">
+            <a:schemeClr val="accent1"/>
+          </a:effectRef>
+          <a:fontRef idx="minor">
+            <a:schemeClr val="lt1"/>
+          </a:fontRef>
+        </p:style>
+        <p:txBody>
+          <a:bodyPr rtlCol="0" anchor="ctr"/>
+          <a:lstStyle/>
+          <a:p>
+            <a:pPr algn="ctr"/>
+            <a:endParaRPr lang="en-US"/>
+          </a:p>
+        </p:txBody>
+      </p:sp>
+      <p:sp>
+        <p:nvSpPr>
+          <p:cNvPr id="16" name="Rectangle 15">
+            <a:extLst>
+              <a:ext uri="{FF2B5EF4-FFF2-40B4-BE49-F238E27FC236}">
+                <a16:creationId xmlns:a16="http://schemas.microsoft.com/office/drawing/2014/main" id="{53E5B1A8-3AC9-4BD1-9BBC-78CA94F2D1BA}"/>
+              </a:ext>
+              <a:ext uri="{C183D7F6-B498-43B3-948B-1728B52AA6E4}">
+                <adec:decorative xmlns:adec="http://schemas.microsoft.com/office/drawing/2017/decorative" val="1"/>
+              </a:ext>
+            </a:extLst>
+          </p:cNvPr>
+          <p:cNvSpPr>
+            <a:spLocks noGrp="1" noRot="1" noChangeAspect="1" noMove="1" noResize="1" noEditPoints="1" noAdjustHandles="1" noChangeArrowheads="1" noChangeShapeType="1" noTextEdit="1"/>
+          </p:cNvSpPr>
+          <p:nvPr>
+            <p:extLst>
+              <p:ext uri="{386F3935-93C4-4BCD-93E2-E3B085C9AB24}">
+                <p16:designElem xmlns:p16="http://schemas.microsoft.com/office/powerpoint/2015/main" val="1"/>
+              </p:ext>
+            </p:extLst>
           </p:nvPr>
         </p:nvSpPr>
         <p:spPr>
           <a:xfrm>
-            <a:off x="838200" y="1284050"/>
-            <a:ext cx="10515600" cy="5272241"/>
+            <a:off x="459350" y="-1"/>
+            <a:ext cx="11732646" cy="1597433"/>
+          </a:xfrm>
+          <a:prstGeom prst="rect">
+            <a:avLst/>
+          </a:prstGeom>
+          <a:gradFill>
+            <a:gsLst>
+              <a:gs pos="50000">
+                <a:srgbClr val="000000">
+                  <a:alpha val="0"/>
+                </a:srgbClr>
+              </a:gs>
+              <a:gs pos="99000">
+                <a:schemeClr val="accent1">
+                  <a:lumMod val="50000"/>
+                  <a:alpha val="52000"/>
+                </a:schemeClr>
+              </a:gs>
+            </a:gsLst>
+            <a:lin ang="16800000" scaled="0"/>
+          </a:gradFill>
+          <a:ln>
+            <a:noFill/>
+          </a:ln>
+        </p:spPr>
+        <p:style>
+          <a:lnRef idx="2">
+            <a:schemeClr val="accent1">
+              <a:shade val="50000"/>
+            </a:schemeClr>
+          </a:lnRef>
+          <a:fillRef idx="1">
+            <a:schemeClr val="accent1"/>
+          </a:fillRef>
+          <a:effectRef idx="0">
+            <a:schemeClr val="accent1"/>
+          </a:effectRef>
+          <a:fontRef idx="minor">
+            <a:schemeClr val="lt1"/>
+          </a:fontRef>
+        </p:style>
+        <p:txBody>
+          <a:bodyPr rtlCol="0" anchor="ctr"/>
+          <a:lstStyle/>
+          <a:p>
+            <a:pPr algn="ctr"/>
+            <a:endParaRPr lang="en-US"/>
+          </a:p>
+        </p:txBody>
+      </p:sp>
+      <p:sp>
+        <p:nvSpPr>
+          <p:cNvPr id="2" name="Título 1">
+            <a:extLst>
+              <a:ext uri="{FF2B5EF4-FFF2-40B4-BE49-F238E27FC236}">
+                <a16:creationId xmlns:a16="http://schemas.microsoft.com/office/drawing/2014/main" id="{410E74E7-A4C8-49A5-F858-70C3A33A39B9}"/>
+              </a:ext>
+            </a:extLst>
+          </p:cNvPr>
+          <p:cNvSpPr>
+            <a:spLocks noGrp="1"/>
+          </p:cNvSpPr>
+          <p:nvPr>
+            <p:ph type="title"/>
+          </p:nvPr>
+        </p:nvSpPr>
+        <p:spPr>
+          <a:xfrm>
+            <a:off x="1371599" y="294538"/>
+            <a:ext cx="9895951" cy="1033669"/>
           </a:xfrm>
         </p:spPr>
         <p:txBody>
@@ -5853,263 +9174,79 @@
           </a:bodyPr>
           <a:lstStyle/>
           <a:p>
+            <a:endParaRPr lang="es-SV" sz="4000">
+              <a:solidFill>
+                <a:srgbClr val="FFFFFF"/>
+              </a:solidFill>
+            </a:endParaRPr>
+          </a:p>
+        </p:txBody>
+      </p:sp>
+      <p:sp>
+        <p:nvSpPr>
+          <p:cNvPr id="3" name="Marcador de contenido 2">
+            <a:extLst>
+              <a:ext uri="{FF2B5EF4-FFF2-40B4-BE49-F238E27FC236}">
+                <a16:creationId xmlns:a16="http://schemas.microsoft.com/office/drawing/2014/main" id="{60D7660C-FE0C-2BC9-B341-E8F920A1BC2C}"/>
+              </a:ext>
+            </a:extLst>
+          </p:cNvPr>
+          <p:cNvSpPr>
+            <a:spLocks noGrp="1"/>
+          </p:cNvSpPr>
+          <p:nvPr>
+            <p:ph idx="1"/>
+          </p:nvPr>
+        </p:nvSpPr>
+        <p:spPr>
+          <a:xfrm>
+            <a:off x="1371599" y="2318197"/>
+            <a:ext cx="9724031" cy="3683358"/>
+          </a:xfrm>
+        </p:spPr>
+        <p:txBody>
+          <a:bodyPr anchor="ctr">
+            <a:normAutofit/>
+          </a:bodyPr>
+          <a:lstStyle/>
+          <a:p>
+            <a:pPr>
+              <a:buFont typeface="Arial" panose="020B0604020202020204" pitchFamily="34" charset="0"/>
+              <a:buChar char="•"/>
+            </a:pPr>
             <a:r>
-              <a:rPr lang="en-US" sz="3500" b="1" dirty="0" err="1">
+              <a:rPr lang="es-ES" sz="2000" b="1" i="0">
                 <a:effectLst/>
                 <a:highlight>
-                  <a:srgbClr val="FFFFFF"/>
+                  <a:srgbClr val="F3F3F3"/>
                 </a:highlight>
-                <a:latin typeface="Consolas" panose="020B0609020204030204" pitchFamily="49" charset="0"/>
+                <a:latin typeface="-apple-system"/>
               </a:rPr>
-              <a:t>mysql.connector</a:t>
+              <a:t>Diapositiva 7</a:t>
             </a:r>
-            <a:endParaRPr lang="en-US" sz="3500" b="1" dirty="0">
-              <a:effectLst/>
-              <a:highlight>
-                <a:srgbClr val="FFFFFF"/>
-              </a:highlight>
-              <a:latin typeface="Consolas" panose="020B0609020204030204" pitchFamily="49" charset="0"/>
-            </a:endParaRPr>
-          </a:p>
-          <a:p>
-            <a:pPr lvl="1"/>
             <a:r>
-              <a:rPr lang="en-US" sz="3500" b="0" dirty="0" err="1">
+              <a:rPr lang="es-ES" sz="2000" b="0" i="0">
                 <a:effectLst/>
                 <a:highlight>
-                  <a:srgbClr val="FFFFFF"/>
+                  <a:srgbClr val="F3F3F3"/>
                 </a:highlight>
-                <a:latin typeface="Consolas" panose="020B0609020204030204" pitchFamily="49" charset="0"/>
+                <a:latin typeface="-apple-system"/>
               </a:rPr>
-              <a:t>Conexion</a:t>
+              <a:t>: Preprocesamiento de datos y selección del modelo de IA.</a:t>
             </a:r>
-            <a:r>
-              <a:rPr lang="en-US" sz="3500" b="0" dirty="0">
-                <a:effectLst/>
-                <a:highlight>
-                  <a:srgbClr val="FFFFFF"/>
-                </a:highlight>
-                <a:latin typeface="Consolas" panose="020B0609020204030204" pitchFamily="49" charset="0"/>
-              </a:rPr>
-              <a:t> a base de </a:t>
-            </a:r>
-            <a:r>
-              <a:rPr lang="en-US" sz="3500" b="0" dirty="0" err="1">
-                <a:effectLst/>
-                <a:highlight>
-                  <a:srgbClr val="FFFFFF"/>
-                </a:highlight>
-                <a:latin typeface="Consolas" panose="020B0609020204030204" pitchFamily="49" charset="0"/>
-              </a:rPr>
-              <a:t>datos</a:t>
-            </a:r>
-            <a:endParaRPr lang="en-US" sz="3500" b="0" dirty="0">
-              <a:effectLst/>
-              <a:highlight>
-                <a:srgbClr val="FFFFFF"/>
-              </a:highlight>
-              <a:latin typeface="Consolas" panose="020B0609020204030204" pitchFamily="49" charset="0"/>
-            </a:endParaRPr>
-          </a:p>
-          <a:p>
-            <a:pPr marL="457200" lvl="1" indent="0">
-              <a:buNone/>
-            </a:pPr>
-            <a:endParaRPr lang="en-US" sz="3500" b="0" dirty="0">
-              <a:effectLst/>
-              <a:highlight>
-                <a:srgbClr val="FFFFFF"/>
-              </a:highlight>
-              <a:latin typeface="Consolas" panose="020B0609020204030204" pitchFamily="49" charset="0"/>
-            </a:endParaRPr>
-          </a:p>
-          <a:p>
-            <a:r>
-              <a:rPr lang="en-US" sz="3500" b="1" dirty="0" err="1">
-                <a:effectLst/>
-                <a:highlight>
-                  <a:srgbClr val="FFFFFF"/>
-                </a:highlight>
-                <a:latin typeface="Consolas" panose="020B0609020204030204" pitchFamily="49" charset="0"/>
-              </a:rPr>
-              <a:t>sklearn.linear_model</a:t>
-            </a:r>
-            <a:r>
-              <a:rPr lang="en-US" sz="3500" b="1" dirty="0">
-                <a:effectLst/>
-                <a:highlight>
-                  <a:srgbClr val="FFFFFF"/>
-                </a:highlight>
-                <a:latin typeface="Consolas" panose="020B0609020204030204" pitchFamily="49" charset="0"/>
-              </a:rPr>
-              <a:t>  </a:t>
-            </a:r>
-          </a:p>
-          <a:p>
-            <a:pPr lvl="1"/>
-            <a:r>
-              <a:rPr lang="en-US" sz="3500" b="0" dirty="0" err="1">
-                <a:effectLst/>
-                <a:highlight>
-                  <a:srgbClr val="FFFFFF"/>
-                </a:highlight>
-                <a:latin typeface="Consolas" panose="020B0609020204030204" pitchFamily="49" charset="0"/>
-              </a:rPr>
-              <a:t>Regresion</a:t>
-            </a:r>
-            <a:r>
-              <a:rPr lang="en-US" sz="3500" b="0" dirty="0">
-                <a:effectLst/>
-                <a:highlight>
-                  <a:srgbClr val="FFFFFF"/>
-                </a:highlight>
-                <a:latin typeface="Consolas" panose="020B0609020204030204" pitchFamily="49" charset="0"/>
-              </a:rPr>
-              <a:t> lineal para </a:t>
-            </a:r>
-            <a:r>
-              <a:rPr lang="en-US" sz="3500" b="0" dirty="0" err="1">
-                <a:effectLst/>
-                <a:highlight>
-                  <a:srgbClr val="FFFFFF"/>
-                </a:highlight>
-                <a:latin typeface="Consolas" panose="020B0609020204030204" pitchFamily="49" charset="0"/>
-              </a:rPr>
-              <a:t>predicción</a:t>
-            </a:r>
-            <a:r>
-              <a:rPr lang="en-US" sz="3500" b="0" dirty="0">
-                <a:effectLst/>
-                <a:highlight>
-                  <a:srgbClr val="FFFFFF"/>
-                </a:highlight>
-                <a:latin typeface="Consolas" panose="020B0609020204030204" pitchFamily="49" charset="0"/>
-              </a:rPr>
-              <a:t> de </a:t>
-            </a:r>
-            <a:r>
-              <a:rPr lang="en-US" sz="3500" b="0" dirty="0" err="1">
-                <a:effectLst/>
-                <a:highlight>
-                  <a:srgbClr val="FFFFFF"/>
-                </a:highlight>
-                <a:latin typeface="Consolas" panose="020B0609020204030204" pitchFamily="49" charset="0"/>
-              </a:rPr>
-              <a:t>valores</a:t>
-            </a:r>
-            <a:r>
-              <a:rPr lang="en-US" sz="3500" b="0" dirty="0">
-                <a:effectLst/>
-                <a:highlight>
-                  <a:srgbClr val="FFFFFF"/>
-                </a:highlight>
-                <a:latin typeface="Consolas" panose="020B0609020204030204" pitchFamily="49" charset="0"/>
-              </a:rPr>
-              <a:t> </a:t>
-            </a:r>
-            <a:r>
-              <a:rPr lang="en-US" sz="3500" b="0" dirty="0" err="1">
-                <a:effectLst/>
-                <a:highlight>
-                  <a:srgbClr val="FFFFFF"/>
-                </a:highlight>
-                <a:latin typeface="Consolas" panose="020B0609020204030204" pitchFamily="49" charset="0"/>
-              </a:rPr>
-              <a:t>futuros</a:t>
-            </a:r>
-            <a:endParaRPr lang="en-US" sz="3500" b="0" dirty="0">
-              <a:effectLst/>
-              <a:highlight>
-                <a:srgbClr val="FFFFFF"/>
-              </a:highlight>
-              <a:latin typeface="Consolas" panose="020B0609020204030204" pitchFamily="49" charset="0"/>
-            </a:endParaRPr>
-          </a:p>
-          <a:p>
-            <a:pPr marL="457200" lvl="1" indent="0">
-              <a:buNone/>
-            </a:pPr>
-            <a:endParaRPr lang="en-US" sz="3500" b="0" dirty="0">
-              <a:effectLst/>
-              <a:highlight>
-                <a:srgbClr val="FFFFFF"/>
-              </a:highlight>
-              <a:latin typeface="Consolas" panose="020B0609020204030204" pitchFamily="49" charset="0"/>
-            </a:endParaRPr>
-          </a:p>
-          <a:p>
-            <a:r>
-              <a:rPr lang="en-US" sz="3500" b="1" dirty="0" err="1">
-                <a:effectLst/>
-                <a:highlight>
-                  <a:srgbClr val="FFFFFF"/>
-                </a:highlight>
-                <a:latin typeface="Consolas" panose="020B0609020204030204" pitchFamily="49" charset="0"/>
-              </a:rPr>
-              <a:t>Numpy</a:t>
-            </a:r>
-            <a:endParaRPr lang="en-US" sz="3500" b="1" dirty="0">
-              <a:highlight>
-                <a:srgbClr val="FFFFFF"/>
-              </a:highlight>
-              <a:latin typeface="Consolas" panose="020B0609020204030204" pitchFamily="49" charset="0"/>
-            </a:endParaRPr>
-          </a:p>
-          <a:p>
-            <a:pPr lvl="1"/>
-            <a:r>
-              <a:rPr lang="en-US" sz="3500" b="0" dirty="0" err="1">
-                <a:effectLst/>
-                <a:highlight>
-                  <a:srgbClr val="FFFFFF"/>
-                </a:highlight>
-                <a:latin typeface="Consolas" panose="020B0609020204030204" pitchFamily="49" charset="0"/>
-              </a:rPr>
-              <a:t>Manipulacion</a:t>
-            </a:r>
-            <a:r>
-              <a:rPr lang="en-US" sz="3500" b="0" dirty="0">
-                <a:effectLst/>
-                <a:highlight>
-                  <a:srgbClr val="FFFFFF"/>
-                </a:highlight>
-                <a:latin typeface="Consolas" panose="020B0609020204030204" pitchFamily="49" charset="0"/>
-              </a:rPr>
-              <a:t> de </a:t>
-            </a:r>
-            <a:r>
-              <a:rPr lang="en-US" sz="3500" b="0" dirty="0" err="1">
-                <a:effectLst/>
-                <a:highlight>
-                  <a:srgbClr val="FFFFFF"/>
-                </a:highlight>
-                <a:latin typeface="Consolas" panose="020B0609020204030204" pitchFamily="49" charset="0"/>
-              </a:rPr>
-              <a:t>arreglos</a:t>
-            </a:r>
-            <a:r>
-              <a:rPr lang="en-US" sz="3500" b="0" dirty="0">
-                <a:effectLst/>
-                <a:highlight>
-                  <a:srgbClr val="FFFFFF"/>
-                </a:highlight>
-                <a:latin typeface="Consolas" panose="020B0609020204030204" pitchFamily="49" charset="0"/>
-              </a:rPr>
-              <a:t> y matrices.</a:t>
-            </a:r>
-          </a:p>
-          <a:p>
-            <a:pPr marL="0" marR="0" indent="0" algn="l" rtl="0">
-              <a:buNone/>
-            </a:pPr>
-            <a:endParaRPr lang="es-SV" sz="3500" dirty="0"/>
+          </a:p>
+          <a:p>
+            <a:br>
+              <a:rPr lang="es-ES" sz="2000"/>
+            </a:br>
+            <a:endParaRPr lang="es-SV" sz="2000"/>
           </a:p>
         </p:txBody>
       </p:sp>
     </p:spTree>
     <p:extLst>
       <p:ext uri="{BB962C8B-B14F-4D97-AF65-F5344CB8AC3E}">
-        <p14:creationId xmlns:p14="http://schemas.microsoft.com/office/powerpoint/2010/main" val="1327095607"/>
+        <p14:creationId xmlns:p14="http://schemas.microsoft.com/office/powerpoint/2010/main" val="3261906285"/>
       </p:ext>
     </p:extLst>
   </p:cSld>
@@ -6122,6 +9259,14 @@
 <file path=ppt/slides/slide8.xml><?xml version="1.0" encoding="utf-8"?>
 <p:sld xmlns:a="http://schemas.openxmlformats.org/drawingml/2006/main" xmlns:r="http://schemas.openxmlformats.org/officeDocument/2006/relationships" xmlns:p="http://schemas.openxmlformats.org/presentationml/2006/main">
   <p:cSld>
+    <p:bg>
+      <p:bgPr>
+        <a:solidFill>
+          <a:schemeClr val="bg1"/>
+        </a:solidFill>
+        <a:effectLst/>
+      </p:bgPr>
+    </p:bg>
     <p:spTree>
       <p:nvGrpSpPr>
         <p:cNvPr id="1" name=""/>
@@ -6136,65 +9281,402 @@
           <a:chExt cx="0" cy="0"/>
         </a:xfrm>
       </p:grpSpPr>
-      <p:sp>
-        <p:nvSpPr>
-          <p:cNvPr id="2" name="Título 1">
-            <a:extLst>
-              <a:ext uri="{FF2B5EF4-FFF2-40B4-BE49-F238E27FC236}">
-                <a16:creationId xmlns:a16="http://schemas.microsoft.com/office/drawing/2014/main" id="{007CB46B-0102-753A-9B2A-B3FAE57EC93F}"/>
-              </a:ext>
-            </a:extLst>
-          </p:cNvPr>
-          <p:cNvSpPr>
-            <a:spLocks noGrp="1"/>
-          </p:cNvSpPr>
-          <p:nvPr>
-            <p:ph type="title"/>
+      <p:sp useBgFill="1">
+        <p:nvSpPr>
+          <p:cNvPr id="8" name="Rectangle 7">
+            <a:extLst>
+              <a:ext uri="{FF2B5EF4-FFF2-40B4-BE49-F238E27FC236}">
+                <a16:creationId xmlns:a16="http://schemas.microsoft.com/office/drawing/2014/main" id="{1B15ED52-F352-441B-82BF-E0EA34836D08}"/>
+              </a:ext>
+              <a:ext uri="{C183D7F6-B498-43B3-948B-1728B52AA6E4}">
+                <adec:decorative xmlns:adec="http://schemas.microsoft.com/office/drawing/2017/decorative" val="1"/>
+              </a:ext>
+            </a:extLst>
+          </p:cNvPr>
+          <p:cNvSpPr>
+            <a:spLocks noGrp="1" noRot="1" noChangeAspect="1" noMove="1" noResize="1" noEditPoints="1" noAdjustHandles="1" noChangeArrowheads="1" noChangeShapeType="1" noTextEdit="1"/>
+          </p:cNvSpPr>
+          <p:nvPr>
+            <p:extLst>
+              <p:ext uri="{386F3935-93C4-4BCD-93E2-E3B085C9AB24}">
+                <p16:designElem xmlns:p16="http://schemas.microsoft.com/office/powerpoint/2015/main" val="1"/>
+              </p:ext>
+            </p:extLst>
           </p:nvPr>
         </p:nvSpPr>
         <p:spPr>
           <a:xfrm>
-            <a:off x="838200" y="301708"/>
-            <a:ext cx="10515600" cy="758657"/>
+            <a:off x="0" y="0"/>
+            <a:ext cx="12192000" cy="6858000"/>
           </a:xfrm>
-          <a:solidFill>
-            <a:schemeClr val="accent4">
-              <a:lumMod val="20000"/>
-              <a:lumOff val="80000"/>
+          <a:prstGeom prst="rect">
+            <a:avLst/>
+          </a:prstGeom>
+          <a:ln w="12700" cap="flat" cmpd="sng" algn="ctr">
+            <a:noFill/>
+            <a:prstDash val="solid"/>
+            <a:miter lim="800000"/>
+          </a:ln>
+          <a:effectLst/>
+          <a:extLst>
+            <a:ext uri="{91240B29-F687-4F45-9708-019B960494DF}">
+              <a14:hiddenLine xmlns:a14="http://schemas.microsoft.com/office/drawing/2010/main" w="12700" cap="flat" cmpd="sng" algn="ctr">
+                <a:solidFill>
+                  <a:schemeClr val="accent1">
+                    <a:shade val="50000"/>
+                  </a:schemeClr>
+                </a:solidFill>
+                <a:prstDash val="solid"/>
+                <a:miter lim="800000"/>
+              </a14:hiddenLine>
+            </a:ext>
+          </a:extLst>
+        </p:spPr>
+        <p:style>
+          <a:lnRef idx="2">
+            <a:schemeClr val="accent1">
+              <a:shade val="50000"/>
             </a:schemeClr>
-          </a:solidFill>
+          </a:lnRef>
+          <a:fillRef idx="1">
+            <a:schemeClr val="accent1"/>
+          </a:fillRef>
+          <a:effectRef idx="0">
+            <a:schemeClr val="accent1"/>
+          </a:effectRef>
+          <a:fontRef idx="minor">
+            <a:schemeClr val="lt1"/>
+          </a:fontRef>
+        </p:style>
+        <p:txBody>
+          <a:bodyPr rtlCol="0" anchor="ctr"/>
+          <a:lstStyle/>
+          <a:p>
+            <a:pPr algn="ctr"/>
+            <a:endParaRPr lang="en-US"/>
+          </a:p>
+        </p:txBody>
+      </p:sp>
+      <p:sp>
+        <p:nvSpPr>
+          <p:cNvPr id="10" name="Rectangle 9">
+            <a:extLst>
+              <a:ext uri="{FF2B5EF4-FFF2-40B4-BE49-F238E27FC236}">
+                <a16:creationId xmlns:a16="http://schemas.microsoft.com/office/drawing/2014/main" id="{3B2E3793-BFE6-45A2-9B7B-E18844431C99}"/>
+              </a:ext>
+              <a:ext uri="{C183D7F6-B498-43B3-948B-1728B52AA6E4}">
+                <adec:decorative xmlns:adec="http://schemas.microsoft.com/office/drawing/2017/decorative" val="1"/>
+              </a:ext>
+            </a:extLst>
+          </p:cNvPr>
+          <p:cNvSpPr>
+            <a:spLocks noGrp="1" noRot="1" noChangeAspect="1" noMove="1" noResize="1" noEditPoints="1" noAdjustHandles="1" noChangeArrowheads="1" noChangeShapeType="1" noTextEdit="1"/>
+          </p:cNvSpPr>
+          <p:nvPr>
+            <p:extLst>
+              <p:ext uri="{386F3935-93C4-4BCD-93E2-E3B085C9AB24}">
+                <p16:designElem xmlns:p16="http://schemas.microsoft.com/office/powerpoint/2015/main" val="1"/>
+              </p:ext>
+            </p:extLst>
+          </p:nvPr>
+        </p:nvSpPr>
+        <p:spPr>
+          <a:xfrm flipH="1">
+            <a:off x="-1" y="-1"/>
+            <a:ext cx="12191998" cy="1590742"/>
+          </a:xfrm>
+          <a:prstGeom prst="rect">
+            <a:avLst/>
+          </a:prstGeom>
+          <a:gradFill>
+            <a:gsLst>
+              <a:gs pos="0">
+                <a:srgbClr val="000000"/>
+              </a:gs>
+              <a:gs pos="100000">
+                <a:schemeClr val="accent1">
+                  <a:lumMod val="75000"/>
+                </a:schemeClr>
+              </a:gs>
+            </a:gsLst>
+            <a:lin ang="8400000" scaled="0"/>
+          </a:gradFill>
+          <a:ln>
+            <a:noFill/>
+          </a:ln>
         </p:spPr>
-        <p:txBody>
-          <a:bodyPr/>
-          <a:lstStyle/>
-          <a:p>
-            <a:r>
-              <a:rPr lang="es-SV" b="1" dirty="0"/>
-              <a:t>MODELO</a:t>
-            </a:r>
-          </a:p>
-        </p:txBody>
-      </p:sp>
-      <p:sp>
-        <p:nvSpPr>
-          <p:cNvPr id="3" name="Marcador de contenido 2">
-            <a:extLst>
-              <a:ext uri="{FF2B5EF4-FFF2-40B4-BE49-F238E27FC236}">
-                <a16:creationId xmlns:a16="http://schemas.microsoft.com/office/drawing/2014/main" id="{7FDBD0FD-AE3B-1AF6-31CC-E85119E221E8}"/>
-              </a:ext>
-            </a:extLst>
-          </p:cNvPr>
-          <p:cNvSpPr>
-            <a:spLocks noGrp="1"/>
-          </p:cNvSpPr>
-          <p:nvPr>
-            <p:ph idx="1"/>
+        <p:style>
+          <a:lnRef idx="2">
+            <a:schemeClr val="accent1">
+              <a:shade val="50000"/>
+            </a:schemeClr>
+          </a:lnRef>
+          <a:fillRef idx="1">
+            <a:schemeClr val="accent1"/>
+          </a:fillRef>
+          <a:effectRef idx="0">
+            <a:schemeClr val="accent1"/>
+          </a:effectRef>
+          <a:fontRef idx="minor">
+            <a:schemeClr val="lt1"/>
+          </a:fontRef>
+        </p:style>
+        <p:txBody>
+          <a:bodyPr rtlCol="0" anchor="ctr"/>
+          <a:lstStyle/>
+          <a:p>
+            <a:pPr algn="ctr"/>
+            <a:endParaRPr lang="en-US"/>
+          </a:p>
+        </p:txBody>
+      </p:sp>
+      <p:sp>
+        <p:nvSpPr>
+          <p:cNvPr id="12" name="Rectangle 11">
+            <a:extLst>
+              <a:ext uri="{FF2B5EF4-FFF2-40B4-BE49-F238E27FC236}">
+                <a16:creationId xmlns:a16="http://schemas.microsoft.com/office/drawing/2014/main" id="{BC4C4868-CB8F-4AF9-9CDB-8108F2C19B67}"/>
+              </a:ext>
+              <a:ext uri="{C183D7F6-B498-43B3-948B-1728B52AA6E4}">
+                <adec:decorative xmlns:adec="http://schemas.microsoft.com/office/drawing/2017/decorative" val="1"/>
+              </a:ext>
+            </a:extLst>
+          </p:cNvPr>
+          <p:cNvSpPr>
+            <a:spLocks noGrp="1" noRot="1" noChangeAspect="1" noMove="1" noResize="1" noEditPoints="1" noAdjustHandles="1" noChangeArrowheads="1" noChangeShapeType="1" noTextEdit="1"/>
+          </p:cNvSpPr>
+          <p:nvPr>
+            <p:extLst>
+              <p:ext uri="{386F3935-93C4-4BCD-93E2-E3B085C9AB24}">
+                <p16:designElem xmlns:p16="http://schemas.microsoft.com/office/powerpoint/2015/main" val="1"/>
+              </p:ext>
+            </p:extLst>
+          </p:nvPr>
+        </p:nvSpPr>
+        <p:spPr>
+          <a:xfrm rot="10800000" flipH="1">
+            <a:off x="-3" y="0"/>
+            <a:ext cx="8115306" cy="1590742"/>
+          </a:xfrm>
+          <a:prstGeom prst="rect">
+            <a:avLst/>
+          </a:prstGeom>
+          <a:gradFill>
+            <a:gsLst>
+              <a:gs pos="20000">
+                <a:schemeClr val="accent1">
+                  <a:alpha val="0"/>
+                </a:schemeClr>
+              </a:gs>
+              <a:gs pos="100000">
+                <a:schemeClr val="accent1">
+                  <a:lumMod val="50000"/>
+                  <a:alpha val="55000"/>
+                </a:schemeClr>
+              </a:gs>
+            </a:gsLst>
+            <a:lin ang="13800000" scaled="0"/>
+          </a:gradFill>
+          <a:ln>
+            <a:noFill/>
+          </a:ln>
+        </p:spPr>
+        <p:style>
+          <a:lnRef idx="2">
+            <a:schemeClr val="accent1">
+              <a:shade val="50000"/>
+            </a:schemeClr>
+          </a:lnRef>
+          <a:fillRef idx="1">
+            <a:schemeClr val="accent1"/>
+          </a:fillRef>
+          <a:effectRef idx="0">
+            <a:schemeClr val="accent1"/>
+          </a:effectRef>
+          <a:fontRef idx="minor">
+            <a:schemeClr val="lt1"/>
+          </a:fontRef>
+        </p:style>
+        <p:txBody>
+          <a:bodyPr rtlCol="0" anchor="ctr"/>
+          <a:lstStyle/>
+          <a:p>
+            <a:pPr algn="ctr"/>
+            <a:endParaRPr lang="en-US"/>
+          </a:p>
+        </p:txBody>
+      </p:sp>
+      <p:sp>
+        <p:nvSpPr>
+          <p:cNvPr id="14" name="Rectangle 13">
+            <a:extLst>
+              <a:ext uri="{FF2B5EF4-FFF2-40B4-BE49-F238E27FC236}">
+                <a16:creationId xmlns:a16="http://schemas.microsoft.com/office/drawing/2014/main" id="{375E0459-6403-40CD-989D-56A4407CA12E}"/>
+              </a:ext>
+              <a:ext uri="{C183D7F6-B498-43B3-948B-1728B52AA6E4}">
+                <adec:decorative xmlns:adec="http://schemas.microsoft.com/office/drawing/2017/decorative" val="1"/>
+              </a:ext>
+            </a:extLst>
+          </p:cNvPr>
+          <p:cNvSpPr>
+            <a:spLocks noGrp="1" noRot="1" noChangeAspect="1" noMove="1" noResize="1" noEditPoints="1" noAdjustHandles="1" noChangeArrowheads="1" noChangeShapeType="1" noTextEdit="1"/>
+          </p:cNvSpPr>
+          <p:nvPr>
+            <p:extLst>
+              <p:ext uri="{386F3935-93C4-4BCD-93E2-E3B085C9AB24}">
+                <p16:designElem xmlns:p16="http://schemas.microsoft.com/office/powerpoint/2015/main" val="1"/>
+              </p:ext>
+            </p:extLst>
+          </p:nvPr>
+        </p:nvSpPr>
+        <p:spPr>
+          <a:xfrm flipH="1">
+            <a:off x="8115299" y="-1"/>
+            <a:ext cx="4076698" cy="1590742"/>
+          </a:xfrm>
+          <a:prstGeom prst="rect">
+            <a:avLst/>
+          </a:prstGeom>
+          <a:gradFill>
+            <a:gsLst>
+              <a:gs pos="0">
+                <a:schemeClr val="accent1">
+                  <a:alpha val="66000"/>
+                </a:schemeClr>
+              </a:gs>
+              <a:gs pos="100000">
+                <a:srgbClr val="000000">
+                  <a:alpha val="30000"/>
+                </a:srgbClr>
+              </a:gs>
+            </a:gsLst>
+            <a:lin ang="13200000" scaled="0"/>
+          </a:gradFill>
+          <a:ln>
+            <a:noFill/>
+          </a:ln>
+        </p:spPr>
+        <p:style>
+          <a:lnRef idx="2">
+            <a:schemeClr val="accent1">
+              <a:shade val="50000"/>
+            </a:schemeClr>
+          </a:lnRef>
+          <a:fillRef idx="1">
+            <a:schemeClr val="accent1"/>
+          </a:fillRef>
+          <a:effectRef idx="0">
+            <a:schemeClr val="accent1"/>
+          </a:effectRef>
+          <a:fontRef idx="minor">
+            <a:schemeClr val="lt1"/>
+          </a:fontRef>
+        </p:style>
+        <p:txBody>
+          <a:bodyPr rtlCol="0" anchor="ctr"/>
+          <a:lstStyle/>
+          <a:p>
+            <a:pPr algn="ctr"/>
+            <a:endParaRPr lang="en-US"/>
+          </a:p>
+        </p:txBody>
+      </p:sp>
+      <p:sp>
+        <p:nvSpPr>
+          <p:cNvPr id="16" name="Rectangle 15">
+            <a:extLst>
+              <a:ext uri="{FF2B5EF4-FFF2-40B4-BE49-F238E27FC236}">
+                <a16:creationId xmlns:a16="http://schemas.microsoft.com/office/drawing/2014/main" id="{53E5B1A8-3AC9-4BD1-9BBC-78CA94F2D1BA}"/>
+              </a:ext>
+              <a:ext uri="{C183D7F6-B498-43B3-948B-1728B52AA6E4}">
+                <adec:decorative xmlns:adec="http://schemas.microsoft.com/office/drawing/2017/decorative" val="1"/>
+              </a:ext>
+            </a:extLst>
+          </p:cNvPr>
+          <p:cNvSpPr>
+            <a:spLocks noGrp="1" noRot="1" noChangeAspect="1" noMove="1" noResize="1" noEditPoints="1" noAdjustHandles="1" noChangeArrowheads="1" noChangeShapeType="1" noTextEdit="1"/>
+          </p:cNvSpPr>
+          <p:nvPr>
+            <p:extLst>
+              <p:ext uri="{386F3935-93C4-4BCD-93E2-E3B085C9AB24}">
+                <p16:designElem xmlns:p16="http://schemas.microsoft.com/office/powerpoint/2015/main" val="1"/>
+              </p:ext>
+            </p:extLst>
           </p:nvPr>
         </p:nvSpPr>
         <p:spPr>
           <a:xfrm>
-            <a:off x="838200" y="1284050"/>
-            <a:ext cx="10515600" cy="5272241"/>
+            <a:off x="459350" y="-1"/>
+            <a:ext cx="11732646" cy="1597433"/>
+          </a:xfrm>
+          <a:prstGeom prst="rect">
+            <a:avLst/>
+          </a:prstGeom>
+          <a:gradFill>
+            <a:gsLst>
+              <a:gs pos="50000">
+                <a:srgbClr val="000000">
+                  <a:alpha val="0"/>
+                </a:srgbClr>
+              </a:gs>
+              <a:gs pos="99000">
+                <a:schemeClr val="accent1">
+                  <a:lumMod val="50000"/>
+                  <a:alpha val="52000"/>
+                </a:schemeClr>
+              </a:gs>
+            </a:gsLst>
+            <a:lin ang="16800000" scaled="0"/>
+          </a:gradFill>
+          <a:ln>
+            <a:noFill/>
+          </a:ln>
+        </p:spPr>
+        <p:style>
+          <a:lnRef idx="2">
+            <a:schemeClr val="accent1">
+              <a:shade val="50000"/>
+            </a:schemeClr>
+          </a:lnRef>
+          <a:fillRef idx="1">
+            <a:schemeClr val="accent1"/>
+          </a:fillRef>
+          <a:effectRef idx="0">
+            <a:schemeClr val="accent1"/>
+          </a:effectRef>
+          <a:fontRef idx="minor">
+            <a:schemeClr val="lt1"/>
+          </a:fontRef>
+        </p:style>
+        <p:txBody>
+          <a:bodyPr rtlCol="0" anchor="ctr"/>
+          <a:lstStyle/>
+          <a:p>
+            <a:pPr algn="ctr"/>
+            <a:endParaRPr lang="en-US"/>
+          </a:p>
+        </p:txBody>
+      </p:sp>
+      <p:sp>
+        <p:nvSpPr>
+          <p:cNvPr id="2" name="Título 1">
+            <a:extLst>
+              <a:ext uri="{FF2B5EF4-FFF2-40B4-BE49-F238E27FC236}">
+                <a16:creationId xmlns:a16="http://schemas.microsoft.com/office/drawing/2014/main" id="{CB8C5922-DA9F-3AAA-98EF-E306B61DA098}"/>
+              </a:ext>
+            </a:extLst>
+          </p:cNvPr>
+          <p:cNvSpPr>
+            <a:spLocks noGrp="1"/>
+          </p:cNvSpPr>
+          <p:nvPr>
+            <p:ph type="title"/>
+          </p:nvPr>
+        </p:nvSpPr>
+        <p:spPr>
+          <a:xfrm>
+            <a:off x="1371599" y="294538"/>
+            <a:ext cx="9895951" cy="1033669"/>
           </a:xfrm>
         </p:spPr>
         <p:txBody>
@@ -6203,33 +9685,92 @@
           </a:bodyPr>
           <a:lstStyle/>
           <a:p>
+            <a:endParaRPr lang="es-SV" sz="4000">
+              <a:solidFill>
+                <a:srgbClr val="FFFFFF"/>
+              </a:solidFill>
+            </a:endParaRPr>
+          </a:p>
+        </p:txBody>
+      </p:sp>
+      <p:sp>
+        <p:nvSpPr>
+          <p:cNvPr id="3" name="Marcador de contenido 2">
+            <a:extLst>
+              <a:ext uri="{FF2B5EF4-FFF2-40B4-BE49-F238E27FC236}">
+                <a16:creationId xmlns:a16="http://schemas.microsoft.com/office/drawing/2014/main" id="{C44EA95D-2DB9-CA21-46C9-342A06F960C4}"/>
+              </a:ext>
+            </a:extLst>
+          </p:cNvPr>
+          <p:cNvSpPr>
+            <a:spLocks noGrp="1"/>
+          </p:cNvSpPr>
+          <p:nvPr>
+            <p:ph idx="1"/>
+          </p:nvPr>
+        </p:nvSpPr>
+        <p:spPr>
+          <a:xfrm>
+            <a:off x="1371599" y="2318197"/>
+            <a:ext cx="9724031" cy="3683358"/>
+          </a:xfrm>
+        </p:spPr>
+        <p:txBody>
+          <a:bodyPr anchor="ctr">
+            <a:normAutofit/>
+          </a:bodyPr>
+          <a:lstStyle/>
+          <a:p>
+            <a:pPr>
+              <a:buFont typeface="+mj-lt"/>
+              <a:buAutoNum type="arabicPeriod"/>
+            </a:pPr>
+            <a:endParaRPr lang="es-ES" sz="2000" b="0" i="0">
+              <a:effectLst/>
+              <a:highlight>
+                <a:srgbClr val="F3F3F3"/>
+              </a:highlight>
+              <a:latin typeface="-apple-system"/>
+            </a:endParaRPr>
+          </a:p>
+          <a:p>
+            <a:pPr marL="1143000" lvl="2" indent="-228600">
+              <a:buFont typeface="+mj-lt"/>
+              <a:buAutoNum type="arabicPeriod"/>
+            </a:pPr>
             <a:r>
-              <a:rPr lang="es-SV" sz="3500" b="1" dirty="0"/>
-              <a:t>REENTRENABLE</a:t>
+              <a:rPr lang="es-ES" b="1" i="0">
+                <a:effectLst/>
+                <a:highlight>
+                  <a:srgbClr val="F3F3F3"/>
+                </a:highlight>
+                <a:latin typeface="-apple-system"/>
+              </a:rPr>
+              <a:t>Diapositiva 8</a:t>
             </a:r>
-          </a:p>
-          <a:p>
-            <a:pPr lvl="1"/>
             <a:r>
-              <a:rPr lang="es-SV" sz="3500" dirty="0" err="1"/>
-              <a:t>Hiperparametro</a:t>
+              <a:rPr lang="es-ES" b="0" i="0">
+                <a:effectLst/>
+                <a:highlight>
+                  <a:srgbClr val="F3F3F3"/>
+                </a:highlight>
+                <a:latin typeface="-apple-system"/>
+              </a:rPr>
+              <a:t>: Desarrollo de la interfaz de usuario y pruebas del prototipo.</a:t>
             </a:r>
-            <a:endParaRPr lang="es-SV" sz="3500" dirty="0"/>
-          </a:p>
-          <a:p>
-            <a:pPr lvl="2"/>
-            <a:r>
-              <a:rPr lang="es-SV" sz="3500" b="1" dirty="0" err="1"/>
-              <a:t>fit_intercept</a:t>
-            </a:r>
-            <a:endParaRPr lang="es-SV" sz="3500" b="1" dirty="0"/>
+          </a:p>
+          <a:p>
+            <a:br>
+              <a:rPr lang="es-ES" sz="2000"/>
+            </a:br>
+            <a:endParaRPr lang="es-SV" sz="2000"/>
           </a:p>
         </p:txBody>
       </p:sp>
     </p:spTree>
     <p:extLst>
       <p:ext uri="{BB962C8B-B14F-4D97-AF65-F5344CB8AC3E}">
-        <p14:creationId xmlns:p14="http://schemas.microsoft.com/office/powerpoint/2010/main" val="2829194987"/>
+        <p14:creationId xmlns:p14="http://schemas.microsoft.com/office/powerpoint/2010/main" val="1068644601"/>
       </p:ext>
     </p:extLst>
   </p:cSld>
@@ -6242,6 +9783,14 @@
 <file path=ppt/slides/slide9.xml><?xml version="1.0" encoding="utf-8"?>
 <p:sld xmlns:a="http://schemas.openxmlformats.org/drawingml/2006/main" xmlns:r="http://schemas.openxmlformats.org/officeDocument/2006/relationships" xmlns:p="http://schemas.openxmlformats.org/presentationml/2006/main">
   <p:cSld>
+    <p:bg>
+      <p:bgPr>
+        <a:solidFill>
+          <a:schemeClr val="bg1"/>
+        </a:solidFill>
+        <a:effectLst/>
+      </p:bgPr>
+    </p:bg>
     <p:spTree>
       <p:nvGrpSpPr>
         <p:cNvPr id="1" name=""/>
@@ -6256,93 +9805,496 @@
           <a:chExt cx="0" cy="0"/>
         </a:xfrm>
       </p:grpSpPr>
-      <p:sp>
-        <p:nvSpPr>
-          <p:cNvPr id="2" name="Título 1">
-            <a:extLst>
-              <a:ext uri="{FF2B5EF4-FFF2-40B4-BE49-F238E27FC236}">
-                <a16:creationId xmlns:a16="http://schemas.microsoft.com/office/drawing/2014/main" id="{FBEF0490-EF8D-DB05-B4D6-7E266FBD932F}"/>
-              </a:ext>
-            </a:extLst>
-          </p:cNvPr>
-          <p:cNvSpPr>
-            <a:spLocks noGrp="1"/>
-          </p:cNvSpPr>
-          <p:nvPr>
-            <p:ph type="title"/>
+      <p:sp useBgFill="1">
+        <p:nvSpPr>
+          <p:cNvPr id="8" name="Rectangle 7">
+            <a:extLst>
+              <a:ext uri="{FF2B5EF4-FFF2-40B4-BE49-F238E27FC236}">
+                <a16:creationId xmlns:a16="http://schemas.microsoft.com/office/drawing/2014/main" id="{1B15ED52-F352-441B-82BF-E0EA34836D08}"/>
+              </a:ext>
+              <a:ext uri="{C183D7F6-B498-43B3-948B-1728B52AA6E4}">
+                <adec:decorative xmlns:adec="http://schemas.microsoft.com/office/drawing/2017/decorative" val="1"/>
+              </a:ext>
+            </a:extLst>
+          </p:cNvPr>
+          <p:cNvSpPr>
+            <a:spLocks noGrp="1" noRot="1" noChangeAspect="1" noMove="1" noResize="1" noEditPoints="1" noAdjustHandles="1" noChangeArrowheads="1" noChangeShapeType="1" noTextEdit="1"/>
+          </p:cNvSpPr>
+          <p:nvPr>
+            <p:extLst>
+              <p:ext uri="{386F3935-93C4-4BCD-93E2-E3B085C9AB24}">
+                <p16:designElem xmlns:p16="http://schemas.microsoft.com/office/powerpoint/2015/main" val="1"/>
+              </p:ext>
+            </p:extLst>
           </p:nvPr>
         </p:nvSpPr>
         <p:spPr>
           <a:xfrm>
-            <a:off x="838200" y="365125"/>
-            <a:ext cx="10515600" cy="889743"/>
-          </a:xfrm>
-          <a:solidFill>
-            <a:schemeClr val="accent4">
-              <a:lumMod val="20000"/>
-              <a:lumOff val="80000"/>
-            </a:schemeClr>
-          </a:solidFill>
-        </p:spPr>
-        <p:txBody>
-          <a:bodyPr/>
-          <a:lstStyle/>
-          <a:p>
-            <a:r>
-              <a:rPr lang="es-SV" b="1" dirty="0"/>
-              <a:t>APLICACION</a:t>
-            </a:r>
-          </a:p>
-        </p:txBody>
-      </p:sp>
-      <p:pic>
-        <p:nvPicPr>
-          <p:cNvPr id="5" name="Imagen 4">
-            <a:hlinkClick r:id="rId2"/>
-            <a:extLst>
-              <a:ext uri="{FF2B5EF4-FFF2-40B4-BE49-F238E27FC236}">
-                <a16:creationId xmlns:a16="http://schemas.microsoft.com/office/drawing/2014/main" id="{1F8150C6-EDFD-6F0C-4BB4-BA854AAD0E72}"/>
-              </a:ext>
-            </a:extLst>
-          </p:cNvPr>
-          <p:cNvPicPr>
-            <a:picLocks noChangeAspect="1"/>
-          </p:cNvPicPr>
-          <p:nvPr/>
-        </p:nvPicPr>
-        <p:blipFill>
-          <a:blip r:embed="rId3"/>
-          <a:stretch>
-            <a:fillRect/>
-          </a:stretch>
-        </p:blipFill>
-        <p:spPr>
-          <a:xfrm>
-            <a:off x="1398000" y="2051018"/>
-            <a:ext cx="9396000" cy="4105239"/>
+            <a:off x="0" y="0"/>
+            <a:ext cx="12192000" cy="6858000"/>
           </a:xfrm>
           <a:prstGeom prst="rect">
             <a:avLst/>
           </a:prstGeom>
-          <a:ln w="127000" cap="sq">
-            <a:solidFill>
-              <a:srgbClr val="000000"/>
-            </a:solidFill>
+          <a:ln w="12700" cap="flat" cmpd="sng" algn="ctr">
+            <a:noFill/>
+            <a:prstDash val="solid"/>
             <a:miter lim="800000"/>
           </a:ln>
-          <a:effectLst>
-            <a:outerShdw blurRad="57150" dist="50800" dir="2700000" algn="tl" rotWithShape="0">
-              <a:srgbClr val="000000">
-                <a:alpha val="40000"/>
-              </a:srgbClr>
-            </a:outerShdw>
-          </a:effectLst>
+          <a:effectLst/>
+          <a:extLst>
+            <a:ext uri="{91240B29-F687-4F45-9708-019B960494DF}">
+              <a14:hiddenLine xmlns:a14="http://schemas.microsoft.com/office/drawing/2010/main" w="12700" cap="flat" cmpd="sng" algn="ctr">
+                <a:solidFill>
+                  <a:schemeClr val="accent1">
+                    <a:shade val="50000"/>
+                  </a:schemeClr>
+                </a:solidFill>
+                <a:prstDash val="solid"/>
+                <a:miter lim="800000"/>
+              </a14:hiddenLine>
+            </a:ext>
+          </a:extLst>
         </p:spPr>
-      </p:pic>
+        <p:style>
+          <a:lnRef idx="2">
+            <a:schemeClr val="accent1">
+              <a:shade val="50000"/>
+            </a:schemeClr>
+          </a:lnRef>
+          <a:fillRef idx="1">
+            <a:schemeClr val="accent1"/>
+          </a:fillRef>
+          <a:effectRef idx="0">
+            <a:schemeClr val="accent1"/>
+          </a:effectRef>
+          <a:fontRef idx="minor">
+            <a:schemeClr val="lt1"/>
+          </a:fontRef>
+        </p:style>
+        <p:txBody>
+          <a:bodyPr rtlCol="0" anchor="ctr"/>
+          <a:lstStyle/>
+          <a:p>
+            <a:pPr algn="ctr"/>
+            <a:endParaRPr lang="en-US"/>
+          </a:p>
+        </p:txBody>
+      </p:sp>
+      <p:sp>
+        <p:nvSpPr>
+          <p:cNvPr id="10" name="Rectangle 9">
+            <a:extLst>
+              <a:ext uri="{FF2B5EF4-FFF2-40B4-BE49-F238E27FC236}">
+                <a16:creationId xmlns:a16="http://schemas.microsoft.com/office/drawing/2014/main" id="{3B2E3793-BFE6-45A2-9B7B-E18844431C99}"/>
+              </a:ext>
+              <a:ext uri="{C183D7F6-B498-43B3-948B-1728B52AA6E4}">
+                <adec:decorative xmlns:adec="http://schemas.microsoft.com/office/drawing/2017/decorative" val="1"/>
+              </a:ext>
+            </a:extLst>
+          </p:cNvPr>
+          <p:cNvSpPr>
+            <a:spLocks noGrp="1" noRot="1" noChangeAspect="1" noMove="1" noResize="1" noEditPoints="1" noAdjustHandles="1" noChangeArrowheads="1" noChangeShapeType="1" noTextEdit="1"/>
+          </p:cNvSpPr>
+          <p:nvPr>
+            <p:extLst>
+              <p:ext uri="{386F3935-93C4-4BCD-93E2-E3B085C9AB24}">
+                <p16:designElem xmlns:p16="http://schemas.microsoft.com/office/powerpoint/2015/main" val="1"/>
+              </p:ext>
+            </p:extLst>
+          </p:nvPr>
+        </p:nvSpPr>
+        <p:spPr>
+          <a:xfrm flipH="1">
+            <a:off x="-1" y="-1"/>
+            <a:ext cx="12191998" cy="1590742"/>
+          </a:xfrm>
+          <a:prstGeom prst="rect">
+            <a:avLst/>
+          </a:prstGeom>
+          <a:gradFill>
+            <a:gsLst>
+              <a:gs pos="0">
+                <a:srgbClr val="000000"/>
+              </a:gs>
+              <a:gs pos="100000">
+                <a:schemeClr val="accent1">
+                  <a:lumMod val="75000"/>
+                </a:schemeClr>
+              </a:gs>
+            </a:gsLst>
+            <a:lin ang="8400000" scaled="0"/>
+          </a:gradFill>
+          <a:ln>
+            <a:noFill/>
+          </a:ln>
+        </p:spPr>
+        <p:style>
+          <a:lnRef idx="2">
+            <a:schemeClr val="accent1">
+              <a:shade val="50000"/>
+            </a:schemeClr>
+          </a:lnRef>
+          <a:fillRef idx="1">
+            <a:schemeClr val="accent1"/>
+          </a:fillRef>
+          <a:effectRef idx="0">
+            <a:schemeClr val="accent1"/>
+          </a:effectRef>
+          <a:fontRef idx="minor">
+            <a:schemeClr val="lt1"/>
+          </a:fontRef>
+        </p:style>
+        <p:txBody>
+          <a:bodyPr rtlCol="0" anchor="ctr"/>
+          <a:lstStyle/>
+          <a:p>
+            <a:pPr algn="ctr"/>
+            <a:endParaRPr lang="en-US"/>
+          </a:p>
+        </p:txBody>
+      </p:sp>
+      <p:sp>
+        <p:nvSpPr>
+          <p:cNvPr id="12" name="Rectangle 11">
+            <a:extLst>
+              <a:ext uri="{FF2B5EF4-FFF2-40B4-BE49-F238E27FC236}">
+                <a16:creationId xmlns:a16="http://schemas.microsoft.com/office/drawing/2014/main" id="{BC4C4868-CB8F-4AF9-9CDB-8108F2C19B67}"/>
+              </a:ext>
+              <a:ext uri="{C183D7F6-B498-43B3-948B-1728B52AA6E4}">
+                <adec:decorative xmlns:adec="http://schemas.microsoft.com/office/drawing/2017/decorative" val="1"/>
+              </a:ext>
+            </a:extLst>
+          </p:cNvPr>
+          <p:cNvSpPr>
+            <a:spLocks noGrp="1" noRot="1" noChangeAspect="1" noMove="1" noResize="1" noEditPoints="1" noAdjustHandles="1" noChangeArrowheads="1" noChangeShapeType="1" noTextEdit="1"/>
+          </p:cNvSpPr>
+          <p:nvPr>
+            <p:extLst>
+              <p:ext uri="{386F3935-93C4-4BCD-93E2-E3B085C9AB24}">
+                <p16:designElem xmlns:p16="http://schemas.microsoft.com/office/powerpoint/2015/main" val="1"/>
+              </p:ext>
+            </p:extLst>
+          </p:nvPr>
+        </p:nvSpPr>
+        <p:spPr>
+          <a:xfrm rot="10800000" flipH="1">
+            <a:off x="-3" y="0"/>
+            <a:ext cx="8115306" cy="1590742"/>
+          </a:xfrm>
+          <a:prstGeom prst="rect">
+            <a:avLst/>
+          </a:prstGeom>
+          <a:gradFill>
+            <a:gsLst>
+              <a:gs pos="20000">
+                <a:schemeClr val="accent1">
+                  <a:alpha val="0"/>
+                </a:schemeClr>
+              </a:gs>
+              <a:gs pos="100000">
+                <a:schemeClr val="accent1">
+                  <a:lumMod val="50000"/>
+                  <a:alpha val="55000"/>
+                </a:schemeClr>
+              </a:gs>
+            </a:gsLst>
+            <a:lin ang="13800000" scaled="0"/>
+          </a:gradFill>
+          <a:ln>
+            <a:noFill/>
+          </a:ln>
+        </p:spPr>
+        <p:style>
+          <a:lnRef idx="2">
+            <a:schemeClr val="accent1">
+              <a:shade val="50000"/>
+            </a:schemeClr>
+          </a:lnRef>
+          <a:fillRef idx="1">
+            <a:schemeClr val="accent1"/>
+          </a:fillRef>
+          <a:effectRef idx="0">
+            <a:schemeClr val="accent1"/>
+          </a:effectRef>
+          <a:fontRef idx="minor">
+            <a:schemeClr val="lt1"/>
+          </a:fontRef>
+        </p:style>
+        <p:txBody>
+          <a:bodyPr rtlCol="0" anchor="ctr"/>
+          <a:lstStyle/>
+          <a:p>
+            <a:pPr algn="ctr"/>
+            <a:endParaRPr lang="en-US"/>
+          </a:p>
+        </p:txBody>
+      </p:sp>
+      <p:sp>
+        <p:nvSpPr>
+          <p:cNvPr id="14" name="Rectangle 13">
+            <a:extLst>
+              <a:ext uri="{FF2B5EF4-FFF2-40B4-BE49-F238E27FC236}">
+                <a16:creationId xmlns:a16="http://schemas.microsoft.com/office/drawing/2014/main" id="{375E0459-6403-40CD-989D-56A4407CA12E}"/>
+              </a:ext>
+              <a:ext uri="{C183D7F6-B498-43B3-948B-1728B52AA6E4}">
+                <adec:decorative xmlns:adec="http://schemas.microsoft.com/office/drawing/2017/decorative" val="1"/>
+              </a:ext>
+            </a:extLst>
+          </p:cNvPr>
+          <p:cNvSpPr>
+            <a:spLocks noGrp="1" noRot="1" noChangeAspect="1" noMove="1" noResize="1" noEditPoints="1" noAdjustHandles="1" noChangeArrowheads="1" noChangeShapeType="1" noTextEdit="1"/>
+          </p:cNvSpPr>
+          <p:nvPr>
+            <p:extLst>
+              <p:ext uri="{386F3935-93C4-4BCD-93E2-E3B085C9AB24}">
+                <p16:designElem xmlns:p16="http://schemas.microsoft.com/office/powerpoint/2015/main" val="1"/>
+              </p:ext>
+            </p:extLst>
+          </p:nvPr>
+        </p:nvSpPr>
+        <p:spPr>
+          <a:xfrm flipH="1">
+            <a:off x="8115299" y="-1"/>
+            <a:ext cx="4076698" cy="1590742"/>
+          </a:xfrm>
+          <a:prstGeom prst="rect">
+            <a:avLst/>
+          </a:prstGeom>
+          <a:gradFill>
+            <a:gsLst>
+              <a:gs pos="0">
+                <a:schemeClr val="accent1">
+                  <a:alpha val="66000"/>
+                </a:schemeClr>
+              </a:gs>
+              <a:gs pos="100000">
+                <a:srgbClr val="000000">
+                  <a:alpha val="30000"/>
+                </a:srgbClr>
+              </a:gs>
+            </a:gsLst>
+            <a:lin ang="13200000" scaled="0"/>
+          </a:gradFill>
+          <a:ln>
+            <a:noFill/>
+          </a:ln>
+        </p:spPr>
+        <p:style>
+          <a:lnRef idx="2">
+            <a:schemeClr val="accent1">
+              <a:shade val="50000"/>
+            </a:schemeClr>
+          </a:lnRef>
+          <a:fillRef idx="1">
+            <a:schemeClr val="accent1"/>
+          </a:fillRef>
+          <a:effectRef idx="0">
+            <a:schemeClr val="accent1"/>
+          </a:effectRef>
+          <a:fontRef idx="minor">
+            <a:schemeClr val="lt1"/>
+          </a:fontRef>
+        </p:style>
+        <p:txBody>
+          <a:bodyPr rtlCol="0" anchor="ctr"/>
+          <a:lstStyle/>
+          <a:p>
+            <a:pPr algn="ctr"/>
+            <a:endParaRPr lang="en-US"/>
+          </a:p>
+        </p:txBody>
+      </p:sp>
+      <p:sp>
+        <p:nvSpPr>
+          <p:cNvPr id="16" name="Rectangle 15">
+            <a:extLst>
+              <a:ext uri="{FF2B5EF4-FFF2-40B4-BE49-F238E27FC236}">
+                <a16:creationId xmlns:a16="http://schemas.microsoft.com/office/drawing/2014/main" id="{53E5B1A8-3AC9-4BD1-9BBC-78CA94F2D1BA}"/>
+              </a:ext>
+              <a:ext uri="{C183D7F6-B498-43B3-948B-1728B52AA6E4}">
+                <adec:decorative xmlns:adec="http://schemas.microsoft.com/office/drawing/2017/decorative" val="1"/>
+              </a:ext>
+            </a:extLst>
+          </p:cNvPr>
+          <p:cNvSpPr>
+            <a:spLocks noGrp="1" noRot="1" noChangeAspect="1" noMove="1" noResize="1" noEditPoints="1" noAdjustHandles="1" noChangeArrowheads="1" noChangeShapeType="1" noTextEdit="1"/>
+          </p:cNvSpPr>
+          <p:nvPr>
+            <p:extLst>
+              <p:ext uri="{386F3935-93C4-4BCD-93E2-E3B085C9AB24}">
+                <p16:designElem xmlns:p16="http://schemas.microsoft.com/office/powerpoint/2015/main" val="1"/>
+              </p:ext>
+            </p:extLst>
+          </p:nvPr>
+        </p:nvSpPr>
+        <p:spPr>
+          <a:xfrm>
+            <a:off x="459350" y="-1"/>
+            <a:ext cx="11732646" cy="1597433"/>
+          </a:xfrm>
+          <a:prstGeom prst="rect">
+            <a:avLst/>
+          </a:prstGeom>
+          <a:gradFill>
+            <a:gsLst>
+              <a:gs pos="50000">
+                <a:srgbClr val="000000">
+                  <a:alpha val="0"/>
+                </a:srgbClr>
+              </a:gs>
+              <a:gs pos="99000">
+                <a:schemeClr val="accent1">
+                  <a:lumMod val="50000"/>
+                  <a:alpha val="52000"/>
+                </a:schemeClr>
+              </a:gs>
+            </a:gsLst>
+            <a:lin ang="16800000" scaled="0"/>
+          </a:gradFill>
+          <a:ln>
+            <a:noFill/>
+          </a:ln>
+        </p:spPr>
+        <p:style>
+          <a:lnRef idx="2">
+            <a:schemeClr val="accent1">
+              <a:shade val="50000"/>
+            </a:schemeClr>
+          </a:lnRef>
+          <a:fillRef idx="1">
+            <a:schemeClr val="accent1"/>
+          </a:fillRef>
+          <a:effectRef idx="0">
+            <a:schemeClr val="accent1"/>
+          </a:effectRef>
+          <a:fontRef idx="minor">
+            <a:schemeClr val="lt1"/>
+          </a:fontRef>
+        </p:style>
+        <p:txBody>
+          <a:bodyPr rtlCol="0" anchor="ctr"/>
+          <a:lstStyle/>
+          <a:p>
+            <a:pPr algn="ctr"/>
+            <a:endParaRPr lang="en-US"/>
+          </a:p>
+        </p:txBody>
+      </p:sp>
+      <p:sp>
+        <p:nvSpPr>
+          <p:cNvPr id="2" name="Título 1">
+            <a:extLst>
+              <a:ext uri="{FF2B5EF4-FFF2-40B4-BE49-F238E27FC236}">
+                <a16:creationId xmlns:a16="http://schemas.microsoft.com/office/drawing/2014/main" id="{4F289A8A-4D10-B3BB-F809-79887BE4CA46}"/>
+              </a:ext>
+            </a:extLst>
+          </p:cNvPr>
+          <p:cNvSpPr>
+            <a:spLocks noGrp="1"/>
+          </p:cNvSpPr>
+          <p:nvPr>
+            <p:ph type="title"/>
+          </p:nvPr>
+        </p:nvSpPr>
+        <p:spPr>
+          <a:xfrm>
+            <a:off x="1371599" y="294538"/>
+            <a:ext cx="9895951" cy="1033669"/>
+          </a:xfrm>
+        </p:spPr>
+        <p:txBody>
+          <a:bodyPr>
+            <a:normAutofit/>
+          </a:bodyPr>
+          <a:lstStyle/>
+          <a:p>
+            <a:endParaRPr lang="es-SV" sz="4000">
+              <a:solidFill>
+                <a:srgbClr val="FFFFFF"/>
+              </a:solidFill>
+            </a:endParaRPr>
+          </a:p>
+        </p:txBody>
+      </p:sp>
+      <p:sp>
+        <p:nvSpPr>
+          <p:cNvPr id="3" name="Marcador de contenido 2">
+            <a:extLst>
+              <a:ext uri="{FF2B5EF4-FFF2-40B4-BE49-F238E27FC236}">
+                <a16:creationId xmlns:a16="http://schemas.microsoft.com/office/drawing/2014/main" id="{CD4AB163-AD83-895C-31ED-44518B4365AD}"/>
+              </a:ext>
+            </a:extLst>
+          </p:cNvPr>
+          <p:cNvSpPr>
+            <a:spLocks noGrp="1"/>
+          </p:cNvSpPr>
+          <p:nvPr>
+            <p:ph idx="1"/>
+          </p:nvPr>
+        </p:nvSpPr>
+        <p:spPr>
+          <a:xfrm>
+            <a:off x="1371599" y="2318197"/>
+            <a:ext cx="9724031" cy="3683358"/>
+          </a:xfrm>
+        </p:spPr>
+        <p:txBody>
+          <a:bodyPr anchor="ctr">
+            <a:normAutofit/>
+          </a:bodyPr>
+          <a:lstStyle/>
+          <a:p>
+            <a:pPr>
+              <a:buFont typeface="+mj-lt"/>
+              <a:buAutoNum type="arabicPeriod"/>
+            </a:pPr>
+            <a:endParaRPr lang="es-ES" sz="2000" b="0" i="0">
+              <a:effectLst/>
+              <a:highlight>
+                <a:srgbClr val="F3F3F3"/>
+              </a:highlight>
+              <a:latin typeface="-apple-system"/>
+            </a:endParaRPr>
+          </a:p>
+          <a:p>
+            <a:pPr marL="742950" lvl="1" indent="-285750">
+              <a:buFont typeface="+mj-lt"/>
+              <a:buAutoNum type="arabicPeriod"/>
+            </a:pPr>
+            <a:r>
+              <a:rPr lang="es-ES" sz="2000" b="1" i="0">
+                <a:effectLst/>
+                <a:highlight>
+                  <a:srgbClr val="F3F3F3"/>
+                </a:highlight>
+                <a:latin typeface="-apple-system"/>
+              </a:rPr>
+              <a:t>Diapositivas 9-10</a:t>
+            </a:r>
+            <a:r>
+              <a:rPr lang="es-ES" sz="2000" b="0" i="0">
+                <a:effectLst/>
+                <a:highlight>
+                  <a:srgbClr val="F3F3F3"/>
+                </a:highlight>
+                <a:latin typeface="-apple-system"/>
+              </a:rPr>
+              <a:t>: Presentación de los resultados obtenidos y análisis de los mismos.</a:t>
+            </a:r>
+          </a:p>
+          <a:p>
+            <a:br>
+              <a:rPr lang="es-ES" sz="2000"/>
+            </a:br>
+            <a:endParaRPr lang="es-SV" sz="2000"/>
+          </a:p>
+        </p:txBody>
+      </p:sp>
     </p:spTree>
     <p:extLst>
       <p:ext uri="{BB962C8B-B14F-4D97-AF65-F5344CB8AC3E}">
-        <p14:creationId xmlns:p14="http://schemas.microsoft.com/office/powerpoint/2010/main" val="716600615"/>
+        <p14:creationId xmlns:p14="http://schemas.microsoft.com/office/powerpoint/2010/main" val="3002375102"/>
       </p:ext>
     </p:extLst>
   </p:cSld>

--- a/ta5/Avance 03 IA.pptx
+++ b/ta5/Avance 03 IA.pptx
@@ -6,16 +6,13 @@
   </p:sldMasterIdLst>
   <p:sldIdLst>
     <p:sldId id="256" r:id="rId2"/>
-    <p:sldId id="257" r:id="rId3"/>
-    <p:sldId id="258" r:id="rId4"/>
-    <p:sldId id="259" r:id="rId5"/>
-    <p:sldId id="260" r:id="rId6"/>
-    <p:sldId id="261" r:id="rId7"/>
-    <p:sldId id="262" r:id="rId8"/>
-    <p:sldId id="263" r:id="rId9"/>
-    <p:sldId id="264" r:id="rId10"/>
-    <p:sldId id="265" r:id="rId11"/>
-    <p:sldId id="266" r:id="rId12"/>
+    <p:sldId id="258" r:id="rId3"/>
+    <p:sldId id="259" r:id="rId4"/>
+    <p:sldId id="260" r:id="rId5"/>
+    <p:sldId id="261" r:id="rId6"/>
+    <p:sldId id="262" r:id="rId7"/>
+    <p:sldId id="263" r:id="rId8"/>
+    <p:sldId id="266" r:id="rId9"/>
   </p:sldIdLst>
   <p:sldSz cx="12192000" cy="6858000"/>
   <p:notesSz cx="6858000" cy="9144000"/>
@@ -114,1074 +111,20 @@
       </a:defRPr>
     </a:lvl9pPr>
   </p:defaultTextStyle>
+  <p:extLst>
+    <p:ext uri="{EFAFB233-063F-42B5-8137-9DF3F51BA10A}">
+      <p15:sldGuideLst xmlns:p15="http://schemas.microsoft.com/office/powerpoint/2012/main"/>
+    </p:ext>
+  </p:extLst>
 </p:presentation>
 </file>
 
-<file path=ppt/changesInfos/changesInfo1.xml><?xml version="1.0" encoding="utf-8"?>
-<pc:chgInfo xmlns:a="http://schemas.openxmlformats.org/drawingml/2006/main" xmlns:r="http://schemas.openxmlformats.org/officeDocument/2006/relationships" xmlns:ac="http://schemas.microsoft.com/office/drawing/2013/main/command" xmlns:pc="http://schemas.microsoft.com/office/powerpoint/2013/main/command">
-  <pc:docChgLst>
-    <pc:chgData name="HERNANDEZ ORTIZ JOSE ALFREDO" userId="6190f617-08f2-4ebb-a74d-41f293cab510" providerId="ADAL" clId="{28DA792A-7D39-47BE-B06B-F613DE89D9DA}"/>
-    <pc:docChg chg="undo custSel modSld">
-      <pc:chgData name="HERNANDEZ ORTIZ JOSE ALFREDO" userId="6190f617-08f2-4ebb-a74d-41f293cab510" providerId="ADAL" clId="{28DA792A-7D39-47BE-B06B-F613DE89D9DA}" dt="2024-08-30T16:22:50.215" v="25" actId="26606"/>
-      <pc:docMkLst>
-        <pc:docMk/>
-      </pc:docMkLst>
-      <pc:sldChg chg="addSp delSp modSp mod setBg addAnim delAnim">
-        <pc:chgData name="HERNANDEZ ORTIZ JOSE ALFREDO" userId="6190f617-08f2-4ebb-a74d-41f293cab510" providerId="ADAL" clId="{28DA792A-7D39-47BE-B06B-F613DE89D9DA}" dt="2024-08-30T16:21:25.543" v="10" actId="26606"/>
-        <pc:sldMkLst>
-          <pc:docMk/>
-          <pc:sldMk cId="2671778472" sldId="256"/>
-        </pc:sldMkLst>
-        <pc:spChg chg="mod">
-          <ac:chgData name="HERNANDEZ ORTIZ JOSE ALFREDO" userId="6190f617-08f2-4ebb-a74d-41f293cab510" providerId="ADAL" clId="{28DA792A-7D39-47BE-B06B-F613DE89D9DA}" dt="2024-08-30T16:21:25.543" v="10" actId="26606"/>
-          <ac:spMkLst>
-            <pc:docMk/>
-            <pc:sldMk cId="2671778472" sldId="256"/>
-            <ac:spMk id="2" creationId="{F38A24AF-C6A0-CFE0-D1C7-5EB81E8F9662}"/>
-          </ac:spMkLst>
-        </pc:spChg>
-        <pc:spChg chg="mod">
-          <ac:chgData name="HERNANDEZ ORTIZ JOSE ALFREDO" userId="6190f617-08f2-4ebb-a74d-41f293cab510" providerId="ADAL" clId="{28DA792A-7D39-47BE-B06B-F613DE89D9DA}" dt="2024-08-30T16:21:25.543" v="10" actId="26606"/>
-          <ac:spMkLst>
-            <pc:docMk/>
-            <pc:sldMk cId="2671778472" sldId="256"/>
-            <ac:spMk id="3" creationId="{8254165D-F69C-3C8F-88C8-636545C7AB7E}"/>
-          </ac:spMkLst>
-        </pc:spChg>
-        <pc:spChg chg="add del">
-          <ac:chgData name="HERNANDEZ ORTIZ JOSE ALFREDO" userId="6190f617-08f2-4ebb-a74d-41f293cab510" providerId="ADAL" clId="{28DA792A-7D39-47BE-B06B-F613DE89D9DA}" dt="2024-08-30T16:20:42.887" v="1" actId="26606"/>
-          <ac:spMkLst>
-            <pc:docMk/>
-            <pc:sldMk cId="2671778472" sldId="256"/>
-            <ac:spMk id="8" creationId="{5E7AA7E8-8006-4E1F-A566-FCF37EE6F35D}"/>
-          </ac:spMkLst>
-        </pc:spChg>
-        <pc:spChg chg="add del">
-          <ac:chgData name="HERNANDEZ ORTIZ JOSE ALFREDO" userId="6190f617-08f2-4ebb-a74d-41f293cab510" providerId="ADAL" clId="{28DA792A-7D39-47BE-B06B-F613DE89D9DA}" dt="2024-08-30T16:21:25.543" v="10" actId="26606"/>
-          <ac:spMkLst>
-            <pc:docMk/>
-            <pc:sldMk cId="2671778472" sldId="256"/>
-            <ac:spMk id="12" creationId="{9C682A1A-5B2D-4111-BBD6-620165633E5B}"/>
-          </ac:spMkLst>
-        </pc:spChg>
-        <pc:spChg chg="add del">
-          <ac:chgData name="HERNANDEZ ORTIZ JOSE ALFREDO" userId="6190f617-08f2-4ebb-a74d-41f293cab510" providerId="ADAL" clId="{28DA792A-7D39-47BE-B06B-F613DE89D9DA}" dt="2024-08-30T16:20:50.965" v="3" actId="26606"/>
-          <ac:spMkLst>
-            <pc:docMk/>
-            <pc:sldMk cId="2671778472" sldId="256"/>
-            <ac:spMk id="13" creationId="{489B7BFD-8F45-4093-AD9C-91B15B0503D9}"/>
-          </ac:spMkLst>
-        </pc:spChg>
-        <pc:spChg chg="add del">
-          <ac:chgData name="HERNANDEZ ORTIZ JOSE ALFREDO" userId="6190f617-08f2-4ebb-a74d-41f293cab510" providerId="ADAL" clId="{28DA792A-7D39-47BE-B06B-F613DE89D9DA}" dt="2024-08-30T16:20:50.965" v="3" actId="26606"/>
-          <ac:spMkLst>
-            <pc:docMk/>
-            <pc:sldMk cId="2671778472" sldId="256"/>
-            <ac:spMk id="14" creationId="{498F8FF6-43B4-494A-AF8F-123A4983EDF7}"/>
-          </ac:spMkLst>
-        </pc:spChg>
-        <pc:spChg chg="add del">
-          <ac:chgData name="HERNANDEZ ORTIZ JOSE ALFREDO" userId="6190f617-08f2-4ebb-a74d-41f293cab510" providerId="ADAL" clId="{28DA792A-7D39-47BE-B06B-F613DE89D9DA}" dt="2024-08-30T16:20:50.965" v="3" actId="26606"/>
-          <ac:spMkLst>
-            <pc:docMk/>
-            <pc:sldMk cId="2671778472" sldId="256"/>
-            <ac:spMk id="16" creationId="{2B06059C-C357-4011-82B9-9C0106301384}"/>
-          </ac:spMkLst>
-        </pc:spChg>
-        <pc:spChg chg="add del">
-          <ac:chgData name="HERNANDEZ ORTIZ JOSE ALFREDO" userId="6190f617-08f2-4ebb-a74d-41f293cab510" providerId="ADAL" clId="{28DA792A-7D39-47BE-B06B-F613DE89D9DA}" dt="2024-08-30T16:20:50.965" v="3" actId="26606"/>
-          <ac:spMkLst>
-            <pc:docMk/>
-            <pc:sldMk cId="2671778472" sldId="256"/>
-            <ac:spMk id="18" creationId="{5AFEC601-A132-47EE-B0C2-B38ACD9FCE6F}"/>
-          </ac:spMkLst>
-        </pc:spChg>
-        <pc:spChg chg="add del">
-          <ac:chgData name="HERNANDEZ ORTIZ JOSE ALFREDO" userId="6190f617-08f2-4ebb-a74d-41f293cab510" providerId="ADAL" clId="{28DA792A-7D39-47BE-B06B-F613DE89D9DA}" dt="2024-08-30T16:20:50.965" v="3" actId="26606"/>
-          <ac:spMkLst>
-            <pc:docMk/>
-            <pc:sldMk cId="2671778472" sldId="256"/>
-            <ac:spMk id="20" creationId="{279CAF82-0ECF-42BE-8F37-F71941E5D410}"/>
-          </ac:spMkLst>
-        </pc:spChg>
-        <pc:spChg chg="add del">
-          <ac:chgData name="HERNANDEZ ORTIZ JOSE ALFREDO" userId="6190f617-08f2-4ebb-a74d-41f293cab510" providerId="ADAL" clId="{28DA792A-7D39-47BE-B06B-F613DE89D9DA}" dt="2024-08-30T16:20:50.965" v="3" actId="26606"/>
-          <ac:spMkLst>
-            <pc:docMk/>
-            <pc:sldMk cId="2671778472" sldId="256"/>
-            <ac:spMk id="22" creationId="{218E095B-4870-4AD5-9C41-C16D59523501}"/>
-          </ac:spMkLst>
-        </pc:spChg>
-        <pc:spChg chg="add del">
-          <ac:chgData name="HERNANDEZ ORTIZ JOSE ALFREDO" userId="6190f617-08f2-4ebb-a74d-41f293cab510" providerId="ADAL" clId="{28DA792A-7D39-47BE-B06B-F613DE89D9DA}" dt="2024-08-30T16:20:50.965" v="3" actId="26606"/>
-          <ac:spMkLst>
-            <pc:docMk/>
-            <pc:sldMk cId="2671778472" sldId="256"/>
-            <ac:spMk id="31" creationId="{033BC44A-0661-43B4-9C14-FD5963C226AE}"/>
-          </ac:spMkLst>
-        </pc:spChg>
-        <pc:spChg chg="add del">
-          <ac:chgData name="HERNANDEZ ORTIZ JOSE ALFREDO" userId="6190f617-08f2-4ebb-a74d-41f293cab510" providerId="ADAL" clId="{28DA792A-7D39-47BE-B06B-F613DE89D9DA}" dt="2024-08-30T16:20:50.965" v="3" actId="26606"/>
-          <ac:spMkLst>
-            <pc:docMk/>
-            <pc:sldMk cId="2671778472" sldId="256"/>
-            <ac:spMk id="33" creationId="{BE8CB2F0-2F5A-4EBD-B214-E0309C31F578}"/>
-          </ac:spMkLst>
-        </pc:spChg>
-        <pc:spChg chg="add del">
-          <ac:chgData name="HERNANDEZ ORTIZ JOSE ALFREDO" userId="6190f617-08f2-4ebb-a74d-41f293cab510" providerId="ADAL" clId="{28DA792A-7D39-47BE-B06B-F613DE89D9DA}" dt="2024-08-30T16:20:50.965" v="3" actId="26606"/>
-          <ac:spMkLst>
-            <pc:docMk/>
-            <pc:sldMk cId="2671778472" sldId="256"/>
-            <ac:spMk id="35" creationId="{FFD3887D-244B-4EC4-9208-E304984C5D0F}"/>
-          </ac:spMkLst>
-        </pc:spChg>
-        <pc:spChg chg="add del">
-          <ac:chgData name="HERNANDEZ ORTIZ JOSE ALFREDO" userId="6190f617-08f2-4ebb-a74d-41f293cab510" providerId="ADAL" clId="{28DA792A-7D39-47BE-B06B-F613DE89D9DA}" dt="2024-08-30T16:20:50.965" v="3" actId="26606"/>
-          <ac:spMkLst>
-            <pc:docMk/>
-            <pc:sldMk cId="2671778472" sldId="256"/>
-            <ac:spMk id="37" creationId="{97224C31-855E-4593-8A58-5B2B0CC4F537}"/>
-          </ac:spMkLst>
-        </pc:spChg>
-        <pc:spChg chg="add del">
-          <ac:chgData name="HERNANDEZ ORTIZ JOSE ALFREDO" userId="6190f617-08f2-4ebb-a74d-41f293cab510" providerId="ADAL" clId="{28DA792A-7D39-47BE-B06B-F613DE89D9DA}" dt="2024-08-30T16:20:59.205" v="5" actId="26606"/>
-          <ac:spMkLst>
-            <pc:docMk/>
-            <pc:sldMk cId="2671778472" sldId="256"/>
-            <ac:spMk id="39" creationId="{C7D023E4-8DE1-436E-9847-ED6A4B4B04FD}"/>
-          </ac:spMkLst>
-        </pc:spChg>
-        <pc:spChg chg="add del">
-          <ac:chgData name="HERNANDEZ ORTIZ JOSE ALFREDO" userId="6190f617-08f2-4ebb-a74d-41f293cab510" providerId="ADAL" clId="{28DA792A-7D39-47BE-B06B-F613DE89D9DA}" dt="2024-08-30T16:20:59.205" v="5" actId="26606"/>
-          <ac:spMkLst>
-            <pc:docMk/>
-            <pc:sldMk cId="2671778472" sldId="256"/>
-            <ac:spMk id="40" creationId="{63C1F321-BB96-4700-B3CE-1A6156067F44}"/>
-          </ac:spMkLst>
-        </pc:spChg>
-        <pc:spChg chg="add del">
-          <ac:chgData name="HERNANDEZ ORTIZ JOSE ALFREDO" userId="6190f617-08f2-4ebb-a74d-41f293cab510" providerId="ADAL" clId="{28DA792A-7D39-47BE-B06B-F613DE89D9DA}" dt="2024-08-30T16:21:25.543" v="10" actId="26606"/>
-          <ac:spMkLst>
-            <pc:docMk/>
-            <pc:sldMk cId="2671778472" sldId="256"/>
-            <ac:spMk id="49" creationId="{4E1BEB12-92AF-4445-98AD-4C7756E7C93B}"/>
-          </ac:spMkLst>
-        </pc:spChg>
-        <pc:spChg chg="add del">
-          <ac:chgData name="HERNANDEZ ORTIZ JOSE ALFREDO" userId="6190f617-08f2-4ebb-a74d-41f293cab510" providerId="ADAL" clId="{28DA792A-7D39-47BE-B06B-F613DE89D9DA}" dt="2024-08-30T16:21:25.543" v="10" actId="26606"/>
-          <ac:spMkLst>
-            <pc:docMk/>
-            <pc:sldMk cId="2671778472" sldId="256"/>
-            <ac:spMk id="50" creationId="{D0522C2C-7B5C-48A7-A969-03941E5D2E76}"/>
-          </ac:spMkLst>
-        </pc:spChg>
-        <pc:spChg chg="add del">
-          <ac:chgData name="HERNANDEZ ORTIZ JOSE ALFREDO" userId="6190f617-08f2-4ebb-a74d-41f293cab510" providerId="ADAL" clId="{28DA792A-7D39-47BE-B06B-F613DE89D9DA}" dt="2024-08-30T16:21:25.543" v="10" actId="26606"/>
-          <ac:spMkLst>
-            <pc:docMk/>
-            <pc:sldMk cId="2671778472" sldId="256"/>
-            <ac:spMk id="51" creationId="{D6EE29F2-D77F-4BD0-A20B-334D316A1C9D}"/>
-          </ac:spMkLst>
-        </pc:spChg>
-        <pc:spChg chg="add del">
-          <ac:chgData name="HERNANDEZ ORTIZ JOSE ALFREDO" userId="6190f617-08f2-4ebb-a74d-41f293cab510" providerId="ADAL" clId="{28DA792A-7D39-47BE-B06B-F613DE89D9DA}" dt="2024-08-30T16:21:25.543" v="10" actId="26606"/>
-          <ac:spMkLst>
-            <pc:docMk/>
-            <pc:sldMk cId="2671778472" sldId="256"/>
-            <ac:spMk id="52" creationId="{22D09ED2-868F-42C6-866E-F92E0CEF314F}"/>
-          </ac:spMkLst>
-        </pc:spChg>
-        <pc:spChg chg="add del">
-          <ac:chgData name="HERNANDEZ ORTIZ JOSE ALFREDO" userId="6190f617-08f2-4ebb-a74d-41f293cab510" providerId="ADAL" clId="{28DA792A-7D39-47BE-B06B-F613DE89D9DA}" dt="2024-08-30T16:21:25.543" v="9" actId="26606"/>
-          <ac:spMkLst>
-            <pc:docMk/>
-            <pc:sldMk cId="2671778472" sldId="256"/>
-            <ac:spMk id="57" creationId="{1A3C89F8-0D2F-47FF-B903-151248265F47}"/>
-          </ac:spMkLst>
-        </pc:spChg>
-        <pc:spChg chg="add del">
-          <ac:chgData name="HERNANDEZ ORTIZ JOSE ALFREDO" userId="6190f617-08f2-4ebb-a74d-41f293cab510" providerId="ADAL" clId="{28DA792A-7D39-47BE-B06B-F613DE89D9DA}" dt="2024-08-30T16:21:25.543" v="9" actId="26606"/>
-          <ac:spMkLst>
-            <pc:docMk/>
-            <pc:sldMk cId="2671778472" sldId="256"/>
-            <ac:spMk id="59" creationId="{C5CB530E-515E-412C-9DF1-5F8FFBD6F383}"/>
-          </ac:spMkLst>
-        </pc:spChg>
-        <pc:spChg chg="add del">
-          <ac:chgData name="HERNANDEZ ORTIZ JOSE ALFREDO" userId="6190f617-08f2-4ebb-a74d-41f293cab510" providerId="ADAL" clId="{28DA792A-7D39-47BE-B06B-F613DE89D9DA}" dt="2024-08-30T16:21:25.543" v="9" actId="26606"/>
-          <ac:spMkLst>
-            <pc:docMk/>
-            <pc:sldMk cId="2671778472" sldId="256"/>
-            <ac:spMk id="61" creationId="{712D4376-A578-4FF1-94FC-245E7A6A489F}"/>
-          </ac:spMkLst>
-        </pc:spChg>
-        <pc:spChg chg="add del">
-          <ac:chgData name="HERNANDEZ ORTIZ JOSE ALFREDO" userId="6190f617-08f2-4ebb-a74d-41f293cab510" providerId="ADAL" clId="{28DA792A-7D39-47BE-B06B-F613DE89D9DA}" dt="2024-08-30T16:21:25.543" v="9" actId="26606"/>
-          <ac:spMkLst>
-            <pc:docMk/>
-            <pc:sldMk cId="2671778472" sldId="256"/>
-            <ac:spMk id="63" creationId="{AEA7509D-F04F-40CB-A0B3-EEF16499CC9F}"/>
-          </ac:spMkLst>
-        </pc:spChg>
-        <pc:spChg chg="add del">
-          <ac:chgData name="HERNANDEZ ORTIZ JOSE ALFREDO" userId="6190f617-08f2-4ebb-a74d-41f293cab510" providerId="ADAL" clId="{28DA792A-7D39-47BE-B06B-F613DE89D9DA}" dt="2024-08-30T16:21:25.543" v="9" actId="26606"/>
-          <ac:spMkLst>
-            <pc:docMk/>
-            <pc:sldMk cId="2671778472" sldId="256"/>
-            <ac:spMk id="67" creationId="{508BEF50-7B1E-49A4-BC19-5F4F1D755E64}"/>
-          </ac:spMkLst>
-        </pc:spChg>
-        <pc:spChg chg="add del">
-          <ac:chgData name="HERNANDEZ ORTIZ JOSE ALFREDO" userId="6190f617-08f2-4ebb-a74d-41f293cab510" providerId="ADAL" clId="{28DA792A-7D39-47BE-B06B-F613DE89D9DA}" dt="2024-08-30T16:21:25.543" v="9" actId="26606"/>
-          <ac:spMkLst>
-            <pc:docMk/>
-            <pc:sldMk cId="2671778472" sldId="256"/>
-            <ac:spMk id="69" creationId="{3FBAD350-5664-4811-A208-657FB882D350}"/>
-          </ac:spMkLst>
-        </pc:spChg>
-        <pc:spChg chg="add del">
-          <ac:chgData name="HERNANDEZ ORTIZ JOSE ALFREDO" userId="6190f617-08f2-4ebb-a74d-41f293cab510" providerId="ADAL" clId="{28DA792A-7D39-47BE-B06B-F613DE89D9DA}" dt="2024-08-30T16:21:25.543" v="9" actId="26606"/>
-          <ac:spMkLst>
-            <pc:docMk/>
-            <pc:sldMk cId="2671778472" sldId="256"/>
-            <ac:spMk id="71" creationId="{C39ADB8F-D187-49D7-BDCF-C1B6DC727068}"/>
-          </ac:spMkLst>
-        </pc:spChg>
-        <pc:spChg chg="add">
-          <ac:chgData name="HERNANDEZ ORTIZ JOSE ALFREDO" userId="6190f617-08f2-4ebb-a74d-41f293cab510" providerId="ADAL" clId="{28DA792A-7D39-47BE-B06B-F613DE89D9DA}" dt="2024-08-30T16:21:25.543" v="10" actId="26606"/>
-          <ac:spMkLst>
-            <pc:docMk/>
-            <pc:sldMk cId="2671778472" sldId="256"/>
-            <ac:spMk id="73" creationId="{8C790BE2-4E4F-4AAF-81A2-4A6F4885EBE6}"/>
-          </ac:spMkLst>
-        </pc:spChg>
-        <pc:spChg chg="add">
-          <ac:chgData name="HERNANDEZ ORTIZ JOSE ALFREDO" userId="6190f617-08f2-4ebb-a74d-41f293cab510" providerId="ADAL" clId="{28DA792A-7D39-47BE-B06B-F613DE89D9DA}" dt="2024-08-30T16:21:25.543" v="10" actId="26606"/>
-          <ac:spMkLst>
-            <pc:docMk/>
-            <pc:sldMk cId="2671778472" sldId="256"/>
-            <ac:spMk id="74" creationId="{D28B54C3-B57B-472A-B96E-1FCB67093DC2}"/>
-          </ac:spMkLst>
-        </pc:spChg>
-        <pc:spChg chg="add">
-          <ac:chgData name="HERNANDEZ ORTIZ JOSE ALFREDO" userId="6190f617-08f2-4ebb-a74d-41f293cab510" providerId="ADAL" clId="{28DA792A-7D39-47BE-B06B-F613DE89D9DA}" dt="2024-08-30T16:21:25.543" v="10" actId="26606"/>
-          <ac:spMkLst>
-            <pc:docMk/>
-            <pc:sldMk cId="2671778472" sldId="256"/>
-            <ac:spMk id="75" creationId="{7DB3C429-F8DA-49B9-AF84-21996FCF78B5}"/>
-          </ac:spMkLst>
-        </pc:spChg>
-        <pc:spChg chg="add">
-          <ac:chgData name="HERNANDEZ ORTIZ JOSE ALFREDO" userId="6190f617-08f2-4ebb-a74d-41f293cab510" providerId="ADAL" clId="{28DA792A-7D39-47BE-B06B-F613DE89D9DA}" dt="2024-08-30T16:21:25.543" v="10" actId="26606"/>
-          <ac:spMkLst>
-            <pc:docMk/>
-            <pc:sldMk cId="2671778472" sldId="256"/>
-            <ac:spMk id="76" creationId="{E12088DD-B1AD-40E0-8B86-1D87A2CCD9BE}"/>
-          </ac:spMkLst>
-        </pc:spChg>
-        <pc:spChg chg="add">
-          <ac:chgData name="HERNANDEZ ORTIZ JOSE ALFREDO" userId="6190f617-08f2-4ebb-a74d-41f293cab510" providerId="ADAL" clId="{28DA792A-7D39-47BE-B06B-F613DE89D9DA}" dt="2024-08-30T16:21:25.543" v="10" actId="26606"/>
-          <ac:spMkLst>
-            <pc:docMk/>
-            <pc:sldMk cId="2671778472" sldId="256"/>
-            <ac:spMk id="77" creationId="{C4C9F2B0-1044-46EB-8AEB-C3BFFDE6C2CC}"/>
-          </ac:spMkLst>
-        </pc:spChg>
-        <pc:spChg chg="add">
-          <ac:chgData name="HERNANDEZ ORTIZ JOSE ALFREDO" userId="6190f617-08f2-4ebb-a74d-41f293cab510" providerId="ADAL" clId="{28DA792A-7D39-47BE-B06B-F613DE89D9DA}" dt="2024-08-30T16:21:25.543" v="10" actId="26606"/>
-          <ac:spMkLst>
-            <pc:docMk/>
-            <pc:sldMk cId="2671778472" sldId="256"/>
-            <ac:spMk id="78" creationId="{0C395952-4E26-45A2-8756-2ADFD6E53C6E}"/>
-          </ac:spMkLst>
-        </pc:spChg>
-        <pc:spChg chg="add">
-          <ac:chgData name="HERNANDEZ ORTIZ JOSE ALFREDO" userId="6190f617-08f2-4ebb-a74d-41f293cab510" providerId="ADAL" clId="{28DA792A-7D39-47BE-B06B-F613DE89D9DA}" dt="2024-08-30T16:21:25.543" v="10" actId="26606"/>
-          <ac:spMkLst>
-            <pc:docMk/>
-            <pc:sldMk cId="2671778472" sldId="256"/>
-            <ac:spMk id="79" creationId="{4734BADF-9461-4621-B112-2D7BABEA7DD0}"/>
-          </ac:spMkLst>
-        </pc:spChg>
-        <pc:grpChg chg="add del">
-          <ac:chgData name="HERNANDEZ ORTIZ JOSE ALFREDO" userId="6190f617-08f2-4ebb-a74d-41f293cab510" providerId="ADAL" clId="{28DA792A-7D39-47BE-B06B-F613DE89D9DA}" dt="2024-08-30T16:20:50.965" v="3" actId="26606"/>
-          <ac:grpSpMkLst>
-            <pc:docMk/>
-            <pc:sldMk cId="2671778472" sldId="256"/>
-            <ac:grpSpMk id="15" creationId="{042BC7E5-76DB-4826-8C07-4A49B6353F76}"/>
-          </ac:grpSpMkLst>
-        </pc:grpChg>
-        <pc:grpChg chg="add del">
-          <ac:chgData name="HERNANDEZ ORTIZ JOSE ALFREDO" userId="6190f617-08f2-4ebb-a74d-41f293cab510" providerId="ADAL" clId="{28DA792A-7D39-47BE-B06B-F613DE89D9DA}" dt="2024-08-30T16:20:50.965" v="3" actId="26606"/>
-          <ac:grpSpMkLst>
-            <pc:docMk/>
-            <pc:sldMk cId="2671778472" sldId="256"/>
-            <ac:grpSpMk id="24" creationId="{FB9739EB-7F66-433D-841F-AB3CD18700B7}"/>
-          </ac:grpSpMkLst>
-        </pc:grpChg>
-        <pc:grpChg chg="add del">
-          <ac:chgData name="HERNANDEZ ORTIZ JOSE ALFREDO" userId="6190f617-08f2-4ebb-a74d-41f293cab510" providerId="ADAL" clId="{28DA792A-7D39-47BE-B06B-F613DE89D9DA}" dt="2024-08-30T16:20:59.205" v="5" actId="26606"/>
-          <ac:grpSpMkLst>
-            <pc:docMk/>
-            <pc:sldMk cId="2671778472" sldId="256"/>
-            <ac:grpSpMk id="41" creationId="{3FA1AD64-F15F-417D-956C-B2C211FC905E}"/>
-          </ac:grpSpMkLst>
-        </pc:grpChg>
-        <pc:grpChg chg="add del">
-          <ac:chgData name="HERNANDEZ ORTIZ JOSE ALFREDO" userId="6190f617-08f2-4ebb-a74d-41f293cab510" providerId="ADAL" clId="{28DA792A-7D39-47BE-B06B-F613DE89D9DA}" dt="2024-08-30T16:20:59.205" v="5" actId="26606"/>
-          <ac:grpSpMkLst>
-            <pc:docMk/>
-            <pc:sldMk cId="2671778472" sldId="256"/>
-            <ac:grpSpMk id="44" creationId="{43F5E015-E085-4624-B431-B42414448684}"/>
-          </ac:grpSpMkLst>
-        </pc:grpChg>
-        <pc:cxnChg chg="add del">
-          <ac:chgData name="HERNANDEZ ORTIZ JOSE ALFREDO" userId="6190f617-08f2-4ebb-a74d-41f293cab510" providerId="ADAL" clId="{28DA792A-7D39-47BE-B06B-F613DE89D9DA}" dt="2024-08-30T16:20:42.887" v="1" actId="26606"/>
-          <ac:cxnSpMkLst>
-            <pc:docMk/>
-            <pc:sldMk cId="2671778472" sldId="256"/>
-            <ac:cxnSpMk id="10" creationId="{56020367-4FD5-4596-8E10-C5F095CD8DBF}"/>
-          </ac:cxnSpMkLst>
-        </pc:cxnChg>
-        <pc:cxnChg chg="add del">
-          <ac:chgData name="HERNANDEZ ORTIZ JOSE ALFREDO" userId="6190f617-08f2-4ebb-a74d-41f293cab510" providerId="ADAL" clId="{28DA792A-7D39-47BE-B06B-F613DE89D9DA}" dt="2024-08-30T16:21:25.543" v="9" actId="26606"/>
-          <ac:cxnSpMkLst>
-            <pc:docMk/>
-            <pc:sldMk cId="2671778472" sldId="256"/>
-            <ac:cxnSpMk id="65" creationId="{56020367-4FD5-4596-8E10-C5F095CD8DBF}"/>
-          </ac:cxnSpMkLst>
-        </pc:cxnChg>
-      </pc:sldChg>
-      <pc:sldChg chg="addSp delSp modSp mod setBg">
-        <pc:chgData name="HERNANDEZ ORTIZ JOSE ALFREDO" userId="6190f617-08f2-4ebb-a74d-41f293cab510" providerId="ADAL" clId="{28DA792A-7D39-47BE-B06B-F613DE89D9DA}" dt="2024-08-30T16:22:11.213" v="17" actId="26606"/>
-        <pc:sldMkLst>
-          <pc:docMk/>
-          <pc:sldMk cId="3814339352" sldId="257"/>
-        </pc:sldMkLst>
-        <pc:spChg chg="mod">
-          <ac:chgData name="HERNANDEZ ORTIZ JOSE ALFREDO" userId="6190f617-08f2-4ebb-a74d-41f293cab510" providerId="ADAL" clId="{28DA792A-7D39-47BE-B06B-F613DE89D9DA}" dt="2024-08-30T16:22:11.213" v="17" actId="26606"/>
-          <ac:spMkLst>
-            <pc:docMk/>
-            <pc:sldMk cId="3814339352" sldId="257"/>
-            <ac:spMk id="2" creationId="{DA02615E-08B2-ABEB-5133-31E3454C467D}"/>
-          </ac:spMkLst>
-        </pc:spChg>
-        <pc:spChg chg="mod">
-          <ac:chgData name="HERNANDEZ ORTIZ JOSE ALFREDO" userId="6190f617-08f2-4ebb-a74d-41f293cab510" providerId="ADAL" clId="{28DA792A-7D39-47BE-B06B-F613DE89D9DA}" dt="2024-08-30T16:22:11.213" v="17" actId="26606"/>
-          <ac:spMkLst>
-            <pc:docMk/>
-            <pc:sldMk cId="3814339352" sldId="257"/>
-            <ac:spMk id="3" creationId="{1B98CF61-74DC-A894-3034-738143093286}"/>
-          </ac:spMkLst>
-        </pc:spChg>
-        <pc:spChg chg="add del">
-          <ac:chgData name="HERNANDEZ ORTIZ JOSE ALFREDO" userId="6190f617-08f2-4ebb-a74d-41f293cab510" providerId="ADAL" clId="{28DA792A-7D39-47BE-B06B-F613DE89D9DA}" dt="2024-08-30T16:22:11.213" v="17" actId="26606"/>
-          <ac:spMkLst>
-            <pc:docMk/>
-            <pc:sldMk cId="3814339352" sldId="257"/>
-            <ac:spMk id="8" creationId="{70DFC902-7D23-471A-B557-B6B6917D7A0D}"/>
-          </ac:spMkLst>
-        </pc:spChg>
-        <pc:spChg chg="add del">
-          <ac:chgData name="HERNANDEZ ORTIZ JOSE ALFREDO" userId="6190f617-08f2-4ebb-a74d-41f293cab510" providerId="ADAL" clId="{28DA792A-7D39-47BE-B06B-F613DE89D9DA}" dt="2024-08-30T16:22:11.213" v="17" actId="26606"/>
-          <ac:spMkLst>
-            <pc:docMk/>
-            <pc:sldMk cId="3814339352" sldId="257"/>
-            <ac:spMk id="10" creationId="{A55D5633-D557-4DCA-982C-FF36EB7A1C00}"/>
-          </ac:spMkLst>
-        </pc:spChg>
-        <pc:spChg chg="add del">
-          <ac:chgData name="HERNANDEZ ORTIZ JOSE ALFREDO" userId="6190f617-08f2-4ebb-a74d-41f293cab510" providerId="ADAL" clId="{28DA792A-7D39-47BE-B06B-F613DE89D9DA}" dt="2024-08-30T16:22:11.213" v="17" actId="26606"/>
-          <ac:spMkLst>
-            <pc:docMk/>
-            <pc:sldMk cId="3814339352" sldId="257"/>
-            <ac:spMk id="12" creationId="{450D3AD2-FA80-415F-A9CE-54D884561CD7}"/>
-          </ac:spMkLst>
-        </pc:spChg>
-        <pc:spChg chg="add">
-          <ac:chgData name="HERNANDEZ ORTIZ JOSE ALFREDO" userId="6190f617-08f2-4ebb-a74d-41f293cab510" providerId="ADAL" clId="{28DA792A-7D39-47BE-B06B-F613DE89D9DA}" dt="2024-08-30T16:22:11.213" v="17" actId="26606"/>
-          <ac:spMkLst>
-            <pc:docMk/>
-            <pc:sldMk cId="3814339352" sldId="257"/>
-            <ac:spMk id="17" creationId="{1B15ED52-F352-441B-82BF-E0EA34836D08}"/>
-          </ac:spMkLst>
-        </pc:spChg>
-        <pc:spChg chg="add">
-          <ac:chgData name="HERNANDEZ ORTIZ JOSE ALFREDO" userId="6190f617-08f2-4ebb-a74d-41f293cab510" providerId="ADAL" clId="{28DA792A-7D39-47BE-B06B-F613DE89D9DA}" dt="2024-08-30T16:22:11.213" v="17" actId="26606"/>
-          <ac:spMkLst>
-            <pc:docMk/>
-            <pc:sldMk cId="3814339352" sldId="257"/>
-            <ac:spMk id="19" creationId="{3B2E3793-BFE6-45A2-9B7B-E18844431C99}"/>
-          </ac:spMkLst>
-        </pc:spChg>
-        <pc:spChg chg="add">
-          <ac:chgData name="HERNANDEZ ORTIZ JOSE ALFREDO" userId="6190f617-08f2-4ebb-a74d-41f293cab510" providerId="ADAL" clId="{28DA792A-7D39-47BE-B06B-F613DE89D9DA}" dt="2024-08-30T16:22:11.213" v="17" actId="26606"/>
-          <ac:spMkLst>
-            <pc:docMk/>
-            <pc:sldMk cId="3814339352" sldId="257"/>
-            <ac:spMk id="21" creationId="{BC4C4868-CB8F-4AF9-9CDB-8108F2C19B67}"/>
-          </ac:spMkLst>
-        </pc:spChg>
-        <pc:spChg chg="add">
-          <ac:chgData name="HERNANDEZ ORTIZ JOSE ALFREDO" userId="6190f617-08f2-4ebb-a74d-41f293cab510" providerId="ADAL" clId="{28DA792A-7D39-47BE-B06B-F613DE89D9DA}" dt="2024-08-30T16:22:11.213" v="17" actId="26606"/>
-          <ac:spMkLst>
-            <pc:docMk/>
-            <pc:sldMk cId="3814339352" sldId="257"/>
-            <ac:spMk id="23" creationId="{375E0459-6403-40CD-989D-56A4407CA12E}"/>
-          </ac:spMkLst>
-        </pc:spChg>
-        <pc:spChg chg="add">
-          <ac:chgData name="HERNANDEZ ORTIZ JOSE ALFREDO" userId="6190f617-08f2-4ebb-a74d-41f293cab510" providerId="ADAL" clId="{28DA792A-7D39-47BE-B06B-F613DE89D9DA}" dt="2024-08-30T16:22:11.213" v="17" actId="26606"/>
-          <ac:spMkLst>
-            <pc:docMk/>
-            <pc:sldMk cId="3814339352" sldId="257"/>
-            <ac:spMk id="25" creationId="{53E5B1A8-3AC9-4BD1-9BBC-78CA94F2D1BA}"/>
-          </ac:spMkLst>
-        </pc:spChg>
-      </pc:sldChg>
-      <pc:sldChg chg="addSp modSp mod setBg">
-        <pc:chgData name="HERNANDEZ ORTIZ JOSE ALFREDO" userId="6190f617-08f2-4ebb-a74d-41f293cab510" providerId="ADAL" clId="{28DA792A-7D39-47BE-B06B-F613DE89D9DA}" dt="2024-08-30T16:21:52.649" v="12" actId="26606"/>
-        <pc:sldMkLst>
-          <pc:docMk/>
-          <pc:sldMk cId="3597631249" sldId="258"/>
-        </pc:sldMkLst>
-        <pc:spChg chg="mod">
-          <ac:chgData name="HERNANDEZ ORTIZ JOSE ALFREDO" userId="6190f617-08f2-4ebb-a74d-41f293cab510" providerId="ADAL" clId="{28DA792A-7D39-47BE-B06B-F613DE89D9DA}" dt="2024-08-30T16:21:52.649" v="12" actId="26606"/>
-          <ac:spMkLst>
-            <pc:docMk/>
-            <pc:sldMk cId="3597631249" sldId="258"/>
-            <ac:spMk id="2" creationId="{6737593B-8D39-31AF-485E-23BE8144E29E}"/>
-          </ac:spMkLst>
-        </pc:spChg>
-        <pc:spChg chg="mod">
-          <ac:chgData name="HERNANDEZ ORTIZ JOSE ALFREDO" userId="6190f617-08f2-4ebb-a74d-41f293cab510" providerId="ADAL" clId="{28DA792A-7D39-47BE-B06B-F613DE89D9DA}" dt="2024-08-30T16:21:52.649" v="12" actId="26606"/>
-          <ac:spMkLst>
-            <pc:docMk/>
-            <pc:sldMk cId="3597631249" sldId="258"/>
-            <ac:spMk id="3" creationId="{36FC1464-FA83-0BCD-A8CA-CC0E8E54F4FF}"/>
-          </ac:spMkLst>
-        </pc:spChg>
-        <pc:spChg chg="add">
-          <ac:chgData name="HERNANDEZ ORTIZ JOSE ALFREDO" userId="6190f617-08f2-4ebb-a74d-41f293cab510" providerId="ADAL" clId="{28DA792A-7D39-47BE-B06B-F613DE89D9DA}" dt="2024-08-30T16:21:52.649" v="12" actId="26606"/>
-          <ac:spMkLst>
-            <pc:docMk/>
-            <pc:sldMk cId="3597631249" sldId="258"/>
-            <ac:spMk id="8" creationId="{1B15ED52-F352-441B-82BF-E0EA34836D08}"/>
-          </ac:spMkLst>
-        </pc:spChg>
-        <pc:spChg chg="add">
-          <ac:chgData name="HERNANDEZ ORTIZ JOSE ALFREDO" userId="6190f617-08f2-4ebb-a74d-41f293cab510" providerId="ADAL" clId="{28DA792A-7D39-47BE-B06B-F613DE89D9DA}" dt="2024-08-30T16:21:52.649" v="12" actId="26606"/>
-          <ac:spMkLst>
-            <pc:docMk/>
-            <pc:sldMk cId="3597631249" sldId="258"/>
-            <ac:spMk id="10" creationId="{3B2E3793-BFE6-45A2-9B7B-E18844431C99}"/>
-          </ac:spMkLst>
-        </pc:spChg>
-        <pc:spChg chg="add">
-          <ac:chgData name="HERNANDEZ ORTIZ JOSE ALFREDO" userId="6190f617-08f2-4ebb-a74d-41f293cab510" providerId="ADAL" clId="{28DA792A-7D39-47BE-B06B-F613DE89D9DA}" dt="2024-08-30T16:21:52.649" v="12" actId="26606"/>
-          <ac:spMkLst>
-            <pc:docMk/>
-            <pc:sldMk cId="3597631249" sldId="258"/>
-            <ac:spMk id="12" creationId="{BC4C4868-CB8F-4AF9-9CDB-8108F2C19B67}"/>
-          </ac:spMkLst>
-        </pc:spChg>
-        <pc:spChg chg="add">
-          <ac:chgData name="HERNANDEZ ORTIZ JOSE ALFREDO" userId="6190f617-08f2-4ebb-a74d-41f293cab510" providerId="ADAL" clId="{28DA792A-7D39-47BE-B06B-F613DE89D9DA}" dt="2024-08-30T16:21:52.649" v="12" actId="26606"/>
-          <ac:spMkLst>
-            <pc:docMk/>
-            <pc:sldMk cId="3597631249" sldId="258"/>
-            <ac:spMk id="14" creationId="{375E0459-6403-40CD-989D-56A4407CA12E}"/>
-          </ac:spMkLst>
-        </pc:spChg>
-        <pc:spChg chg="add">
-          <ac:chgData name="HERNANDEZ ORTIZ JOSE ALFREDO" userId="6190f617-08f2-4ebb-a74d-41f293cab510" providerId="ADAL" clId="{28DA792A-7D39-47BE-B06B-F613DE89D9DA}" dt="2024-08-30T16:21:52.649" v="12" actId="26606"/>
-          <ac:spMkLst>
-            <pc:docMk/>
-            <pc:sldMk cId="3597631249" sldId="258"/>
-            <ac:spMk id="16" creationId="{53E5B1A8-3AC9-4BD1-9BBC-78CA94F2D1BA}"/>
-          </ac:spMkLst>
-        </pc:spChg>
-      </pc:sldChg>
-      <pc:sldChg chg="addSp delSp modSp mod setBg">
-        <pc:chgData name="HERNANDEZ ORTIZ JOSE ALFREDO" userId="6190f617-08f2-4ebb-a74d-41f293cab510" providerId="ADAL" clId="{28DA792A-7D39-47BE-B06B-F613DE89D9DA}" dt="2024-08-30T16:22:17.900" v="18" actId="26606"/>
-        <pc:sldMkLst>
-          <pc:docMk/>
-          <pc:sldMk cId="3030895166" sldId="259"/>
-        </pc:sldMkLst>
-        <pc:spChg chg="mod">
-          <ac:chgData name="HERNANDEZ ORTIZ JOSE ALFREDO" userId="6190f617-08f2-4ebb-a74d-41f293cab510" providerId="ADAL" clId="{28DA792A-7D39-47BE-B06B-F613DE89D9DA}" dt="2024-08-30T16:22:17.900" v="18" actId="26606"/>
-          <ac:spMkLst>
-            <pc:docMk/>
-            <pc:sldMk cId="3030895166" sldId="259"/>
-            <ac:spMk id="2" creationId="{38FA2624-C1CB-9C0B-CEAD-5D059FF6413B}"/>
-          </ac:spMkLst>
-        </pc:spChg>
-        <pc:spChg chg="mod">
-          <ac:chgData name="HERNANDEZ ORTIZ JOSE ALFREDO" userId="6190f617-08f2-4ebb-a74d-41f293cab510" providerId="ADAL" clId="{28DA792A-7D39-47BE-B06B-F613DE89D9DA}" dt="2024-08-30T16:22:17.900" v="18" actId="26606"/>
-          <ac:spMkLst>
-            <pc:docMk/>
-            <pc:sldMk cId="3030895166" sldId="259"/>
-            <ac:spMk id="3" creationId="{3CD1696C-68F3-10C7-5C37-AA16B92D9F06}"/>
-          </ac:spMkLst>
-        </pc:spChg>
-        <pc:spChg chg="add del">
-          <ac:chgData name="HERNANDEZ ORTIZ JOSE ALFREDO" userId="6190f617-08f2-4ebb-a74d-41f293cab510" providerId="ADAL" clId="{28DA792A-7D39-47BE-B06B-F613DE89D9DA}" dt="2024-08-30T16:22:17.900" v="18" actId="26606"/>
-          <ac:spMkLst>
-            <pc:docMk/>
-            <pc:sldMk cId="3030895166" sldId="259"/>
-            <ac:spMk id="8" creationId="{70DFC902-7D23-471A-B557-B6B6917D7A0D}"/>
-          </ac:spMkLst>
-        </pc:spChg>
-        <pc:spChg chg="add del">
-          <ac:chgData name="HERNANDEZ ORTIZ JOSE ALFREDO" userId="6190f617-08f2-4ebb-a74d-41f293cab510" providerId="ADAL" clId="{28DA792A-7D39-47BE-B06B-F613DE89D9DA}" dt="2024-08-30T16:22:17.900" v="18" actId="26606"/>
-          <ac:spMkLst>
-            <pc:docMk/>
-            <pc:sldMk cId="3030895166" sldId="259"/>
-            <ac:spMk id="10" creationId="{A55D5633-D557-4DCA-982C-FF36EB7A1C00}"/>
-          </ac:spMkLst>
-        </pc:spChg>
-        <pc:spChg chg="add del">
-          <ac:chgData name="HERNANDEZ ORTIZ JOSE ALFREDO" userId="6190f617-08f2-4ebb-a74d-41f293cab510" providerId="ADAL" clId="{28DA792A-7D39-47BE-B06B-F613DE89D9DA}" dt="2024-08-30T16:22:17.900" v="18" actId="26606"/>
-          <ac:spMkLst>
-            <pc:docMk/>
-            <pc:sldMk cId="3030895166" sldId="259"/>
-            <ac:spMk id="12" creationId="{450D3AD2-FA80-415F-A9CE-54D884561CD7}"/>
-          </ac:spMkLst>
-        </pc:spChg>
-        <pc:spChg chg="add">
-          <ac:chgData name="HERNANDEZ ORTIZ JOSE ALFREDO" userId="6190f617-08f2-4ebb-a74d-41f293cab510" providerId="ADAL" clId="{28DA792A-7D39-47BE-B06B-F613DE89D9DA}" dt="2024-08-30T16:22:17.900" v="18" actId="26606"/>
-          <ac:spMkLst>
-            <pc:docMk/>
-            <pc:sldMk cId="3030895166" sldId="259"/>
-            <ac:spMk id="17" creationId="{1B15ED52-F352-441B-82BF-E0EA34836D08}"/>
-          </ac:spMkLst>
-        </pc:spChg>
-        <pc:spChg chg="add">
-          <ac:chgData name="HERNANDEZ ORTIZ JOSE ALFREDO" userId="6190f617-08f2-4ebb-a74d-41f293cab510" providerId="ADAL" clId="{28DA792A-7D39-47BE-B06B-F613DE89D9DA}" dt="2024-08-30T16:22:17.900" v="18" actId="26606"/>
-          <ac:spMkLst>
-            <pc:docMk/>
-            <pc:sldMk cId="3030895166" sldId="259"/>
-            <ac:spMk id="19" creationId="{3B2E3793-BFE6-45A2-9B7B-E18844431C99}"/>
-          </ac:spMkLst>
-        </pc:spChg>
-        <pc:spChg chg="add">
-          <ac:chgData name="HERNANDEZ ORTIZ JOSE ALFREDO" userId="6190f617-08f2-4ebb-a74d-41f293cab510" providerId="ADAL" clId="{28DA792A-7D39-47BE-B06B-F613DE89D9DA}" dt="2024-08-30T16:22:17.900" v="18" actId="26606"/>
-          <ac:spMkLst>
-            <pc:docMk/>
-            <pc:sldMk cId="3030895166" sldId="259"/>
-            <ac:spMk id="21" creationId="{BC4C4868-CB8F-4AF9-9CDB-8108F2C19B67}"/>
-          </ac:spMkLst>
-        </pc:spChg>
-        <pc:spChg chg="add">
-          <ac:chgData name="HERNANDEZ ORTIZ JOSE ALFREDO" userId="6190f617-08f2-4ebb-a74d-41f293cab510" providerId="ADAL" clId="{28DA792A-7D39-47BE-B06B-F613DE89D9DA}" dt="2024-08-30T16:22:17.900" v="18" actId="26606"/>
-          <ac:spMkLst>
-            <pc:docMk/>
-            <pc:sldMk cId="3030895166" sldId="259"/>
-            <ac:spMk id="23" creationId="{375E0459-6403-40CD-989D-56A4407CA12E}"/>
-          </ac:spMkLst>
-        </pc:spChg>
-        <pc:spChg chg="add">
-          <ac:chgData name="HERNANDEZ ORTIZ JOSE ALFREDO" userId="6190f617-08f2-4ebb-a74d-41f293cab510" providerId="ADAL" clId="{28DA792A-7D39-47BE-B06B-F613DE89D9DA}" dt="2024-08-30T16:22:17.900" v="18" actId="26606"/>
-          <ac:spMkLst>
-            <pc:docMk/>
-            <pc:sldMk cId="3030895166" sldId="259"/>
-            <ac:spMk id="25" creationId="{53E5B1A8-3AC9-4BD1-9BBC-78CA94F2D1BA}"/>
-          </ac:spMkLst>
-        </pc:spChg>
-      </pc:sldChg>
-      <pc:sldChg chg="addSp delSp modSp mod setBg">
-        <pc:chgData name="HERNANDEZ ORTIZ JOSE ALFREDO" userId="6190f617-08f2-4ebb-a74d-41f293cab510" providerId="ADAL" clId="{28DA792A-7D39-47BE-B06B-F613DE89D9DA}" dt="2024-08-30T16:22:23.885" v="19" actId="26606"/>
-        <pc:sldMkLst>
-          <pc:docMk/>
-          <pc:sldMk cId="2760594863" sldId="260"/>
-        </pc:sldMkLst>
-        <pc:spChg chg="mod">
-          <ac:chgData name="HERNANDEZ ORTIZ JOSE ALFREDO" userId="6190f617-08f2-4ebb-a74d-41f293cab510" providerId="ADAL" clId="{28DA792A-7D39-47BE-B06B-F613DE89D9DA}" dt="2024-08-30T16:22:23.885" v="19" actId="26606"/>
-          <ac:spMkLst>
-            <pc:docMk/>
-            <pc:sldMk cId="2760594863" sldId="260"/>
-            <ac:spMk id="2" creationId="{F9E8322F-F78E-5EC3-5CCD-09768B3BB5CD}"/>
-          </ac:spMkLst>
-        </pc:spChg>
-        <pc:spChg chg="mod">
-          <ac:chgData name="HERNANDEZ ORTIZ JOSE ALFREDO" userId="6190f617-08f2-4ebb-a74d-41f293cab510" providerId="ADAL" clId="{28DA792A-7D39-47BE-B06B-F613DE89D9DA}" dt="2024-08-30T16:22:23.885" v="19" actId="26606"/>
-          <ac:spMkLst>
-            <pc:docMk/>
-            <pc:sldMk cId="2760594863" sldId="260"/>
-            <ac:spMk id="3" creationId="{60F83AC9-30CA-BBAC-367C-D5BF616BDFD9}"/>
-          </ac:spMkLst>
-        </pc:spChg>
-        <pc:spChg chg="add del">
-          <ac:chgData name="HERNANDEZ ORTIZ JOSE ALFREDO" userId="6190f617-08f2-4ebb-a74d-41f293cab510" providerId="ADAL" clId="{28DA792A-7D39-47BE-B06B-F613DE89D9DA}" dt="2024-08-30T16:22:02.514" v="15" actId="26606"/>
-          <ac:spMkLst>
-            <pc:docMk/>
-            <pc:sldMk cId="2760594863" sldId="260"/>
-            <ac:spMk id="8" creationId="{70DFC902-7D23-471A-B557-B6B6917D7A0D}"/>
-          </ac:spMkLst>
-        </pc:spChg>
-        <pc:spChg chg="add del">
-          <ac:chgData name="HERNANDEZ ORTIZ JOSE ALFREDO" userId="6190f617-08f2-4ebb-a74d-41f293cab510" providerId="ADAL" clId="{28DA792A-7D39-47BE-B06B-F613DE89D9DA}" dt="2024-08-30T16:22:02.514" v="15" actId="26606"/>
-          <ac:spMkLst>
-            <pc:docMk/>
-            <pc:sldMk cId="2760594863" sldId="260"/>
-            <ac:spMk id="10" creationId="{A55D5633-D557-4DCA-982C-FF36EB7A1C00}"/>
-          </ac:spMkLst>
-        </pc:spChg>
-        <pc:spChg chg="add del">
-          <ac:chgData name="HERNANDEZ ORTIZ JOSE ALFREDO" userId="6190f617-08f2-4ebb-a74d-41f293cab510" providerId="ADAL" clId="{28DA792A-7D39-47BE-B06B-F613DE89D9DA}" dt="2024-08-30T16:22:02.514" v="15" actId="26606"/>
-          <ac:spMkLst>
-            <pc:docMk/>
-            <pc:sldMk cId="2760594863" sldId="260"/>
-            <ac:spMk id="12" creationId="{450D3AD2-FA80-415F-A9CE-54D884561CD7}"/>
-          </ac:spMkLst>
-        </pc:spChg>
-        <pc:spChg chg="add del">
-          <ac:chgData name="HERNANDEZ ORTIZ JOSE ALFREDO" userId="6190f617-08f2-4ebb-a74d-41f293cab510" providerId="ADAL" clId="{28DA792A-7D39-47BE-B06B-F613DE89D9DA}" dt="2024-08-30T16:22:23.885" v="19" actId="26606"/>
-          <ac:spMkLst>
-            <pc:docMk/>
-            <pc:sldMk cId="2760594863" sldId="260"/>
-            <ac:spMk id="14" creationId="{70DFC902-7D23-471A-B557-B6B6917D7A0D}"/>
-          </ac:spMkLst>
-        </pc:spChg>
-        <pc:spChg chg="add del">
-          <ac:chgData name="HERNANDEZ ORTIZ JOSE ALFREDO" userId="6190f617-08f2-4ebb-a74d-41f293cab510" providerId="ADAL" clId="{28DA792A-7D39-47BE-B06B-F613DE89D9DA}" dt="2024-08-30T16:22:23.885" v="19" actId="26606"/>
-          <ac:spMkLst>
-            <pc:docMk/>
-            <pc:sldMk cId="2760594863" sldId="260"/>
-            <ac:spMk id="15" creationId="{A55D5633-D557-4DCA-982C-FF36EB7A1C00}"/>
-          </ac:spMkLst>
-        </pc:spChg>
-        <pc:spChg chg="add del">
-          <ac:chgData name="HERNANDEZ ORTIZ JOSE ALFREDO" userId="6190f617-08f2-4ebb-a74d-41f293cab510" providerId="ADAL" clId="{28DA792A-7D39-47BE-B06B-F613DE89D9DA}" dt="2024-08-30T16:22:23.885" v="19" actId="26606"/>
-          <ac:spMkLst>
-            <pc:docMk/>
-            <pc:sldMk cId="2760594863" sldId="260"/>
-            <ac:spMk id="16" creationId="{450D3AD2-FA80-415F-A9CE-54D884561CD7}"/>
-          </ac:spMkLst>
-        </pc:spChg>
-        <pc:spChg chg="add">
-          <ac:chgData name="HERNANDEZ ORTIZ JOSE ALFREDO" userId="6190f617-08f2-4ebb-a74d-41f293cab510" providerId="ADAL" clId="{28DA792A-7D39-47BE-B06B-F613DE89D9DA}" dt="2024-08-30T16:22:23.885" v="19" actId="26606"/>
-          <ac:spMkLst>
-            <pc:docMk/>
-            <pc:sldMk cId="2760594863" sldId="260"/>
-            <ac:spMk id="21" creationId="{1B15ED52-F352-441B-82BF-E0EA34836D08}"/>
-          </ac:spMkLst>
-        </pc:spChg>
-        <pc:spChg chg="add">
-          <ac:chgData name="HERNANDEZ ORTIZ JOSE ALFREDO" userId="6190f617-08f2-4ebb-a74d-41f293cab510" providerId="ADAL" clId="{28DA792A-7D39-47BE-B06B-F613DE89D9DA}" dt="2024-08-30T16:22:23.885" v="19" actId="26606"/>
-          <ac:spMkLst>
-            <pc:docMk/>
-            <pc:sldMk cId="2760594863" sldId="260"/>
-            <ac:spMk id="23" creationId="{3B2E3793-BFE6-45A2-9B7B-E18844431C99}"/>
-          </ac:spMkLst>
-        </pc:spChg>
-        <pc:spChg chg="add">
-          <ac:chgData name="HERNANDEZ ORTIZ JOSE ALFREDO" userId="6190f617-08f2-4ebb-a74d-41f293cab510" providerId="ADAL" clId="{28DA792A-7D39-47BE-B06B-F613DE89D9DA}" dt="2024-08-30T16:22:23.885" v="19" actId="26606"/>
-          <ac:spMkLst>
-            <pc:docMk/>
-            <pc:sldMk cId="2760594863" sldId="260"/>
-            <ac:spMk id="25" creationId="{BC4C4868-CB8F-4AF9-9CDB-8108F2C19B67}"/>
-          </ac:spMkLst>
-        </pc:spChg>
-        <pc:spChg chg="add">
-          <ac:chgData name="HERNANDEZ ORTIZ JOSE ALFREDO" userId="6190f617-08f2-4ebb-a74d-41f293cab510" providerId="ADAL" clId="{28DA792A-7D39-47BE-B06B-F613DE89D9DA}" dt="2024-08-30T16:22:23.885" v="19" actId="26606"/>
-          <ac:spMkLst>
-            <pc:docMk/>
-            <pc:sldMk cId="2760594863" sldId="260"/>
-            <ac:spMk id="27" creationId="{375E0459-6403-40CD-989D-56A4407CA12E}"/>
-          </ac:spMkLst>
-        </pc:spChg>
-        <pc:spChg chg="add">
-          <ac:chgData name="HERNANDEZ ORTIZ JOSE ALFREDO" userId="6190f617-08f2-4ebb-a74d-41f293cab510" providerId="ADAL" clId="{28DA792A-7D39-47BE-B06B-F613DE89D9DA}" dt="2024-08-30T16:22:23.885" v="19" actId="26606"/>
-          <ac:spMkLst>
-            <pc:docMk/>
-            <pc:sldMk cId="2760594863" sldId="260"/>
-            <ac:spMk id="29" creationId="{53E5B1A8-3AC9-4BD1-9BBC-78CA94F2D1BA}"/>
-          </ac:spMkLst>
-        </pc:spChg>
-      </pc:sldChg>
-      <pc:sldChg chg="addSp modSp mod setBg">
-        <pc:chgData name="HERNANDEZ ORTIZ JOSE ALFREDO" userId="6190f617-08f2-4ebb-a74d-41f293cab510" providerId="ADAL" clId="{28DA792A-7D39-47BE-B06B-F613DE89D9DA}" dt="2024-08-30T16:22:30.846" v="20" actId="26606"/>
-        <pc:sldMkLst>
-          <pc:docMk/>
-          <pc:sldMk cId="1219548415" sldId="261"/>
-        </pc:sldMkLst>
-        <pc:spChg chg="mod">
-          <ac:chgData name="HERNANDEZ ORTIZ JOSE ALFREDO" userId="6190f617-08f2-4ebb-a74d-41f293cab510" providerId="ADAL" clId="{28DA792A-7D39-47BE-B06B-F613DE89D9DA}" dt="2024-08-30T16:22:30.846" v="20" actId="26606"/>
-          <ac:spMkLst>
-            <pc:docMk/>
-            <pc:sldMk cId="1219548415" sldId="261"/>
-            <ac:spMk id="2" creationId="{656783D0-79B5-E86D-80B5-676BF6B1FFEA}"/>
-          </ac:spMkLst>
-        </pc:spChg>
-        <pc:spChg chg="mod">
-          <ac:chgData name="HERNANDEZ ORTIZ JOSE ALFREDO" userId="6190f617-08f2-4ebb-a74d-41f293cab510" providerId="ADAL" clId="{28DA792A-7D39-47BE-B06B-F613DE89D9DA}" dt="2024-08-30T16:22:30.846" v="20" actId="26606"/>
-          <ac:spMkLst>
-            <pc:docMk/>
-            <pc:sldMk cId="1219548415" sldId="261"/>
-            <ac:spMk id="3" creationId="{C795053C-65BD-6A97-3971-29EDD902E2AE}"/>
-          </ac:spMkLst>
-        </pc:spChg>
-        <pc:spChg chg="add">
-          <ac:chgData name="HERNANDEZ ORTIZ JOSE ALFREDO" userId="6190f617-08f2-4ebb-a74d-41f293cab510" providerId="ADAL" clId="{28DA792A-7D39-47BE-B06B-F613DE89D9DA}" dt="2024-08-30T16:22:30.846" v="20" actId="26606"/>
-          <ac:spMkLst>
-            <pc:docMk/>
-            <pc:sldMk cId="1219548415" sldId="261"/>
-            <ac:spMk id="8" creationId="{1B15ED52-F352-441B-82BF-E0EA34836D08}"/>
-          </ac:spMkLst>
-        </pc:spChg>
-        <pc:spChg chg="add">
-          <ac:chgData name="HERNANDEZ ORTIZ JOSE ALFREDO" userId="6190f617-08f2-4ebb-a74d-41f293cab510" providerId="ADAL" clId="{28DA792A-7D39-47BE-B06B-F613DE89D9DA}" dt="2024-08-30T16:22:30.846" v="20" actId="26606"/>
-          <ac:spMkLst>
-            <pc:docMk/>
-            <pc:sldMk cId="1219548415" sldId="261"/>
-            <ac:spMk id="10" creationId="{3B2E3793-BFE6-45A2-9B7B-E18844431C99}"/>
-          </ac:spMkLst>
-        </pc:spChg>
-        <pc:spChg chg="add">
-          <ac:chgData name="HERNANDEZ ORTIZ JOSE ALFREDO" userId="6190f617-08f2-4ebb-a74d-41f293cab510" providerId="ADAL" clId="{28DA792A-7D39-47BE-B06B-F613DE89D9DA}" dt="2024-08-30T16:22:30.846" v="20" actId="26606"/>
-          <ac:spMkLst>
-            <pc:docMk/>
-            <pc:sldMk cId="1219548415" sldId="261"/>
-            <ac:spMk id="12" creationId="{BC4C4868-CB8F-4AF9-9CDB-8108F2C19B67}"/>
-          </ac:spMkLst>
-        </pc:spChg>
-        <pc:spChg chg="add">
-          <ac:chgData name="HERNANDEZ ORTIZ JOSE ALFREDO" userId="6190f617-08f2-4ebb-a74d-41f293cab510" providerId="ADAL" clId="{28DA792A-7D39-47BE-B06B-F613DE89D9DA}" dt="2024-08-30T16:22:30.846" v="20" actId="26606"/>
-          <ac:spMkLst>
-            <pc:docMk/>
-            <pc:sldMk cId="1219548415" sldId="261"/>
-            <ac:spMk id="14" creationId="{375E0459-6403-40CD-989D-56A4407CA12E}"/>
-          </ac:spMkLst>
-        </pc:spChg>
-        <pc:spChg chg="add">
-          <ac:chgData name="HERNANDEZ ORTIZ JOSE ALFREDO" userId="6190f617-08f2-4ebb-a74d-41f293cab510" providerId="ADAL" clId="{28DA792A-7D39-47BE-B06B-F613DE89D9DA}" dt="2024-08-30T16:22:30.846" v="20" actId="26606"/>
-          <ac:spMkLst>
-            <pc:docMk/>
-            <pc:sldMk cId="1219548415" sldId="261"/>
-            <ac:spMk id="16" creationId="{53E5B1A8-3AC9-4BD1-9BBC-78CA94F2D1BA}"/>
-          </ac:spMkLst>
-        </pc:spChg>
-      </pc:sldChg>
-      <pc:sldChg chg="addSp modSp mod setBg">
-        <pc:chgData name="HERNANDEZ ORTIZ JOSE ALFREDO" userId="6190f617-08f2-4ebb-a74d-41f293cab510" providerId="ADAL" clId="{28DA792A-7D39-47BE-B06B-F613DE89D9DA}" dt="2024-08-30T16:22:34.154" v="21" actId="26606"/>
-        <pc:sldMkLst>
-          <pc:docMk/>
-          <pc:sldMk cId="3261906285" sldId="262"/>
-        </pc:sldMkLst>
-        <pc:spChg chg="mod">
-          <ac:chgData name="HERNANDEZ ORTIZ JOSE ALFREDO" userId="6190f617-08f2-4ebb-a74d-41f293cab510" providerId="ADAL" clId="{28DA792A-7D39-47BE-B06B-F613DE89D9DA}" dt="2024-08-30T16:22:34.154" v="21" actId="26606"/>
-          <ac:spMkLst>
-            <pc:docMk/>
-            <pc:sldMk cId="3261906285" sldId="262"/>
-            <ac:spMk id="2" creationId="{410E74E7-A4C8-49A5-F858-70C3A33A39B9}"/>
-          </ac:spMkLst>
-        </pc:spChg>
-        <pc:spChg chg="mod">
-          <ac:chgData name="HERNANDEZ ORTIZ JOSE ALFREDO" userId="6190f617-08f2-4ebb-a74d-41f293cab510" providerId="ADAL" clId="{28DA792A-7D39-47BE-B06B-F613DE89D9DA}" dt="2024-08-30T16:22:34.154" v="21" actId="26606"/>
-          <ac:spMkLst>
-            <pc:docMk/>
-            <pc:sldMk cId="3261906285" sldId="262"/>
-            <ac:spMk id="3" creationId="{60D7660C-FE0C-2BC9-B341-E8F920A1BC2C}"/>
-          </ac:spMkLst>
-        </pc:spChg>
-        <pc:spChg chg="add">
-          <ac:chgData name="HERNANDEZ ORTIZ JOSE ALFREDO" userId="6190f617-08f2-4ebb-a74d-41f293cab510" providerId="ADAL" clId="{28DA792A-7D39-47BE-B06B-F613DE89D9DA}" dt="2024-08-30T16:22:34.154" v="21" actId="26606"/>
-          <ac:spMkLst>
-            <pc:docMk/>
-            <pc:sldMk cId="3261906285" sldId="262"/>
-            <ac:spMk id="8" creationId="{1B15ED52-F352-441B-82BF-E0EA34836D08}"/>
-          </ac:spMkLst>
-        </pc:spChg>
-        <pc:spChg chg="add">
-          <ac:chgData name="HERNANDEZ ORTIZ JOSE ALFREDO" userId="6190f617-08f2-4ebb-a74d-41f293cab510" providerId="ADAL" clId="{28DA792A-7D39-47BE-B06B-F613DE89D9DA}" dt="2024-08-30T16:22:34.154" v="21" actId="26606"/>
-          <ac:spMkLst>
-            <pc:docMk/>
-            <pc:sldMk cId="3261906285" sldId="262"/>
-            <ac:spMk id="10" creationId="{3B2E3793-BFE6-45A2-9B7B-E18844431C99}"/>
-          </ac:spMkLst>
-        </pc:spChg>
-        <pc:spChg chg="add">
-          <ac:chgData name="HERNANDEZ ORTIZ JOSE ALFREDO" userId="6190f617-08f2-4ebb-a74d-41f293cab510" providerId="ADAL" clId="{28DA792A-7D39-47BE-B06B-F613DE89D9DA}" dt="2024-08-30T16:22:34.154" v="21" actId="26606"/>
-          <ac:spMkLst>
-            <pc:docMk/>
-            <pc:sldMk cId="3261906285" sldId="262"/>
-            <ac:spMk id="12" creationId="{BC4C4868-CB8F-4AF9-9CDB-8108F2C19B67}"/>
-          </ac:spMkLst>
-        </pc:spChg>
-        <pc:spChg chg="add">
-          <ac:chgData name="HERNANDEZ ORTIZ JOSE ALFREDO" userId="6190f617-08f2-4ebb-a74d-41f293cab510" providerId="ADAL" clId="{28DA792A-7D39-47BE-B06B-F613DE89D9DA}" dt="2024-08-30T16:22:34.154" v="21" actId="26606"/>
-          <ac:spMkLst>
-            <pc:docMk/>
-            <pc:sldMk cId="3261906285" sldId="262"/>
-            <ac:spMk id="14" creationId="{375E0459-6403-40CD-989D-56A4407CA12E}"/>
-          </ac:spMkLst>
-        </pc:spChg>
-        <pc:spChg chg="add">
-          <ac:chgData name="HERNANDEZ ORTIZ JOSE ALFREDO" userId="6190f617-08f2-4ebb-a74d-41f293cab510" providerId="ADAL" clId="{28DA792A-7D39-47BE-B06B-F613DE89D9DA}" dt="2024-08-30T16:22:34.154" v="21" actId="26606"/>
-          <ac:spMkLst>
-            <pc:docMk/>
-            <pc:sldMk cId="3261906285" sldId="262"/>
-            <ac:spMk id="16" creationId="{53E5B1A8-3AC9-4BD1-9BBC-78CA94F2D1BA}"/>
-          </ac:spMkLst>
-        </pc:spChg>
-      </pc:sldChg>
-      <pc:sldChg chg="addSp modSp mod setBg">
-        <pc:chgData name="HERNANDEZ ORTIZ JOSE ALFREDO" userId="6190f617-08f2-4ebb-a74d-41f293cab510" providerId="ADAL" clId="{28DA792A-7D39-47BE-B06B-F613DE89D9DA}" dt="2024-08-30T16:22:37.693" v="22" actId="26606"/>
-        <pc:sldMkLst>
-          <pc:docMk/>
-          <pc:sldMk cId="1068644601" sldId="263"/>
-        </pc:sldMkLst>
-        <pc:spChg chg="mod">
-          <ac:chgData name="HERNANDEZ ORTIZ JOSE ALFREDO" userId="6190f617-08f2-4ebb-a74d-41f293cab510" providerId="ADAL" clId="{28DA792A-7D39-47BE-B06B-F613DE89D9DA}" dt="2024-08-30T16:22:37.693" v="22" actId="26606"/>
-          <ac:spMkLst>
-            <pc:docMk/>
-            <pc:sldMk cId="1068644601" sldId="263"/>
-            <ac:spMk id="2" creationId="{CB8C5922-DA9F-3AAA-98EF-E306B61DA098}"/>
-          </ac:spMkLst>
-        </pc:spChg>
-        <pc:spChg chg="mod">
-          <ac:chgData name="HERNANDEZ ORTIZ JOSE ALFREDO" userId="6190f617-08f2-4ebb-a74d-41f293cab510" providerId="ADAL" clId="{28DA792A-7D39-47BE-B06B-F613DE89D9DA}" dt="2024-08-30T16:22:37.693" v="22" actId="26606"/>
-          <ac:spMkLst>
-            <pc:docMk/>
-            <pc:sldMk cId="1068644601" sldId="263"/>
-            <ac:spMk id="3" creationId="{C44EA95D-2DB9-CA21-46C9-342A06F960C4}"/>
-          </ac:spMkLst>
-        </pc:spChg>
-        <pc:spChg chg="add">
-          <ac:chgData name="HERNANDEZ ORTIZ JOSE ALFREDO" userId="6190f617-08f2-4ebb-a74d-41f293cab510" providerId="ADAL" clId="{28DA792A-7D39-47BE-B06B-F613DE89D9DA}" dt="2024-08-30T16:22:37.693" v="22" actId="26606"/>
-          <ac:spMkLst>
-            <pc:docMk/>
-            <pc:sldMk cId="1068644601" sldId="263"/>
-            <ac:spMk id="8" creationId="{1B15ED52-F352-441B-82BF-E0EA34836D08}"/>
-          </ac:spMkLst>
-        </pc:spChg>
-        <pc:spChg chg="add">
-          <ac:chgData name="HERNANDEZ ORTIZ JOSE ALFREDO" userId="6190f617-08f2-4ebb-a74d-41f293cab510" providerId="ADAL" clId="{28DA792A-7D39-47BE-B06B-F613DE89D9DA}" dt="2024-08-30T16:22:37.693" v="22" actId="26606"/>
-          <ac:spMkLst>
-            <pc:docMk/>
-            <pc:sldMk cId="1068644601" sldId="263"/>
-            <ac:spMk id="10" creationId="{3B2E3793-BFE6-45A2-9B7B-E18844431C99}"/>
-          </ac:spMkLst>
-        </pc:spChg>
-        <pc:spChg chg="add">
-          <ac:chgData name="HERNANDEZ ORTIZ JOSE ALFREDO" userId="6190f617-08f2-4ebb-a74d-41f293cab510" providerId="ADAL" clId="{28DA792A-7D39-47BE-B06B-F613DE89D9DA}" dt="2024-08-30T16:22:37.693" v="22" actId="26606"/>
-          <ac:spMkLst>
-            <pc:docMk/>
-            <pc:sldMk cId="1068644601" sldId="263"/>
-            <ac:spMk id="12" creationId="{BC4C4868-CB8F-4AF9-9CDB-8108F2C19B67}"/>
-          </ac:spMkLst>
-        </pc:spChg>
-        <pc:spChg chg="add">
-          <ac:chgData name="HERNANDEZ ORTIZ JOSE ALFREDO" userId="6190f617-08f2-4ebb-a74d-41f293cab510" providerId="ADAL" clId="{28DA792A-7D39-47BE-B06B-F613DE89D9DA}" dt="2024-08-30T16:22:37.693" v="22" actId="26606"/>
-          <ac:spMkLst>
-            <pc:docMk/>
-            <pc:sldMk cId="1068644601" sldId="263"/>
-            <ac:spMk id="14" creationId="{375E0459-6403-40CD-989D-56A4407CA12E}"/>
-          </ac:spMkLst>
-        </pc:spChg>
-        <pc:spChg chg="add">
-          <ac:chgData name="HERNANDEZ ORTIZ JOSE ALFREDO" userId="6190f617-08f2-4ebb-a74d-41f293cab510" providerId="ADAL" clId="{28DA792A-7D39-47BE-B06B-F613DE89D9DA}" dt="2024-08-30T16:22:37.693" v="22" actId="26606"/>
-          <ac:spMkLst>
-            <pc:docMk/>
-            <pc:sldMk cId="1068644601" sldId="263"/>
-            <ac:spMk id="16" creationId="{53E5B1A8-3AC9-4BD1-9BBC-78CA94F2D1BA}"/>
-          </ac:spMkLst>
-        </pc:spChg>
-      </pc:sldChg>
-      <pc:sldChg chg="addSp modSp mod setBg">
-        <pc:chgData name="HERNANDEZ ORTIZ JOSE ALFREDO" userId="6190f617-08f2-4ebb-a74d-41f293cab510" providerId="ADAL" clId="{28DA792A-7D39-47BE-B06B-F613DE89D9DA}" dt="2024-08-30T16:22:40.589" v="23" actId="26606"/>
-        <pc:sldMkLst>
-          <pc:docMk/>
-          <pc:sldMk cId="3002375102" sldId="264"/>
-        </pc:sldMkLst>
-        <pc:spChg chg="mod">
-          <ac:chgData name="HERNANDEZ ORTIZ JOSE ALFREDO" userId="6190f617-08f2-4ebb-a74d-41f293cab510" providerId="ADAL" clId="{28DA792A-7D39-47BE-B06B-F613DE89D9DA}" dt="2024-08-30T16:22:40.589" v="23" actId="26606"/>
-          <ac:spMkLst>
-            <pc:docMk/>
-            <pc:sldMk cId="3002375102" sldId="264"/>
-            <ac:spMk id="2" creationId="{4F289A8A-4D10-B3BB-F809-79887BE4CA46}"/>
-          </ac:spMkLst>
-        </pc:spChg>
-        <pc:spChg chg="mod">
-          <ac:chgData name="HERNANDEZ ORTIZ JOSE ALFREDO" userId="6190f617-08f2-4ebb-a74d-41f293cab510" providerId="ADAL" clId="{28DA792A-7D39-47BE-B06B-F613DE89D9DA}" dt="2024-08-30T16:22:40.589" v="23" actId="26606"/>
-          <ac:spMkLst>
-            <pc:docMk/>
-            <pc:sldMk cId="3002375102" sldId="264"/>
-            <ac:spMk id="3" creationId="{CD4AB163-AD83-895C-31ED-44518B4365AD}"/>
-          </ac:spMkLst>
-        </pc:spChg>
-        <pc:spChg chg="add">
-          <ac:chgData name="HERNANDEZ ORTIZ JOSE ALFREDO" userId="6190f617-08f2-4ebb-a74d-41f293cab510" providerId="ADAL" clId="{28DA792A-7D39-47BE-B06B-F613DE89D9DA}" dt="2024-08-30T16:22:40.589" v="23" actId="26606"/>
-          <ac:spMkLst>
-            <pc:docMk/>
-            <pc:sldMk cId="3002375102" sldId="264"/>
-            <ac:spMk id="8" creationId="{1B15ED52-F352-441B-82BF-E0EA34836D08}"/>
-          </ac:spMkLst>
-        </pc:spChg>
-        <pc:spChg chg="add">
-          <ac:chgData name="HERNANDEZ ORTIZ JOSE ALFREDO" userId="6190f617-08f2-4ebb-a74d-41f293cab510" providerId="ADAL" clId="{28DA792A-7D39-47BE-B06B-F613DE89D9DA}" dt="2024-08-30T16:22:40.589" v="23" actId="26606"/>
-          <ac:spMkLst>
-            <pc:docMk/>
-            <pc:sldMk cId="3002375102" sldId="264"/>
-            <ac:spMk id="10" creationId="{3B2E3793-BFE6-45A2-9B7B-E18844431C99}"/>
-          </ac:spMkLst>
-        </pc:spChg>
-        <pc:spChg chg="add">
-          <ac:chgData name="HERNANDEZ ORTIZ JOSE ALFREDO" userId="6190f617-08f2-4ebb-a74d-41f293cab510" providerId="ADAL" clId="{28DA792A-7D39-47BE-B06B-F613DE89D9DA}" dt="2024-08-30T16:22:40.589" v="23" actId="26606"/>
-          <ac:spMkLst>
-            <pc:docMk/>
-            <pc:sldMk cId="3002375102" sldId="264"/>
-            <ac:spMk id="12" creationId="{BC4C4868-CB8F-4AF9-9CDB-8108F2C19B67}"/>
-          </ac:spMkLst>
-        </pc:spChg>
-        <pc:spChg chg="add">
-          <ac:chgData name="HERNANDEZ ORTIZ JOSE ALFREDO" userId="6190f617-08f2-4ebb-a74d-41f293cab510" providerId="ADAL" clId="{28DA792A-7D39-47BE-B06B-F613DE89D9DA}" dt="2024-08-30T16:22:40.589" v="23" actId="26606"/>
-          <ac:spMkLst>
-            <pc:docMk/>
-            <pc:sldMk cId="3002375102" sldId="264"/>
-            <ac:spMk id="14" creationId="{375E0459-6403-40CD-989D-56A4407CA12E}"/>
-          </ac:spMkLst>
-        </pc:spChg>
-        <pc:spChg chg="add">
-          <ac:chgData name="HERNANDEZ ORTIZ JOSE ALFREDO" userId="6190f617-08f2-4ebb-a74d-41f293cab510" providerId="ADAL" clId="{28DA792A-7D39-47BE-B06B-F613DE89D9DA}" dt="2024-08-30T16:22:40.589" v="23" actId="26606"/>
-          <ac:spMkLst>
-            <pc:docMk/>
-            <pc:sldMk cId="3002375102" sldId="264"/>
-            <ac:spMk id="16" creationId="{53E5B1A8-3AC9-4BD1-9BBC-78CA94F2D1BA}"/>
-          </ac:spMkLst>
-        </pc:spChg>
-      </pc:sldChg>
-      <pc:sldChg chg="addSp modSp mod setBg">
-        <pc:chgData name="HERNANDEZ ORTIZ JOSE ALFREDO" userId="6190f617-08f2-4ebb-a74d-41f293cab510" providerId="ADAL" clId="{28DA792A-7D39-47BE-B06B-F613DE89D9DA}" dt="2024-08-30T16:22:47.866" v="24" actId="26606"/>
-        <pc:sldMkLst>
-          <pc:docMk/>
-          <pc:sldMk cId="3550121511" sldId="265"/>
-        </pc:sldMkLst>
-        <pc:spChg chg="mod">
-          <ac:chgData name="HERNANDEZ ORTIZ JOSE ALFREDO" userId="6190f617-08f2-4ebb-a74d-41f293cab510" providerId="ADAL" clId="{28DA792A-7D39-47BE-B06B-F613DE89D9DA}" dt="2024-08-30T16:22:47.866" v="24" actId="26606"/>
-          <ac:spMkLst>
-            <pc:docMk/>
-            <pc:sldMk cId="3550121511" sldId="265"/>
-            <ac:spMk id="2" creationId="{B5C425C2-2C62-1676-6150-A30409029F04}"/>
-          </ac:spMkLst>
-        </pc:spChg>
-        <pc:spChg chg="mod">
-          <ac:chgData name="HERNANDEZ ORTIZ JOSE ALFREDO" userId="6190f617-08f2-4ebb-a74d-41f293cab510" providerId="ADAL" clId="{28DA792A-7D39-47BE-B06B-F613DE89D9DA}" dt="2024-08-30T16:22:47.866" v="24" actId="26606"/>
-          <ac:spMkLst>
-            <pc:docMk/>
-            <pc:sldMk cId="3550121511" sldId="265"/>
-            <ac:spMk id="3" creationId="{C1BBF220-6743-9CBA-A117-128533907E97}"/>
-          </ac:spMkLst>
-        </pc:spChg>
-        <pc:spChg chg="add">
-          <ac:chgData name="HERNANDEZ ORTIZ JOSE ALFREDO" userId="6190f617-08f2-4ebb-a74d-41f293cab510" providerId="ADAL" clId="{28DA792A-7D39-47BE-B06B-F613DE89D9DA}" dt="2024-08-30T16:22:47.866" v="24" actId="26606"/>
-          <ac:spMkLst>
-            <pc:docMk/>
-            <pc:sldMk cId="3550121511" sldId="265"/>
-            <ac:spMk id="8" creationId="{1B15ED52-F352-441B-82BF-E0EA34836D08}"/>
-          </ac:spMkLst>
-        </pc:spChg>
-        <pc:spChg chg="add">
-          <ac:chgData name="HERNANDEZ ORTIZ JOSE ALFREDO" userId="6190f617-08f2-4ebb-a74d-41f293cab510" providerId="ADAL" clId="{28DA792A-7D39-47BE-B06B-F613DE89D9DA}" dt="2024-08-30T16:22:47.866" v="24" actId="26606"/>
-          <ac:spMkLst>
-            <pc:docMk/>
-            <pc:sldMk cId="3550121511" sldId="265"/>
-            <ac:spMk id="10" creationId="{3B2E3793-BFE6-45A2-9B7B-E18844431C99}"/>
-          </ac:spMkLst>
-        </pc:spChg>
-        <pc:spChg chg="add">
-          <ac:chgData name="HERNANDEZ ORTIZ JOSE ALFREDO" userId="6190f617-08f2-4ebb-a74d-41f293cab510" providerId="ADAL" clId="{28DA792A-7D39-47BE-B06B-F613DE89D9DA}" dt="2024-08-30T16:22:47.866" v="24" actId="26606"/>
-          <ac:spMkLst>
-            <pc:docMk/>
-            <pc:sldMk cId="3550121511" sldId="265"/>
-            <ac:spMk id="12" creationId="{BC4C4868-CB8F-4AF9-9CDB-8108F2C19B67}"/>
-          </ac:spMkLst>
-        </pc:spChg>
-        <pc:spChg chg="add">
-          <ac:chgData name="HERNANDEZ ORTIZ JOSE ALFREDO" userId="6190f617-08f2-4ebb-a74d-41f293cab510" providerId="ADAL" clId="{28DA792A-7D39-47BE-B06B-F613DE89D9DA}" dt="2024-08-30T16:22:47.866" v="24" actId="26606"/>
-          <ac:spMkLst>
-            <pc:docMk/>
-            <pc:sldMk cId="3550121511" sldId="265"/>
-            <ac:spMk id="14" creationId="{375E0459-6403-40CD-989D-56A4407CA12E}"/>
-          </ac:spMkLst>
-        </pc:spChg>
-        <pc:spChg chg="add">
-          <ac:chgData name="HERNANDEZ ORTIZ JOSE ALFREDO" userId="6190f617-08f2-4ebb-a74d-41f293cab510" providerId="ADAL" clId="{28DA792A-7D39-47BE-B06B-F613DE89D9DA}" dt="2024-08-30T16:22:47.866" v="24" actId="26606"/>
-          <ac:spMkLst>
-            <pc:docMk/>
-            <pc:sldMk cId="3550121511" sldId="265"/>
-            <ac:spMk id="16" creationId="{53E5B1A8-3AC9-4BD1-9BBC-78CA94F2D1BA}"/>
-          </ac:spMkLst>
-        </pc:spChg>
-      </pc:sldChg>
-      <pc:sldChg chg="addSp modSp mod setBg">
-        <pc:chgData name="HERNANDEZ ORTIZ JOSE ALFREDO" userId="6190f617-08f2-4ebb-a74d-41f293cab510" providerId="ADAL" clId="{28DA792A-7D39-47BE-B06B-F613DE89D9DA}" dt="2024-08-30T16:22:50.215" v="25" actId="26606"/>
-        <pc:sldMkLst>
-          <pc:docMk/>
-          <pc:sldMk cId="3223615961" sldId="266"/>
-        </pc:sldMkLst>
-        <pc:spChg chg="mod">
-          <ac:chgData name="HERNANDEZ ORTIZ JOSE ALFREDO" userId="6190f617-08f2-4ebb-a74d-41f293cab510" providerId="ADAL" clId="{28DA792A-7D39-47BE-B06B-F613DE89D9DA}" dt="2024-08-30T16:22:50.215" v="25" actId="26606"/>
-          <ac:spMkLst>
-            <pc:docMk/>
-            <pc:sldMk cId="3223615961" sldId="266"/>
-            <ac:spMk id="2" creationId="{1D2C77D9-BC1A-52DC-0E97-33C58F28C8E0}"/>
-          </ac:spMkLst>
-        </pc:spChg>
-        <pc:spChg chg="mod">
-          <ac:chgData name="HERNANDEZ ORTIZ JOSE ALFREDO" userId="6190f617-08f2-4ebb-a74d-41f293cab510" providerId="ADAL" clId="{28DA792A-7D39-47BE-B06B-F613DE89D9DA}" dt="2024-08-30T16:22:50.215" v="25" actId="26606"/>
-          <ac:spMkLst>
-            <pc:docMk/>
-            <pc:sldMk cId="3223615961" sldId="266"/>
-            <ac:spMk id="3" creationId="{333D9FFD-9655-4BEC-7C83-EC58CD6D5F75}"/>
-          </ac:spMkLst>
-        </pc:spChg>
-        <pc:spChg chg="add">
-          <ac:chgData name="HERNANDEZ ORTIZ JOSE ALFREDO" userId="6190f617-08f2-4ebb-a74d-41f293cab510" providerId="ADAL" clId="{28DA792A-7D39-47BE-B06B-F613DE89D9DA}" dt="2024-08-30T16:22:50.215" v="25" actId="26606"/>
-          <ac:spMkLst>
-            <pc:docMk/>
-            <pc:sldMk cId="3223615961" sldId="266"/>
-            <ac:spMk id="8" creationId="{1B15ED52-F352-441B-82BF-E0EA34836D08}"/>
-          </ac:spMkLst>
-        </pc:spChg>
-        <pc:spChg chg="add">
-          <ac:chgData name="HERNANDEZ ORTIZ JOSE ALFREDO" userId="6190f617-08f2-4ebb-a74d-41f293cab510" providerId="ADAL" clId="{28DA792A-7D39-47BE-B06B-F613DE89D9DA}" dt="2024-08-30T16:22:50.215" v="25" actId="26606"/>
-          <ac:spMkLst>
-            <pc:docMk/>
-            <pc:sldMk cId="3223615961" sldId="266"/>
-            <ac:spMk id="10" creationId="{3B2E3793-BFE6-45A2-9B7B-E18844431C99}"/>
-          </ac:spMkLst>
-        </pc:spChg>
-        <pc:spChg chg="add">
-          <ac:chgData name="HERNANDEZ ORTIZ JOSE ALFREDO" userId="6190f617-08f2-4ebb-a74d-41f293cab510" providerId="ADAL" clId="{28DA792A-7D39-47BE-B06B-F613DE89D9DA}" dt="2024-08-30T16:22:50.215" v="25" actId="26606"/>
-          <ac:spMkLst>
-            <pc:docMk/>
-            <pc:sldMk cId="3223615961" sldId="266"/>
-            <ac:spMk id="12" creationId="{BC4C4868-CB8F-4AF9-9CDB-8108F2C19B67}"/>
-          </ac:spMkLst>
-        </pc:spChg>
-        <pc:spChg chg="add">
-          <ac:chgData name="HERNANDEZ ORTIZ JOSE ALFREDO" userId="6190f617-08f2-4ebb-a74d-41f293cab510" providerId="ADAL" clId="{28DA792A-7D39-47BE-B06B-F613DE89D9DA}" dt="2024-08-30T16:22:50.215" v="25" actId="26606"/>
-          <ac:spMkLst>
-            <pc:docMk/>
-            <pc:sldMk cId="3223615961" sldId="266"/>
-            <ac:spMk id="14" creationId="{375E0459-6403-40CD-989D-56A4407CA12E}"/>
-          </ac:spMkLst>
-        </pc:spChg>
-        <pc:spChg chg="add">
-          <ac:chgData name="HERNANDEZ ORTIZ JOSE ALFREDO" userId="6190f617-08f2-4ebb-a74d-41f293cab510" providerId="ADAL" clId="{28DA792A-7D39-47BE-B06B-F613DE89D9DA}" dt="2024-08-30T16:22:50.215" v="25" actId="26606"/>
-          <ac:spMkLst>
-            <pc:docMk/>
-            <pc:sldMk cId="3223615961" sldId="266"/>
-            <ac:spMk id="16" creationId="{53E5B1A8-3AC9-4BD1-9BBC-78CA94F2D1BA}"/>
-          </ac:spMkLst>
-        </pc:spChg>
-      </pc:sldChg>
-    </pc:docChg>
-  </pc:docChgLst>
-</pc:chgInfo>
+<file path=ppt/revisionInfo.xml><?xml version="1.0" encoding="utf-8"?>
+<p1510:revInfo xmlns:a="http://schemas.openxmlformats.org/drawingml/2006/main" xmlns:r="http://schemas.openxmlformats.org/officeDocument/2006/relationships" xmlns:p1510="http://schemas.microsoft.com/office/powerpoint/2015/10/main">
+  <p1510:revLst>
+    <p1510:client id="{28DA792A-7D39-47BE-B06B-F613DE89D9DA}" v="55" dt="2024-08-31T01:22:57.399"/>
+  </p1510:revLst>
+</p1510:revInfo>
 </file>
 
 <file path=ppt/slideLayouts/slideLayout1.xml><?xml version="1.0" encoding="utf-8"?>
@@ -1333,7 +276,7 @@
           <a:p>
             <a:fld id="{95F9AC55-292D-40C0-A24F-C03A81E5CF30}" type="datetimeFigureOut">
               <a:rPr lang="es-SV" smtClean="0"/>
-              <a:t>30/8/2024</a:t>
+              <a:t>31/8/2024</a:t>
             </a:fld>
             <a:endParaRPr lang="es-SV"/>
           </a:p>
@@ -1403,6 +346,18 @@
   <p:clrMapOvr>
     <a:masterClrMapping/>
   </p:clrMapOvr>
+  <mc:AlternateContent xmlns:mc="http://schemas.openxmlformats.org/markup-compatibility/2006" xmlns:p14="http://schemas.microsoft.com/office/powerpoint/2010/main">
+    <mc:Choice Requires="p14">
+      <p:transition spd="slow" p14:dur="2000">
+        <p14:prism isContent="1"/>
+      </p:transition>
+    </mc:Choice>
+    <mc:Fallback xmlns="">
+      <p:transition spd="slow">
+        <p:fade/>
+      </p:transition>
+    </mc:Fallback>
+  </mc:AlternateContent>
 </p:sldLayout>
 </file>
 
@@ -1533,7 +488,7 @@
           <a:p>
             <a:fld id="{95F9AC55-292D-40C0-A24F-C03A81E5CF30}" type="datetimeFigureOut">
               <a:rPr lang="es-SV" smtClean="0"/>
-              <a:t>30/8/2024</a:t>
+              <a:t>31/8/2024</a:t>
             </a:fld>
             <a:endParaRPr lang="es-SV"/>
           </a:p>
@@ -1603,6 +558,18 @@
   <p:clrMapOvr>
     <a:masterClrMapping/>
   </p:clrMapOvr>
+  <mc:AlternateContent xmlns:mc="http://schemas.openxmlformats.org/markup-compatibility/2006" xmlns:p14="http://schemas.microsoft.com/office/powerpoint/2010/main">
+    <mc:Choice Requires="p14">
+      <p:transition spd="slow" p14:dur="2000">
+        <p14:prism isContent="1"/>
+      </p:transition>
+    </mc:Choice>
+    <mc:Fallback xmlns="">
+      <p:transition spd="slow">
+        <p:fade/>
+      </p:transition>
+    </mc:Fallback>
+  </mc:AlternateContent>
 </p:sldLayout>
 </file>
 
@@ -1743,7 +710,7 @@
           <a:p>
             <a:fld id="{95F9AC55-292D-40C0-A24F-C03A81E5CF30}" type="datetimeFigureOut">
               <a:rPr lang="es-SV" smtClean="0"/>
-              <a:t>30/8/2024</a:t>
+              <a:t>31/8/2024</a:t>
             </a:fld>
             <a:endParaRPr lang="es-SV"/>
           </a:p>
@@ -1813,6 +780,18 @@
   <p:clrMapOvr>
     <a:masterClrMapping/>
   </p:clrMapOvr>
+  <mc:AlternateContent xmlns:mc="http://schemas.openxmlformats.org/markup-compatibility/2006" xmlns:p14="http://schemas.microsoft.com/office/powerpoint/2010/main">
+    <mc:Choice Requires="p14">
+      <p:transition spd="slow" p14:dur="2000">
+        <p14:prism isContent="1"/>
+      </p:transition>
+    </mc:Choice>
+    <mc:Fallback xmlns="">
+      <p:transition spd="slow">
+        <p:fade/>
+      </p:transition>
+    </mc:Fallback>
+  </mc:AlternateContent>
 </p:sldLayout>
 </file>
 
@@ -1943,7 +922,7 @@
           <a:p>
             <a:fld id="{95F9AC55-292D-40C0-A24F-C03A81E5CF30}" type="datetimeFigureOut">
               <a:rPr lang="es-SV" smtClean="0"/>
-              <a:t>30/8/2024</a:t>
+              <a:t>31/8/2024</a:t>
             </a:fld>
             <a:endParaRPr lang="es-SV"/>
           </a:p>
@@ -2013,6 +992,18 @@
   <p:clrMapOvr>
     <a:masterClrMapping/>
   </p:clrMapOvr>
+  <mc:AlternateContent xmlns:mc="http://schemas.openxmlformats.org/markup-compatibility/2006" xmlns:p14="http://schemas.microsoft.com/office/powerpoint/2010/main">
+    <mc:Choice Requires="p14">
+      <p:transition spd="slow" p14:dur="2000">
+        <p14:prism isContent="1"/>
+      </p:transition>
+    </mc:Choice>
+    <mc:Fallback xmlns="">
+      <p:transition spd="slow">
+        <p:fade/>
+      </p:transition>
+    </mc:Fallback>
+  </mc:AlternateContent>
 </p:sldLayout>
 </file>
 
@@ -2219,7 +1210,7 @@
           <a:p>
             <a:fld id="{95F9AC55-292D-40C0-A24F-C03A81E5CF30}" type="datetimeFigureOut">
               <a:rPr lang="es-SV" smtClean="0"/>
-              <a:t>30/8/2024</a:t>
+              <a:t>31/8/2024</a:t>
             </a:fld>
             <a:endParaRPr lang="es-SV"/>
           </a:p>
@@ -2289,6 +1280,18 @@
   <p:clrMapOvr>
     <a:masterClrMapping/>
   </p:clrMapOvr>
+  <mc:AlternateContent xmlns:mc="http://schemas.openxmlformats.org/markup-compatibility/2006" xmlns:p14="http://schemas.microsoft.com/office/powerpoint/2010/main">
+    <mc:Choice Requires="p14">
+      <p:transition spd="slow" p14:dur="2000">
+        <p14:prism isContent="1"/>
+      </p:transition>
+    </mc:Choice>
+    <mc:Fallback xmlns="">
+      <p:transition spd="slow">
+        <p:fade/>
+      </p:transition>
+    </mc:Fallback>
+  </mc:AlternateContent>
 </p:sldLayout>
 </file>
 
@@ -2487,7 +1490,7 @@
           <a:p>
             <a:fld id="{95F9AC55-292D-40C0-A24F-C03A81E5CF30}" type="datetimeFigureOut">
               <a:rPr lang="es-SV" smtClean="0"/>
-              <a:t>30/8/2024</a:t>
+              <a:t>31/8/2024</a:t>
             </a:fld>
             <a:endParaRPr lang="es-SV"/>
           </a:p>
@@ -2557,6 +1560,18 @@
   <p:clrMapOvr>
     <a:masterClrMapping/>
   </p:clrMapOvr>
+  <mc:AlternateContent xmlns:mc="http://schemas.openxmlformats.org/markup-compatibility/2006" xmlns:p14="http://schemas.microsoft.com/office/powerpoint/2010/main">
+    <mc:Choice Requires="p14">
+      <p:transition spd="slow" p14:dur="2000">
+        <p14:prism isContent="1"/>
+      </p:transition>
+    </mc:Choice>
+    <mc:Fallback xmlns="">
+      <p:transition spd="slow">
+        <p:fade/>
+      </p:transition>
+    </mc:Fallback>
+  </mc:AlternateContent>
 </p:sldLayout>
 </file>
 
@@ -2902,7 +1917,7 @@
           <a:p>
             <a:fld id="{95F9AC55-292D-40C0-A24F-C03A81E5CF30}" type="datetimeFigureOut">
               <a:rPr lang="es-SV" smtClean="0"/>
-              <a:t>30/8/2024</a:t>
+              <a:t>31/8/2024</a:t>
             </a:fld>
             <a:endParaRPr lang="es-SV"/>
           </a:p>
@@ -2972,6 +1987,18 @@
   <p:clrMapOvr>
     <a:masterClrMapping/>
   </p:clrMapOvr>
+  <mc:AlternateContent xmlns:mc="http://schemas.openxmlformats.org/markup-compatibility/2006" xmlns:p14="http://schemas.microsoft.com/office/powerpoint/2010/main">
+    <mc:Choice Requires="p14">
+      <p:transition spd="slow" p14:dur="2000">
+        <p14:prism isContent="1"/>
+      </p:transition>
+    </mc:Choice>
+    <mc:Fallback xmlns="">
+      <p:transition spd="slow">
+        <p:fade/>
+      </p:transition>
+    </mc:Fallback>
+  </mc:AlternateContent>
 </p:sldLayout>
 </file>
 
@@ -3044,7 +2071,7 @@
           <a:p>
             <a:fld id="{95F9AC55-292D-40C0-A24F-C03A81E5CF30}" type="datetimeFigureOut">
               <a:rPr lang="es-SV" smtClean="0"/>
-              <a:t>30/8/2024</a:t>
+              <a:t>31/8/2024</a:t>
             </a:fld>
             <a:endParaRPr lang="es-SV"/>
           </a:p>
@@ -3114,6 +2141,18 @@
   <p:clrMapOvr>
     <a:masterClrMapping/>
   </p:clrMapOvr>
+  <mc:AlternateContent xmlns:mc="http://schemas.openxmlformats.org/markup-compatibility/2006" xmlns:p14="http://schemas.microsoft.com/office/powerpoint/2010/main">
+    <mc:Choice Requires="p14">
+      <p:transition spd="slow" p14:dur="2000">
+        <p14:prism isContent="1"/>
+      </p:transition>
+    </mc:Choice>
+    <mc:Fallback xmlns="">
+      <p:transition spd="slow">
+        <p:fade/>
+      </p:transition>
+    </mc:Fallback>
+  </mc:AlternateContent>
 </p:sldLayout>
 </file>
 
@@ -3157,7 +2196,7 @@
           <a:p>
             <a:fld id="{95F9AC55-292D-40C0-A24F-C03A81E5CF30}" type="datetimeFigureOut">
               <a:rPr lang="es-SV" smtClean="0"/>
-              <a:t>30/8/2024</a:t>
+              <a:t>31/8/2024</a:t>
             </a:fld>
             <a:endParaRPr lang="es-SV"/>
           </a:p>
@@ -3227,6 +2266,18 @@
   <p:clrMapOvr>
     <a:masterClrMapping/>
   </p:clrMapOvr>
+  <mc:AlternateContent xmlns:mc="http://schemas.openxmlformats.org/markup-compatibility/2006" xmlns:p14="http://schemas.microsoft.com/office/powerpoint/2010/main">
+    <mc:Choice Requires="p14">
+      <p:transition spd="slow" p14:dur="2000">
+        <p14:prism isContent="1"/>
+      </p:transition>
+    </mc:Choice>
+    <mc:Fallback xmlns="">
+      <p:transition spd="slow">
+        <p:fade/>
+      </p:transition>
+    </mc:Fallback>
+  </mc:AlternateContent>
 </p:sldLayout>
 </file>
 
@@ -3470,7 +2521,7 @@
           <a:p>
             <a:fld id="{95F9AC55-292D-40C0-A24F-C03A81E5CF30}" type="datetimeFigureOut">
               <a:rPr lang="es-SV" smtClean="0"/>
-              <a:t>30/8/2024</a:t>
+              <a:t>31/8/2024</a:t>
             </a:fld>
             <a:endParaRPr lang="es-SV"/>
           </a:p>
@@ -3540,6 +2591,18 @@
   <p:clrMapOvr>
     <a:masterClrMapping/>
   </p:clrMapOvr>
+  <mc:AlternateContent xmlns:mc="http://schemas.openxmlformats.org/markup-compatibility/2006" xmlns:p14="http://schemas.microsoft.com/office/powerpoint/2010/main">
+    <mc:Choice Requires="p14">
+      <p:transition spd="slow" p14:dur="2000">
+        <p14:prism isContent="1"/>
+      </p:transition>
+    </mc:Choice>
+    <mc:Fallback xmlns="">
+      <p:transition spd="slow">
+        <p:fade/>
+      </p:transition>
+    </mc:Fallback>
+  </mc:AlternateContent>
 </p:sldLayout>
 </file>
 
@@ -3759,7 +2822,7 @@
           <a:p>
             <a:fld id="{95F9AC55-292D-40C0-A24F-C03A81E5CF30}" type="datetimeFigureOut">
               <a:rPr lang="es-SV" smtClean="0"/>
-              <a:t>30/8/2024</a:t>
+              <a:t>31/8/2024</a:t>
             </a:fld>
             <a:endParaRPr lang="es-SV"/>
           </a:p>
@@ -3829,6 +2892,18 @@
   <p:clrMapOvr>
     <a:masterClrMapping/>
   </p:clrMapOvr>
+  <mc:AlternateContent xmlns:mc="http://schemas.openxmlformats.org/markup-compatibility/2006" xmlns:p14="http://schemas.microsoft.com/office/powerpoint/2010/main">
+    <mc:Choice Requires="p14">
+      <p:transition spd="slow" p14:dur="2000">
+        <p14:prism isContent="1"/>
+      </p:transition>
+    </mc:Choice>
+    <mc:Fallback xmlns="">
+      <p:transition spd="slow">
+        <p:fade/>
+      </p:transition>
+    </mc:Fallback>
+  </mc:AlternateContent>
 </p:sldLayout>
 </file>
 
@@ -3836,9 +2911,12 @@
 <p:sldMaster xmlns:a="http://schemas.openxmlformats.org/drawingml/2006/main" xmlns:r="http://schemas.openxmlformats.org/officeDocument/2006/relationships" xmlns:p="http://schemas.openxmlformats.org/presentationml/2006/main">
   <p:cSld>
     <p:bg>
-      <p:bgRef idx="1001">
-        <a:schemeClr val="bg1"/>
-      </p:bgRef>
+      <p:bgPr>
+        <a:solidFill>
+          <a:schemeClr val="bg1"/>
+        </a:solidFill>
+        <a:effectLst/>
+      </p:bgPr>
     </p:bg>
     <p:spTree>
       <p:nvGrpSpPr>
@@ -4002,7 +3080,7 @@
           <a:p>
             <a:fld id="{95F9AC55-292D-40C0-A24F-C03A81E5CF30}" type="datetimeFigureOut">
               <a:rPr lang="es-SV" smtClean="0"/>
-              <a:t>30/8/2024</a:t>
+              <a:t>31/8/2024</a:t>
             </a:fld>
             <a:endParaRPr lang="es-SV"/>
           </a:p>
@@ -4119,6 +3197,18 @@
     <p:sldLayoutId id="2147483658" r:id="rId10"/>
     <p:sldLayoutId id="2147483659" r:id="rId11"/>
   </p:sldLayoutIdLst>
+  <mc:AlternateContent xmlns:mc="http://schemas.openxmlformats.org/markup-compatibility/2006" xmlns:p14="http://schemas.microsoft.com/office/powerpoint/2010/main">
+    <mc:Choice Requires="p14">
+      <p:transition spd="slow" p14:dur="2000">
+        <p14:prism isContent="1"/>
+      </p:transition>
+    </mc:Choice>
+    <mc:Fallback xmlns="">
+      <p:transition spd="slow">
+        <p:fade/>
+      </p:transition>
+    </mc:Fallback>
+  </mc:AlternateContent>
   <p:txStyles>
     <p:titleStyle>
       <a:lvl1pPr algn="l" defTabSz="914400" rtl="0" eaLnBrk="1" latinLnBrk="0" hangingPunct="1">
@@ -4405,14 +3495,6 @@
 <file path=ppt/slides/slide1.xml><?xml version="1.0" encoding="utf-8"?>
 <p:sld xmlns:a="http://schemas.openxmlformats.org/drawingml/2006/main" xmlns:r="http://schemas.openxmlformats.org/officeDocument/2006/relationships" xmlns:p="http://schemas.openxmlformats.org/presentationml/2006/main">
   <p:cSld>
-    <p:bg>
-      <p:bgPr>
-        <a:solidFill>
-          <a:schemeClr val="bg1"/>
-        </a:solidFill>
-        <a:effectLst/>
-      </p:bgPr>
-    </p:bg>
     <p:spTree>
       <p:nvGrpSpPr>
         <p:cNvPr id="1" name=""/>
@@ -4429,10 +3511,10 @@
       </p:grpSpPr>
       <p:sp useBgFill="1">
         <p:nvSpPr>
-          <p:cNvPr id="73" name="Rectangle 56">
-            <a:extLst>
-              <a:ext uri="{FF2B5EF4-FFF2-40B4-BE49-F238E27FC236}">
-                <a16:creationId xmlns:a16="http://schemas.microsoft.com/office/drawing/2014/main" id="{8C790BE2-4E4F-4AAF-81A2-4A6F4885EBE6}"/>
+          <p:cNvPr id="1046" name="Rectangle 1030">
+            <a:extLst>
+              <a:ext uri="{FF2B5EF4-FFF2-40B4-BE49-F238E27FC236}">
+                <a16:creationId xmlns:a16="http://schemas.microsoft.com/office/drawing/2014/main" id="{A8384FB5-9ADC-4DDC-881B-597D56F5B15D}"/>
               </a:ext>
               <a:ext uri="{C183D7F6-B498-43B3-948B-1728B52AA6E4}">
                 <adec:decorative xmlns:adec="http://schemas.microsoft.com/office/drawing/2017/decorative" val="1"/>
@@ -4505,10 +3587,51 @@
       </p:sp>
       <p:sp>
         <p:nvSpPr>
-          <p:cNvPr id="74" name="Rectangle 58">
-            <a:extLst>
-              <a:ext uri="{FF2B5EF4-FFF2-40B4-BE49-F238E27FC236}">
-                <a16:creationId xmlns:a16="http://schemas.microsoft.com/office/drawing/2014/main" id="{D28B54C3-B57B-472A-B96E-1FCB67093DC2}"/>
+          <p:cNvPr id="2" name="Título 1">
+            <a:extLst>
+              <a:ext uri="{FF2B5EF4-FFF2-40B4-BE49-F238E27FC236}">
+                <a16:creationId xmlns:a16="http://schemas.microsoft.com/office/drawing/2014/main" id="{F38A24AF-C6A0-CFE0-D1C7-5EB81E8F9662}"/>
+              </a:ext>
+            </a:extLst>
+          </p:cNvPr>
+          <p:cNvSpPr>
+            <a:spLocks noGrp="1"/>
+          </p:cNvSpPr>
+          <p:nvPr>
+            <p:ph type="ctrTitle"/>
+          </p:nvPr>
+        </p:nvSpPr>
+        <p:spPr>
+          <a:xfrm>
+            <a:off x="136187" y="921715"/>
+            <a:ext cx="6284067" cy="2635987"/>
+          </a:xfrm>
+        </p:spPr>
+        <p:txBody>
+          <a:bodyPr anchor="ctr" anchorCtr="0">
+            <a:normAutofit/>
+          </a:bodyPr>
+          <a:lstStyle/>
+          <a:p>
+            <a:r>
+              <a:rPr lang="es-ES" sz="4800" b="1" i="0" u="none" strike="noStrike" baseline="30000" dirty="0">
+                <a:solidFill>
+                  <a:srgbClr val="000000"/>
+                </a:solidFill>
+                <a:latin typeface="Times New Roman" panose="02020603050405020304" pitchFamily="18" charset="0"/>
+              </a:rPr>
+              <a:t>Desarrollo de un prototipo de alerta temprana en pacientes hipertensos aplicando inteligencia artificial.</a:t>
+            </a:r>
+            <a:endParaRPr lang="es-SV" sz="11500" b="1" dirty="0"/>
+          </a:p>
+        </p:txBody>
+      </p:sp>
+      <p:sp>
+        <p:nvSpPr>
+          <p:cNvPr id="1047" name="Rectangle 1032">
+            <a:extLst>
+              <a:ext uri="{FF2B5EF4-FFF2-40B4-BE49-F238E27FC236}">
+                <a16:creationId xmlns:a16="http://schemas.microsoft.com/office/drawing/2014/main" id="{BC05CA36-AD6A-4ABF-9A05-52E5A143D2BB}"/>
               </a:ext>
               <a:ext uri="{C183D7F6-B498-43B3-948B-1728B52AA6E4}">
                 <adec:decorative xmlns:adec="http://schemas.microsoft.com/office/drawing/2017/decorative" val="1"/>
@@ -4527,9 +3650,9 @@
           </p:nvPr>
         </p:nvSpPr>
         <p:spPr>
-          <a:xfrm flipH="1">
-            <a:off x="-1" y="0"/>
-            <a:ext cx="12191999" cy="6858000"/>
+          <a:xfrm rot="10800000" flipH="1">
+            <a:off x="0" y="4022214"/>
+            <a:ext cx="12192000" cy="2835786"/>
           </a:xfrm>
           <a:prstGeom prst="rect">
             <a:avLst/>
@@ -4537,15 +3660,13 @@
           <a:gradFill>
             <a:gsLst>
               <a:gs pos="0">
-                <a:schemeClr val="accent1">
-                  <a:lumMod val="50000"/>
-                </a:schemeClr>
+                <a:schemeClr val="accent1"/>
               </a:gs>
-              <a:gs pos="100000">
+              <a:gs pos="78000">
                 <a:srgbClr val="000000"/>
               </a:gs>
             </a:gsLst>
-            <a:lin ang="13800000" scaled="0"/>
+            <a:lin ang="2400000" scaled="0"/>
           </a:gradFill>
           <a:ln>
             <a:noFill/>
@@ -4578,10 +3699,10 @@
       </p:sp>
       <p:sp>
         <p:nvSpPr>
-          <p:cNvPr id="75" name="Rectangle 60">
-            <a:extLst>
-              <a:ext uri="{FF2B5EF4-FFF2-40B4-BE49-F238E27FC236}">
-                <a16:creationId xmlns:a16="http://schemas.microsoft.com/office/drawing/2014/main" id="{7DB3C429-F8DA-49B9-AF84-21996FCF78B5}"/>
+          <p:cNvPr id="1048" name="Rectangle 1034">
+            <a:extLst>
+              <a:ext uri="{FF2B5EF4-FFF2-40B4-BE49-F238E27FC236}">
+                <a16:creationId xmlns:a16="http://schemas.microsoft.com/office/drawing/2014/main" id="{D4331EE8-85A4-4588-8D9E-70E534D477DB}"/>
               </a:ext>
               <a:ext uri="{C183D7F6-B498-43B3-948B-1728B52AA6E4}">
                 <adec:decorative xmlns:adec="http://schemas.microsoft.com/office/drawing/2017/decorative" val="1"/>
@@ -4600,26 +3721,27 @@
           </p:nvPr>
         </p:nvSpPr>
         <p:spPr>
-          <a:xfrm rot="10800000">
-            <a:off x="0" y="-4"/>
-            <a:ext cx="12192000" cy="6402581"/>
+          <a:xfrm flipH="1">
+            <a:off x="4038600" y="4022220"/>
+            <a:ext cx="8153398" cy="2835780"/>
           </a:xfrm>
           <a:prstGeom prst="rect">
             <a:avLst/>
           </a:prstGeom>
           <a:gradFill>
             <a:gsLst>
-              <a:gs pos="1000">
+              <a:gs pos="0">
+                <a:srgbClr val="000000">
+                  <a:alpha val="63000"/>
+                </a:srgbClr>
+              </a:gs>
+              <a:gs pos="100000">
                 <a:schemeClr val="accent1">
                   <a:lumMod val="75000"/>
-                  <a:alpha val="59000"/>
                 </a:schemeClr>
               </a:gs>
-              <a:gs pos="100000">
-                <a:srgbClr val="000000"/>
-              </a:gs>
             </a:gsLst>
-            <a:lin ang="15000000" scaled="0"/>
+            <a:lin ang="6600000" scaled="0"/>
           </a:gradFill>
           <a:ln>
             <a:noFill/>
@@ -4652,10 +3774,10 @@
       </p:sp>
       <p:sp>
         <p:nvSpPr>
-          <p:cNvPr id="76" name="Rectangle 62">
-            <a:extLst>
-              <a:ext uri="{FF2B5EF4-FFF2-40B4-BE49-F238E27FC236}">
-                <a16:creationId xmlns:a16="http://schemas.microsoft.com/office/drawing/2014/main" id="{E12088DD-B1AD-40E0-8B86-1D87A2CCD9BE}"/>
+          <p:cNvPr id="1049" name="Rectangle 1036">
+            <a:extLst>
+              <a:ext uri="{FF2B5EF4-FFF2-40B4-BE49-F238E27FC236}">
+                <a16:creationId xmlns:a16="http://schemas.microsoft.com/office/drawing/2014/main" id="{49D6C862-61CC-4B46-8080-96583D653BAB}"/>
               </a:ext>
               <a:ext uri="{C183D7F6-B498-43B3-948B-1728B52AA6E4}">
                 <adec:decorative xmlns:adec="http://schemas.microsoft.com/office/drawing/2017/decorative" val="1"/>
@@ -4674,28 +3796,28 @@
           </p:nvPr>
         </p:nvSpPr>
         <p:spPr>
-          <a:xfrm rot="5400000" flipH="1">
-            <a:off x="2663054" y="-2653923"/>
-            <a:ext cx="6858001" cy="12165846"/>
+          <a:xfrm flipH="1">
+            <a:off x="0" y="4022219"/>
+            <a:ext cx="12253472" cy="2835781"/>
           </a:xfrm>
           <a:prstGeom prst="rect">
             <a:avLst/>
           </a:prstGeom>
           <a:gradFill>
             <a:gsLst>
-              <a:gs pos="13000">
+              <a:gs pos="39000">
                 <a:schemeClr val="accent1">
                   <a:lumMod val="50000"/>
                   <a:alpha val="0"/>
                 </a:schemeClr>
               </a:gs>
-              <a:gs pos="99000">
+              <a:gs pos="100000">
                 <a:srgbClr val="000000">
-                  <a:alpha val="28000"/>
+                  <a:alpha val="72000"/>
                 </a:srgbClr>
               </a:gs>
             </a:gsLst>
-            <a:lin ang="0" scaled="0"/>
+            <a:lin ang="17400000" scaled="0"/>
           </a:gradFill>
           <a:ln>
             <a:noFill/>
@@ -4728,10 +3850,114 @@
       </p:sp>
       <p:sp>
         <p:nvSpPr>
-          <p:cNvPr id="77" name="Rectangle 64">
-            <a:extLst>
-              <a:ext uri="{FF2B5EF4-FFF2-40B4-BE49-F238E27FC236}">
-                <a16:creationId xmlns:a16="http://schemas.microsoft.com/office/drawing/2014/main" id="{C4C9F2B0-1044-46EB-8AEB-C3BFFDE6C2CC}"/>
+          <p:cNvPr id="3" name="Subtítulo 2">
+            <a:extLst>
+              <a:ext uri="{FF2B5EF4-FFF2-40B4-BE49-F238E27FC236}">
+                <a16:creationId xmlns:a16="http://schemas.microsoft.com/office/drawing/2014/main" id="{8254165D-F69C-3C8F-88C8-636545C7AB7E}"/>
+              </a:ext>
+            </a:extLst>
+          </p:cNvPr>
+          <p:cNvSpPr>
+            <a:spLocks noGrp="1"/>
+          </p:cNvSpPr>
+          <p:nvPr>
+            <p:ph type="subTitle" idx="1"/>
+          </p:nvPr>
+        </p:nvSpPr>
+        <p:spPr>
+          <a:xfrm>
+            <a:off x="136187" y="4541263"/>
+            <a:ext cx="6177064" cy="1395022"/>
+          </a:xfrm>
+        </p:spPr>
+        <p:style>
+          <a:lnRef idx="2">
+            <a:schemeClr val="accent1"/>
+          </a:lnRef>
+          <a:fillRef idx="1">
+            <a:schemeClr val="lt1"/>
+          </a:fillRef>
+          <a:effectRef idx="0">
+            <a:schemeClr val="accent1"/>
+          </a:effectRef>
+          <a:fontRef idx="minor">
+            <a:schemeClr val="dk1"/>
+          </a:fontRef>
+        </p:style>
+        <p:txBody>
+          <a:bodyPr anchor="ctr" anchorCtr="0">
+            <a:normAutofit/>
+          </a:bodyPr>
+          <a:lstStyle/>
+          <a:p>
+            <a:pPr algn="l"/>
+            <a:r>
+              <a:rPr lang="pt-BR" sz="2200" dirty="0"/>
+              <a:t>17-1673-2000 Hernandez Ortiz, Jose Alfredo</a:t>
+            </a:r>
+          </a:p>
+          <a:p>
+            <a:pPr algn="l"/>
+            <a:r>
+              <a:rPr lang="es-ES_tradnl" sz="2200" dirty="0"/>
+              <a:t>25-1014-2019 Reyes Márquez, Roberto Enrique</a:t>
+            </a:r>
+            <a:endParaRPr lang="es-SV" sz="2200" dirty="0"/>
+          </a:p>
+        </p:txBody>
+      </p:sp>
+      <p:pic>
+        <p:nvPicPr>
+          <p:cNvPr id="1026" name="Picture 2" descr="Utec Universidad Tecnológica de El Salvador | Facebook">
+            <a:extLst>
+              <a:ext uri="{FF2B5EF4-FFF2-40B4-BE49-F238E27FC236}">
+                <a16:creationId xmlns:a16="http://schemas.microsoft.com/office/drawing/2014/main" id="{EB105092-5561-7D27-59B8-3FA72A2FE148}"/>
+              </a:ext>
+            </a:extLst>
+          </p:cNvPr>
+          <p:cNvPicPr>
+            <a:picLocks noChangeAspect="1" noChangeArrowheads="1"/>
+          </p:cNvPicPr>
+          <p:nvPr/>
+        </p:nvPicPr>
+        <p:blipFill>
+          <a:blip r:embed="rId2">
+            <a:extLst>
+              <a:ext uri="{28A0092B-C50C-407E-A947-70E740481C1C}">
+                <a14:useLocalDpi xmlns:a14="http://schemas.microsoft.com/office/drawing/2010/main" val="0"/>
+              </a:ext>
+            </a:extLst>
+          </a:blip>
+          <a:stretch>
+            <a:fillRect/>
+          </a:stretch>
+        </p:blipFill>
+        <p:spPr bwMode="auto">
+          <a:xfrm>
+            <a:off x="6573907" y="658489"/>
+            <a:ext cx="5163022" cy="5163022"/>
+          </a:xfrm>
+          <a:prstGeom prst="rect">
+            <a:avLst/>
+          </a:prstGeom>
+          <a:noFill/>
+          <a:extLst>
+            <a:ext uri="{909E8E84-426E-40DD-AFC4-6F175D3DCCD1}">
+              <a14:hiddenFill xmlns:a14="http://schemas.microsoft.com/office/drawing/2010/main">
+                <a:solidFill>
+                  <a:srgbClr val="FFFFFF"/>
+                </a:solidFill>
+              </a14:hiddenFill>
+            </a:ext>
+          </a:extLst>
+        </p:spPr>
+      </p:pic>
+      <p:sp>
+        <p:nvSpPr>
+          <p:cNvPr id="1050" name="Rectangle 1038">
+            <a:extLst>
+              <a:ext uri="{FF2B5EF4-FFF2-40B4-BE49-F238E27FC236}">
+                <a16:creationId xmlns:a16="http://schemas.microsoft.com/office/drawing/2014/main" id="{E37EECFC-A684-4391-AE85-4CDAF5565F61}"/>
               </a:ext>
               <a:ext uri="{C183D7F6-B498-43B3-948B-1728B52AA6E4}">
                 <adec:decorative xmlns:adec="http://schemas.microsoft.com/office/drawing/2017/decorative" val="1"/>
@@ -4751,28 +3977,27 @@
         </p:nvSpPr>
         <p:spPr>
           <a:xfrm flipH="1">
-            <a:off x="6094763" y="0"/>
-            <a:ext cx="6096001" cy="6858000"/>
+            <a:off x="0" y="6400797"/>
+            <a:ext cx="12191998" cy="457203"/>
           </a:xfrm>
           <a:prstGeom prst="rect">
             <a:avLst/>
           </a:prstGeom>
           <a:gradFill>
             <a:gsLst>
-              <a:gs pos="13000">
-                <a:schemeClr val="accent1">
-                  <a:lumMod val="50000"/>
-                  <a:alpha val="0"/>
-                </a:schemeClr>
+              <a:gs pos="0">
+                <a:srgbClr val="000000">
+                  <a:alpha val="43000"/>
+                </a:srgbClr>
               </a:gs>
-              <a:gs pos="99000">
+              <a:gs pos="79000">
                 <a:schemeClr val="accent1">
                   <a:lumMod val="75000"/>
-                  <a:alpha val="50000"/>
+                  <a:alpha val="22000"/>
                 </a:schemeClr>
               </a:gs>
             </a:gsLst>
-            <a:lin ang="6000000" scaled="0"/>
+            <a:lin ang="21594000" scaled="0"/>
           </a:gradFill>
           <a:ln>
             <a:noFill/>
@@ -4799,301 +4024,7 @@
           <a:lstStyle/>
           <a:p>
             <a:pPr algn="ctr"/>
-            <a:endParaRPr lang="en-US" dirty="0"/>
-          </a:p>
-        </p:txBody>
-      </p:sp>
-      <p:sp>
-        <p:nvSpPr>
-          <p:cNvPr id="78" name="Rectangle 66">
-            <a:extLst>
-              <a:ext uri="{FF2B5EF4-FFF2-40B4-BE49-F238E27FC236}">
-                <a16:creationId xmlns:a16="http://schemas.microsoft.com/office/drawing/2014/main" id="{0C395952-4E26-45A2-8756-2ADFD6E53C6E}"/>
-              </a:ext>
-              <a:ext uri="{C183D7F6-B498-43B3-948B-1728B52AA6E4}">
-                <adec:decorative xmlns:adec="http://schemas.microsoft.com/office/drawing/2017/decorative" val="1"/>
-              </a:ext>
-            </a:extLst>
-          </p:cNvPr>
-          <p:cNvSpPr>
-            <a:spLocks noGrp="1" noRot="1" noChangeAspect="1" noMove="1" noResize="1" noEditPoints="1" noAdjustHandles="1" noChangeArrowheads="1" noChangeShapeType="1" noTextEdit="1"/>
-          </p:cNvSpPr>
-          <p:nvPr>
-            <p:extLst>
-              <p:ext uri="{386F3935-93C4-4BCD-93E2-E3B085C9AB24}">
-                <p16:designElem xmlns:p16="http://schemas.microsoft.com/office/powerpoint/2015/main" val="1"/>
-              </p:ext>
-            </p:extLst>
-          </p:nvPr>
-        </p:nvSpPr>
-        <p:spPr>
-          <a:xfrm flipH="1">
-            <a:off x="-4" y="-3"/>
-            <a:ext cx="12182871" cy="6871922"/>
-          </a:xfrm>
-          <a:prstGeom prst="rect">
-            <a:avLst/>
-          </a:prstGeom>
-          <a:gradFill>
-            <a:gsLst>
-              <a:gs pos="13000">
-                <a:srgbClr val="000000">
-                  <a:alpha val="35000"/>
-                </a:srgbClr>
-              </a:gs>
-              <a:gs pos="99000">
-                <a:schemeClr val="accent1">
-                  <a:lumMod val="75000"/>
-                  <a:alpha val="0"/>
-                </a:schemeClr>
-              </a:gs>
-            </a:gsLst>
-            <a:lin ang="4800000" scaled="0"/>
-          </a:gradFill>
-          <a:ln>
-            <a:noFill/>
-          </a:ln>
-        </p:spPr>
-        <p:style>
-          <a:lnRef idx="2">
-            <a:schemeClr val="accent1">
-              <a:shade val="50000"/>
-            </a:schemeClr>
-          </a:lnRef>
-          <a:fillRef idx="1">
-            <a:schemeClr val="accent1"/>
-          </a:fillRef>
-          <a:effectRef idx="0">
-            <a:schemeClr val="accent1"/>
-          </a:effectRef>
-          <a:fontRef idx="minor">
-            <a:schemeClr val="lt1"/>
-          </a:fontRef>
-        </p:style>
-        <p:txBody>
-          <a:bodyPr rtlCol="0" anchor="ctr"/>
-          <a:lstStyle/>
-          <a:p>
-            <a:pPr algn="ctr"/>
-            <a:endParaRPr lang="en-US" dirty="0"/>
-          </a:p>
-        </p:txBody>
-      </p:sp>
-      <p:sp>
-        <p:nvSpPr>
-          <p:cNvPr id="79" name="Freeform: Shape 68">
-            <a:extLst>
-              <a:ext uri="{FF2B5EF4-FFF2-40B4-BE49-F238E27FC236}">
-                <a16:creationId xmlns:a16="http://schemas.microsoft.com/office/drawing/2014/main" id="{4734BADF-9461-4621-B112-2D7BABEA7DD0}"/>
-              </a:ext>
-              <a:ext uri="{C183D7F6-B498-43B3-948B-1728B52AA6E4}">
-                <adec:decorative xmlns:adec="http://schemas.microsoft.com/office/drawing/2017/decorative" val="1"/>
-              </a:ext>
-            </a:extLst>
-          </p:cNvPr>
-          <p:cNvSpPr>
-            <a:spLocks noGrp="1" noRot="1" noChangeAspect="1" noMove="1" noResize="1" noEditPoints="1" noAdjustHandles="1" noChangeArrowheads="1" noChangeShapeType="1" noTextEdit="1"/>
-          </p:cNvSpPr>
-          <p:nvPr>
-            <p:extLst>
-              <p:ext uri="{386F3935-93C4-4BCD-93E2-E3B085C9AB24}">
-                <p16:designElem xmlns:p16="http://schemas.microsoft.com/office/powerpoint/2015/main" val="1"/>
-              </p:ext>
-            </p:extLst>
-          </p:nvPr>
-        </p:nvSpPr>
-        <p:spPr>
-          <a:xfrm>
-            <a:off x="987713" y="4049"/>
-            <a:ext cx="10216576" cy="4729040"/>
-          </a:xfrm>
-          <a:custGeom>
-            <a:avLst/>
-            <a:gdLst>
-              <a:gd name="connsiteX0" fmla="*/ 0 w 10216576"/>
-              <a:gd name="connsiteY0" fmla="*/ 0 h 4729040"/>
-              <a:gd name="connsiteX1" fmla="*/ 10216576 w 10216576"/>
-              <a:gd name="connsiteY1" fmla="*/ 0 h 4729040"/>
-              <a:gd name="connsiteX2" fmla="*/ 10210268 w 10216576"/>
-              <a:gd name="connsiteY2" fmla="*/ 124944 h 4729040"/>
-              <a:gd name="connsiteX3" fmla="*/ 5108288 w 10216576"/>
-              <a:gd name="connsiteY3" fmla="*/ 4729040 h 4729040"/>
-              <a:gd name="connsiteX4" fmla="*/ 6309 w 10216576"/>
-              <a:gd name="connsiteY4" fmla="*/ 124944 h 4729040"/>
-            </a:gdLst>
-            <a:ahLst/>
-            <a:cxnLst>
-              <a:cxn ang="0">
-                <a:pos x="connsiteX0" y="connsiteY0"/>
-              </a:cxn>
-              <a:cxn ang="0">
-                <a:pos x="connsiteX1" y="connsiteY1"/>
-              </a:cxn>
-              <a:cxn ang="0">
-                <a:pos x="connsiteX2" y="connsiteY2"/>
-              </a:cxn>
-              <a:cxn ang="0">
-                <a:pos x="connsiteX3" y="connsiteY3"/>
-              </a:cxn>
-              <a:cxn ang="0">
-                <a:pos x="connsiteX4" y="connsiteY4"/>
-              </a:cxn>
-            </a:cxnLst>
-            <a:rect l="l" t="t" r="r" b="b"/>
-            <a:pathLst>
-              <a:path w="10216576" h="4729040">
-                <a:moveTo>
-                  <a:pt x="0" y="0"/>
-                </a:moveTo>
-                <a:lnTo>
-                  <a:pt x="10216576" y="0"/>
-                </a:lnTo>
-                <a:lnTo>
-                  <a:pt x="10210268" y="124944"/>
-                </a:lnTo>
-                <a:cubicBezTo>
-                  <a:pt x="9947637" y="2710997"/>
-                  <a:pt x="7763635" y="4729040"/>
-                  <a:pt x="5108288" y="4729040"/>
-                </a:cubicBezTo>
-                <a:cubicBezTo>
-                  <a:pt x="2452942" y="4729040"/>
-                  <a:pt x="268937" y="2710997"/>
-                  <a:pt x="6309" y="124944"/>
-                </a:cubicBezTo>
-                <a:close/>
-              </a:path>
-            </a:pathLst>
-          </a:custGeom>
-          <a:gradFill>
-            <a:gsLst>
-              <a:gs pos="7000">
-                <a:schemeClr val="accent1">
-                  <a:lumMod val="50000"/>
-                  <a:alpha val="4000"/>
-                </a:schemeClr>
-              </a:gs>
-              <a:gs pos="99000">
-                <a:schemeClr val="accent1">
-                  <a:alpha val="24000"/>
-                </a:schemeClr>
-              </a:gs>
-            </a:gsLst>
-            <a:lin ang="10200000" scaled="0"/>
-          </a:gradFill>
-          <a:ln>
-            <a:noFill/>
-          </a:ln>
-        </p:spPr>
-        <p:style>
-          <a:lnRef idx="2">
-            <a:schemeClr val="accent1">
-              <a:shade val="50000"/>
-            </a:schemeClr>
-          </a:lnRef>
-          <a:fillRef idx="1">
-            <a:schemeClr val="accent1"/>
-          </a:fillRef>
-          <a:effectRef idx="0">
-            <a:schemeClr val="accent1"/>
-          </a:effectRef>
-          <a:fontRef idx="minor">
-            <a:schemeClr val="lt1"/>
-          </a:fontRef>
-        </p:style>
-        <p:txBody>
-          <a:bodyPr wrap="square" rtlCol="0" anchor="ctr">
-            <a:noAutofit/>
-          </a:bodyPr>
-          <a:lstStyle/>
-          <a:p>
-            <a:pPr algn="ctr"/>
             <a:endParaRPr lang="en-US"/>
-          </a:p>
-        </p:txBody>
-      </p:sp>
-      <p:sp>
-        <p:nvSpPr>
-          <p:cNvPr id="2" name="Título 1">
-            <a:extLst>
-              <a:ext uri="{FF2B5EF4-FFF2-40B4-BE49-F238E27FC236}">
-                <a16:creationId xmlns:a16="http://schemas.microsoft.com/office/drawing/2014/main" id="{F38A24AF-C6A0-CFE0-D1C7-5EB81E8F9662}"/>
-              </a:ext>
-            </a:extLst>
-          </p:cNvPr>
-          <p:cNvSpPr>
-            <a:spLocks noGrp="1"/>
-          </p:cNvSpPr>
-          <p:nvPr>
-            <p:ph type="ctrTitle"/>
-          </p:nvPr>
-        </p:nvSpPr>
-        <p:spPr>
-          <a:xfrm>
-            <a:off x="2026693" y="1030406"/>
-            <a:ext cx="8147713" cy="3081242"/>
-          </a:xfrm>
-        </p:spPr>
-        <p:txBody>
-          <a:bodyPr anchor="ctr">
-            <a:normAutofit/>
-          </a:bodyPr>
-          <a:lstStyle/>
-          <a:p>
-            <a:endParaRPr lang="es-SV" sz="4800">
-              <a:solidFill>
-                <a:srgbClr val="FFFFFF"/>
-              </a:solidFill>
-            </a:endParaRPr>
-          </a:p>
-        </p:txBody>
-      </p:sp>
-      <p:sp>
-        <p:nvSpPr>
-          <p:cNvPr id="3" name="Subtítulo 2">
-            <a:extLst>
-              <a:ext uri="{FF2B5EF4-FFF2-40B4-BE49-F238E27FC236}">
-                <a16:creationId xmlns:a16="http://schemas.microsoft.com/office/drawing/2014/main" id="{8254165D-F69C-3C8F-88C8-636545C7AB7E}"/>
-              </a:ext>
-            </a:extLst>
-          </p:cNvPr>
-          <p:cNvSpPr>
-            <a:spLocks noGrp="1"/>
-          </p:cNvSpPr>
-          <p:nvPr>
-            <p:ph type="subTitle" idx="1"/>
-          </p:nvPr>
-        </p:nvSpPr>
-        <p:spPr>
-          <a:xfrm>
-            <a:off x="1559943" y="5171093"/>
-            <a:ext cx="9078628" cy="860620"/>
-          </a:xfrm>
-        </p:spPr>
-        <p:txBody>
-          <a:bodyPr anchor="ctr">
-            <a:normAutofit/>
-          </a:bodyPr>
-          <a:lstStyle/>
-          <a:p>
-            <a:r>
-              <a:rPr lang="es-ES" b="0" i="0">
-                <a:solidFill>
-                  <a:srgbClr val="FFFFFF"/>
-                </a:solidFill>
-                <a:effectLst/>
-                <a:highlight>
-                  <a:srgbClr val="F3F3F3"/>
-                </a:highlight>
-                <a:latin typeface="-apple-system"/>
-              </a:rPr>
-              <a:t>Título del proyecto, tu nombre, fecha y logo de la institución.</a:t>
-            </a:r>
-            <a:endParaRPr lang="es-SV">
-              <a:solidFill>
-                <a:srgbClr val="FFFFFF"/>
-              </a:solidFill>
-            </a:endParaRPr>
           </a:p>
         </p:txBody>
       </p:sp>
@@ -5107,20 +4038,24 @@
   <p:clrMapOvr>
     <a:masterClrMapping/>
   </p:clrMapOvr>
+  <mc:AlternateContent xmlns:mc="http://schemas.openxmlformats.org/markup-compatibility/2006" xmlns:p14="http://schemas.microsoft.com/office/powerpoint/2010/main">
+    <mc:Choice Requires="p14">
+      <p:transition spd="slow" p14:dur="2000">
+        <p14:prism isContent="1"/>
+      </p:transition>
+    </mc:Choice>
+    <mc:Fallback xmlns="">
+      <p:transition spd="slow">
+        <p:fade/>
+      </p:transition>
+    </mc:Fallback>
+  </mc:AlternateContent>
 </p:sld>
 </file>
 
-<file path=ppt/slides/slide10.xml><?xml version="1.0" encoding="utf-8"?>
+<file path=ppt/slides/slide2.xml><?xml version="1.0" encoding="utf-8"?>
 <p:sld xmlns:a="http://schemas.openxmlformats.org/drawingml/2006/main" xmlns:r="http://schemas.openxmlformats.org/officeDocument/2006/relationships" xmlns:p="http://schemas.openxmlformats.org/presentationml/2006/main">
   <p:cSld>
-    <p:bg>
-      <p:bgPr>
-        <a:solidFill>
-          <a:schemeClr val="bg1"/>
-        </a:solidFill>
-        <a:effectLst/>
-      </p:bgPr>
-    </p:bg>
     <p:spTree>
       <p:nvGrpSpPr>
         <p:cNvPr id="1" name=""/>
@@ -5516,7 +4451,7 @@
           <p:cNvPr id="2" name="Título 1">
             <a:extLst>
               <a:ext uri="{FF2B5EF4-FFF2-40B4-BE49-F238E27FC236}">
-                <a16:creationId xmlns:a16="http://schemas.microsoft.com/office/drawing/2014/main" id="{B5C425C2-2C62-1676-6150-A30409029F04}"/>
+                <a16:creationId xmlns:a16="http://schemas.microsoft.com/office/drawing/2014/main" id="{6737593B-8D39-31AF-485E-23BE8144E29E}"/>
               </a:ext>
             </a:extLst>
           </p:cNvPr>
@@ -5539,11 +4474,14 @@
           </a:bodyPr>
           <a:lstStyle/>
           <a:p>
-            <a:endParaRPr lang="es-SV" sz="4000">
-              <a:solidFill>
-                <a:srgbClr val="FFFFFF"/>
-              </a:solidFill>
-            </a:endParaRPr>
+            <a:r>
+              <a:rPr lang="es-SV" sz="4000" dirty="0">
+                <a:solidFill>
+                  <a:srgbClr val="FFFFFF"/>
+                </a:solidFill>
+              </a:rPr>
+              <a:t>TEMA</a:t>
+            </a:r>
           </a:p>
         </p:txBody>
       </p:sp>
@@ -5552,7 +4490,7 @@
           <p:cNvPr id="3" name="Marcador de contenido 2">
             <a:extLst>
               <a:ext uri="{FF2B5EF4-FFF2-40B4-BE49-F238E27FC236}">
-                <a16:creationId xmlns:a16="http://schemas.microsoft.com/office/drawing/2014/main" id="{C1BBF220-6743-9CBA-A117-128533907E97}"/>
+                <a16:creationId xmlns:a16="http://schemas.microsoft.com/office/drawing/2014/main" id="{36FC1464-FA83-0BCD-A8CA-CC0E8E54F4FF}"/>
               </a:ext>
             </a:extLst>
           </p:cNvPr>
@@ -5565,86 +4503,109 @@
         </p:nvSpPr>
         <p:spPr>
           <a:xfrm>
-            <a:off x="1371599" y="2318197"/>
-            <a:ext cx="9724031" cy="3683358"/>
-          </a:xfrm>
-        </p:spPr>
-        <p:txBody>
-          <a:bodyPr anchor="ctr">
-            <a:normAutofit/>
+            <a:off x="282103" y="1885279"/>
+            <a:ext cx="11531576" cy="1026887"/>
+          </a:xfrm>
+        </p:spPr>
+        <p:txBody>
+          <a:bodyPr anchor="ctr" anchorCtr="0">
+            <a:noAutofit/>
           </a:bodyPr>
           <a:lstStyle/>
           <a:p>
-            <a:pPr>
-              <a:buFont typeface="+mj-lt"/>
-              <a:buAutoNum type="arabicPeriod"/>
+            <a:pPr marL="0" indent="0" algn="ctr">
+              <a:buNone/>
             </a:pPr>
-            <a:endParaRPr lang="es-ES" sz="2000" b="0" i="0">
-              <a:effectLst/>
-              <a:highlight>
-                <a:srgbClr val="F3F3F3"/>
-              </a:highlight>
-              <a:latin typeface="-apple-system"/>
+            <a:r>
+              <a:rPr lang="es-ES" sz="4000" b="1" i="0" u="none" strike="noStrike" baseline="30000" dirty="0">
+                <a:solidFill>
+                  <a:srgbClr val="000000"/>
+                </a:solidFill>
+                <a:latin typeface="Abadi" panose="020F0502020204030204" pitchFamily="34" charset="0"/>
+              </a:rPr>
+              <a:t>Desarrollo de un prototipo de alerta temprana en pacientes hipertensos aplicando inteligencia artificial.</a:t>
+            </a:r>
+            <a:endParaRPr lang="es-SV" sz="4000" dirty="0">
+              <a:latin typeface="Abadi" panose="020F0502020204030204" pitchFamily="34" charset="0"/>
             </a:endParaRPr>
           </a:p>
-          <a:p>
-            <a:pPr marL="742950" lvl="1" indent="-285750">
-              <a:buFont typeface="+mj-lt"/>
-              <a:buAutoNum type="arabicPeriod"/>
-            </a:pPr>
-            <a:r>
-              <a:rPr lang="es-ES" sz="2000" b="1" i="0">
-                <a:effectLst/>
-                <a:highlight>
-                  <a:srgbClr val="F3F3F3"/>
-                </a:highlight>
-                <a:latin typeface="-apple-system"/>
-              </a:rPr>
-              <a:t>Diapositiva 11</a:t>
-            </a:r>
-            <a:r>
-              <a:rPr lang="es-ES" sz="2000" b="0" i="0">
-                <a:effectLst/>
-                <a:highlight>
-                  <a:srgbClr val="F3F3F3"/>
-                </a:highlight>
-                <a:latin typeface="-apple-system"/>
-              </a:rPr>
-              <a:t>: Resumen de los puntos clave y conclusiones finales.</a:t>
-            </a:r>
-          </a:p>
-          <a:p>
-            <a:br>
-              <a:rPr lang="es-ES" sz="2000"/>
-            </a:br>
-            <a:endParaRPr lang="es-SV" sz="2000"/>
-          </a:p>
-        </p:txBody>
-      </p:sp>
+        </p:txBody>
+      </p:sp>
+      <p:pic>
+        <p:nvPicPr>
+          <p:cNvPr id="2050" name="Picture 2" descr="Controle la hipertensión: perder 5 kilos puede hacer la diferencia | Salud  | La Revista | El Universo">
+            <a:extLst>
+              <a:ext uri="{FF2B5EF4-FFF2-40B4-BE49-F238E27FC236}">
+                <a16:creationId xmlns:a16="http://schemas.microsoft.com/office/drawing/2014/main" id="{68260E62-91AC-B1F2-951E-F52CB4C0F932}"/>
+              </a:ext>
+            </a:extLst>
+          </p:cNvPr>
+          <p:cNvPicPr>
+            <a:picLocks noChangeAspect="1" noChangeArrowheads="1"/>
+          </p:cNvPicPr>
+          <p:nvPr/>
+        </p:nvPicPr>
+        <p:blipFill>
+          <a:blip r:embed="rId2">
+            <a:extLst>
+              <a:ext uri="{28A0092B-C50C-407E-A947-70E740481C1C}">
+                <a14:useLocalDpi xmlns:a14="http://schemas.microsoft.com/office/drawing/2010/main" val="0"/>
+              </a:ext>
+            </a:extLst>
+          </a:blip>
+          <a:srcRect/>
+          <a:stretch>
+            <a:fillRect/>
+          </a:stretch>
+        </p:blipFill>
+        <p:spPr bwMode="auto">
+          <a:xfrm>
+            <a:off x="1834907" y="2912166"/>
+            <a:ext cx="8969333" cy="3557368"/>
+          </a:xfrm>
+          <a:prstGeom prst="rect">
+            <a:avLst/>
+          </a:prstGeom>
+          <a:noFill/>
+          <a:extLst>
+            <a:ext uri="{909E8E84-426E-40DD-AFC4-6F175D3DCCD1}">
+              <a14:hiddenFill xmlns:a14="http://schemas.microsoft.com/office/drawing/2010/main">
+                <a:solidFill>
+                  <a:srgbClr val="FFFFFF"/>
+                </a:solidFill>
+              </a14:hiddenFill>
+            </a:ext>
+          </a:extLst>
+        </p:spPr>
+      </p:pic>
     </p:spTree>
     <p:extLst>
       <p:ext uri="{BB962C8B-B14F-4D97-AF65-F5344CB8AC3E}">
-        <p14:creationId xmlns:p14="http://schemas.microsoft.com/office/powerpoint/2010/main" val="3550121511"/>
+        <p14:creationId xmlns:p14="http://schemas.microsoft.com/office/powerpoint/2010/main" val="3597631249"/>
       </p:ext>
     </p:extLst>
   </p:cSld>
   <p:clrMapOvr>
     <a:masterClrMapping/>
   </p:clrMapOvr>
+  <mc:AlternateContent xmlns:mc="http://schemas.openxmlformats.org/markup-compatibility/2006" xmlns:p14="http://schemas.microsoft.com/office/powerpoint/2010/main">
+    <mc:Choice Requires="p14">
+      <p:transition spd="slow" p14:dur="2000">
+        <p14:prism isContent="1"/>
+      </p:transition>
+    </mc:Choice>
+    <mc:Fallback xmlns="">
+      <p:transition spd="slow">
+        <p:fade/>
+      </p:transition>
+    </mc:Fallback>
+  </mc:AlternateContent>
 </p:sld>
 </file>
 
-<file path=ppt/slides/slide11.xml><?xml version="1.0" encoding="utf-8"?>
+<file path=ppt/slides/slide3.xml><?xml version="1.0" encoding="utf-8"?>
 <p:sld xmlns:a="http://schemas.openxmlformats.org/drawingml/2006/main" xmlns:r="http://schemas.openxmlformats.org/officeDocument/2006/relationships" xmlns:p="http://schemas.openxmlformats.org/presentationml/2006/main">
   <p:cSld>
-    <p:bg>
-      <p:bgPr>
-        <a:solidFill>
-          <a:schemeClr val="bg1"/>
-        </a:solidFill>
-        <a:effectLst/>
-      </p:bgPr>
-    </p:bg>
     <p:spTree>
       <p:nvGrpSpPr>
         <p:cNvPr id="1" name=""/>
@@ -5661,7 +4622,7 @@
       </p:grpSpPr>
       <p:sp useBgFill="1">
         <p:nvSpPr>
-          <p:cNvPr id="8" name="Rectangle 7">
+          <p:cNvPr id="17" name="Rectangle 16">
             <a:extLst>
               <a:ext uri="{FF2B5EF4-FFF2-40B4-BE49-F238E27FC236}">
                 <a16:creationId xmlns:a16="http://schemas.microsoft.com/office/drawing/2014/main" id="{1B15ED52-F352-441B-82BF-E0EA34836D08}"/>
@@ -5737,7 +4698,7 @@
       </p:sp>
       <p:sp>
         <p:nvSpPr>
-          <p:cNvPr id="10" name="Rectangle 9">
+          <p:cNvPr id="19" name="Rectangle 18">
             <a:extLst>
               <a:ext uri="{FF2B5EF4-FFF2-40B4-BE49-F238E27FC236}">
                 <a16:creationId xmlns:a16="http://schemas.microsoft.com/office/drawing/2014/main" id="{3B2E3793-BFE6-45A2-9B7B-E18844431C99}"/>
@@ -5810,7 +4771,7 @@
       </p:sp>
       <p:sp>
         <p:nvSpPr>
-          <p:cNvPr id="12" name="Rectangle 11">
+          <p:cNvPr id="21" name="Rectangle 20">
             <a:extLst>
               <a:ext uri="{FF2B5EF4-FFF2-40B4-BE49-F238E27FC236}">
                 <a16:creationId xmlns:a16="http://schemas.microsoft.com/office/drawing/2014/main" id="{BC4C4868-CB8F-4AF9-9CDB-8108F2C19B67}"/>
@@ -5886,7 +4847,7 @@
       </p:sp>
       <p:sp>
         <p:nvSpPr>
-          <p:cNvPr id="14" name="Rectangle 13">
+          <p:cNvPr id="23" name="Rectangle 22">
             <a:extLst>
               <a:ext uri="{FF2B5EF4-FFF2-40B4-BE49-F238E27FC236}">
                 <a16:creationId xmlns:a16="http://schemas.microsoft.com/office/drawing/2014/main" id="{375E0459-6403-40CD-989D-56A4407CA12E}"/>
@@ -5961,7 +4922,7 @@
       </p:sp>
       <p:sp>
         <p:nvSpPr>
-          <p:cNvPr id="16" name="Rectangle 15">
+          <p:cNvPr id="25" name="Rectangle 24">
             <a:extLst>
               <a:ext uri="{FF2B5EF4-FFF2-40B4-BE49-F238E27FC236}">
                 <a16:creationId xmlns:a16="http://schemas.microsoft.com/office/drawing/2014/main" id="{53E5B1A8-3AC9-4BD1-9BBC-78CA94F2D1BA}"/>
@@ -6040,7 +5001,7 @@
           <p:cNvPr id="2" name="Título 1">
             <a:extLst>
               <a:ext uri="{FF2B5EF4-FFF2-40B4-BE49-F238E27FC236}">
-                <a16:creationId xmlns:a16="http://schemas.microsoft.com/office/drawing/2014/main" id="{1D2C77D9-BC1A-52DC-0E97-33C58F28C8E0}"/>
+                <a16:creationId xmlns:a16="http://schemas.microsoft.com/office/drawing/2014/main" id="{38FA2624-C1CB-9C0B-CEAD-5D059FF6413B}"/>
               </a:ext>
             </a:extLst>
           </p:cNvPr>
@@ -6063,11 +5024,14 @@
           </a:bodyPr>
           <a:lstStyle/>
           <a:p>
-            <a:endParaRPr lang="es-SV" sz="4000">
-              <a:solidFill>
-                <a:srgbClr val="FFFFFF"/>
-              </a:solidFill>
-            </a:endParaRPr>
+            <a:r>
+              <a:rPr lang="es-SV" sz="4000" dirty="0">
+                <a:solidFill>
+                  <a:srgbClr val="FFFFFF"/>
+                </a:solidFill>
+              </a:rPr>
+              <a:t>PRONOSTICO TA</a:t>
+            </a:r>
           </a:p>
         </p:txBody>
       </p:sp>
@@ -6076,7 +5040,7 @@
           <p:cNvPr id="3" name="Marcador de contenido 2">
             <a:extLst>
               <a:ext uri="{FF2B5EF4-FFF2-40B4-BE49-F238E27FC236}">
-                <a16:creationId xmlns:a16="http://schemas.microsoft.com/office/drawing/2014/main" id="{333D9FFD-9655-4BEC-7C83-EC58CD6D5F75}"/>
+                <a16:creationId xmlns:a16="http://schemas.microsoft.com/office/drawing/2014/main" id="{3CD1696C-68F3-10C7-5C37-AA16B92D9F06}"/>
               </a:ext>
             </a:extLst>
           </p:cNvPr>
@@ -6089,86 +5053,128 @@
         </p:nvSpPr>
         <p:spPr>
           <a:xfrm>
-            <a:off x="1371599" y="2318197"/>
-            <a:ext cx="9724031" cy="3683358"/>
-          </a:xfrm>
-        </p:spPr>
-        <p:txBody>
-          <a:bodyPr anchor="ctr">
+            <a:off x="218661" y="2318197"/>
+            <a:ext cx="5228828" cy="3683358"/>
+          </a:xfrm>
+        </p:spPr>
+        <p:txBody>
+          <a:bodyPr anchor="t" anchorCtr="0">
             <a:normAutofit/>
           </a:bodyPr>
           <a:lstStyle/>
           <a:p>
-            <a:pPr>
-              <a:buFont typeface="+mj-lt"/>
-              <a:buAutoNum type="arabicPeriod"/>
+            <a:pPr marL="0" indent="0" algn="ctr">
+              <a:buNone/>
             </a:pPr>
-            <a:endParaRPr lang="es-ES" sz="2000" b="0" i="0">
-              <a:effectLst/>
-              <a:highlight>
-                <a:srgbClr val="F3F3F3"/>
-              </a:highlight>
-              <a:latin typeface="-apple-system"/>
+            <a:r>
+              <a:rPr lang="es-ES" sz="4800" dirty="0"/>
+              <a:t>Pronosticar un valor futuro de TA, basado en los 10 últimos registros.</a:t>
+            </a:r>
+            <a:br>
+              <a:rPr lang="es-ES" sz="4400" b="1" dirty="0">
+                <a:latin typeface="Abadi Extra Light" panose="020F0502020204030204" pitchFamily="34" charset="0"/>
+              </a:rPr>
+            </a:br>
+            <a:endParaRPr lang="es-SV" sz="4400" b="1" dirty="0">
+              <a:latin typeface="Abadi Extra Light" panose="020F0502020204030204" pitchFamily="34" charset="0"/>
             </a:endParaRPr>
           </a:p>
-          <a:p>
-            <a:pPr marL="742950" lvl="1" indent="-285750">
-              <a:buFont typeface="+mj-lt"/>
-              <a:buAutoNum type="arabicPeriod"/>
-            </a:pPr>
-            <a:r>
-              <a:rPr lang="es-ES" sz="2000" b="1" i="0">
-                <a:effectLst/>
-                <a:highlight>
-                  <a:srgbClr val="F3F3F3"/>
-                </a:highlight>
-                <a:latin typeface="-apple-system"/>
-              </a:rPr>
-              <a:t>Diapositiva 12</a:t>
-            </a:r>
-            <a:r>
-              <a:rPr lang="es-ES" sz="2000" b="0" i="0">
-                <a:effectLst/>
-                <a:highlight>
-                  <a:srgbClr val="F3F3F3"/>
-                </a:highlight>
-                <a:latin typeface="-apple-system"/>
-              </a:rPr>
-              <a:t>: Espacio para preguntas y respuestas, con un agradecimiento al público.</a:t>
-            </a:r>
-          </a:p>
-          <a:p>
-            <a:br>
-              <a:rPr lang="es-ES" sz="2000"/>
-            </a:br>
-            <a:endParaRPr lang="es-SV" sz="2000"/>
-          </a:p>
-        </p:txBody>
-      </p:sp>
+        </p:txBody>
+      </p:sp>
+      <p:pic>
+        <p:nvPicPr>
+          <p:cNvPr id="3074" name="Picture 2" descr="Documento de Posición sobre Emergencias Hipertensivas (SAC) – Blog SMIBA –  Medicina Interna">
+            <a:extLst>
+              <a:ext uri="{FF2B5EF4-FFF2-40B4-BE49-F238E27FC236}">
+                <a16:creationId xmlns:a16="http://schemas.microsoft.com/office/drawing/2014/main" id="{0B6591E1-0B30-BEFF-88B8-B056F76DA84D}"/>
+              </a:ext>
+            </a:extLst>
+          </p:cNvPr>
+          <p:cNvPicPr>
+            <a:picLocks noChangeAspect="1" noChangeArrowheads="1"/>
+          </p:cNvPicPr>
+          <p:nvPr/>
+        </p:nvPicPr>
+        <p:blipFill>
+          <a:blip r:embed="rId2">
+            <a:extLst>
+              <a:ext uri="{28A0092B-C50C-407E-A947-70E740481C1C}">
+                <a14:useLocalDpi xmlns:a14="http://schemas.microsoft.com/office/drawing/2010/main" val="0"/>
+              </a:ext>
+            </a:extLst>
+          </a:blip>
+          <a:srcRect/>
+          <a:stretch>
+            <a:fillRect/>
+          </a:stretch>
+        </p:blipFill>
+        <p:spPr bwMode="auto">
+          <a:xfrm>
+            <a:off x="5039249" y="1891970"/>
+            <a:ext cx="6934090" cy="3899406"/>
+          </a:xfrm>
+          <a:prstGeom prst="rect">
+            <a:avLst/>
+          </a:prstGeom>
+          <a:solidFill>
+            <a:srgbClr val="FFFFFF">
+              <a:shade val="85000"/>
+            </a:srgbClr>
+          </a:solidFill>
+          <a:ln w="190500" cap="rnd">
+            <a:solidFill>
+              <a:srgbClr val="FFFFFF"/>
+            </a:solidFill>
+          </a:ln>
+          <a:effectLst>
+            <a:outerShdw blurRad="36195" dist="12700" dir="11400000" algn="tl" rotWithShape="0">
+              <a:srgbClr val="000000">
+                <a:alpha val="33000"/>
+              </a:srgbClr>
+            </a:outerShdw>
+          </a:effectLst>
+          <a:scene3d>
+            <a:camera prst="perspectiveContrastingLeftFacing">
+              <a:rot lat="540000" lon="2100000" rev="0"/>
+            </a:camera>
+            <a:lightRig rig="soft" dir="t"/>
+          </a:scene3d>
+          <a:sp3d contourW="12700" prstMaterial="matte">
+            <a:bevelT w="63500" h="50800"/>
+            <a:contourClr>
+              <a:srgbClr val="C0C0C0"/>
+            </a:contourClr>
+          </a:sp3d>
+        </p:spPr>
+      </p:pic>
     </p:spTree>
     <p:extLst>
       <p:ext uri="{BB962C8B-B14F-4D97-AF65-F5344CB8AC3E}">
-        <p14:creationId xmlns:p14="http://schemas.microsoft.com/office/powerpoint/2010/main" val="3223615961"/>
+        <p14:creationId xmlns:p14="http://schemas.microsoft.com/office/powerpoint/2010/main" val="3030895166"/>
       </p:ext>
     </p:extLst>
   </p:cSld>
   <p:clrMapOvr>
     <a:masterClrMapping/>
   </p:clrMapOvr>
+  <mc:AlternateContent xmlns:mc="http://schemas.openxmlformats.org/markup-compatibility/2006" xmlns:p14="http://schemas.microsoft.com/office/powerpoint/2010/main">
+    <mc:Choice Requires="p14">
+      <p:transition spd="slow" p14:dur="2000">
+        <p14:prism isContent="1"/>
+      </p:transition>
+    </mc:Choice>
+    <mc:Fallback xmlns="">
+      <p:transition spd="slow">
+        <p:fade/>
+      </p:transition>
+    </mc:Fallback>
+  </mc:AlternateContent>
 </p:sld>
 </file>
 
-<file path=ppt/slides/slide2.xml><?xml version="1.0" encoding="utf-8"?>
+<file path=ppt/slides/slide4.xml><?xml version="1.0" encoding="utf-8"?>
 <p:sld xmlns:a="http://schemas.openxmlformats.org/drawingml/2006/main" xmlns:r="http://schemas.openxmlformats.org/officeDocument/2006/relationships" xmlns:p="http://schemas.openxmlformats.org/presentationml/2006/main">
   <p:cSld>
-    <p:bg>
-      <p:bgPr>
-        <a:solidFill>
-          <a:schemeClr val="bg1"/>
-        </a:solidFill>
-        <a:effectLst/>
-      </p:bgPr>
-    </p:bg>
     <p:spTree>
       <p:nvGrpSpPr>
         <p:cNvPr id="1" name=""/>
@@ -6185,7 +5191,7 @@
       </p:grpSpPr>
       <p:sp useBgFill="1">
         <p:nvSpPr>
-          <p:cNvPr id="17" name="Rectangle 16">
+          <p:cNvPr id="21" name="Rectangle 20">
             <a:extLst>
               <a:ext uri="{FF2B5EF4-FFF2-40B4-BE49-F238E27FC236}">
                 <a16:creationId xmlns:a16="http://schemas.microsoft.com/office/drawing/2014/main" id="{1B15ED52-F352-441B-82BF-E0EA34836D08}"/>
@@ -6261,7 +5267,7 @@
       </p:sp>
       <p:sp>
         <p:nvSpPr>
-          <p:cNvPr id="19" name="Rectangle 18">
+          <p:cNvPr id="23" name="Rectangle 22">
             <a:extLst>
               <a:ext uri="{FF2B5EF4-FFF2-40B4-BE49-F238E27FC236}">
                 <a16:creationId xmlns:a16="http://schemas.microsoft.com/office/drawing/2014/main" id="{3B2E3793-BFE6-45A2-9B7B-E18844431C99}"/>
@@ -6334,7 +5340,7 @@
       </p:sp>
       <p:sp>
         <p:nvSpPr>
-          <p:cNvPr id="21" name="Rectangle 20">
+          <p:cNvPr id="25" name="Rectangle 24">
             <a:extLst>
               <a:ext uri="{FF2B5EF4-FFF2-40B4-BE49-F238E27FC236}">
                 <a16:creationId xmlns:a16="http://schemas.microsoft.com/office/drawing/2014/main" id="{BC4C4868-CB8F-4AF9-9CDB-8108F2C19B67}"/>
@@ -6410,7 +5416,7 @@
       </p:sp>
       <p:sp>
         <p:nvSpPr>
-          <p:cNvPr id="23" name="Rectangle 22">
+          <p:cNvPr id="27" name="Rectangle 26">
             <a:extLst>
               <a:ext uri="{FF2B5EF4-FFF2-40B4-BE49-F238E27FC236}">
                 <a16:creationId xmlns:a16="http://schemas.microsoft.com/office/drawing/2014/main" id="{375E0459-6403-40CD-989D-56A4407CA12E}"/>
@@ -6485,7 +5491,7 @@
       </p:sp>
       <p:sp>
         <p:nvSpPr>
-          <p:cNvPr id="25" name="Rectangle 24">
+          <p:cNvPr id="29" name="Rectangle 28">
             <a:extLst>
               <a:ext uri="{FF2B5EF4-FFF2-40B4-BE49-F238E27FC236}">
                 <a16:creationId xmlns:a16="http://schemas.microsoft.com/office/drawing/2014/main" id="{53E5B1A8-3AC9-4BD1-9BBC-78CA94F2D1BA}"/>
@@ -6564,7 +5570,7 @@
           <p:cNvPr id="2" name="Título 1">
             <a:extLst>
               <a:ext uri="{FF2B5EF4-FFF2-40B4-BE49-F238E27FC236}">
-                <a16:creationId xmlns:a16="http://schemas.microsoft.com/office/drawing/2014/main" id="{DA02615E-08B2-ABEB-5133-31E3454C467D}"/>
+                <a16:creationId xmlns:a16="http://schemas.microsoft.com/office/drawing/2014/main" id="{F9E8322F-F78E-5EC3-5CCD-09768B3BB5CD}"/>
               </a:ext>
             </a:extLst>
           </p:cNvPr>
@@ -6587,11 +5593,14 @@
           </a:bodyPr>
           <a:lstStyle/>
           <a:p>
-            <a:endParaRPr lang="es-SV" sz="4000">
-              <a:solidFill>
-                <a:srgbClr val="FFFFFF"/>
-              </a:solidFill>
-            </a:endParaRPr>
+            <a:r>
+              <a:rPr lang="es-SV" sz="4000" dirty="0">
+                <a:solidFill>
+                  <a:srgbClr val="FFFFFF"/>
+                </a:solidFill>
+              </a:rPr>
+              <a:t>TECNOLOGÍAS</a:t>
+            </a:r>
           </a:p>
         </p:txBody>
       </p:sp>
@@ -6600,7 +5609,7 @@
           <p:cNvPr id="3" name="Marcador de contenido 2">
             <a:extLst>
               <a:ext uri="{FF2B5EF4-FFF2-40B4-BE49-F238E27FC236}">
-                <a16:creationId xmlns:a16="http://schemas.microsoft.com/office/drawing/2014/main" id="{1B98CF61-74DC-A894-3034-738143093286}"/>
+                <a16:creationId xmlns:a16="http://schemas.microsoft.com/office/drawing/2014/main" id="{60F83AC9-30CA-BBAC-367C-D5BF616BDFD9}"/>
               </a:ext>
             </a:extLst>
           </p:cNvPr>
@@ -6613,66 +5622,228 @@
         </p:nvSpPr>
         <p:spPr>
           <a:xfrm>
-            <a:off x="1371599" y="2318197"/>
-            <a:ext cx="9724031" cy="3683358"/>
-          </a:xfrm>
-        </p:spPr>
-        <p:txBody>
-          <a:bodyPr anchor="ctr">
-            <a:normAutofit/>
+            <a:off x="359923" y="1885278"/>
+            <a:ext cx="11381362" cy="4748985"/>
+          </a:xfrm>
+        </p:spPr>
+        <p:txBody>
+          <a:bodyPr anchor="t" anchorCtr="0">
+            <a:normAutofit lnSpcReduction="10000"/>
           </a:bodyPr>
           <a:lstStyle/>
           <a:p>
-            <a:r>
-              <a:rPr lang="es-ES" sz="2000" b="1" i="0">
+            <a:pPr marL="0" indent="0">
+              <a:buNone/>
+            </a:pPr>
+            <a:r>
+              <a:rPr lang="es-ES" b="1" dirty="0">
+                <a:latin typeface="Abadi" panose="020B0604020104020204" pitchFamily="34" charset="0"/>
+              </a:rPr>
+              <a:t>FRONT END</a:t>
+            </a:r>
+          </a:p>
+          <a:p>
+            <a:pPr marL="457200" lvl="1" indent="0">
+              <a:buNone/>
+            </a:pPr>
+            <a:r>
+              <a:rPr lang="es-ES" sz="2800" dirty="0">
+                <a:latin typeface="Abadi" panose="020B0604020104020204" pitchFamily="34" charset="0"/>
+              </a:rPr>
+              <a:t>HTML</a:t>
+            </a:r>
+          </a:p>
+          <a:p>
+            <a:pPr marL="457200" lvl="1" indent="0">
+              <a:buNone/>
+            </a:pPr>
+            <a:r>
+              <a:rPr lang="es-ES" sz="2800" dirty="0">
+                <a:latin typeface="Abadi" panose="020B0604020104020204" pitchFamily="34" charset="0"/>
+              </a:rPr>
+              <a:t>CSS</a:t>
+            </a:r>
+          </a:p>
+          <a:p>
+            <a:pPr marL="457200" lvl="1" indent="0">
+              <a:buNone/>
+            </a:pPr>
+            <a:r>
+              <a:rPr lang="es-ES" sz="2800" dirty="0">
+                <a:latin typeface="Abadi" panose="020B0604020104020204" pitchFamily="34" charset="0"/>
+              </a:rPr>
+              <a:t>PHP</a:t>
+            </a:r>
+          </a:p>
+          <a:p>
+            <a:pPr marL="457200" lvl="1" indent="0">
+              <a:buNone/>
+            </a:pPr>
+            <a:r>
+              <a:rPr lang="es-ES" sz="2800" dirty="0">
+                <a:latin typeface="Abadi" panose="020B0604020104020204" pitchFamily="34" charset="0"/>
+              </a:rPr>
+              <a:t>JavaScript</a:t>
+            </a:r>
+          </a:p>
+          <a:p>
+            <a:pPr marL="0" indent="0">
+              <a:buNone/>
+            </a:pPr>
+            <a:endParaRPr lang="es-ES" dirty="0">
+              <a:latin typeface="Abadi" panose="020B0604020104020204" pitchFamily="34" charset="0"/>
+            </a:endParaRPr>
+          </a:p>
+          <a:p>
+            <a:pPr marL="0" indent="0">
+              <a:buNone/>
+            </a:pPr>
+            <a:r>
+              <a:rPr lang="es-ES" b="1" dirty="0">
+                <a:latin typeface="Abadi" panose="020B0604020104020204" pitchFamily="34" charset="0"/>
+              </a:rPr>
+              <a:t>BACK END</a:t>
+            </a:r>
+          </a:p>
+          <a:p>
+            <a:pPr marL="457200" lvl="1" indent="0">
+              <a:buNone/>
+            </a:pPr>
+            <a:r>
+              <a:rPr lang="es-ES" sz="2800" dirty="0">
+                <a:latin typeface="Abadi" panose="020B0604020104020204" pitchFamily="34" charset="0"/>
+              </a:rPr>
+              <a:t>Python</a:t>
+            </a:r>
+          </a:p>
+          <a:p>
+            <a:pPr marL="914400" lvl="2" indent="0">
+              <a:buNone/>
+            </a:pPr>
+            <a:r>
+              <a:rPr lang="en-US" sz="2800" b="0" dirty="0" err="1">
                 <a:effectLst/>
                 <a:highlight>
-                  <a:srgbClr val="F3F3F3"/>
+                  <a:srgbClr val="FFFFFF"/>
                 </a:highlight>
-                <a:latin typeface="-apple-system"/>
+                <a:latin typeface="Abadi" panose="020B0604020104020204" pitchFamily="34" charset="0"/>
               </a:rPr>
-              <a:t>Diapositiva 2</a:t>
-            </a:r>
-            <a:r>
-              <a:rPr lang="es-ES" sz="2000" b="0" i="0">
+              <a:t>mysql.connector</a:t>
+            </a:r>
+            <a:endParaRPr lang="en-US" sz="2800" b="0" dirty="0">
+              <a:effectLst/>
+              <a:highlight>
+                <a:srgbClr val="FFFFFF"/>
+              </a:highlight>
+              <a:latin typeface="Abadi" panose="020B0604020104020204" pitchFamily="34" charset="0"/>
+            </a:endParaRPr>
+          </a:p>
+          <a:p>
+            <a:pPr marL="914400" lvl="2" indent="0">
+              <a:buNone/>
+            </a:pPr>
+            <a:r>
+              <a:rPr lang="en-US" sz="2800" b="0" dirty="0" err="1">
                 <a:effectLst/>
                 <a:highlight>
-                  <a:srgbClr val="F3F3F3"/>
+                  <a:srgbClr val="FFFFFF"/>
                 </a:highlight>
-                <a:latin typeface="-apple-system"/>
+                <a:latin typeface="Abadi" panose="020B0604020104020204" pitchFamily="34" charset="0"/>
               </a:rPr>
-              <a:t>: Lista de las secciones principales de la presentación.</a:t>
-            </a:r>
-          </a:p>
-          <a:p>
-            <a:endParaRPr lang="es-SV" sz="2000"/>
+              <a:t>sklearn.linear_model</a:t>
+            </a:r>
+            <a:r>
+              <a:rPr lang="en-US" sz="2800" b="0" dirty="0">
+                <a:effectLst/>
+                <a:highlight>
+                  <a:srgbClr val="FFFFFF"/>
+                </a:highlight>
+                <a:latin typeface="Abadi" panose="020B0604020104020204" pitchFamily="34" charset="0"/>
+              </a:rPr>
+              <a:t> / </a:t>
+            </a:r>
+            <a:r>
+              <a:rPr lang="en-US" sz="2800" b="0" dirty="0" err="1">
+                <a:effectLst/>
+                <a:highlight>
+                  <a:srgbClr val="FFFFFF"/>
+                </a:highlight>
+                <a:latin typeface="Abadi" panose="020B0604020104020204" pitchFamily="34" charset="0"/>
+              </a:rPr>
+              <a:t>LinearRegression</a:t>
+            </a:r>
+            <a:endParaRPr lang="en-US" sz="2800" b="0" dirty="0">
+              <a:effectLst/>
+              <a:highlight>
+                <a:srgbClr val="FFFFFF"/>
+              </a:highlight>
+              <a:latin typeface="Abadi" panose="020B0604020104020204" pitchFamily="34" charset="0"/>
+            </a:endParaRPr>
+          </a:p>
+          <a:p>
+            <a:pPr marL="914400" lvl="2" indent="0">
+              <a:buNone/>
+            </a:pPr>
+            <a:r>
+              <a:rPr lang="en-US" sz="2800" b="0" dirty="0" err="1">
+                <a:effectLst/>
+                <a:highlight>
+                  <a:srgbClr val="FFFFFF"/>
+                </a:highlight>
+                <a:latin typeface="Abadi" panose="020B0604020104020204" pitchFamily="34" charset="0"/>
+              </a:rPr>
+              <a:t>numpy</a:t>
+            </a:r>
+            <a:endParaRPr lang="en-US" sz="2800" b="0" dirty="0">
+              <a:effectLst/>
+              <a:highlight>
+                <a:srgbClr val="FFFFFF"/>
+              </a:highlight>
+              <a:latin typeface="Abadi" panose="020B0604020104020204" pitchFamily="34" charset="0"/>
+            </a:endParaRPr>
+          </a:p>
+          <a:p>
+            <a:pPr marL="914400" lvl="2" indent="0">
+              <a:buNone/>
+            </a:pPr>
+            <a:endParaRPr lang="es-ES" sz="1200" dirty="0"/>
+          </a:p>
+          <a:p>
+            <a:pPr marL="457200" lvl="1" indent="0">
+              <a:buNone/>
+            </a:pPr>
+            <a:endParaRPr lang="es-SV" sz="1600" b="1" dirty="0"/>
           </a:p>
         </p:txBody>
       </p:sp>
     </p:spTree>
     <p:extLst>
       <p:ext uri="{BB962C8B-B14F-4D97-AF65-F5344CB8AC3E}">
-        <p14:creationId xmlns:p14="http://schemas.microsoft.com/office/powerpoint/2010/main" val="3814339352"/>
+        <p14:creationId xmlns:p14="http://schemas.microsoft.com/office/powerpoint/2010/main" val="2760594863"/>
       </p:ext>
     </p:extLst>
   </p:cSld>
   <p:clrMapOvr>
     <a:masterClrMapping/>
   </p:clrMapOvr>
+  <mc:AlternateContent xmlns:mc="http://schemas.openxmlformats.org/markup-compatibility/2006" xmlns:p14="http://schemas.microsoft.com/office/powerpoint/2010/main">
+    <mc:Choice Requires="p14">
+      <p:transition spd="slow" p14:dur="2000">
+        <p14:prism isContent="1"/>
+      </p:transition>
+    </mc:Choice>
+    <mc:Fallback xmlns="">
+      <p:transition spd="slow">
+        <p:fade/>
+      </p:transition>
+    </mc:Fallback>
+  </mc:AlternateContent>
 </p:sld>
 </file>
 
-<file path=ppt/slides/slide3.xml><?xml version="1.0" encoding="utf-8"?>
+<file path=ppt/slides/slide5.xml><?xml version="1.0" encoding="utf-8"?>
 <p:sld xmlns:a="http://schemas.openxmlformats.org/drawingml/2006/main" xmlns:r="http://schemas.openxmlformats.org/officeDocument/2006/relationships" xmlns:p="http://schemas.openxmlformats.org/presentationml/2006/main">
   <p:cSld>
-    <p:bg>
-      <p:bgPr>
-        <a:solidFill>
-          <a:schemeClr val="bg1"/>
-        </a:solidFill>
-        <a:effectLst/>
-      </p:bgPr>
-    </p:bg>
     <p:spTree>
       <p:nvGrpSpPr>
         <p:cNvPr id="1" name=""/>
@@ -7068,7 +6239,7 @@
           <p:cNvPr id="2" name="Título 1">
             <a:extLst>
               <a:ext uri="{FF2B5EF4-FFF2-40B4-BE49-F238E27FC236}">
-                <a16:creationId xmlns:a16="http://schemas.microsoft.com/office/drawing/2014/main" id="{6737593B-8D39-31AF-485E-23BE8144E29E}"/>
+                <a16:creationId xmlns:a16="http://schemas.microsoft.com/office/drawing/2014/main" id="{656783D0-79B5-E86D-80B5-676BF6B1FFEA}"/>
               </a:ext>
             </a:extLst>
           </p:cNvPr>
@@ -7091,20 +6262,85 @@
           </a:bodyPr>
           <a:lstStyle/>
           <a:p>
-            <a:endParaRPr lang="es-SV" sz="4000">
-              <a:solidFill>
-                <a:srgbClr val="FFFFFF"/>
-              </a:solidFill>
-            </a:endParaRPr>
-          </a:p>
-        </p:txBody>
-      </p:sp>
+            <a:r>
+              <a:rPr lang="es-SV" sz="4000">
+                <a:solidFill>
+                  <a:srgbClr val="FFFFFF"/>
+                </a:solidFill>
+              </a:rPr>
+              <a:t>CAPTURA DE DATOS</a:t>
+            </a:r>
+          </a:p>
+        </p:txBody>
+      </p:sp>
+      <p:pic>
+        <p:nvPicPr>
+          <p:cNvPr id="4098" name="Picture 2" descr="Casi la mitad de los pacientes atendidos en Atención Primaria padecen  hipertensión arterial">
+            <a:extLst>
+              <a:ext uri="{FF2B5EF4-FFF2-40B4-BE49-F238E27FC236}">
+                <a16:creationId xmlns:a16="http://schemas.microsoft.com/office/drawing/2014/main" id="{BE4CE44C-3ABB-42CC-01AB-53C19C527E95}"/>
+              </a:ext>
+            </a:extLst>
+          </p:cNvPr>
+          <p:cNvPicPr>
+            <a:picLocks noChangeAspect="1" noChangeArrowheads="1"/>
+          </p:cNvPicPr>
+          <p:nvPr/>
+        </p:nvPicPr>
+        <p:blipFill>
+          <a:blip r:embed="rId2">
+            <a:extLst>
+              <a:ext uri="{28A0092B-C50C-407E-A947-70E740481C1C}">
+                <a14:useLocalDpi xmlns:a14="http://schemas.microsoft.com/office/drawing/2010/main" val="0"/>
+              </a:ext>
+            </a:extLst>
+          </a:blip>
+          <a:srcRect/>
+          <a:stretch>
+            <a:fillRect/>
+          </a:stretch>
+        </p:blipFill>
+        <p:spPr bwMode="auto">
+          <a:xfrm>
+            <a:off x="5205206" y="1964363"/>
+            <a:ext cx="6572250" cy="4391025"/>
+          </a:xfrm>
+          <a:prstGeom prst="round2DiagRect">
+            <a:avLst>
+              <a:gd name="adj1" fmla="val 16667"/>
+              <a:gd name="adj2" fmla="val 0"/>
+            </a:avLst>
+          </a:prstGeom>
+          <a:ln w="88900" cap="sq">
+            <a:solidFill>
+              <a:srgbClr val="FFFFFF"/>
+            </a:solidFill>
+            <a:miter lim="800000"/>
+          </a:ln>
+          <a:effectLst>
+            <a:outerShdw blurRad="254000" algn="tl" rotWithShape="0">
+              <a:srgbClr val="000000">
+                <a:alpha val="43000"/>
+              </a:srgbClr>
+            </a:outerShdw>
+          </a:effectLst>
+          <a:extLst>
+            <a:ext uri="{909E8E84-426E-40DD-AFC4-6F175D3DCCD1}">
+              <a14:hiddenFill xmlns:a14="http://schemas.microsoft.com/office/drawing/2010/main">
+                <a:solidFill>
+                  <a:srgbClr val="FFFFFF"/>
+                </a:solidFill>
+              </a14:hiddenFill>
+            </a:ext>
+          </a:extLst>
+        </p:spPr>
+      </p:pic>
       <p:sp>
         <p:nvSpPr>
           <p:cNvPr id="3" name="Marcador de contenido 2">
             <a:extLst>
               <a:ext uri="{FF2B5EF4-FFF2-40B4-BE49-F238E27FC236}">
-                <a16:creationId xmlns:a16="http://schemas.microsoft.com/office/drawing/2014/main" id="{36FC1464-FA83-0BCD-A8CA-CC0E8E54F4FF}"/>
+                <a16:creationId xmlns:a16="http://schemas.microsoft.com/office/drawing/2014/main" id="{C795053C-65BD-6A97-3971-29EDD902E2AE}"/>
               </a:ext>
             </a:extLst>
           </p:cNvPr>
@@ -7117,86 +6353,84 @@
         </p:nvSpPr>
         <p:spPr>
           <a:xfrm>
-            <a:off x="1371599" y="2318197"/>
-            <a:ext cx="9724031" cy="3683358"/>
-          </a:xfrm>
-        </p:spPr>
-        <p:txBody>
-          <a:bodyPr anchor="ctr">
+            <a:off x="248479" y="1891970"/>
+            <a:ext cx="4760843" cy="4109585"/>
+          </a:xfrm>
+        </p:spPr>
+        <p:txBody>
+          <a:bodyPr anchor="t" anchorCtr="0">
             <a:normAutofit/>
           </a:bodyPr>
           <a:lstStyle/>
           <a:p>
-            <a:pPr>
-              <a:buFont typeface="+mj-lt"/>
-              <a:buAutoNum type="arabicPeriod"/>
+            <a:pPr marL="0" indent="0">
+              <a:buNone/>
             </a:pPr>
-            <a:endParaRPr lang="es-ES" sz="2000" b="0" i="0">
+            <a:r>
+              <a:rPr lang="es-ES" sz="3200" b="1" i="0" dirty="0">
+                <a:effectLst/>
+                <a:highlight>
+                  <a:srgbClr val="F3F3F3"/>
+                </a:highlight>
+              </a:rPr>
+              <a:t>El Asesino Silencioso.</a:t>
+            </a:r>
+            <a:endParaRPr lang="es-ES" sz="3200" b="0" i="0" dirty="0">
               <a:effectLst/>
               <a:highlight>
                 <a:srgbClr val="F3F3F3"/>
               </a:highlight>
-              <a:latin typeface="-apple-system"/>
             </a:endParaRPr>
           </a:p>
           <a:p>
-            <a:pPr marL="742950" lvl="1" indent="-285750">
-              <a:buFont typeface="+mj-lt"/>
-              <a:buAutoNum type="arabicPeriod"/>
+            <a:pPr marL="0" indent="0">
+              <a:buNone/>
             </a:pPr>
-            <a:r>
-              <a:rPr lang="es-ES" sz="2000" b="1" i="0">
-                <a:effectLst/>
-                <a:highlight>
-                  <a:srgbClr val="F3F3F3"/>
-                </a:highlight>
-                <a:latin typeface="-apple-system"/>
-              </a:rPr>
-              <a:t>Diapositiva 3</a:t>
-            </a:r>
-            <a:r>
-              <a:rPr lang="es-ES" sz="2000" b="0" i="0">
-                <a:effectLst/>
-                <a:highlight>
-                  <a:srgbClr val="F3F3F3"/>
-                </a:highlight>
-                <a:latin typeface="-apple-system"/>
-              </a:rPr>
-              <a:t>: Breve introducción al tema del proyecto.</a:t>
-            </a:r>
-          </a:p>
-          <a:p>
+            <a:endParaRPr lang="es-ES" sz="3200" dirty="0"/>
+          </a:p>
+          <a:p>
+            <a:pPr marL="0" indent="0">
+              <a:buNone/>
+            </a:pPr>
+            <a:r>
+              <a:rPr lang="es-ES" sz="3200" dirty="0"/>
+              <a:t>Cuando un paciente solicita consulta, se registra todos sus signos vitales, entre los cuales consta la Tensión Arterial</a:t>
+            </a:r>
             <a:br>
-              <a:rPr lang="es-ES" sz="2000"/>
+              <a:rPr lang="es-ES" sz="2000" dirty="0"/>
             </a:br>
-            <a:endParaRPr lang="es-SV" sz="2000"/>
+            <a:endParaRPr lang="es-SV" sz="2000" dirty="0"/>
           </a:p>
         </p:txBody>
       </p:sp>
     </p:spTree>
     <p:extLst>
       <p:ext uri="{BB962C8B-B14F-4D97-AF65-F5344CB8AC3E}">
-        <p14:creationId xmlns:p14="http://schemas.microsoft.com/office/powerpoint/2010/main" val="3597631249"/>
+        <p14:creationId xmlns:p14="http://schemas.microsoft.com/office/powerpoint/2010/main" val="1219548415"/>
       </p:ext>
     </p:extLst>
   </p:cSld>
   <p:clrMapOvr>
     <a:masterClrMapping/>
   </p:clrMapOvr>
+  <mc:AlternateContent xmlns:mc="http://schemas.openxmlformats.org/markup-compatibility/2006" xmlns:p14="http://schemas.microsoft.com/office/powerpoint/2010/main">
+    <mc:Choice Requires="p14">
+      <p:transition spd="slow" p14:dur="2000">
+        <p14:prism isContent="1"/>
+      </p:transition>
+    </mc:Choice>
+    <mc:Fallback xmlns="">
+      <p:transition spd="slow">
+        <p:fade/>
+      </p:transition>
+    </mc:Fallback>
+  </mc:AlternateContent>
 </p:sld>
 </file>
 
-<file path=ppt/slides/slide4.xml><?xml version="1.0" encoding="utf-8"?>
+<file path=ppt/slides/slide6.xml><?xml version="1.0" encoding="utf-8"?>
 <p:sld xmlns:a="http://schemas.openxmlformats.org/drawingml/2006/main" xmlns:r="http://schemas.openxmlformats.org/officeDocument/2006/relationships" xmlns:p="http://schemas.openxmlformats.org/presentationml/2006/main">
   <p:cSld>
-    <p:bg>
-      <p:bgPr>
-        <a:solidFill>
-          <a:schemeClr val="bg1"/>
-        </a:solidFill>
-        <a:effectLst/>
-      </p:bgPr>
-    </p:bg>
     <p:spTree>
       <p:nvGrpSpPr>
         <p:cNvPr id="1" name=""/>
@@ -7213,7 +6447,7 @@
       </p:grpSpPr>
       <p:sp useBgFill="1">
         <p:nvSpPr>
-          <p:cNvPr id="17" name="Rectangle 16">
+          <p:cNvPr id="8" name="Rectangle 7">
             <a:extLst>
               <a:ext uri="{FF2B5EF4-FFF2-40B4-BE49-F238E27FC236}">
                 <a16:creationId xmlns:a16="http://schemas.microsoft.com/office/drawing/2014/main" id="{1B15ED52-F352-441B-82BF-E0EA34836D08}"/>
@@ -7289,7 +6523,7 @@
       </p:sp>
       <p:sp>
         <p:nvSpPr>
-          <p:cNvPr id="19" name="Rectangle 18">
+          <p:cNvPr id="10" name="Rectangle 9">
             <a:extLst>
               <a:ext uri="{FF2B5EF4-FFF2-40B4-BE49-F238E27FC236}">
                 <a16:creationId xmlns:a16="http://schemas.microsoft.com/office/drawing/2014/main" id="{3B2E3793-BFE6-45A2-9B7B-E18844431C99}"/>
@@ -7362,7 +6596,7 @@
       </p:sp>
       <p:sp>
         <p:nvSpPr>
-          <p:cNvPr id="21" name="Rectangle 20">
+          <p:cNvPr id="12" name="Rectangle 11">
             <a:extLst>
               <a:ext uri="{FF2B5EF4-FFF2-40B4-BE49-F238E27FC236}">
                 <a16:creationId xmlns:a16="http://schemas.microsoft.com/office/drawing/2014/main" id="{BC4C4868-CB8F-4AF9-9CDB-8108F2C19B67}"/>
@@ -7438,7 +6672,7 @@
       </p:sp>
       <p:sp>
         <p:nvSpPr>
-          <p:cNvPr id="23" name="Rectangle 22">
+          <p:cNvPr id="14" name="Rectangle 13">
             <a:extLst>
               <a:ext uri="{FF2B5EF4-FFF2-40B4-BE49-F238E27FC236}">
                 <a16:creationId xmlns:a16="http://schemas.microsoft.com/office/drawing/2014/main" id="{375E0459-6403-40CD-989D-56A4407CA12E}"/>
@@ -7513,7 +6747,7 @@
       </p:sp>
       <p:sp>
         <p:nvSpPr>
-          <p:cNvPr id="25" name="Rectangle 24">
+          <p:cNvPr id="16" name="Rectangle 15">
             <a:extLst>
               <a:ext uri="{FF2B5EF4-FFF2-40B4-BE49-F238E27FC236}">
                 <a16:creationId xmlns:a16="http://schemas.microsoft.com/office/drawing/2014/main" id="{53E5B1A8-3AC9-4BD1-9BBC-78CA94F2D1BA}"/>
@@ -7592,7 +6826,7 @@
           <p:cNvPr id="2" name="Título 1">
             <a:extLst>
               <a:ext uri="{FF2B5EF4-FFF2-40B4-BE49-F238E27FC236}">
-                <a16:creationId xmlns:a16="http://schemas.microsoft.com/office/drawing/2014/main" id="{38FA2624-C1CB-9C0B-CEAD-5D059FF6413B}"/>
+                <a16:creationId xmlns:a16="http://schemas.microsoft.com/office/drawing/2014/main" id="{410E74E7-A4C8-49A5-F858-70C3A33A39B9}"/>
               </a:ext>
             </a:extLst>
           </p:cNvPr>
@@ -7615,11 +6849,14 @@
           </a:bodyPr>
           <a:lstStyle/>
           <a:p>
-            <a:endParaRPr lang="es-SV" sz="4000">
-              <a:solidFill>
-                <a:srgbClr val="FFFFFF"/>
-              </a:solidFill>
-            </a:endParaRPr>
+            <a:r>
+              <a:rPr lang="es-SV" sz="4000" dirty="0">
+                <a:solidFill>
+                  <a:srgbClr val="FFFFFF"/>
+                </a:solidFill>
+              </a:rPr>
+              <a:t>PROCESAMIENTO DE DATOS</a:t>
+            </a:r>
           </a:p>
         </p:txBody>
       </p:sp>
@@ -7628,7 +6865,7 @@
           <p:cNvPr id="3" name="Marcador de contenido 2">
             <a:extLst>
               <a:ext uri="{FF2B5EF4-FFF2-40B4-BE49-F238E27FC236}">
-                <a16:creationId xmlns:a16="http://schemas.microsoft.com/office/drawing/2014/main" id="{3CD1696C-68F3-10C7-5C37-AA16B92D9F06}"/>
+                <a16:creationId xmlns:a16="http://schemas.microsoft.com/office/drawing/2014/main" id="{60D7660C-FE0C-2BC9-B341-E8F920A1BC2C}"/>
               </a:ext>
             </a:extLst>
           </p:cNvPr>
@@ -7641,86 +6878,323 @@
         </p:nvSpPr>
         <p:spPr>
           <a:xfrm>
-            <a:off x="1371599" y="2318197"/>
-            <a:ext cx="9724031" cy="3683358"/>
-          </a:xfrm>
-        </p:spPr>
-        <p:txBody>
-          <a:bodyPr anchor="ctr">
+            <a:off x="282103" y="1727037"/>
+            <a:ext cx="6031148" cy="4994776"/>
+          </a:xfrm>
+        </p:spPr>
+        <p:txBody>
+          <a:bodyPr anchor="t" anchorCtr="0">
             <a:normAutofit/>
           </a:bodyPr>
           <a:lstStyle/>
           <a:p>
-            <a:pPr>
-              <a:buFont typeface="+mj-lt"/>
-              <a:buAutoNum type="arabicPeriod"/>
+            <a:pPr marL="0" indent="0">
+              <a:buNone/>
             </a:pPr>
-            <a:endParaRPr lang="es-ES" sz="2000" b="0" i="0">
-              <a:effectLst/>
-              <a:highlight>
-                <a:srgbClr val="F3F3F3"/>
-              </a:highlight>
-              <a:latin typeface="-apple-system"/>
-            </a:endParaRPr>
-          </a:p>
-          <a:p>
-            <a:pPr marL="742950" lvl="1" indent="-285750">
-              <a:buFont typeface="+mj-lt"/>
-              <a:buAutoNum type="arabicPeriod"/>
+            <a:r>
+              <a:rPr lang="es-ES" sz="2000" b="1" dirty="0">
+                <a:highlight>
+                  <a:srgbClr val="F3F3F3"/>
+                </a:highlight>
+              </a:rPr>
+              <a:t>MODELO</a:t>
+            </a:r>
+          </a:p>
+          <a:p>
+            <a:pPr marL="457200" lvl="1" indent="0">
+              <a:buNone/>
             </a:pPr>
             <a:r>
-              <a:rPr lang="es-ES" sz="2000" b="1" i="0">
+              <a:rPr lang="es-ES" sz="2000" b="0" i="0" dirty="0">
                 <a:effectLst/>
                 <a:highlight>
                   <a:srgbClr val="F3F3F3"/>
                 </a:highlight>
-                <a:latin typeface="-apple-system"/>
               </a:rPr>
-              <a:t>Diapositiva 4</a:t>
-            </a:r>
-            <a:r>
-              <a:rPr lang="es-ES" sz="2000" b="0" i="0">
+              <a:t>Regresión Lineal</a:t>
+            </a:r>
+          </a:p>
+          <a:p>
+            <a:pPr marL="457200" lvl="1" indent="0">
+              <a:buNone/>
+            </a:pPr>
+            <a:endParaRPr lang="es-ES" sz="2000" dirty="0">
+              <a:highlight>
+                <a:srgbClr val="F3F3F3"/>
+              </a:highlight>
+            </a:endParaRPr>
+          </a:p>
+          <a:p>
+            <a:pPr marL="0" indent="0">
+              <a:buNone/>
+            </a:pPr>
+            <a:r>
+              <a:rPr lang="es-ES" sz="2000" b="1" i="0" dirty="0">
                 <a:effectLst/>
                 <a:highlight>
                   <a:srgbClr val="F3F3F3"/>
                 </a:highlight>
-                <a:latin typeface="-apple-system"/>
               </a:rPr>
-              <a:t>: Descripción del objetivo principal del proyecto.</a:t>
-            </a:r>
-          </a:p>
-          <a:p>
+              <a:t>PROCESAMIENTO:</a:t>
+            </a:r>
+          </a:p>
+          <a:p>
+            <a:pPr marL="457200" lvl="1" indent="0">
+              <a:buNone/>
+            </a:pPr>
+            <a:r>
+              <a:rPr lang="es-ES" sz="2000" dirty="0">
+                <a:highlight>
+                  <a:srgbClr val="F3F3F3"/>
+                </a:highlight>
+              </a:rPr>
+              <a:t>Extracción de datos.</a:t>
+            </a:r>
+          </a:p>
+          <a:p>
+            <a:pPr marL="457200" lvl="1" indent="0">
+              <a:buNone/>
+            </a:pPr>
+            <a:r>
+              <a:rPr lang="es-ES" sz="2000" dirty="0">
+                <a:highlight>
+                  <a:srgbClr val="F3F3F3"/>
+                </a:highlight>
+              </a:rPr>
+              <a:t>Conversión de </a:t>
+            </a:r>
+            <a:r>
+              <a:rPr lang="es-ES" sz="2000" dirty="0" err="1">
+                <a:highlight>
+                  <a:srgbClr val="F3F3F3"/>
+                </a:highlight>
+              </a:rPr>
+              <a:t>arrays</a:t>
+            </a:r>
+            <a:r>
+              <a:rPr lang="es-ES" sz="2000" dirty="0">
+                <a:highlight>
+                  <a:srgbClr val="F3F3F3"/>
+                </a:highlight>
+              </a:rPr>
+              <a:t> con </a:t>
+            </a:r>
+            <a:r>
+              <a:rPr lang="es-ES" sz="2000" dirty="0" err="1">
+                <a:highlight>
+                  <a:srgbClr val="F3F3F3"/>
+                </a:highlight>
+              </a:rPr>
+              <a:t>numpy</a:t>
+            </a:r>
+            <a:endParaRPr lang="es-ES" sz="2000" dirty="0">
+              <a:highlight>
+                <a:srgbClr val="F3F3F3"/>
+              </a:highlight>
+            </a:endParaRPr>
+          </a:p>
+          <a:p>
+            <a:pPr marL="457200" lvl="1" indent="0">
+              <a:buNone/>
+            </a:pPr>
+            <a:r>
+              <a:rPr lang="es-ES" sz="2000" dirty="0">
+                <a:highlight>
+                  <a:srgbClr val="F3F3F3"/>
+                </a:highlight>
+              </a:rPr>
+              <a:t>Mapeo y alineación de datos (Tablas: paciente, factores, tensión)</a:t>
+            </a:r>
+          </a:p>
+          <a:p>
+            <a:pPr marL="457200" lvl="1" indent="0">
+              <a:buNone/>
+            </a:pPr>
+            <a:r>
+              <a:rPr lang="es-ES" sz="2000" dirty="0">
+                <a:highlight>
+                  <a:srgbClr val="F3F3F3"/>
+                </a:highlight>
+              </a:rPr>
+              <a:t>Verificación y limpieza de datos. (</a:t>
+            </a:r>
+            <a:r>
+              <a:rPr lang="es-ES" sz="2000" dirty="0" err="1">
+                <a:highlight>
+                  <a:srgbClr val="F3F3F3"/>
+                </a:highlight>
+              </a:rPr>
+              <a:t>Dui</a:t>
+            </a:r>
+            <a:r>
+              <a:rPr lang="es-ES" sz="2000" dirty="0">
+                <a:highlight>
+                  <a:srgbClr val="F3F3F3"/>
+                </a:highlight>
+              </a:rPr>
+              <a:t> presente en todas las tablas)</a:t>
+            </a:r>
+          </a:p>
+          <a:p>
+            <a:pPr marL="457200" lvl="1" indent="0">
+              <a:buNone/>
+            </a:pPr>
+            <a:r>
+              <a:rPr lang="es-ES" sz="2000" dirty="0">
+                <a:highlight>
+                  <a:srgbClr val="F3F3F3"/>
+                </a:highlight>
+              </a:rPr>
+              <a:t>Entrenamiento del modelo (Relación entre TA y factores)</a:t>
+            </a:r>
+          </a:p>
+          <a:p>
+            <a:pPr marL="457200" lvl="1" indent="0">
+              <a:buNone/>
+            </a:pPr>
+            <a:r>
+              <a:rPr lang="es-SV" sz="2000" dirty="0"/>
+              <a:t>Cálculo del Coeficiente de Determinación (R²)</a:t>
+            </a:r>
             <a:br>
-              <a:rPr lang="es-ES" sz="2000"/>
+              <a:rPr lang="es-ES" sz="2000" dirty="0"/>
             </a:br>
-            <a:endParaRPr lang="es-SV" sz="2000"/>
-          </a:p>
-        </p:txBody>
-      </p:sp>
+            <a:endParaRPr lang="es-SV" sz="2000" dirty="0"/>
+          </a:p>
+        </p:txBody>
+      </p:sp>
+      <p:sp>
+        <p:nvSpPr>
+          <p:cNvPr id="4" name="CuadroTexto 3">
+            <a:extLst>
+              <a:ext uri="{FF2B5EF4-FFF2-40B4-BE49-F238E27FC236}">
+                <a16:creationId xmlns:a16="http://schemas.microsoft.com/office/drawing/2014/main" id="{05FF86EF-3651-92B1-8E40-1D3B0AD5B9D7}"/>
+              </a:ext>
+            </a:extLst>
+          </p:cNvPr>
+          <p:cNvSpPr txBox="1"/>
+          <p:nvPr/>
+        </p:nvSpPr>
+        <p:spPr>
+          <a:xfrm>
+            <a:off x="6420255" y="5505854"/>
+            <a:ext cx="5576380" cy="1200329"/>
+          </a:xfrm>
+          <a:prstGeom prst="rect">
+            <a:avLst/>
+          </a:prstGeom>
+        </p:spPr>
+        <p:style>
+          <a:lnRef idx="1">
+            <a:schemeClr val="accent4"/>
+          </a:lnRef>
+          <a:fillRef idx="2">
+            <a:schemeClr val="accent4"/>
+          </a:fillRef>
+          <a:effectRef idx="1">
+            <a:schemeClr val="accent4"/>
+          </a:effectRef>
+          <a:fontRef idx="minor">
+            <a:schemeClr val="dk1"/>
+          </a:fontRef>
+        </p:style>
+        <p:txBody>
+          <a:bodyPr wrap="square" rtlCol="0">
+            <a:spAutoFit/>
+          </a:bodyPr>
+          <a:lstStyle/>
+          <a:p>
+            <a:r>
+              <a:rPr lang="es-ES" b="1" dirty="0"/>
+              <a:t>Transforma datos crudos extraídos de una base de datos en conjuntos de datos alineados y limpios que pueden ser utilizados para entrenar un modelo de Machine </a:t>
+            </a:r>
+            <a:r>
+              <a:rPr lang="es-ES" b="1" dirty="0" err="1"/>
+              <a:t>Learning</a:t>
+            </a:r>
+            <a:r>
+              <a:rPr lang="es-ES" b="1" dirty="0"/>
+              <a:t>.</a:t>
+            </a:r>
+            <a:endParaRPr lang="es-SV" b="1" dirty="0"/>
+          </a:p>
+        </p:txBody>
+      </p:sp>
+      <p:pic>
+        <p:nvPicPr>
+          <p:cNvPr id="5122" name="Picture 2" descr="Ejemplos de Machine Learning - Descubre sus aplicaciones">
+            <a:extLst>
+              <a:ext uri="{FF2B5EF4-FFF2-40B4-BE49-F238E27FC236}">
+                <a16:creationId xmlns:a16="http://schemas.microsoft.com/office/drawing/2014/main" id="{3AF62F67-AFA6-5FEC-73C0-F316397FC412}"/>
+              </a:ext>
+            </a:extLst>
+          </p:cNvPr>
+          <p:cNvPicPr>
+            <a:picLocks noChangeAspect="1" noChangeArrowheads="1"/>
+          </p:cNvPicPr>
+          <p:nvPr/>
+        </p:nvPicPr>
+        <p:blipFill>
+          <a:blip r:embed="rId2">
+            <a:extLst>
+              <a:ext uri="{28A0092B-C50C-407E-A947-70E740481C1C}">
+                <a14:useLocalDpi xmlns:a14="http://schemas.microsoft.com/office/drawing/2010/main" val="0"/>
+              </a:ext>
+            </a:extLst>
+          </a:blip>
+          <a:srcRect/>
+          <a:stretch>
+            <a:fillRect/>
+          </a:stretch>
+        </p:blipFill>
+        <p:spPr bwMode="auto">
+          <a:xfrm>
+            <a:off x="6420256" y="1727036"/>
+            <a:ext cx="5576380" cy="3607918"/>
+          </a:xfrm>
+          <a:prstGeom prst="rect">
+            <a:avLst/>
+          </a:prstGeom>
+          <a:noFill/>
+          <a:extLst>
+            <a:ext uri="{909E8E84-426E-40DD-AFC4-6F175D3DCCD1}">
+              <a14:hiddenFill xmlns:a14="http://schemas.microsoft.com/office/drawing/2010/main">
+                <a:solidFill>
+                  <a:srgbClr val="FFFFFF"/>
+                </a:solidFill>
+              </a14:hiddenFill>
+            </a:ext>
+          </a:extLst>
+        </p:spPr>
+      </p:pic>
     </p:spTree>
     <p:extLst>
       <p:ext uri="{BB962C8B-B14F-4D97-AF65-F5344CB8AC3E}">
-        <p14:creationId xmlns:p14="http://schemas.microsoft.com/office/powerpoint/2010/main" val="3030895166"/>
+        <p14:creationId xmlns:p14="http://schemas.microsoft.com/office/powerpoint/2010/main" val="3261906285"/>
       </p:ext>
     </p:extLst>
   </p:cSld>
   <p:clrMapOvr>
     <a:masterClrMapping/>
   </p:clrMapOvr>
+  <mc:AlternateContent xmlns:mc="http://schemas.openxmlformats.org/markup-compatibility/2006" xmlns:p14="http://schemas.microsoft.com/office/powerpoint/2010/main">
+    <mc:Choice Requires="p14">
+      <p:transition spd="slow" p14:dur="2000">
+        <p14:prism isContent="1"/>
+      </p:transition>
+    </mc:Choice>
+    <mc:Fallback xmlns="">
+      <p:transition spd="slow">
+        <p:fade/>
+      </p:transition>
+    </mc:Fallback>
+  </mc:AlternateContent>
 </p:sld>
 </file>
 
-<file path=ppt/slides/slide5.xml><?xml version="1.0" encoding="utf-8"?>
+<file path=ppt/slides/slide7.xml><?xml version="1.0" encoding="utf-8"?>
 <p:sld xmlns:a="http://schemas.openxmlformats.org/drawingml/2006/main" xmlns:r="http://schemas.openxmlformats.org/officeDocument/2006/relationships" xmlns:p="http://schemas.openxmlformats.org/presentationml/2006/main">
   <p:cSld>
-    <p:bg>
-      <p:bgPr>
-        <a:solidFill>
-          <a:schemeClr val="bg1"/>
-        </a:solidFill>
-        <a:effectLst/>
-      </p:bgPr>
-    </p:bg>
     <p:spTree>
       <p:nvGrpSpPr>
         <p:cNvPr id="1" name=""/>
@@ -7737,7 +7211,7 @@
       </p:grpSpPr>
       <p:sp useBgFill="1">
         <p:nvSpPr>
-          <p:cNvPr id="21" name="Rectangle 20">
+          <p:cNvPr id="8" name="Rectangle 7">
             <a:extLst>
               <a:ext uri="{FF2B5EF4-FFF2-40B4-BE49-F238E27FC236}">
                 <a16:creationId xmlns:a16="http://schemas.microsoft.com/office/drawing/2014/main" id="{1B15ED52-F352-441B-82BF-E0EA34836D08}"/>
@@ -7813,7 +7287,7 @@
       </p:sp>
       <p:sp>
         <p:nvSpPr>
-          <p:cNvPr id="23" name="Rectangle 22">
+          <p:cNvPr id="10" name="Rectangle 9">
             <a:extLst>
               <a:ext uri="{FF2B5EF4-FFF2-40B4-BE49-F238E27FC236}">
                 <a16:creationId xmlns:a16="http://schemas.microsoft.com/office/drawing/2014/main" id="{3B2E3793-BFE6-45A2-9B7B-E18844431C99}"/>
@@ -7886,7 +7360,7 @@
       </p:sp>
       <p:sp>
         <p:nvSpPr>
-          <p:cNvPr id="25" name="Rectangle 24">
+          <p:cNvPr id="12" name="Rectangle 11">
             <a:extLst>
               <a:ext uri="{FF2B5EF4-FFF2-40B4-BE49-F238E27FC236}">
                 <a16:creationId xmlns:a16="http://schemas.microsoft.com/office/drawing/2014/main" id="{BC4C4868-CB8F-4AF9-9CDB-8108F2C19B67}"/>
@@ -7962,7 +7436,7 @@
       </p:sp>
       <p:sp>
         <p:nvSpPr>
-          <p:cNvPr id="27" name="Rectangle 26">
+          <p:cNvPr id="14" name="Rectangle 13">
             <a:extLst>
               <a:ext uri="{FF2B5EF4-FFF2-40B4-BE49-F238E27FC236}">
                 <a16:creationId xmlns:a16="http://schemas.microsoft.com/office/drawing/2014/main" id="{375E0459-6403-40CD-989D-56A4407CA12E}"/>
@@ -8037,7 +7511,7 @@
       </p:sp>
       <p:sp>
         <p:nvSpPr>
-          <p:cNvPr id="29" name="Rectangle 28">
+          <p:cNvPr id="16" name="Rectangle 15">
             <a:extLst>
               <a:ext uri="{FF2B5EF4-FFF2-40B4-BE49-F238E27FC236}">
                 <a16:creationId xmlns:a16="http://schemas.microsoft.com/office/drawing/2014/main" id="{53E5B1A8-3AC9-4BD1-9BBC-78CA94F2D1BA}"/>
@@ -8116,7 +7590,7 @@
           <p:cNvPr id="2" name="Título 1">
             <a:extLst>
               <a:ext uri="{FF2B5EF4-FFF2-40B4-BE49-F238E27FC236}">
-                <a16:creationId xmlns:a16="http://schemas.microsoft.com/office/drawing/2014/main" id="{F9E8322F-F78E-5EC3-5CCD-09768B3BB5CD}"/>
+                <a16:creationId xmlns:a16="http://schemas.microsoft.com/office/drawing/2014/main" id="{CB8C5922-DA9F-3AAA-98EF-E306B61DA098}"/>
               </a:ext>
             </a:extLst>
           </p:cNvPr>
@@ -8139,112 +7613,76 @@
           </a:bodyPr>
           <a:lstStyle/>
           <a:p>
-            <a:endParaRPr lang="es-SV" sz="4000">
-              <a:solidFill>
-                <a:srgbClr val="FFFFFF"/>
-              </a:solidFill>
-            </a:endParaRPr>
-          </a:p>
-        </p:txBody>
-      </p:sp>
-      <p:sp>
-        <p:nvSpPr>
-          <p:cNvPr id="3" name="Marcador de contenido 2">
-            <a:extLst>
-              <a:ext uri="{FF2B5EF4-FFF2-40B4-BE49-F238E27FC236}">
-                <a16:creationId xmlns:a16="http://schemas.microsoft.com/office/drawing/2014/main" id="{60F83AC9-30CA-BBAC-367C-D5BF616BDFD9}"/>
-              </a:ext>
-            </a:extLst>
-          </p:cNvPr>
-          <p:cNvSpPr>
-            <a:spLocks noGrp="1"/>
-          </p:cNvSpPr>
-          <p:nvPr>
-            <p:ph idx="1"/>
-          </p:nvPr>
-        </p:nvSpPr>
+            <a:r>
+              <a:rPr lang="es-SV" sz="4000" dirty="0">
+                <a:solidFill>
+                  <a:srgbClr val="FFFFFF"/>
+                </a:solidFill>
+              </a:rPr>
+              <a:t>DISEÑO DE LA SOLUCION</a:t>
+            </a:r>
+          </a:p>
+        </p:txBody>
+      </p:sp>
+      <p:pic>
+        <p:nvPicPr>
+          <p:cNvPr id="7" name="Imagen 6">
+            <a:hlinkClick r:id="rId2"/>
+            <a:extLst>
+              <a:ext uri="{FF2B5EF4-FFF2-40B4-BE49-F238E27FC236}">
+                <a16:creationId xmlns:a16="http://schemas.microsoft.com/office/drawing/2014/main" id="{BB782C03-2D83-DCCA-8833-5AA1137A29D5}"/>
+              </a:ext>
+            </a:extLst>
+          </p:cNvPr>
+          <p:cNvPicPr>
+            <a:picLocks noChangeAspect="1"/>
+          </p:cNvPicPr>
+          <p:nvPr/>
+        </p:nvPicPr>
+        <p:blipFill>
+          <a:blip r:embed="rId3"/>
+          <a:stretch>
+            <a:fillRect/>
+          </a:stretch>
+        </p:blipFill>
         <p:spPr>
           <a:xfrm>
-            <a:off x="1371599" y="2318197"/>
-            <a:ext cx="9724031" cy="3683358"/>
-          </a:xfrm>
-        </p:spPr>
-        <p:txBody>
-          <a:bodyPr anchor="ctr">
-            <a:normAutofit/>
-          </a:bodyPr>
-          <a:lstStyle/>
-          <a:p>
-            <a:pPr>
-              <a:buFont typeface="+mj-lt"/>
-              <a:buAutoNum type="arabicPeriod"/>
-            </a:pPr>
-            <a:endParaRPr lang="es-ES" sz="2000" b="0" i="0">
-              <a:effectLst/>
-              <a:highlight>
-                <a:srgbClr val="F3F3F3"/>
-              </a:highlight>
-              <a:latin typeface="-apple-system"/>
-            </a:endParaRPr>
-          </a:p>
-          <a:p>
-            <a:pPr marL="742950" lvl="1" indent="-285750">
-              <a:buFont typeface="+mj-lt"/>
-              <a:buAutoNum type="arabicPeriod"/>
-            </a:pPr>
-            <a:r>
-              <a:rPr lang="es-ES" sz="2000" b="1" i="0">
-                <a:effectLst/>
-                <a:highlight>
-                  <a:srgbClr val="F3F3F3"/>
-                </a:highlight>
-                <a:latin typeface="-apple-system"/>
-              </a:rPr>
-              <a:t>Diapositiva 5</a:t>
-            </a:r>
-            <a:r>
-              <a:rPr lang="es-ES" sz="2000" b="0" i="0">
-                <a:effectLst/>
-                <a:highlight>
-                  <a:srgbClr val="F3F3F3"/>
-                </a:highlight>
-                <a:latin typeface="-apple-system"/>
-              </a:rPr>
-              <a:t>: Lista y breve descripción de las tecnologías y herramientas utilizadas (e.g., Python, Scikit-learn, PHP).</a:t>
-            </a:r>
-          </a:p>
-          <a:p>
-            <a:br>
-              <a:rPr lang="es-ES" sz="2000"/>
-            </a:br>
-            <a:endParaRPr lang="es-SV" sz="2000"/>
-          </a:p>
-        </p:txBody>
-      </p:sp>
+            <a:off x="336000" y="2136703"/>
+            <a:ext cx="11520000" cy="3938894"/>
+          </a:xfrm>
+          <a:prstGeom prst="rect">
+            <a:avLst/>
+          </a:prstGeom>
+        </p:spPr>
+      </p:pic>
     </p:spTree>
     <p:extLst>
       <p:ext uri="{BB962C8B-B14F-4D97-AF65-F5344CB8AC3E}">
-        <p14:creationId xmlns:p14="http://schemas.microsoft.com/office/powerpoint/2010/main" val="2760594863"/>
+        <p14:creationId xmlns:p14="http://schemas.microsoft.com/office/powerpoint/2010/main" val="1068644601"/>
       </p:ext>
     </p:extLst>
   </p:cSld>
   <p:clrMapOvr>
     <a:masterClrMapping/>
   </p:clrMapOvr>
+  <mc:AlternateContent xmlns:mc="http://schemas.openxmlformats.org/markup-compatibility/2006" xmlns:p14="http://schemas.microsoft.com/office/powerpoint/2010/main">
+    <mc:Choice Requires="p14">
+      <p:transition spd="slow" p14:dur="2000">
+        <p14:prism isContent="1"/>
+      </p:transition>
+    </mc:Choice>
+    <mc:Fallback xmlns="">
+      <p:transition spd="slow">
+        <p:fade/>
+      </p:transition>
+    </mc:Fallback>
+  </mc:AlternateContent>
 </p:sld>
 </file>
 
-<file path=ppt/slides/slide6.xml><?xml version="1.0" encoding="utf-8"?>
+<file path=ppt/slides/slide8.xml><?xml version="1.0" encoding="utf-8"?>
 <p:sld xmlns:a="http://schemas.openxmlformats.org/drawingml/2006/main" xmlns:r="http://schemas.openxmlformats.org/officeDocument/2006/relationships" xmlns:p="http://schemas.openxmlformats.org/presentationml/2006/main">
   <p:cSld>
-    <p:bg>
-      <p:bgPr>
-        <a:solidFill>
-          <a:schemeClr val="bg1"/>
-        </a:solidFill>
-        <a:effectLst/>
-      </p:bgPr>
-    </p:bg>
     <p:spTree>
       <p:nvGrpSpPr>
         <p:cNvPr id="1" name=""/>
@@ -8640,7 +8078,7 @@
           <p:cNvPr id="2" name="Título 1">
             <a:extLst>
               <a:ext uri="{FF2B5EF4-FFF2-40B4-BE49-F238E27FC236}">
-                <a16:creationId xmlns:a16="http://schemas.microsoft.com/office/drawing/2014/main" id="{656783D0-79B5-E86D-80B5-676BF6B1FFEA}"/>
+                <a16:creationId xmlns:a16="http://schemas.microsoft.com/office/drawing/2014/main" id="{1D2C77D9-BC1A-52DC-0E97-33C58F28C8E0}"/>
               </a:ext>
             </a:extLst>
           </p:cNvPr>
@@ -8663,11 +8101,14 @@
           </a:bodyPr>
           <a:lstStyle/>
           <a:p>
-            <a:endParaRPr lang="es-SV" sz="4000">
-              <a:solidFill>
-                <a:srgbClr val="FFFFFF"/>
-              </a:solidFill>
-            </a:endParaRPr>
+            <a:r>
+              <a:rPr lang="es-SV" sz="4000" dirty="0">
+                <a:solidFill>
+                  <a:srgbClr val="FFFFFF"/>
+                </a:solidFill>
+              </a:rPr>
+              <a:t>PREGUNTAS</a:t>
+            </a:r>
           </a:p>
         </p:txBody>
       </p:sp>
@@ -8676,7 +8117,7 @@
           <p:cNvPr id="3" name="Marcador de contenido 2">
             <a:extLst>
               <a:ext uri="{FF2B5EF4-FFF2-40B4-BE49-F238E27FC236}">
-                <a16:creationId xmlns:a16="http://schemas.microsoft.com/office/drawing/2014/main" id="{C795053C-65BD-6A97-3971-29EDD902E2AE}"/>
+                <a16:creationId xmlns:a16="http://schemas.microsoft.com/office/drawing/2014/main" id="{333D9FFD-9655-4BEC-7C83-EC58CD6D5F75}"/>
               </a:ext>
             </a:extLst>
           </p:cNvPr>
@@ -8699,1608 +8140,39 @@
           </a:bodyPr>
           <a:lstStyle/>
           <a:p>
-            <a:pPr>
-              <a:buFont typeface="Arial" panose="020B0604020202020204" pitchFamily="34" charset="0"/>
-              <a:buChar char="•"/>
+            <a:pPr marL="0" indent="0" algn="ctr">
+              <a:buNone/>
             </a:pPr>
             <a:r>
-              <a:rPr lang="es-ES" sz="2000" b="1" i="0">
-                <a:effectLst/>
-                <a:highlight>
-                  <a:srgbClr val="F3F3F3"/>
-                </a:highlight>
-                <a:latin typeface="-apple-system"/>
-              </a:rPr>
-              <a:t>Diapositiva 6</a:t>
-            </a:r>
-            <a:r>
-              <a:rPr lang="es-ES" sz="2000" b="0" i="0">
-                <a:effectLst/>
-                <a:highlight>
-                  <a:srgbClr val="F3F3F3"/>
-                </a:highlight>
-                <a:latin typeface="-apple-system"/>
-              </a:rPr>
-              <a:t>: Definición del problema y recopilación de datos.</a:t>
-            </a:r>
-          </a:p>
-          <a:p>
-            <a:br>
-              <a:rPr lang="es-ES" sz="2000"/>
-            </a:br>
-            <a:endParaRPr lang="es-SV" sz="2000"/>
+              <a:rPr lang="es-ES" sz="16600" b="1" dirty="0"/>
+              <a:t>GRACIAS</a:t>
+            </a:r>
+            <a:endParaRPr lang="es-SV" b="1" dirty="0"/>
           </a:p>
         </p:txBody>
       </p:sp>
     </p:spTree>
     <p:extLst>
       <p:ext uri="{BB962C8B-B14F-4D97-AF65-F5344CB8AC3E}">
-        <p14:creationId xmlns:p14="http://schemas.microsoft.com/office/powerpoint/2010/main" val="1219548415"/>
+        <p14:creationId xmlns:p14="http://schemas.microsoft.com/office/powerpoint/2010/main" val="3223615961"/>
       </p:ext>
     </p:extLst>
   </p:cSld>
   <p:clrMapOvr>
     <a:masterClrMapping/>
   </p:clrMapOvr>
-</p:sld>
-</file>
-
-<file path=ppt/slides/slide7.xml><?xml version="1.0" encoding="utf-8"?>
-<p:sld xmlns:a="http://schemas.openxmlformats.org/drawingml/2006/main" xmlns:r="http://schemas.openxmlformats.org/officeDocument/2006/relationships" xmlns:p="http://schemas.openxmlformats.org/presentationml/2006/main">
-  <p:cSld>
-    <p:bg>
-      <p:bgPr>
-        <a:solidFill>
-          <a:schemeClr val="bg1"/>
-        </a:solidFill>
-        <a:effectLst/>
-      </p:bgPr>
-    </p:bg>
-    <p:spTree>
-      <p:nvGrpSpPr>
-        <p:cNvPr id="1" name=""/>
-        <p:cNvGrpSpPr/>
-        <p:nvPr/>
-      </p:nvGrpSpPr>
-      <p:grpSpPr>
-        <a:xfrm>
-          <a:off x="0" y="0"/>
-          <a:ext cx="0" cy="0"/>
-          <a:chOff x="0" y="0"/>
-          <a:chExt cx="0" cy="0"/>
-        </a:xfrm>
-      </p:grpSpPr>
-      <p:sp useBgFill="1">
-        <p:nvSpPr>
-          <p:cNvPr id="8" name="Rectangle 7">
-            <a:extLst>
-              <a:ext uri="{FF2B5EF4-FFF2-40B4-BE49-F238E27FC236}">
-                <a16:creationId xmlns:a16="http://schemas.microsoft.com/office/drawing/2014/main" id="{1B15ED52-F352-441B-82BF-E0EA34836D08}"/>
-              </a:ext>
-              <a:ext uri="{C183D7F6-B498-43B3-948B-1728B52AA6E4}">
-                <adec:decorative xmlns:adec="http://schemas.microsoft.com/office/drawing/2017/decorative" val="1"/>
-              </a:ext>
-            </a:extLst>
-          </p:cNvPr>
-          <p:cNvSpPr>
-            <a:spLocks noGrp="1" noRot="1" noChangeAspect="1" noMove="1" noResize="1" noEditPoints="1" noAdjustHandles="1" noChangeArrowheads="1" noChangeShapeType="1" noTextEdit="1"/>
-          </p:cNvSpPr>
-          <p:nvPr>
-            <p:extLst>
-              <p:ext uri="{386F3935-93C4-4BCD-93E2-E3B085C9AB24}">
-                <p16:designElem xmlns:p16="http://schemas.microsoft.com/office/powerpoint/2015/main" val="1"/>
-              </p:ext>
-            </p:extLst>
-          </p:nvPr>
-        </p:nvSpPr>
-        <p:spPr>
-          <a:xfrm>
-            <a:off x="0" y="0"/>
-            <a:ext cx="12192000" cy="6858000"/>
-          </a:xfrm>
-          <a:prstGeom prst="rect">
-            <a:avLst/>
-          </a:prstGeom>
-          <a:ln w="12700" cap="flat" cmpd="sng" algn="ctr">
-            <a:noFill/>
-            <a:prstDash val="solid"/>
-            <a:miter lim="800000"/>
-          </a:ln>
-          <a:effectLst/>
-          <a:extLst>
-            <a:ext uri="{91240B29-F687-4F45-9708-019B960494DF}">
-              <a14:hiddenLine xmlns:a14="http://schemas.microsoft.com/office/drawing/2010/main" w="12700" cap="flat" cmpd="sng" algn="ctr">
-                <a:solidFill>
-                  <a:schemeClr val="accent1">
-                    <a:shade val="50000"/>
-                  </a:schemeClr>
-                </a:solidFill>
-                <a:prstDash val="solid"/>
-                <a:miter lim="800000"/>
-              </a14:hiddenLine>
-            </a:ext>
-          </a:extLst>
-        </p:spPr>
-        <p:style>
-          <a:lnRef idx="2">
-            <a:schemeClr val="accent1">
-              <a:shade val="50000"/>
-            </a:schemeClr>
-          </a:lnRef>
-          <a:fillRef idx="1">
-            <a:schemeClr val="accent1"/>
-          </a:fillRef>
-          <a:effectRef idx="0">
-            <a:schemeClr val="accent1"/>
-          </a:effectRef>
-          <a:fontRef idx="minor">
-            <a:schemeClr val="lt1"/>
-          </a:fontRef>
-        </p:style>
-        <p:txBody>
-          <a:bodyPr rtlCol="0" anchor="ctr"/>
-          <a:lstStyle/>
-          <a:p>
-            <a:pPr algn="ctr"/>
-            <a:endParaRPr lang="en-US"/>
-          </a:p>
-        </p:txBody>
-      </p:sp>
-      <p:sp>
-        <p:nvSpPr>
-          <p:cNvPr id="10" name="Rectangle 9">
-            <a:extLst>
-              <a:ext uri="{FF2B5EF4-FFF2-40B4-BE49-F238E27FC236}">
-                <a16:creationId xmlns:a16="http://schemas.microsoft.com/office/drawing/2014/main" id="{3B2E3793-BFE6-45A2-9B7B-E18844431C99}"/>
-              </a:ext>
-              <a:ext uri="{C183D7F6-B498-43B3-948B-1728B52AA6E4}">
-                <adec:decorative xmlns:adec="http://schemas.microsoft.com/office/drawing/2017/decorative" val="1"/>
-              </a:ext>
-            </a:extLst>
-          </p:cNvPr>
-          <p:cNvSpPr>
-            <a:spLocks noGrp="1" noRot="1" noChangeAspect="1" noMove="1" noResize="1" noEditPoints="1" noAdjustHandles="1" noChangeArrowheads="1" noChangeShapeType="1" noTextEdit="1"/>
-          </p:cNvSpPr>
-          <p:nvPr>
-            <p:extLst>
-              <p:ext uri="{386F3935-93C4-4BCD-93E2-E3B085C9AB24}">
-                <p16:designElem xmlns:p16="http://schemas.microsoft.com/office/powerpoint/2015/main" val="1"/>
-              </p:ext>
-            </p:extLst>
-          </p:nvPr>
-        </p:nvSpPr>
-        <p:spPr>
-          <a:xfrm flipH="1">
-            <a:off x="-1" y="-1"/>
-            <a:ext cx="12191998" cy="1590742"/>
-          </a:xfrm>
-          <a:prstGeom prst="rect">
-            <a:avLst/>
-          </a:prstGeom>
-          <a:gradFill>
-            <a:gsLst>
-              <a:gs pos="0">
-                <a:srgbClr val="000000"/>
-              </a:gs>
-              <a:gs pos="100000">
-                <a:schemeClr val="accent1">
-                  <a:lumMod val="75000"/>
-                </a:schemeClr>
-              </a:gs>
-            </a:gsLst>
-            <a:lin ang="8400000" scaled="0"/>
-          </a:gradFill>
-          <a:ln>
-            <a:noFill/>
-          </a:ln>
-        </p:spPr>
-        <p:style>
-          <a:lnRef idx="2">
-            <a:schemeClr val="accent1">
-              <a:shade val="50000"/>
-            </a:schemeClr>
-          </a:lnRef>
-          <a:fillRef idx="1">
-            <a:schemeClr val="accent1"/>
-          </a:fillRef>
-          <a:effectRef idx="0">
-            <a:schemeClr val="accent1"/>
-          </a:effectRef>
-          <a:fontRef idx="minor">
-            <a:schemeClr val="lt1"/>
-          </a:fontRef>
-        </p:style>
-        <p:txBody>
-          <a:bodyPr rtlCol="0" anchor="ctr"/>
-          <a:lstStyle/>
-          <a:p>
-            <a:pPr algn="ctr"/>
-            <a:endParaRPr lang="en-US"/>
-          </a:p>
-        </p:txBody>
-      </p:sp>
-      <p:sp>
-        <p:nvSpPr>
-          <p:cNvPr id="12" name="Rectangle 11">
-            <a:extLst>
-              <a:ext uri="{FF2B5EF4-FFF2-40B4-BE49-F238E27FC236}">
-                <a16:creationId xmlns:a16="http://schemas.microsoft.com/office/drawing/2014/main" id="{BC4C4868-CB8F-4AF9-9CDB-8108F2C19B67}"/>
-              </a:ext>
-              <a:ext uri="{C183D7F6-B498-43B3-948B-1728B52AA6E4}">
-                <adec:decorative xmlns:adec="http://schemas.microsoft.com/office/drawing/2017/decorative" val="1"/>
-              </a:ext>
-            </a:extLst>
-          </p:cNvPr>
-          <p:cNvSpPr>
-            <a:spLocks noGrp="1" noRot="1" noChangeAspect="1" noMove="1" noResize="1" noEditPoints="1" noAdjustHandles="1" noChangeArrowheads="1" noChangeShapeType="1" noTextEdit="1"/>
-          </p:cNvSpPr>
-          <p:nvPr>
-            <p:extLst>
-              <p:ext uri="{386F3935-93C4-4BCD-93E2-E3B085C9AB24}">
-                <p16:designElem xmlns:p16="http://schemas.microsoft.com/office/powerpoint/2015/main" val="1"/>
-              </p:ext>
-            </p:extLst>
-          </p:nvPr>
-        </p:nvSpPr>
-        <p:spPr>
-          <a:xfrm rot="10800000" flipH="1">
-            <a:off x="-3" y="0"/>
-            <a:ext cx="8115306" cy="1590742"/>
-          </a:xfrm>
-          <a:prstGeom prst="rect">
-            <a:avLst/>
-          </a:prstGeom>
-          <a:gradFill>
-            <a:gsLst>
-              <a:gs pos="20000">
-                <a:schemeClr val="accent1">
-                  <a:alpha val="0"/>
-                </a:schemeClr>
-              </a:gs>
-              <a:gs pos="100000">
-                <a:schemeClr val="accent1">
-                  <a:lumMod val="50000"/>
-                  <a:alpha val="55000"/>
-                </a:schemeClr>
-              </a:gs>
-            </a:gsLst>
-            <a:lin ang="13800000" scaled="0"/>
-          </a:gradFill>
-          <a:ln>
-            <a:noFill/>
-          </a:ln>
-        </p:spPr>
-        <p:style>
-          <a:lnRef idx="2">
-            <a:schemeClr val="accent1">
-              <a:shade val="50000"/>
-            </a:schemeClr>
-          </a:lnRef>
-          <a:fillRef idx="1">
-            <a:schemeClr val="accent1"/>
-          </a:fillRef>
-          <a:effectRef idx="0">
-            <a:schemeClr val="accent1"/>
-          </a:effectRef>
-          <a:fontRef idx="minor">
-            <a:schemeClr val="lt1"/>
-          </a:fontRef>
-        </p:style>
-        <p:txBody>
-          <a:bodyPr rtlCol="0" anchor="ctr"/>
-          <a:lstStyle/>
-          <a:p>
-            <a:pPr algn="ctr"/>
-            <a:endParaRPr lang="en-US"/>
-          </a:p>
-        </p:txBody>
-      </p:sp>
-      <p:sp>
-        <p:nvSpPr>
-          <p:cNvPr id="14" name="Rectangle 13">
-            <a:extLst>
-              <a:ext uri="{FF2B5EF4-FFF2-40B4-BE49-F238E27FC236}">
-                <a16:creationId xmlns:a16="http://schemas.microsoft.com/office/drawing/2014/main" id="{375E0459-6403-40CD-989D-56A4407CA12E}"/>
-              </a:ext>
-              <a:ext uri="{C183D7F6-B498-43B3-948B-1728B52AA6E4}">
-                <adec:decorative xmlns:adec="http://schemas.microsoft.com/office/drawing/2017/decorative" val="1"/>
-              </a:ext>
-            </a:extLst>
-          </p:cNvPr>
-          <p:cNvSpPr>
-            <a:spLocks noGrp="1" noRot="1" noChangeAspect="1" noMove="1" noResize="1" noEditPoints="1" noAdjustHandles="1" noChangeArrowheads="1" noChangeShapeType="1" noTextEdit="1"/>
-          </p:cNvSpPr>
-          <p:nvPr>
-            <p:extLst>
-              <p:ext uri="{386F3935-93C4-4BCD-93E2-E3B085C9AB24}">
-                <p16:designElem xmlns:p16="http://schemas.microsoft.com/office/powerpoint/2015/main" val="1"/>
-              </p:ext>
-            </p:extLst>
-          </p:nvPr>
-        </p:nvSpPr>
-        <p:spPr>
-          <a:xfrm flipH="1">
-            <a:off x="8115299" y="-1"/>
-            <a:ext cx="4076698" cy="1590742"/>
-          </a:xfrm>
-          <a:prstGeom prst="rect">
-            <a:avLst/>
-          </a:prstGeom>
-          <a:gradFill>
-            <a:gsLst>
-              <a:gs pos="0">
-                <a:schemeClr val="accent1">
-                  <a:alpha val="66000"/>
-                </a:schemeClr>
-              </a:gs>
-              <a:gs pos="100000">
-                <a:srgbClr val="000000">
-                  <a:alpha val="30000"/>
-                </a:srgbClr>
-              </a:gs>
-            </a:gsLst>
-            <a:lin ang="13200000" scaled="0"/>
-          </a:gradFill>
-          <a:ln>
-            <a:noFill/>
-          </a:ln>
-        </p:spPr>
-        <p:style>
-          <a:lnRef idx="2">
-            <a:schemeClr val="accent1">
-              <a:shade val="50000"/>
-            </a:schemeClr>
-          </a:lnRef>
-          <a:fillRef idx="1">
-            <a:schemeClr val="accent1"/>
-          </a:fillRef>
-          <a:effectRef idx="0">
-            <a:schemeClr val="accent1"/>
-          </a:effectRef>
-          <a:fontRef idx="minor">
-            <a:schemeClr val="lt1"/>
-          </a:fontRef>
-        </p:style>
-        <p:txBody>
-          <a:bodyPr rtlCol="0" anchor="ctr"/>
-          <a:lstStyle/>
-          <a:p>
-            <a:pPr algn="ctr"/>
-            <a:endParaRPr lang="en-US"/>
-          </a:p>
-        </p:txBody>
-      </p:sp>
-      <p:sp>
-        <p:nvSpPr>
-          <p:cNvPr id="16" name="Rectangle 15">
-            <a:extLst>
-              <a:ext uri="{FF2B5EF4-FFF2-40B4-BE49-F238E27FC236}">
-                <a16:creationId xmlns:a16="http://schemas.microsoft.com/office/drawing/2014/main" id="{53E5B1A8-3AC9-4BD1-9BBC-78CA94F2D1BA}"/>
-              </a:ext>
-              <a:ext uri="{C183D7F6-B498-43B3-948B-1728B52AA6E4}">
-                <adec:decorative xmlns:adec="http://schemas.microsoft.com/office/drawing/2017/decorative" val="1"/>
-              </a:ext>
-            </a:extLst>
-          </p:cNvPr>
-          <p:cNvSpPr>
-            <a:spLocks noGrp="1" noRot="1" noChangeAspect="1" noMove="1" noResize="1" noEditPoints="1" noAdjustHandles="1" noChangeArrowheads="1" noChangeShapeType="1" noTextEdit="1"/>
-          </p:cNvSpPr>
-          <p:nvPr>
-            <p:extLst>
-              <p:ext uri="{386F3935-93C4-4BCD-93E2-E3B085C9AB24}">
-                <p16:designElem xmlns:p16="http://schemas.microsoft.com/office/powerpoint/2015/main" val="1"/>
-              </p:ext>
-            </p:extLst>
-          </p:nvPr>
-        </p:nvSpPr>
-        <p:spPr>
-          <a:xfrm>
-            <a:off x="459350" y="-1"/>
-            <a:ext cx="11732646" cy="1597433"/>
-          </a:xfrm>
-          <a:prstGeom prst="rect">
-            <a:avLst/>
-          </a:prstGeom>
-          <a:gradFill>
-            <a:gsLst>
-              <a:gs pos="50000">
-                <a:srgbClr val="000000">
-                  <a:alpha val="0"/>
-                </a:srgbClr>
-              </a:gs>
-              <a:gs pos="99000">
-                <a:schemeClr val="accent1">
-                  <a:lumMod val="50000"/>
-                  <a:alpha val="52000"/>
-                </a:schemeClr>
-              </a:gs>
-            </a:gsLst>
-            <a:lin ang="16800000" scaled="0"/>
-          </a:gradFill>
-          <a:ln>
-            <a:noFill/>
-          </a:ln>
-        </p:spPr>
-        <p:style>
-          <a:lnRef idx="2">
-            <a:schemeClr val="accent1">
-              <a:shade val="50000"/>
-            </a:schemeClr>
-          </a:lnRef>
-          <a:fillRef idx="1">
-            <a:schemeClr val="accent1"/>
-          </a:fillRef>
-          <a:effectRef idx="0">
-            <a:schemeClr val="accent1"/>
-          </a:effectRef>
-          <a:fontRef idx="minor">
-            <a:schemeClr val="lt1"/>
-          </a:fontRef>
-        </p:style>
-        <p:txBody>
-          <a:bodyPr rtlCol="0" anchor="ctr"/>
-          <a:lstStyle/>
-          <a:p>
-            <a:pPr algn="ctr"/>
-            <a:endParaRPr lang="en-US"/>
-          </a:p>
-        </p:txBody>
-      </p:sp>
-      <p:sp>
-        <p:nvSpPr>
-          <p:cNvPr id="2" name="Título 1">
-            <a:extLst>
-              <a:ext uri="{FF2B5EF4-FFF2-40B4-BE49-F238E27FC236}">
-                <a16:creationId xmlns:a16="http://schemas.microsoft.com/office/drawing/2014/main" id="{410E74E7-A4C8-49A5-F858-70C3A33A39B9}"/>
-              </a:ext>
-            </a:extLst>
-          </p:cNvPr>
-          <p:cNvSpPr>
-            <a:spLocks noGrp="1"/>
-          </p:cNvSpPr>
-          <p:nvPr>
-            <p:ph type="title"/>
-          </p:nvPr>
-        </p:nvSpPr>
-        <p:spPr>
-          <a:xfrm>
-            <a:off x="1371599" y="294538"/>
-            <a:ext cx="9895951" cy="1033669"/>
-          </a:xfrm>
-        </p:spPr>
-        <p:txBody>
-          <a:bodyPr>
-            <a:normAutofit/>
-          </a:bodyPr>
-          <a:lstStyle/>
-          <a:p>
-            <a:endParaRPr lang="es-SV" sz="4000">
-              <a:solidFill>
-                <a:srgbClr val="FFFFFF"/>
-              </a:solidFill>
-            </a:endParaRPr>
-          </a:p>
-        </p:txBody>
-      </p:sp>
-      <p:sp>
-        <p:nvSpPr>
-          <p:cNvPr id="3" name="Marcador de contenido 2">
-            <a:extLst>
-              <a:ext uri="{FF2B5EF4-FFF2-40B4-BE49-F238E27FC236}">
-                <a16:creationId xmlns:a16="http://schemas.microsoft.com/office/drawing/2014/main" id="{60D7660C-FE0C-2BC9-B341-E8F920A1BC2C}"/>
-              </a:ext>
-            </a:extLst>
-          </p:cNvPr>
-          <p:cNvSpPr>
-            <a:spLocks noGrp="1"/>
-          </p:cNvSpPr>
-          <p:nvPr>
-            <p:ph idx="1"/>
-          </p:nvPr>
-        </p:nvSpPr>
-        <p:spPr>
-          <a:xfrm>
-            <a:off x="1371599" y="2318197"/>
-            <a:ext cx="9724031" cy="3683358"/>
-          </a:xfrm>
-        </p:spPr>
-        <p:txBody>
-          <a:bodyPr anchor="ctr">
-            <a:normAutofit/>
-          </a:bodyPr>
-          <a:lstStyle/>
-          <a:p>
-            <a:pPr>
-              <a:buFont typeface="Arial" panose="020B0604020202020204" pitchFamily="34" charset="0"/>
-              <a:buChar char="•"/>
-            </a:pPr>
-            <a:r>
-              <a:rPr lang="es-ES" sz="2000" b="1" i="0">
-                <a:effectLst/>
-                <a:highlight>
-                  <a:srgbClr val="F3F3F3"/>
-                </a:highlight>
-                <a:latin typeface="-apple-system"/>
-              </a:rPr>
-              <a:t>Diapositiva 7</a:t>
-            </a:r>
-            <a:r>
-              <a:rPr lang="es-ES" sz="2000" b="0" i="0">
-                <a:effectLst/>
-                <a:highlight>
-                  <a:srgbClr val="F3F3F3"/>
-                </a:highlight>
-                <a:latin typeface="-apple-system"/>
-              </a:rPr>
-              <a:t>: Preprocesamiento de datos y selección del modelo de IA.</a:t>
-            </a:r>
-          </a:p>
-          <a:p>
-            <a:br>
-              <a:rPr lang="es-ES" sz="2000"/>
-            </a:br>
-            <a:endParaRPr lang="es-SV" sz="2000"/>
-          </a:p>
-        </p:txBody>
-      </p:sp>
-    </p:spTree>
-    <p:extLst>
-      <p:ext uri="{BB962C8B-B14F-4D97-AF65-F5344CB8AC3E}">
-        <p14:creationId xmlns:p14="http://schemas.microsoft.com/office/powerpoint/2010/main" val="3261906285"/>
-      </p:ext>
-    </p:extLst>
-  </p:cSld>
-  <p:clrMapOvr>
-    <a:masterClrMapping/>
-  </p:clrMapOvr>
-</p:sld>
-</file>
-
-<file path=ppt/slides/slide8.xml><?xml version="1.0" encoding="utf-8"?>
-<p:sld xmlns:a="http://schemas.openxmlformats.org/drawingml/2006/main" xmlns:r="http://schemas.openxmlformats.org/officeDocument/2006/relationships" xmlns:p="http://schemas.openxmlformats.org/presentationml/2006/main">
-  <p:cSld>
-    <p:bg>
-      <p:bgPr>
-        <a:solidFill>
-          <a:schemeClr val="bg1"/>
-        </a:solidFill>
-        <a:effectLst/>
-      </p:bgPr>
-    </p:bg>
-    <p:spTree>
-      <p:nvGrpSpPr>
-        <p:cNvPr id="1" name=""/>
-        <p:cNvGrpSpPr/>
-        <p:nvPr/>
-      </p:nvGrpSpPr>
-      <p:grpSpPr>
-        <a:xfrm>
-          <a:off x="0" y="0"/>
-          <a:ext cx="0" cy="0"/>
-          <a:chOff x="0" y="0"/>
-          <a:chExt cx="0" cy="0"/>
-        </a:xfrm>
-      </p:grpSpPr>
-      <p:sp useBgFill="1">
-        <p:nvSpPr>
-          <p:cNvPr id="8" name="Rectangle 7">
-            <a:extLst>
-              <a:ext uri="{FF2B5EF4-FFF2-40B4-BE49-F238E27FC236}">
-                <a16:creationId xmlns:a16="http://schemas.microsoft.com/office/drawing/2014/main" id="{1B15ED52-F352-441B-82BF-E0EA34836D08}"/>
-              </a:ext>
-              <a:ext uri="{C183D7F6-B498-43B3-948B-1728B52AA6E4}">
-                <adec:decorative xmlns:adec="http://schemas.microsoft.com/office/drawing/2017/decorative" val="1"/>
-              </a:ext>
-            </a:extLst>
-          </p:cNvPr>
-          <p:cNvSpPr>
-            <a:spLocks noGrp="1" noRot="1" noChangeAspect="1" noMove="1" noResize="1" noEditPoints="1" noAdjustHandles="1" noChangeArrowheads="1" noChangeShapeType="1" noTextEdit="1"/>
-          </p:cNvSpPr>
-          <p:nvPr>
-            <p:extLst>
-              <p:ext uri="{386F3935-93C4-4BCD-93E2-E3B085C9AB24}">
-                <p16:designElem xmlns:p16="http://schemas.microsoft.com/office/powerpoint/2015/main" val="1"/>
-              </p:ext>
-            </p:extLst>
-          </p:nvPr>
-        </p:nvSpPr>
-        <p:spPr>
-          <a:xfrm>
-            <a:off x="0" y="0"/>
-            <a:ext cx="12192000" cy="6858000"/>
-          </a:xfrm>
-          <a:prstGeom prst="rect">
-            <a:avLst/>
-          </a:prstGeom>
-          <a:ln w="12700" cap="flat" cmpd="sng" algn="ctr">
-            <a:noFill/>
-            <a:prstDash val="solid"/>
-            <a:miter lim="800000"/>
-          </a:ln>
-          <a:effectLst/>
-          <a:extLst>
-            <a:ext uri="{91240B29-F687-4F45-9708-019B960494DF}">
-              <a14:hiddenLine xmlns:a14="http://schemas.microsoft.com/office/drawing/2010/main" w="12700" cap="flat" cmpd="sng" algn="ctr">
-                <a:solidFill>
-                  <a:schemeClr val="accent1">
-                    <a:shade val="50000"/>
-                  </a:schemeClr>
-                </a:solidFill>
-                <a:prstDash val="solid"/>
-                <a:miter lim="800000"/>
-              </a14:hiddenLine>
-            </a:ext>
-          </a:extLst>
-        </p:spPr>
-        <p:style>
-          <a:lnRef idx="2">
-            <a:schemeClr val="accent1">
-              <a:shade val="50000"/>
-            </a:schemeClr>
-          </a:lnRef>
-          <a:fillRef idx="1">
-            <a:schemeClr val="accent1"/>
-          </a:fillRef>
-          <a:effectRef idx="0">
-            <a:schemeClr val="accent1"/>
-          </a:effectRef>
-          <a:fontRef idx="minor">
-            <a:schemeClr val="lt1"/>
-          </a:fontRef>
-        </p:style>
-        <p:txBody>
-          <a:bodyPr rtlCol="0" anchor="ctr"/>
-          <a:lstStyle/>
-          <a:p>
-            <a:pPr algn="ctr"/>
-            <a:endParaRPr lang="en-US"/>
-          </a:p>
-        </p:txBody>
-      </p:sp>
-      <p:sp>
-        <p:nvSpPr>
-          <p:cNvPr id="10" name="Rectangle 9">
-            <a:extLst>
-              <a:ext uri="{FF2B5EF4-FFF2-40B4-BE49-F238E27FC236}">
-                <a16:creationId xmlns:a16="http://schemas.microsoft.com/office/drawing/2014/main" id="{3B2E3793-BFE6-45A2-9B7B-E18844431C99}"/>
-              </a:ext>
-              <a:ext uri="{C183D7F6-B498-43B3-948B-1728B52AA6E4}">
-                <adec:decorative xmlns:adec="http://schemas.microsoft.com/office/drawing/2017/decorative" val="1"/>
-              </a:ext>
-            </a:extLst>
-          </p:cNvPr>
-          <p:cNvSpPr>
-            <a:spLocks noGrp="1" noRot="1" noChangeAspect="1" noMove="1" noResize="1" noEditPoints="1" noAdjustHandles="1" noChangeArrowheads="1" noChangeShapeType="1" noTextEdit="1"/>
-          </p:cNvSpPr>
-          <p:nvPr>
-            <p:extLst>
-              <p:ext uri="{386F3935-93C4-4BCD-93E2-E3B085C9AB24}">
-                <p16:designElem xmlns:p16="http://schemas.microsoft.com/office/powerpoint/2015/main" val="1"/>
-              </p:ext>
-            </p:extLst>
-          </p:nvPr>
-        </p:nvSpPr>
-        <p:spPr>
-          <a:xfrm flipH="1">
-            <a:off x="-1" y="-1"/>
-            <a:ext cx="12191998" cy="1590742"/>
-          </a:xfrm>
-          <a:prstGeom prst="rect">
-            <a:avLst/>
-          </a:prstGeom>
-          <a:gradFill>
-            <a:gsLst>
-              <a:gs pos="0">
-                <a:srgbClr val="000000"/>
-              </a:gs>
-              <a:gs pos="100000">
-                <a:schemeClr val="accent1">
-                  <a:lumMod val="75000"/>
-                </a:schemeClr>
-              </a:gs>
-            </a:gsLst>
-            <a:lin ang="8400000" scaled="0"/>
-          </a:gradFill>
-          <a:ln>
-            <a:noFill/>
-          </a:ln>
-        </p:spPr>
-        <p:style>
-          <a:lnRef idx="2">
-            <a:schemeClr val="accent1">
-              <a:shade val="50000"/>
-            </a:schemeClr>
-          </a:lnRef>
-          <a:fillRef idx="1">
-            <a:schemeClr val="accent1"/>
-          </a:fillRef>
-          <a:effectRef idx="0">
-            <a:schemeClr val="accent1"/>
-          </a:effectRef>
-          <a:fontRef idx="minor">
-            <a:schemeClr val="lt1"/>
-          </a:fontRef>
-        </p:style>
-        <p:txBody>
-          <a:bodyPr rtlCol="0" anchor="ctr"/>
-          <a:lstStyle/>
-          <a:p>
-            <a:pPr algn="ctr"/>
-            <a:endParaRPr lang="en-US"/>
-          </a:p>
-        </p:txBody>
-      </p:sp>
-      <p:sp>
-        <p:nvSpPr>
-          <p:cNvPr id="12" name="Rectangle 11">
-            <a:extLst>
-              <a:ext uri="{FF2B5EF4-FFF2-40B4-BE49-F238E27FC236}">
-                <a16:creationId xmlns:a16="http://schemas.microsoft.com/office/drawing/2014/main" id="{BC4C4868-CB8F-4AF9-9CDB-8108F2C19B67}"/>
-              </a:ext>
-              <a:ext uri="{C183D7F6-B498-43B3-948B-1728B52AA6E4}">
-                <adec:decorative xmlns:adec="http://schemas.microsoft.com/office/drawing/2017/decorative" val="1"/>
-              </a:ext>
-            </a:extLst>
-          </p:cNvPr>
-          <p:cNvSpPr>
-            <a:spLocks noGrp="1" noRot="1" noChangeAspect="1" noMove="1" noResize="1" noEditPoints="1" noAdjustHandles="1" noChangeArrowheads="1" noChangeShapeType="1" noTextEdit="1"/>
-          </p:cNvSpPr>
-          <p:nvPr>
-            <p:extLst>
-              <p:ext uri="{386F3935-93C4-4BCD-93E2-E3B085C9AB24}">
-                <p16:designElem xmlns:p16="http://schemas.microsoft.com/office/powerpoint/2015/main" val="1"/>
-              </p:ext>
-            </p:extLst>
-          </p:nvPr>
-        </p:nvSpPr>
-        <p:spPr>
-          <a:xfrm rot="10800000" flipH="1">
-            <a:off x="-3" y="0"/>
-            <a:ext cx="8115306" cy="1590742"/>
-          </a:xfrm>
-          <a:prstGeom prst="rect">
-            <a:avLst/>
-          </a:prstGeom>
-          <a:gradFill>
-            <a:gsLst>
-              <a:gs pos="20000">
-                <a:schemeClr val="accent1">
-                  <a:alpha val="0"/>
-                </a:schemeClr>
-              </a:gs>
-              <a:gs pos="100000">
-                <a:schemeClr val="accent1">
-                  <a:lumMod val="50000"/>
-                  <a:alpha val="55000"/>
-                </a:schemeClr>
-              </a:gs>
-            </a:gsLst>
-            <a:lin ang="13800000" scaled="0"/>
-          </a:gradFill>
-          <a:ln>
-            <a:noFill/>
-          </a:ln>
-        </p:spPr>
-        <p:style>
-          <a:lnRef idx="2">
-            <a:schemeClr val="accent1">
-              <a:shade val="50000"/>
-            </a:schemeClr>
-          </a:lnRef>
-          <a:fillRef idx="1">
-            <a:schemeClr val="accent1"/>
-          </a:fillRef>
-          <a:effectRef idx="0">
-            <a:schemeClr val="accent1"/>
-          </a:effectRef>
-          <a:fontRef idx="minor">
-            <a:schemeClr val="lt1"/>
-          </a:fontRef>
-        </p:style>
-        <p:txBody>
-          <a:bodyPr rtlCol="0" anchor="ctr"/>
-          <a:lstStyle/>
-          <a:p>
-            <a:pPr algn="ctr"/>
-            <a:endParaRPr lang="en-US"/>
-          </a:p>
-        </p:txBody>
-      </p:sp>
-      <p:sp>
-        <p:nvSpPr>
-          <p:cNvPr id="14" name="Rectangle 13">
-            <a:extLst>
-              <a:ext uri="{FF2B5EF4-FFF2-40B4-BE49-F238E27FC236}">
-                <a16:creationId xmlns:a16="http://schemas.microsoft.com/office/drawing/2014/main" id="{375E0459-6403-40CD-989D-56A4407CA12E}"/>
-              </a:ext>
-              <a:ext uri="{C183D7F6-B498-43B3-948B-1728B52AA6E4}">
-                <adec:decorative xmlns:adec="http://schemas.microsoft.com/office/drawing/2017/decorative" val="1"/>
-              </a:ext>
-            </a:extLst>
-          </p:cNvPr>
-          <p:cNvSpPr>
-            <a:spLocks noGrp="1" noRot="1" noChangeAspect="1" noMove="1" noResize="1" noEditPoints="1" noAdjustHandles="1" noChangeArrowheads="1" noChangeShapeType="1" noTextEdit="1"/>
-          </p:cNvSpPr>
-          <p:nvPr>
-            <p:extLst>
-              <p:ext uri="{386F3935-93C4-4BCD-93E2-E3B085C9AB24}">
-                <p16:designElem xmlns:p16="http://schemas.microsoft.com/office/powerpoint/2015/main" val="1"/>
-              </p:ext>
-            </p:extLst>
-          </p:nvPr>
-        </p:nvSpPr>
-        <p:spPr>
-          <a:xfrm flipH="1">
-            <a:off x="8115299" y="-1"/>
-            <a:ext cx="4076698" cy="1590742"/>
-          </a:xfrm>
-          <a:prstGeom prst="rect">
-            <a:avLst/>
-          </a:prstGeom>
-          <a:gradFill>
-            <a:gsLst>
-              <a:gs pos="0">
-                <a:schemeClr val="accent1">
-                  <a:alpha val="66000"/>
-                </a:schemeClr>
-              </a:gs>
-              <a:gs pos="100000">
-                <a:srgbClr val="000000">
-                  <a:alpha val="30000"/>
-                </a:srgbClr>
-              </a:gs>
-            </a:gsLst>
-            <a:lin ang="13200000" scaled="0"/>
-          </a:gradFill>
-          <a:ln>
-            <a:noFill/>
-          </a:ln>
-        </p:spPr>
-        <p:style>
-          <a:lnRef idx="2">
-            <a:schemeClr val="accent1">
-              <a:shade val="50000"/>
-            </a:schemeClr>
-          </a:lnRef>
-          <a:fillRef idx="1">
-            <a:schemeClr val="accent1"/>
-          </a:fillRef>
-          <a:effectRef idx="0">
-            <a:schemeClr val="accent1"/>
-          </a:effectRef>
-          <a:fontRef idx="minor">
-            <a:schemeClr val="lt1"/>
-          </a:fontRef>
-        </p:style>
-        <p:txBody>
-          <a:bodyPr rtlCol="0" anchor="ctr"/>
-          <a:lstStyle/>
-          <a:p>
-            <a:pPr algn="ctr"/>
-            <a:endParaRPr lang="en-US"/>
-          </a:p>
-        </p:txBody>
-      </p:sp>
-      <p:sp>
-        <p:nvSpPr>
-          <p:cNvPr id="16" name="Rectangle 15">
-            <a:extLst>
-              <a:ext uri="{FF2B5EF4-FFF2-40B4-BE49-F238E27FC236}">
-                <a16:creationId xmlns:a16="http://schemas.microsoft.com/office/drawing/2014/main" id="{53E5B1A8-3AC9-4BD1-9BBC-78CA94F2D1BA}"/>
-              </a:ext>
-              <a:ext uri="{C183D7F6-B498-43B3-948B-1728B52AA6E4}">
-                <adec:decorative xmlns:adec="http://schemas.microsoft.com/office/drawing/2017/decorative" val="1"/>
-              </a:ext>
-            </a:extLst>
-          </p:cNvPr>
-          <p:cNvSpPr>
-            <a:spLocks noGrp="1" noRot="1" noChangeAspect="1" noMove="1" noResize="1" noEditPoints="1" noAdjustHandles="1" noChangeArrowheads="1" noChangeShapeType="1" noTextEdit="1"/>
-          </p:cNvSpPr>
-          <p:nvPr>
-            <p:extLst>
-              <p:ext uri="{386F3935-93C4-4BCD-93E2-E3B085C9AB24}">
-                <p16:designElem xmlns:p16="http://schemas.microsoft.com/office/powerpoint/2015/main" val="1"/>
-              </p:ext>
-            </p:extLst>
-          </p:nvPr>
-        </p:nvSpPr>
-        <p:spPr>
-          <a:xfrm>
-            <a:off x="459350" y="-1"/>
-            <a:ext cx="11732646" cy="1597433"/>
-          </a:xfrm>
-          <a:prstGeom prst="rect">
-            <a:avLst/>
-          </a:prstGeom>
-          <a:gradFill>
-            <a:gsLst>
-              <a:gs pos="50000">
-                <a:srgbClr val="000000">
-                  <a:alpha val="0"/>
-                </a:srgbClr>
-              </a:gs>
-              <a:gs pos="99000">
-                <a:schemeClr val="accent1">
-                  <a:lumMod val="50000"/>
-                  <a:alpha val="52000"/>
-                </a:schemeClr>
-              </a:gs>
-            </a:gsLst>
-            <a:lin ang="16800000" scaled="0"/>
-          </a:gradFill>
-          <a:ln>
-            <a:noFill/>
-          </a:ln>
-        </p:spPr>
-        <p:style>
-          <a:lnRef idx="2">
-            <a:schemeClr val="accent1">
-              <a:shade val="50000"/>
-            </a:schemeClr>
-          </a:lnRef>
-          <a:fillRef idx="1">
-            <a:schemeClr val="accent1"/>
-          </a:fillRef>
-          <a:effectRef idx="0">
-            <a:schemeClr val="accent1"/>
-          </a:effectRef>
-          <a:fontRef idx="minor">
-            <a:schemeClr val="lt1"/>
-          </a:fontRef>
-        </p:style>
-        <p:txBody>
-          <a:bodyPr rtlCol="0" anchor="ctr"/>
-          <a:lstStyle/>
-          <a:p>
-            <a:pPr algn="ctr"/>
-            <a:endParaRPr lang="en-US"/>
-          </a:p>
-        </p:txBody>
-      </p:sp>
-      <p:sp>
-        <p:nvSpPr>
-          <p:cNvPr id="2" name="Título 1">
-            <a:extLst>
-              <a:ext uri="{FF2B5EF4-FFF2-40B4-BE49-F238E27FC236}">
-                <a16:creationId xmlns:a16="http://schemas.microsoft.com/office/drawing/2014/main" id="{CB8C5922-DA9F-3AAA-98EF-E306B61DA098}"/>
-              </a:ext>
-            </a:extLst>
-          </p:cNvPr>
-          <p:cNvSpPr>
-            <a:spLocks noGrp="1"/>
-          </p:cNvSpPr>
-          <p:nvPr>
-            <p:ph type="title"/>
-          </p:nvPr>
-        </p:nvSpPr>
-        <p:spPr>
-          <a:xfrm>
-            <a:off x="1371599" y="294538"/>
-            <a:ext cx="9895951" cy="1033669"/>
-          </a:xfrm>
-        </p:spPr>
-        <p:txBody>
-          <a:bodyPr>
-            <a:normAutofit/>
-          </a:bodyPr>
-          <a:lstStyle/>
-          <a:p>
-            <a:endParaRPr lang="es-SV" sz="4000">
-              <a:solidFill>
-                <a:srgbClr val="FFFFFF"/>
-              </a:solidFill>
-            </a:endParaRPr>
-          </a:p>
-        </p:txBody>
-      </p:sp>
-      <p:sp>
-        <p:nvSpPr>
-          <p:cNvPr id="3" name="Marcador de contenido 2">
-            <a:extLst>
-              <a:ext uri="{FF2B5EF4-FFF2-40B4-BE49-F238E27FC236}">
-                <a16:creationId xmlns:a16="http://schemas.microsoft.com/office/drawing/2014/main" id="{C44EA95D-2DB9-CA21-46C9-342A06F960C4}"/>
-              </a:ext>
-            </a:extLst>
-          </p:cNvPr>
-          <p:cNvSpPr>
-            <a:spLocks noGrp="1"/>
-          </p:cNvSpPr>
-          <p:nvPr>
-            <p:ph idx="1"/>
-          </p:nvPr>
-        </p:nvSpPr>
-        <p:spPr>
-          <a:xfrm>
-            <a:off x="1371599" y="2318197"/>
-            <a:ext cx="9724031" cy="3683358"/>
-          </a:xfrm>
-        </p:spPr>
-        <p:txBody>
-          <a:bodyPr anchor="ctr">
-            <a:normAutofit/>
-          </a:bodyPr>
-          <a:lstStyle/>
-          <a:p>
-            <a:pPr>
-              <a:buFont typeface="+mj-lt"/>
-              <a:buAutoNum type="arabicPeriod"/>
-            </a:pPr>
-            <a:endParaRPr lang="es-ES" sz="2000" b="0" i="0">
-              <a:effectLst/>
-              <a:highlight>
-                <a:srgbClr val="F3F3F3"/>
-              </a:highlight>
-              <a:latin typeface="-apple-system"/>
-            </a:endParaRPr>
-          </a:p>
-          <a:p>
-            <a:pPr marL="1143000" lvl="2" indent="-228600">
-              <a:buFont typeface="+mj-lt"/>
-              <a:buAutoNum type="arabicPeriod"/>
-            </a:pPr>
-            <a:r>
-              <a:rPr lang="es-ES" b="1" i="0">
-                <a:effectLst/>
-                <a:highlight>
-                  <a:srgbClr val="F3F3F3"/>
-                </a:highlight>
-                <a:latin typeface="-apple-system"/>
-              </a:rPr>
-              <a:t>Diapositiva 8</a:t>
-            </a:r>
-            <a:r>
-              <a:rPr lang="es-ES" b="0" i="0">
-                <a:effectLst/>
-                <a:highlight>
-                  <a:srgbClr val="F3F3F3"/>
-                </a:highlight>
-                <a:latin typeface="-apple-system"/>
-              </a:rPr>
-              <a:t>: Desarrollo de la interfaz de usuario y pruebas del prototipo.</a:t>
-            </a:r>
-          </a:p>
-          <a:p>
-            <a:br>
-              <a:rPr lang="es-ES" sz="2000"/>
-            </a:br>
-            <a:endParaRPr lang="es-SV" sz="2000"/>
-          </a:p>
-        </p:txBody>
-      </p:sp>
-    </p:spTree>
-    <p:extLst>
-      <p:ext uri="{BB962C8B-B14F-4D97-AF65-F5344CB8AC3E}">
-        <p14:creationId xmlns:p14="http://schemas.microsoft.com/office/powerpoint/2010/main" val="1068644601"/>
-      </p:ext>
-    </p:extLst>
-  </p:cSld>
-  <p:clrMapOvr>
-    <a:masterClrMapping/>
-  </p:clrMapOvr>
-</p:sld>
-</file>
-
-<file path=ppt/slides/slide9.xml><?xml version="1.0" encoding="utf-8"?>
-<p:sld xmlns:a="http://schemas.openxmlformats.org/drawingml/2006/main" xmlns:r="http://schemas.openxmlformats.org/officeDocument/2006/relationships" xmlns:p="http://schemas.openxmlformats.org/presentationml/2006/main">
-  <p:cSld>
-    <p:bg>
-      <p:bgPr>
-        <a:solidFill>
-          <a:schemeClr val="bg1"/>
-        </a:solidFill>
-        <a:effectLst/>
-      </p:bgPr>
-    </p:bg>
-    <p:spTree>
-      <p:nvGrpSpPr>
-        <p:cNvPr id="1" name=""/>
-        <p:cNvGrpSpPr/>
-        <p:nvPr/>
-      </p:nvGrpSpPr>
-      <p:grpSpPr>
-        <a:xfrm>
-          <a:off x="0" y="0"/>
-          <a:ext cx="0" cy="0"/>
-          <a:chOff x="0" y="0"/>
-          <a:chExt cx="0" cy="0"/>
-        </a:xfrm>
-      </p:grpSpPr>
-      <p:sp useBgFill="1">
-        <p:nvSpPr>
-          <p:cNvPr id="8" name="Rectangle 7">
-            <a:extLst>
-              <a:ext uri="{FF2B5EF4-FFF2-40B4-BE49-F238E27FC236}">
-                <a16:creationId xmlns:a16="http://schemas.microsoft.com/office/drawing/2014/main" id="{1B15ED52-F352-441B-82BF-E0EA34836D08}"/>
-              </a:ext>
-              <a:ext uri="{C183D7F6-B498-43B3-948B-1728B52AA6E4}">
-                <adec:decorative xmlns:adec="http://schemas.microsoft.com/office/drawing/2017/decorative" val="1"/>
-              </a:ext>
-            </a:extLst>
-          </p:cNvPr>
-          <p:cNvSpPr>
-            <a:spLocks noGrp="1" noRot="1" noChangeAspect="1" noMove="1" noResize="1" noEditPoints="1" noAdjustHandles="1" noChangeArrowheads="1" noChangeShapeType="1" noTextEdit="1"/>
-          </p:cNvSpPr>
-          <p:nvPr>
-            <p:extLst>
-              <p:ext uri="{386F3935-93C4-4BCD-93E2-E3B085C9AB24}">
-                <p16:designElem xmlns:p16="http://schemas.microsoft.com/office/powerpoint/2015/main" val="1"/>
-              </p:ext>
-            </p:extLst>
-          </p:nvPr>
-        </p:nvSpPr>
-        <p:spPr>
-          <a:xfrm>
-            <a:off x="0" y="0"/>
-            <a:ext cx="12192000" cy="6858000"/>
-          </a:xfrm>
-          <a:prstGeom prst="rect">
-            <a:avLst/>
-          </a:prstGeom>
-          <a:ln w="12700" cap="flat" cmpd="sng" algn="ctr">
-            <a:noFill/>
-            <a:prstDash val="solid"/>
-            <a:miter lim="800000"/>
-          </a:ln>
-          <a:effectLst/>
-          <a:extLst>
-            <a:ext uri="{91240B29-F687-4F45-9708-019B960494DF}">
-              <a14:hiddenLine xmlns:a14="http://schemas.microsoft.com/office/drawing/2010/main" w="12700" cap="flat" cmpd="sng" algn="ctr">
-                <a:solidFill>
-                  <a:schemeClr val="accent1">
-                    <a:shade val="50000"/>
-                  </a:schemeClr>
-                </a:solidFill>
-                <a:prstDash val="solid"/>
-                <a:miter lim="800000"/>
-              </a14:hiddenLine>
-            </a:ext>
-          </a:extLst>
-        </p:spPr>
-        <p:style>
-          <a:lnRef idx="2">
-            <a:schemeClr val="accent1">
-              <a:shade val="50000"/>
-            </a:schemeClr>
-          </a:lnRef>
-          <a:fillRef idx="1">
-            <a:schemeClr val="accent1"/>
-          </a:fillRef>
-          <a:effectRef idx="0">
-            <a:schemeClr val="accent1"/>
-          </a:effectRef>
-          <a:fontRef idx="minor">
-            <a:schemeClr val="lt1"/>
-          </a:fontRef>
-        </p:style>
-        <p:txBody>
-          <a:bodyPr rtlCol="0" anchor="ctr"/>
-          <a:lstStyle/>
-          <a:p>
-            <a:pPr algn="ctr"/>
-            <a:endParaRPr lang="en-US"/>
-          </a:p>
-        </p:txBody>
-      </p:sp>
-      <p:sp>
-        <p:nvSpPr>
-          <p:cNvPr id="10" name="Rectangle 9">
-            <a:extLst>
-              <a:ext uri="{FF2B5EF4-FFF2-40B4-BE49-F238E27FC236}">
-                <a16:creationId xmlns:a16="http://schemas.microsoft.com/office/drawing/2014/main" id="{3B2E3793-BFE6-45A2-9B7B-E18844431C99}"/>
-              </a:ext>
-              <a:ext uri="{C183D7F6-B498-43B3-948B-1728B52AA6E4}">
-                <adec:decorative xmlns:adec="http://schemas.microsoft.com/office/drawing/2017/decorative" val="1"/>
-              </a:ext>
-            </a:extLst>
-          </p:cNvPr>
-          <p:cNvSpPr>
-            <a:spLocks noGrp="1" noRot="1" noChangeAspect="1" noMove="1" noResize="1" noEditPoints="1" noAdjustHandles="1" noChangeArrowheads="1" noChangeShapeType="1" noTextEdit="1"/>
-          </p:cNvSpPr>
-          <p:nvPr>
-            <p:extLst>
-              <p:ext uri="{386F3935-93C4-4BCD-93E2-E3B085C9AB24}">
-                <p16:designElem xmlns:p16="http://schemas.microsoft.com/office/powerpoint/2015/main" val="1"/>
-              </p:ext>
-            </p:extLst>
-          </p:nvPr>
-        </p:nvSpPr>
-        <p:spPr>
-          <a:xfrm flipH="1">
-            <a:off x="-1" y="-1"/>
-            <a:ext cx="12191998" cy="1590742"/>
-          </a:xfrm>
-          <a:prstGeom prst="rect">
-            <a:avLst/>
-          </a:prstGeom>
-          <a:gradFill>
-            <a:gsLst>
-              <a:gs pos="0">
-                <a:srgbClr val="000000"/>
-              </a:gs>
-              <a:gs pos="100000">
-                <a:schemeClr val="accent1">
-                  <a:lumMod val="75000"/>
-                </a:schemeClr>
-              </a:gs>
-            </a:gsLst>
-            <a:lin ang="8400000" scaled="0"/>
-          </a:gradFill>
-          <a:ln>
-            <a:noFill/>
-          </a:ln>
-        </p:spPr>
-        <p:style>
-          <a:lnRef idx="2">
-            <a:schemeClr val="accent1">
-              <a:shade val="50000"/>
-            </a:schemeClr>
-          </a:lnRef>
-          <a:fillRef idx="1">
-            <a:schemeClr val="accent1"/>
-          </a:fillRef>
-          <a:effectRef idx="0">
-            <a:schemeClr val="accent1"/>
-          </a:effectRef>
-          <a:fontRef idx="minor">
-            <a:schemeClr val="lt1"/>
-          </a:fontRef>
-        </p:style>
-        <p:txBody>
-          <a:bodyPr rtlCol="0" anchor="ctr"/>
-          <a:lstStyle/>
-          <a:p>
-            <a:pPr algn="ctr"/>
-            <a:endParaRPr lang="en-US"/>
-          </a:p>
-        </p:txBody>
-      </p:sp>
-      <p:sp>
-        <p:nvSpPr>
-          <p:cNvPr id="12" name="Rectangle 11">
-            <a:extLst>
-              <a:ext uri="{FF2B5EF4-FFF2-40B4-BE49-F238E27FC236}">
-                <a16:creationId xmlns:a16="http://schemas.microsoft.com/office/drawing/2014/main" id="{BC4C4868-CB8F-4AF9-9CDB-8108F2C19B67}"/>
-              </a:ext>
-              <a:ext uri="{C183D7F6-B498-43B3-948B-1728B52AA6E4}">
-                <adec:decorative xmlns:adec="http://schemas.microsoft.com/office/drawing/2017/decorative" val="1"/>
-              </a:ext>
-            </a:extLst>
-          </p:cNvPr>
-          <p:cNvSpPr>
-            <a:spLocks noGrp="1" noRot="1" noChangeAspect="1" noMove="1" noResize="1" noEditPoints="1" noAdjustHandles="1" noChangeArrowheads="1" noChangeShapeType="1" noTextEdit="1"/>
-          </p:cNvSpPr>
-          <p:nvPr>
-            <p:extLst>
-              <p:ext uri="{386F3935-93C4-4BCD-93E2-E3B085C9AB24}">
-                <p16:designElem xmlns:p16="http://schemas.microsoft.com/office/powerpoint/2015/main" val="1"/>
-              </p:ext>
-            </p:extLst>
-          </p:nvPr>
-        </p:nvSpPr>
-        <p:spPr>
-          <a:xfrm rot="10800000" flipH="1">
-            <a:off x="-3" y="0"/>
-            <a:ext cx="8115306" cy="1590742"/>
-          </a:xfrm>
-          <a:prstGeom prst="rect">
-            <a:avLst/>
-          </a:prstGeom>
-          <a:gradFill>
-            <a:gsLst>
-              <a:gs pos="20000">
-                <a:schemeClr val="accent1">
-                  <a:alpha val="0"/>
-                </a:schemeClr>
-              </a:gs>
-              <a:gs pos="100000">
-                <a:schemeClr val="accent1">
-                  <a:lumMod val="50000"/>
-                  <a:alpha val="55000"/>
-                </a:schemeClr>
-              </a:gs>
-            </a:gsLst>
-            <a:lin ang="13800000" scaled="0"/>
-          </a:gradFill>
-          <a:ln>
-            <a:noFill/>
-          </a:ln>
-        </p:spPr>
-        <p:style>
-          <a:lnRef idx="2">
-            <a:schemeClr val="accent1">
-              <a:shade val="50000"/>
-            </a:schemeClr>
-          </a:lnRef>
-          <a:fillRef idx="1">
-            <a:schemeClr val="accent1"/>
-          </a:fillRef>
-          <a:effectRef idx="0">
-            <a:schemeClr val="accent1"/>
-          </a:effectRef>
-          <a:fontRef idx="minor">
-            <a:schemeClr val="lt1"/>
-          </a:fontRef>
-        </p:style>
-        <p:txBody>
-          <a:bodyPr rtlCol="0" anchor="ctr"/>
-          <a:lstStyle/>
-          <a:p>
-            <a:pPr algn="ctr"/>
-            <a:endParaRPr lang="en-US"/>
-          </a:p>
-        </p:txBody>
-      </p:sp>
-      <p:sp>
-        <p:nvSpPr>
-          <p:cNvPr id="14" name="Rectangle 13">
-            <a:extLst>
-              <a:ext uri="{FF2B5EF4-FFF2-40B4-BE49-F238E27FC236}">
-                <a16:creationId xmlns:a16="http://schemas.microsoft.com/office/drawing/2014/main" id="{375E0459-6403-40CD-989D-56A4407CA12E}"/>
-              </a:ext>
-              <a:ext uri="{C183D7F6-B498-43B3-948B-1728B52AA6E4}">
-                <adec:decorative xmlns:adec="http://schemas.microsoft.com/office/drawing/2017/decorative" val="1"/>
-              </a:ext>
-            </a:extLst>
-          </p:cNvPr>
-          <p:cNvSpPr>
-            <a:spLocks noGrp="1" noRot="1" noChangeAspect="1" noMove="1" noResize="1" noEditPoints="1" noAdjustHandles="1" noChangeArrowheads="1" noChangeShapeType="1" noTextEdit="1"/>
-          </p:cNvSpPr>
-          <p:nvPr>
-            <p:extLst>
-              <p:ext uri="{386F3935-93C4-4BCD-93E2-E3B085C9AB24}">
-                <p16:designElem xmlns:p16="http://schemas.microsoft.com/office/powerpoint/2015/main" val="1"/>
-              </p:ext>
-            </p:extLst>
-          </p:nvPr>
-        </p:nvSpPr>
-        <p:spPr>
-          <a:xfrm flipH="1">
-            <a:off x="8115299" y="-1"/>
-            <a:ext cx="4076698" cy="1590742"/>
-          </a:xfrm>
-          <a:prstGeom prst="rect">
-            <a:avLst/>
-          </a:prstGeom>
-          <a:gradFill>
-            <a:gsLst>
-              <a:gs pos="0">
-                <a:schemeClr val="accent1">
-                  <a:alpha val="66000"/>
-                </a:schemeClr>
-              </a:gs>
-              <a:gs pos="100000">
-                <a:srgbClr val="000000">
-                  <a:alpha val="30000"/>
-                </a:srgbClr>
-              </a:gs>
-            </a:gsLst>
-            <a:lin ang="13200000" scaled="0"/>
-          </a:gradFill>
-          <a:ln>
-            <a:noFill/>
-          </a:ln>
-        </p:spPr>
-        <p:style>
-          <a:lnRef idx="2">
-            <a:schemeClr val="accent1">
-              <a:shade val="50000"/>
-            </a:schemeClr>
-          </a:lnRef>
-          <a:fillRef idx="1">
-            <a:schemeClr val="accent1"/>
-          </a:fillRef>
-          <a:effectRef idx="0">
-            <a:schemeClr val="accent1"/>
-          </a:effectRef>
-          <a:fontRef idx="minor">
-            <a:schemeClr val="lt1"/>
-          </a:fontRef>
-        </p:style>
-        <p:txBody>
-          <a:bodyPr rtlCol="0" anchor="ctr"/>
-          <a:lstStyle/>
-          <a:p>
-            <a:pPr algn="ctr"/>
-            <a:endParaRPr lang="en-US"/>
-          </a:p>
-        </p:txBody>
-      </p:sp>
-      <p:sp>
-        <p:nvSpPr>
-          <p:cNvPr id="16" name="Rectangle 15">
-            <a:extLst>
-              <a:ext uri="{FF2B5EF4-FFF2-40B4-BE49-F238E27FC236}">
-                <a16:creationId xmlns:a16="http://schemas.microsoft.com/office/drawing/2014/main" id="{53E5B1A8-3AC9-4BD1-9BBC-78CA94F2D1BA}"/>
-              </a:ext>
-              <a:ext uri="{C183D7F6-B498-43B3-948B-1728B52AA6E4}">
-                <adec:decorative xmlns:adec="http://schemas.microsoft.com/office/drawing/2017/decorative" val="1"/>
-              </a:ext>
-            </a:extLst>
-          </p:cNvPr>
-          <p:cNvSpPr>
-            <a:spLocks noGrp="1" noRot="1" noChangeAspect="1" noMove="1" noResize="1" noEditPoints="1" noAdjustHandles="1" noChangeArrowheads="1" noChangeShapeType="1" noTextEdit="1"/>
-          </p:cNvSpPr>
-          <p:nvPr>
-            <p:extLst>
-              <p:ext uri="{386F3935-93C4-4BCD-93E2-E3B085C9AB24}">
-                <p16:designElem xmlns:p16="http://schemas.microsoft.com/office/powerpoint/2015/main" val="1"/>
-              </p:ext>
-            </p:extLst>
-          </p:nvPr>
-        </p:nvSpPr>
-        <p:spPr>
-          <a:xfrm>
-            <a:off x="459350" y="-1"/>
-            <a:ext cx="11732646" cy="1597433"/>
-          </a:xfrm>
-          <a:prstGeom prst="rect">
-            <a:avLst/>
-          </a:prstGeom>
-          <a:gradFill>
-            <a:gsLst>
-              <a:gs pos="50000">
-                <a:srgbClr val="000000">
-                  <a:alpha val="0"/>
-                </a:srgbClr>
-              </a:gs>
-              <a:gs pos="99000">
-                <a:schemeClr val="accent1">
-                  <a:lumMod val="50000"/>
-                  <a:alpha val="52000"/>
-                </a:schemeClr>
-              </a:gs>
-            </a:gsLst>
-            <a:lin ang="16800000" scaled="0"/>
-          </a:gradFill>
-          <a:ln>
-            <a:noFill/>
-          </a:ln>
-        </p:spPr>
-        <p:style>
-          <a:lnRef idx="2">
-            <a:schemeClr val="accent1">
-              <a:shade val="50000"/>
-            </a:schemeClr>
-          </a:lnRef>
-          <a:fillRef idx="1">
-            <a:schemeClr val="accent1"/>
-          </a:fillRef>
-          <a:effectRef idx="0">
-            <a:schemeClr val="accent1"/>
-          </a:effectRef>
-          <a:fontRef idx="minor">
-            <a:schemeClr val="lt1"/>
-          </a:fontRef>
-        </p:style>
-        <p:txBody>
-          <a:bodyPr rtlCol="0" anchor="ctr"/>
-          <a:lstStyle/>
-          <a:p>
-            <a:pPr algn="ctr"/>
-            <a:endParaRPr lang="en-US"/>
-          </a:p>
-        </p:txBody>
-      </p:sp>
-      <p:sp>
-        <p:nvSpPr>
-          <p:cNvPr id="2" name="Título 1">
-            <a:extLst>
-              <a:ext uri="{FF2B5EF4-FFF2-40B4-BE49-F238E27FC236}">
-                <a16:creationId xmlns:a16="http://schemas.microsoft.com/office/drawing/2014/main" id="{4F289A8A-4D10-B3BB-F809-79887BE4CA46}"/>
-              </a:ext>
-            </a:extLst>
-          </p:cNvPr>
-          <p:cNvSpPr>
-            <a:spLocks noGrp="1"/>
-          </p:cNvSpPr>
-          <p:nvPr>
-            <p:ph type="title"/>
-          </p:nvPr>
-        </p:nvSpPr>
-        <p:spPr>
-          <a:xfrm>
-            <a:off x="1371599" y="294538"/>
-            <a:ext cx="9895951" cy="1033669"/>
-          </a:xfrm>
-        </p:spPr>
-        <p:txBody>
-          <a:bodyPr>
-            <a:normAutofit/>
-          </a:bodyPr>
-          <a:lstStyle/>
-          <a:p>
-            <a:endParaRPr lang="es-SV" sz="4000">
-              <a:solidFill>
-                <a:srgbClr val="FFFFFF"/>
-              </a:solidFill>
-            </a:endParaRPr>
-          </a:p>
-        </p:txBody>
-      </p:sp>
-      <p:sp>
-        <p:nvSpPr>
-          <p:cNvPr id="3" name="Marcador de contenido 2">
-            <a:extLst>
-              <a:ext uri="{FF2B5EF4-FFF2-40B4-BE49-F238E27FC236}">
-                <a16:creationId xmlns:a16="http://schemas.microsoft.com/office/drawing/2014/main" id="{CD4AB163-AD83-895C-31ED-44518B4365AD}"/>
-              </a:ext>
-            </a:extLst>
-          </p:cNvPr>
-          <p:cNvSpPr>
-            <a:spLocks noGrp="1"/>
-          </p:cNvSpPr>
-          <p:nvPr>
-            <p:ph idx="1"/>
-          </p:nvPr>
-        </p:nvSpPr>
-        <p:spPr>
-          <a:xfrm>
-            <a:off x="1371599" y="2318197"/>
-            <a:ext cx="9724031" cy="3683358"/>
-          </a:xfrm>
-        </p:spPr>
-        <p:txBody>
-          <a:bodyPr anchor="ctr">
-            <a:normAutofit/>
-          </a:bodyPr>
-          <a:lstStyle/>
-          <a:p>
-            <a:pPr>
-              <a:buFont typeface="+mj-lt"/>
-              <a:buAutoNum type="arabicPeriod"/>
-            </a:pPr>
-            <a:endParaRPr lang="es-ES" sz="2000" b="0" i="0">
-              <a:effectLst/>
-              <a:highlight>
-                <a:srgbClr val="F3F3F3"/>
-              </a:highlight>
-              <a:latin typeface="-apple-system"/>
-            </a:endParaRPr>
-          </a:p>
-          <a:p>
-            <a:pPr marL="742950" lvl="1" indent="-285750">
-              <a:buFont typeface="+mj-lt"/>
-              <a:buAutoNum type="arabicPeriod"/>
-            </a:pPr>
-            <a:r>
-              <a:rPr lang="es-ES" sz="2000" b="1" i="0">
-                <a:effectLst/>
-                <a:highlight>
-                  <a:srgbClr val="F3F3F3"/>
-                </a:highlight>
-                <a:latin typeface="-apple-system"/>
-              </a:rPr>
-              <a:t>Diapositivas 9-10</a:t>
-            </a:r>
-            <a:r>
-              <a:rPr lang="es-ES" sz="2000" b="0" i="0">
-                <a:effectLst/>
-                <a:highlight>
-                  <a:srgbClr val="F3F3F3"/>
-                </a:highlight>
-                <a:latin typeface="-apple-system"/>
-              </a:rPr>
-              <a:t>: Presentación de los resultados obtenidos y análisis de los mismos.</a:t>
-            </a:r>
-          </a:p>
-          <a:p>
-            <a:br>
-              <a:rPr lang="es-ES" sz="2000"/>
-            </a:br>
-            <a:endParaRPr lang="es-SV" sz="2000"/>
-          </a:p>
-        </p:txBody>
-      </p:sp>
-    </p:spTree>
-    <p:extLst>
-      <p:ext uri="{BB962C8B-B14F-4D97-AF65-F5344CB8AC3E}">
-        <p14:creationId xmlns:p14="http://schemas.microsoft.com/office/powerpoint/2010/main" val="3002375102"/>
-      </p:ext>
-    </p:extLst>
-  </p:cSld>
-  <p:clrMapOvr>
-    <a:masterClrMapping/>
-  </p:clrMapOvr>
+  <mc:AlternateContent xmlns:mc="http://schemas.openxmlformats.org/markup-compatibility/2006" xmlns:p14="http://schemas.microsoft.com/office/powerpoint/2010/main">
+    <mc:Choice Requires="p14">
+      <p:transition spd="slow" p14:dur="2000">
+        <p14:prism isContent="1"/>
+      </p:transition>
+    </mc:Choice>
+    <mc:Fallback xmlns="">
+      <p:transition spd="slow">
+        <p:fade/>
+      </p:transition>
+    </mc:Fallback>
+  </mc:AlternateContent>
 </p:sld>
 </file>
 

--- a/ta5/Avance 03 IA.pptx
+++ b/ta5/Avance 03 IA.pptx
@@ -11,8 +11,9 @@
     <p:sldId id="260" r:id="rId5"/>
     <p:sldId id="261" r:id="rId6"/>
     <p:sldId id="262" r:id="rId7"/>
-    <p:sldId id="263" r:id="rId8"/>
-    <p:sldId id="266" r:id="rId9"/>
+    <p:sldId id="267" r:id="rId8"/>
+    <p:sldId id="263" r:id="rId9"/>
+    <p:sldId id="266" r:id="rId10"/>
   </p:sldIdLst>
   <p:sldSz cx="12192000" cy="6858000"/>
   <p:notesSz cx="6858000" cy="9144000"/>
@@ -117,14 +118,6 @@
     </p:ext>
   </p:extLst>
 </p:presentation>
-</file>
-
-<file path=ppt/revisionInfo.xml><?xml version="1.0" encoding="utf-8"?>
-<p1510:revInfo xmlns:a="http://schemas.openxmlformats.org/drawingml/2006/main" xmlns:r="http://schemas.openxmlformats.org/officeDocument/2006/relationships" xmlns:p1510="http://schemas.microsoft.com/office/powerpoint/2015/10/main">
-  <p1510:revLst>
-    <p1510:client id="{28DA792A-7D39-47BE-B06B-F613DE89D9DA}" v="55" dt="2024-08-31T01:22:57.399"/>
-  </p1510:revLst>
-</p1510:revInfo>
 </file>
 
 <file path=ppt/slideLayouts/slideLayout1.xml><?xml version="1.0" encoding="utf-8"?>
@@ -7590,6 +7583,498 @@
           <p:cNvPr id="2" name="Título 1">
             <a:extLst>
               <a:ext uri="{FF2B5EF4-FFF2-40B4-BE49-F238E27FC236}">
+                <a16:creationId xmlns:a16="http://schemas.microsoft.com/office/drawing/2014/main" id="{410E74E7-A4C8-49A5-F858-70C3A33A39B9}"/>
+              </a:ext>
+            </a:extLst>
+          </p:cNvPr>
+          <p:cNvSpPr>
+            <a:spLocks noGrp="1"/>
+          </p:cNvSpPr>
+          <p:nvPr>
+            <p:ph type="title"/>
+          </p:nvPr>
+        </p:nvSpPr>
+        <p:spPr>
+          <a:xfrm>
+            <a:off x="1371599" y="294538"/>
+            <a:ext cx="9895951" cy="1033669"/>
+          </a:xfrm>
+        </p:spPr>
+        <p:txBody>
+          <a:bodyPr>
+            <a:normAutofit/>
+          </a:bodyPr>
+          <a:lstStyle/>
+          <a:p>
+            <a:r>
+              <a:rPr lang="es-SV" sz="4000">
+                <a:solidFill>
+                  <a:srgbClr val="FFFFFF"/>
+                </a:solidFill>
+              </a:rPr>
+              <a:t>PRESUPUESTO</a:t>
+            </a:r>
+            <a:endParaRPr lang="es-SV" sz="4000" dirty="0">
+              <a:solidFill>
+                <a:srgbClr val="FFFFFF"/>
+              </a:solidFill>
+            </a:endParaRPr>
+          </a:p>
+        </p:txBody>
+      </p:sp>
+      <p:pic>
+        <p:nvPicPr>
+          <p:cNvPr id="9" name="Imagen 8">
+            <a:extLst>
+              <a:ext uri="{FF2B5EF4-FFF2-40B4-BE49-F238E27FC236}">
+                <a16:creationId xmlns:a16="http://schemas.microsoft.com/office/drawing/2014/main" id="{D9FE0956-A4DD-227A-3CB7-6F59443EFD2B}"/>
+              </a:ext>
+            </a:extLst>
+          </p:cNvPr>
+          <p:cNvPicPr>
+            <a:picLocks noChangeAspect="1"/>
+          </p:cNvPicPr>
+          <p:nvPr/>
+        </p:nvPicPr>
+        <p:blipFill>
+          <a:blip r:embed="rId2"/>
+          <a:stretch>
+            <a:fillRect/>
+          </a:stretch>
+        </p:blipFill>
+        <p:spPr>
+          <a:xfrm>
+            <a:off x="-4" y="1721914"/>
+            <a:ext cx="12192000" cy="4542579"/>
+          </a:xfrm>
+          <a:prstGeom prst="rect">
+            <a:avLst/>
+          </a:prstGeom>
+        </p:spPr>
+      </p:pic>
+    </p:spTree>
+    <p:extLst>
+      <p:ext uri="{BB962C8B-B14F-4D97-AF65-F5344CB8AC3E}">
+        <p14:creationId xmlns:p14="http://schemas.microsoft.com/office/powerpoint/2010/main" val="1492223923"/>
+      </p:ext>
+    </p:extLst>
+  </p:cSld>
+  <p:clrMapOvr>
+    <a:masterClrMapping/>
+  </p:clrMapOvr>
+  <mc:AlternateContent xmlns:mc="http://schemas.openxmlformats.org/markup-compatibility/2006">
+    <mc:Choice xmlns:p14="http://schemas.microsoft.com/office/powerpoint/2010/main" Requires="p14">
+      <p:transition spd="slow" p14:dur="2000">
+        <p14:prism isContent="1"/>
+      </p:transition>
+    </mc:Choice>
+    <mc:Fallback>
+      <p:transition spd="slow">
+        <p:fade/>
+      </p:transition>
+    </mc:Fallback>
+  </mc:AlternateContent>
+</p:sld>
+</file>
+
+<file path=ppt/slides/slide8.xml><?xml version="1.0" encoding="utf-8"?>
+<p:sld xmlns:a="http://schemas.openxmlformats.org/drawingml/2006/main" xmlns:r="http://schemas.openxmlformats.org/officeDocument/2006/relationships" xmlns:p="http://schemas.openxmlformats.org/presentationml/2006/main">
+  <p:cSld>
+    <p:spTree>
+      <p:nvGrpSpPr>
+        <p:cNvPr id="1" name=""/>
+        <p:cNvGrpSpPr/>
+        <p:nvPr/>
+      </p:nvGrpSpPr>
+      <p:grpSpPr>
+        <a:xfrm>
+          <a:off x="0" y="0"/>
+          <a:ext cx="0" cy="0"/>
+          <a:chOff x="0" y="0"/>
+          <a:chExt cx="0" cy="0"/>
+        </a:xfrm>
+      </p:grpSpPr>
+      <p:sp useBgFill="1">
+        <p:nvSpPr>
+          <p:cNvPr id="8" name="Rectangle 7">
+            <a:extLst>
+              <a:ext uri="{FF2B5EF4-FFF2-40B4-BE49-F238E27FC236}">
+                <a16:creationId xmlns:a16="http://schemas.microsoft.com/office/drawing/2014/main" id="{1B15ED52-F352-441B-82BF-E0EA34836D08}"/>
+              </a:ext>
+              <a:ext uri="{C183D7F6-B498-43B3-948B-1728B52AA6E4}">
+                <adec:decorative xmlns:adec="http://schemas.microsoft.com/office/drawing/2017/decorative" val="1"/>
+              </a:ext>
+            </a:extLst>
+          </p:cNvPr>
+          <p:cNvSpPr>
+            <a:spLocks noGrp="1" noRot="1" noChangeAspect="1" noMove="1" noResize="1" noEditPoints="1" noAdjustHandles="1" noChangeArrowheads="1" noChangeShapeType="1" noTextEdit="1"/>
+          </p:cNvSpPr>
+          <p:nvPr>
+            <p:extLst>
+              <p:ext uri="{386F3935-93C4-4BCD-93E2-E3B085C9AB24}">
+                <p16:designElem xmlns:p16="http://schemas.microsoft.com/office/powerpoint/2015/main" val="1"/>
+              </p:ext>
+            </p:extLst>
+          </p:nvPr>
+        </p:nvSpPr>
+        <p:spPr>
+          <a:xfrm>
+            <a:off x="0" y="0"/>
+            <a:ext cx="12192000" cy="6858000"/>
+          </a:xfrm>
+          <a:prstGeom prst="rect">
+            <a:avLst/>
+          </a:prstGeom>
+          <a:ln w="12700" cap="flat" cmpd="sng" algn="ctr">
+            <a:noFill/>
+            <a:prstDash val="solid"/>
+            <a:miter lim="800000"/>
+          </a:ln>
+          <a:effectLst/>
+          <a:extLst>
+            <a:ext uri="{91240B29-F687-4F45-9708-019B960494DF}">
+              <a14:hiddenLine xmlns:a14="http://schemas.microsoft.com/office/drawing/2010/main" w="12700" cap="flat" cmpd="sng" algn="ctr">
+                <a:solidFill>
+                  <a:schemeClr val="accent1">
+                    <a:shade val="50000"/>
+                  </a:schemeClr>
+                </a:solidFill>
+                <a:prstDash val="solid"/>
+                <a:miter lim="800000"/>
+              </a14:hiddenLine>
+            </a:ext>
+          </a:extLst>
+        </p:spPr>
+        <p:style>
+          <a:lnRef idx="2">
+            <a:schemeClr val="accent1">
+              <a:shade val="50000"/>
+            </a:schemeClr>
+          </a:lnRef>
+          <a:fillRef idx="1">
+            <a:schemeClr val="accent1"/>
+          </a:fillRef>
+          <a:effectRef idx="0">
+            <a:schemeClr val="accent1"/>
+          </a:effectRef>
+          <a:fontRef idx="minor">
+            <a:schemeClr val="lt1"/>
+          </a:fontRef>
+        </p:style>
+        <p:txBody>
+          <a:bodyPr rtlCol="0" anchor="ctr"/>
+          <a:lstStyle/>
+          <a:p>
+            <a:pPr algn="ctr"/>
+            <a:endParaRPr lang="en-US"/>
+          </a:p>
+        </p:txBody>
+      </p:sp>
+      <p:sp>
+        <p:nvSpPr>
+          <p:cNvPr id="10" name="Rectangle 9">
+            <a:extLst>
+              <a:ext uri="{FF2B5EF4-FFF2-40B4-BE49-F238E27FC236}">
+                <a16:creationId xmlns:a16="http://schemas.microsoft.com/office/drawing/2014/main" id="{3B2E3793-BFE6-45A2-9B7B-E18844431C99}"/>
+              </a:ext>
+              <a:ext uri="{C183D7F6-B498-43B3-948B-1728B52AA6E4}">
+                <adec:decorative xmlns:adec="http://schemas.microsoft.com/office/drawing/2017/decorative" val="1"/>
+              </a:ext>
+            </a:extLst>
+          </p:cNvPr>
+          <p:cNvSpPr>
+            <a:spLocks noGrp="1" noRot="1" noChangeAspect="1" noMove="1" noResize="1" noEditPoints="1" noAdjustHandles="1" noChangeArrowheads="1" noChangeShapeType="1" noTextEdit="1"/>
+          </p:cNvSpPr>
+          <p:nvPr>
+            <p:extLst>
+              <p:ext uri="{386F3935-93C4-4BCD-93E2-E3B085C9AB24}">
+                <p16:designElem xmlns:p16="http://schemas.microsoft.com/office/powerpoint/2015/main" val="1"/>
+              </p:ext>
+            </p:extLst>
+          </p:nvPr>
+        </p:nvSpPr>
+        <p:spPr>
+          <a:xfrm flipH="1">
+            <a:off x="-1" y="-1"/>
+            <a:ext cx="12191998" cy="1590742"/>
+          </a:xfrm>
+          <a:prstGeom prst="rect">
+            <a:avLst/>
+          </a:prstGeom>
+          <a:gradFill>
+            <a:gsLst>
+              <a:gs pos="0">
+                <a:srgbClr val="000000"/>
+              </a:gs>
+              <a:gs pos="100000">
+                <a:schemeClr val="accent1">
+                  <a:lumMod val="75000"/>
+                </a:schemeClr>
+              </a:gs>
+            </a:gsLst>
+            <a:lin ang="8400000" scaled="0"/>
+          </a:gradFill>
+          <a:ln>
+            <a:noFill/>
+          </a:ln>
+        </p:spPr>
+        <p:style>
+          <a:lnRef idx="2">
+            <a:schemeClr val="accent1">
+              <a:shade val="50000"/>
+            </a:schemeClr>
+          </a:lnRef>
+          <a:fillRef idx="1">
+            <a:schemeClr val="accent1"/>
+          </a:fillRef>
+          <a:effectRef idx="0">
+            <a:schemeClr val="accent1"/>
+          </a:effectRef>
+          <a:fontRef idx="minor">
+            <a:schemeClr val="lt1"/>
+          </a:fontRef>
+        </p:style>
+        <p:txBody>
+          <a:bodyPr rtlCol="0" anchor="ctr"/>
+          <a:lstStyle/>
+          <a:p>
+            <a:pPr algn="ctr"/>
+            <a:endParaRPr lang="en-US"/>
+          </a:p>
+        </p:txBody>
+      </p:sp>
+      <p:sp>
+        <p:nvSpPr>
+          <p:cNvPr id="12" name="Rectangle 11">
+            <a:extLst>
+              <a:ext uri="{FF2B5EF4-FFF2-40B4-BE49-F238E27FC236}">
+                <a16:creationId xmlns:a16="http://schemas.microsoft.com/office/drawing/2014/main" id="{BC4C4868-CB8F-4AF9-9CDB-8108F2C19B67}"/>
+              </a:ext>
+              <a:ext uri="{C183D7F6-B498-43B3-948B-1728B52AA6E4}">
+                <adec:decorative xmlns:adec="http://schemas.microsoft.com/office/drawing/2017/decorative" val="1"/>
+              </a:ext>
+            </a:extLst>
+          </p:cNvPr>
+          <p:cNvSpPr>
+            <a:spLocks noGrp="1" noRot="1" noChangeAspect="1" noMove="1" noResize="1" noEditPoints="1" noAdjustHandles="1" noChangeArrowheads="1" noChangeShapeType="1" noTextEdit="1"/>
+          </p:cNvSpPr>
+          <p:nvPr>
+            <p:extLst>
+              <p:ext uri="{386F3935-93C4-4BCD-93E2-E3B085C9AB24}">
+                <p16:designElem xmlns:p16="http://schemas.microsoft.com/office/powerpoint/2015/main" val="1"/>
+              </p:ext>
+            </p:extLst>
+          </p:nvPr>
+        </p:nvSpPr>
+        <p:spPr>
+          <a:xfrm rot="10800000" flipH="1">
+            <a:off x="-3" y="0"/>
+            <a:ext cx="8115306" cy="1590742"/>
+          </a:xfrm>
+          <a:prstGeom prst="rect">
+            <a:avLst/>
+          </a:prstGeom>
+          <a:gradFill>
+            <a:gsLst>
+              <a:gs pos="20000">
+                <a:schemeClr val="accent1">
+                  <a:alpha val="0"/>
+                </a:schemeClr>
+              </a:gs>
+              <a:gs pos="100000">
+                <a:schemeClr val="accent1">
+                  <a:lumMod val="50000"/>
+                  <a:alpha val="55000"/>
+                </a:schemeClr>
+              </a:gs>
+            </a:gsLst>
+            <a:lin ang="13800000" scaled="0"/>
+          </a:gradFill>
+          <a:ln>
+            <a:noFill/>
+          </a:ln>
+        </p:spPr>
+        <p:style>
+          <a:lnRef idx="2">
+            <a:schemeClr val="accent1">
+              <a:shade val="50000"/>
+            </a:schemeClr>
+          </a:lnRef>
+          <a:fillRef idx="1">
+            <a:schemeClr val="accent1"/>
+          </a:fillRef>
+          <a:effectRef idx="0">
+            <a:schemeClr val="accent1"/>
+          </a:effectRef>
+          <a:fontRef idx="minor">
+            <a:schemeClr val="lt1"/>
+          </a:fontRef>
+        </p:style>
+        <p:txBody>
+          <a:bodyPr rtlCol="0" anchor="ctr"/>
+          <a:lstStyle/>
+          <a:p>
+            <a:pPr algn="ctr"/>
+            <a:endParaRPr lang="en-US"/>
+          </a:p>
+        </p:txBody>
+      </p:sp>
+      <p:sp>
+        <p:nvSpPr>
+          <p:cNvPr id="14" name="Rectangle 13">
+            <a:extLst>
+              <a:ext uri="{FF2B5EF4-FFF2-40B4-BE49-F238E27FC236}">
+                <a16:creationId xmlns:a16="http://schemas.microsoft.com/office/drawing/2014/main" id="{375E0459-6403-40CD-989D-56A4407CA12E}"/>
+              </a:ext>
+              <a:ext uri="{C183D7F6-B498-43B3-948B-1728B52AA6E4}">
+                <adec:decorative xmlns:adec="http://schemas.microsoft.com/office/drawing/2017/decorative" val="1"/>
+              </a:ext>
+            </a:extLst>
+          </p:cNvPr>
+          <p:cNvSpPr>
+            <a:spLocks noGrp="1" noRot="1" noChangeAspect="1" noMove="1" noResize="1" noEditPoints="1" noAdjustHandles="1" noChangeArrowheads="1" noChangeShapeType="1" noTextEdit="1"/>
+          </p:cNvSpPr>
+          <p:nvPr>
+            <p:extLst>
+              <p:ext uri="{386F3935-93C4-4BCD-93E2-E3B085C9AB24}">
+                <p16:designElem xmlns:p16="http://schemas.microsoft.com/office/powerpoint/2015/main" val="1"/>
+              </p:ext>
+            </p:extLst>
+          </p:nvPr>
+        </p:nvSpPr>
+        <p:spPr>
+          <a:xfrm flipH="1">
+            <a:off x="8115299" y="-1"/>
+            <a:ext cx="4076698" cy="1590742"/>
+          </a:xfrm>
+          <a:prstGeom prst="rect">
+            <a:avLst/>
+          </a:prstGeom>
+          <a:gradFill>
+            <a:gsLst>
+              <a:gs pos="0">
+                <a:schemeClr val="accent1">
+                  <a:alpha val="66000"/>
+                </a:schemeClr>
+              </a:gs>
+              <a:gs pos="100000">
+                <a:srgbClr val="000000">
+                  <a:alpha val="30000"/>
+                </a:srgbClr>
+              </a:gs>
+            </a:gsLst>
+            <a:lin ang="13200000" scaled="0"/>
+          </a:gradFill>
+          <a:ln>
+            <a:noFill/>
+          </a:ln>
+        </p:spPr>
+        <p:style>
+          <a:lnRef idx="2">
+            <a:schemeClr val="accent1">
+              <a:shade val="50000"/>
+            </a:schemeClr>
+          </a:lnRef>
+          <a:fillRef idx="1">
+            <a:schemeClr val="accent1"/>
+          </a:fillRef>
+          <a:effectRef idx="0">
+            <a:schemeClr val="accent1"/>
+          </a:effectRef>
+          <a:fontRef idx="minor">
+            <a:schemeClr val="lt1"/>
+          </a:fontRef>
+        </p:style>
+        <p:txBody>
+          <a:bodyPr rtlCol="0" anchor="ctr"/>
+          <a:lstStyle/>
+          <a:p>
+            <a:pPr algn="ctr"/>
+            <a:endParaRPr lang="en-US"/>
+          </a:p>
+        </p:txBody>
+      </p:sp>
+      <p:sp>
+        <p:nvSpPr>
+          <p:cNvPr id="16" name="Rectangle 15">
+            <a:extLst>
+              <a:ext uri="{FF2B5EF4-FFF2-40B4-BE49-F238E27FC236}">
+                <a16:creationId xmlns:a16="http://schemas.microsoft.com/office/drawing/2014/main" id="{53E5B1A8-3AC9-4BD1-9BBC-78CA94F2D1BA}"/>
+              </a:ext>
+              <a:ext uri="{C183D7F6-B498-43B3-948B-1728B52AA6E4}">
+                <adec:decorative xmlns:adec="http://schemas.microsoft.com/office/drawing/2017/decorative" val="1"/>
+              </a:ext>
+            </a:extLst>
+          </p:cNvPr>
+          <p:cNvSpPr>
+            <a:spLocks noGrp="1" noRot="1" noChangeAspect="1" noMove="1" noResize="1" noEditPoints="1" noAdjustHandles="1" noChangeArrowheads="1" noChangeShapeType="1" noTextEdit="1"/>
+          </p:cNvSpPr>
+          <p:nvPr>
+            <p:extLst>
+              <p:ext uri="{386F3935-93C4-4BCD-93E2-E3B085C9AB24}">
+                <p16:designElem xmlns:p16="http://schemas.microsoft.com/office/powerpoint/2015/main" val="1"/>
+              </p:ext>
+            </p:extLst>
+          </p:nvPr>
+        </p:nvSpPr>
+        <p:spPr>
+          <a:xfrm>
+            <a:off x="459350" y="-1"/>
+            <a:ext cx="11732646" cy="1597433"/>
+          </a:xfrm>
+          <a:prstGeom prst="rect">
+            <a:avLst/>
+          </a:prstGeom>
+          <a:gradFill>
+            <a:gsLst>
+              <a:gs pos="50000">
+                <a:srgbClr val="000000">
+                  <a:alpha val="0"/>
+                </a:srgbClr>
+              </a:gs>
+              <a:gs pos="99000">
+                <a:schemeClr val="accent1">
+                  <a:lumMod val="50000"/>
+                  <a:alpha val="52000"/>
+                </a:schemeClr>
+              </a:gs>
+            </a:gsLst>
+            <a:lin ang="16800000" scaled="0"/>
+          </a:gradFill>
+          <a:ln>
+            <a:noFill/>
+          </a:ln>
+        </p:spPr>
+        <p:style>
+          <a:lnRef idx="2">
+            <a:schemeClr val="accent1">
+              <a:shade val="50000"/>
+            </a:schemeClr>
+          </a:lnRef>
+          <a:fillRef idx="1">
+            <a:schemeClr val="accent1"/>
+          </a:fillRef>
+          <a:effectRef idx="0">
+            <a:schemeClr val="accent1"/>
+          </a:effectRef>
+          <a:fontRef idx="minor">
+            <a:schemeClr val="lt1"/>
+          </a:fontRef>
+        </p:style>
+        <p:txBody>
+          <a:bodyPr rtlCol="0" anchor="ctr"/>
+          <a:lstStyle/>
+          <a:p>
+            <a:pPr algn="ctr"/>
+            <a:endParaRPr lang="en-US"/>
+          </a:p>
+        </p:txBody>
+      </p:sp>
+      <p:sp>
+        <p:nvSpPr>
+          <p:cNvPr id="2" name="Título 1">
+            <a:extLst>
+              <a:ext uri="{FF2B5EF4-FFF2-40B4-BE49-F238E27FC236}">
                 <a16:creationId xmlns:a16="http://schemas.microsoft.com/office/drawing/2014/main" id="{CB8C5922-DA9F-3AAA-98EF-E306B61DA098}"/>
               </a:ext>
             </a:extLst>
@@ -7680,7 +8165,7 @@
 </p:sld>
 </file>
 
-<file path=ppt/slides/slide8.xml><?xml version="1.0" encoding="utf-8"?>
+<file path=ppt/slides/slide9.xml><?xml version="1.0" encoding="utf-8"?>
 <p:sld xmlns:a="http://schemas.openxmlformats.org/drawingml/2006/main" xmlns:r="http://schemas.openxmlformats.org/officeDocument/2006/relationships" xmlns:p="http://schemas.openxmlformats.org/presentationml/2006/main">
   <p:cSld>
     <p:spTree>
